--- a/presentations/code_diagram.pptx
+++ b/presentations/code_diagram.pptx
@@ -2966,141 +2966,18 @@
       </p:grpSpPr>
       <p:grpSp>
         <p:nvGrpSpPr>
-          <p:cNvPr id="125" name="Group 124"/>
+          <p:cNvPr id="162" name="Group 161"/>
           <p:cNvGrpSpPr/>
           <p:nvPr/>
         </p:nvGrpSpPr>
         <p:grpSpPr>
           <a:xfrm>
-            <a:off x="1593476" y="1352366"/>
-            <a:ext cx="9052773" cy="4524511"/>
-            <a:chOff x="1593476" y="1352366"/>
-            <a:chExt cx="9052773" cy="4524511"/>
+            <a:off x="2123163" y="862631"/>
+            <a:ext cx="8450183" cy="4948299"/>
+            <a:chOff x="2123163" y="862631"/>
+            <a:chExt cx="8450183" cy="4948299"/>
           </a:xfrm>
         </p:grpSpPr>
-        <p:sp>
-          <p:nvSpPr>
-            <p:cNvPr id="104" name="Rounded Rectangle 103"/>
-            <p:cNvSpPr/>
-            <p:nvPr/>
-          </p:nvSpPr>
-          <p:spPr>
-            <a:xfrm>
-              <a:off x="1593476" y="2054857"/>
-              <a:ext cx="2745885" cy="876825"/>
-            </a:xfrm>
-            <a:prstGeom prst="roundRect">
-              <a:avLst>
-                <a:gd name="adj" fmla="val 3445"/>
-              </a:avLst>
-            </a:prstGeom>
-            <a:solidFill>
-              <a:schemeClr val="accent5">
-                <a:lumMod val="20000"/>
-                <a:lumOff val="80000"/>
-                <a:alpha val="53000"/>
-              </a:schemeClr>
-            </a:solidFill>
-            <a:ln w="9525">
-              <a:solidFill>
-                <a:schemeClr val="tx1"/>
-              </a:solidFill>
-              <a:prstDash val="sysDot"/>
-            </a:ln>
-          </p:spPr>
-          <p:style>
-            <a:lnRef idx="2">
-              <a:schemeClr val="accent1">
-                <a:shade val="50000"/>
-              </a:schemeClr>
-            </a:lnRef>
-            <a:fillRef idx="1">
-              <a:schemeClr val="accent1"/>
-            </a:fillRef>
-            <a:effectRef idx="0">
-              <a:schemeClr val="accent1"/>
-            </a:effectRef>
-            <a:fontRef idx="minor">
-              <a:schemeClr val="lt1"/>
-            </a:fontRef>
-          </p:style>
-          <p:txBody>
-            <a:bodyPr lIns="0" tIns="0" rIns="0" bIns="0" rtlCol="0" anchor="ctr"/>
-            <a:lstStyle/>
-            <a:p>
-              <a:pPr algn="ctr"/>
-              <a:endParaRPr lang="en-US" sz="1200" i="1" dirty="0">
-                <a:solidFill>
-                  <a:schemeClr val="tx1"/>
-                </a:solidFill>
-                <a:latin typeface="CMU Sans Serif" panose="02000603000000000000" pitchFamily="2" charset="0"/>
-                <a:ea typeface="CMU Sans Serif" panose="02000603000000000000" pitchFamily="2" charset="0"/>
-                <a:cs typeface="CMU Sans Serif" panose="02000603000000000000" pitchFamily="2" charset="0"/>
-              </a:endParaRPr>
-            </a:p>
-          </p:txBody>
-        </p:sp>
-        <p:sp>
-          <p:nvSpPr>
-            <p:cNvPr id="15" name="Rounded Rectangle 14"/>
-            <p:cNvSpPr/>
-            <p:nvPr/>
-          </p:nvSpPr>
-          <p:spPr>
-            <a:xfrm>
-              <a:off x="4543245" y="1352366"/>
-              <a:ext cx="2468809" cy="2410937"/>
-            </a:xfrm>
-            <a:prstGeom prst="roundRect">
-              <a:avLst>
-                <a:gd name="adj" fmla="val 0"/>
-              </a:avLst>
-            </a:prstGeom>
-            <a:solidFill>
-              <a:schemeClr val="accent3">
-                <a:lumMod val="20000"/>
-                <a:lumOff val="80000"/>
-              </a:schemeClr>
-            </a:solidFill>
-            <a:ln w="9525">
-              <a:solidFill>
-                <a:schemeClr val="tx1"/>
-              </a:solidFill>
-              <a:prstDash val="sysDot"/>
-            </a:ln>
-          </p:spPr>
-          <p:style>
-            <a:lnRef idx="2">
-              <a:schemeClr val="accent1">
-                <a:shade val="50000"/>
-              </a:schemeClr>
-            </a:lnRef>
-            <a:fillRef idx="1">
-              <a:schemeClr val="accent1"/>
-            </a:fillRef>
-            <a:effectRef idx="0">
-              <a:schemeClr val="accent1"/>
-            </a:effectRef>
-            <a:fontRef idx="minor">
-              <a:schemeClr val="lt1"/>
-            </a:fontRef>
-          </p:style>
-          <p:txBody>
-            <a:bodyPr lIns="0" tIns="0" rIns="0" bIns="0" rtlCol="0" anchor="ctr"/>
-            <a:lstStyle/>
-            <a:p>
-              <a:pPr algn="ctr"/>
-              <a:endParaRPr lang="en-US" sz="1200" i="1" dirty="0">
-                <a:solidFill>
-                  <a:schemeClr val="tx1"/>
-                </a:solidFill>
-                <a:latin typeface="CMU Sans Serif" panose="02000603000000000000" pitchFamily="2" charset="0"/>
-                <a:ea typeface="CMU Sans Serif" panose="02000603000000000000" pitchFamily="2" charset="0"/>
-                <a:cs typeface="CMU Sans Serif" panose="02000603000000000000" pitchFamily="2" charset="0"/>
-              </a:endParaRPr>
-            </a:p>
-          </p:txBody>
-        </p:sp>
         <p:sp>
           <p:nvSpPr>
             <p:cNvPr id="94" name="Rounded Rectangle 93"/>
@@ -3109,7 +2986,7 @@
           </p:nvSpPr>
           <p:spPr>
             <a:xfrm>
-              <a:off x="7288293" y="2912158"/>
+              <a:off x="7241226" y="2898710"/>
               <a:ext cx="3032319" cy="876825"/>
             </a:xfrm>
             <a:prstGeom prst="roundRect">
@@ -3123,9 +3000,7 @@
               </a:srgbClr>
             </a:solidFill>
             <a:ln w="9525">
-              <a:solidFill>
-                <a:schemeClr val="tx1"/>
-              </a:solidFill>
+              <a:noFill/>
               <a:prstDash val="sysDot"/>
             </a:ln>
           </p:spPr>
@@ -3169,7 +3044,7 @@
           </p:nvSpPr>
           <p:spPr>
             <a:xfrm>
-              <a:off x="7032120" y="4671367"/>
+              <a:off x="7032120" y="4698263"/>
               <a:ext cx="2235812" cy="1001045"/>
             </a:xfrm>
             <a:prstGeom prst="roundRect">
@@ -3184,9 +3059,7 @@
               </a:schemeClr>
             </a:solidFill>
             <a:ln w="9525">
-              <a:solidFill>
-                <a:schemeClr val="tx1"/>
-              </a:solidFill>
+              <a:noFill/>
               <a:prstDash val="sysDot"/>
             </a:ln>
           </p:spPr>
@@ -3224,1647 +3097,13 @@
         </p:sp>
         <p:sp>
           <p:nvSpPr>
-            <p:cNvPr id="5" name="Rectangle 4"/>
-            <p:cNvSpPr/>
-            <p:nvPr/>
-          </p:nvSpPr>
-          <p:spPr>
-            <a:xfrm>
-              <a:off x="1708669" y="1352366"/>
-              <a:ext cx="1067964" cy="528110"/>
-            </a:xfrm>
-            <a:prstGeom prst="rect">
-              <a:avLst/>
-            </a:prstGeom>
-            <a:solidFill>
-              <a:schemeClr val="bg1"/>
-            </a:solidFill>
-            <a:ln>
-              <a:noFill/>
-            </a:ln>
-          </p:spPr>
-          <p:style>
-            <a:lnRef idx="2">
-              <a:schemeClr val="accent1">
-                <a:shade val="50000"/>
-              </a:schemeClr>
-            </a:lnRef>
-            <a:fillRef idx="1">
-              <a:schemeClr val="accent1"/>
-            </a:fillRef>
-            <a:effectRef idx="0">
-              <a:schemeClr val="accent1"/>
-            </a:effectRef>
-            <a:fontRef idx="minor">
-              <a:schemeClr val="lt1"/>
-            </a:fontRef>
-          </p:style>
-          <p:txBody>
-            <a:bodyPr rtlCol="0" anchor="ctr"/>
-            <a:lstStyle/>
-            <a:p>
-              <a:pPr algn="ctr"/>
-              <a:r>
-                <a:rPr lang="en-US" sz="1200" dirty="0" smtClean="0">
-                  <a:solidFill>
-                    <a:schemeClr val="tx1"/>
-                  </a:solidFill>
-                  <a:latin typeface="CMU Sans Serif" panose="02000603000000000000" pitchFamily="2" charset="0"/>
-                  <a:ea typeface="CMU Sans Serif" panose="02000603000000000000" pitchFamily="2" charset="0"/>
-                  <a:cs typeface="CMU Sans Serif" panose="02000603000000000000" pitchFamily="2" charset="0"/>
-                </a:rPr>
-                <a:t>Experimental</a:t>
-              </a:r>
-              <a:br>
-                <a:rPr lang="en-US" sz="1200" dirty="0" smtClean="0">
-                  <a:solidFill>
-                    <a:schemeClr val="tx1"/>
-                  </a:solidFill>
-                  <a:latin typeface="CMU Sans Serif" panose="02000603000000000000" pitchFamily="2" charset="0"/>
-                  <a:ea typeface="CMU Sans Serif" panose="02000603000000000000" pitchFamily="2" charset="0"/>
-                  <a:cs typeface="CMU Sans Serif" panose="02000603000000000000" pitchFamily="2" charset="0"/>
-                </a:rPr>
-              </a:br>
-              <a:r>
-                <a:rPr lang="en-US" sz="1200" dirty="0" smtClean="0">
-                  <a:solidFill>
-                    <a:schemeClr val="tx1"/>
-                  </a:solidFill>
-                  <a:latin typeface="CMU Sans Serif" panose="02000603000000000000" pitchFamily="2" charset="0"/>
-                  <a:ea typeface="CMU Sans Serif" panose="02000603000000000000" pitchFamily="2" charset="0"/>
-                  <a:cs typeface="CMU Sans Serif" panose="02000603000000000000" pitchFamily="2" charset="0"/>
-                </a:rPr>
-                <a:t>Data</a:t>
-              </a:r>
-              <a:endParaRPr lang="en-US" sz="1200" dirty="0">
-                <a:solidFill>
-                  <a:schemeClr val="tx1"/>
-                </a:solidFill>
-                <a:latin typeface="CMU Sans Serif" panose="02000603000000000000" pitchFamily="2" charset="0"/>
-                <a:ea typeface="CMU Sans Serif" panose="02000603000000000000" pitchFamily="2" charset="0"/>
-                <a:cs typeface="CMU Sans Serif" panose="02000603000000000000" pitchFamily="2" charset="0"/>
-              </a:endParaRPr>
-            </a:p>
-          </p:txBody>
-        </p:sp>
-        <mc:AlternateContent xmlns:mc="http://schemas.openxmlformats.org/markup-compatibility/2006">
-          <mc:Choice xmlns:a14="http://schemas.microsoft.com/office/drawing/2010/main" Requires="a14">
-            <p:sp>
-              <p:nvSpPr>
-                <p:cNvPr id="8" name="Rectangle 7"/>
-                <p:cNvSpPr/>
-                <p:nvPr/>
-              </p:nvSpPr>
-              <p:spPr>
-                <a:xfrm>
-                  <a:off x="3155086" y="2224895"/>
-                  <a:ext cx="1067964" cy="528110"/>
-                </a:xfrm>
-                <a:prstGeom prst="rect">
-                  <a:avLst/>
-                </a:prstGeom>
-                <a:solidFill>
-                  <a:schemeClr val="bg1"/>
-                </a:solidFill>
-                <a:ln w="9525">
-                  <a:solidFill>
-                    <a:schemeClr val="tx1"/>
-                  </a:solidFill>
-                </a:ln>
-              </p:spPr>
-              <p:style>
-                <a:lnRef idx="2">
-                  <a:schemeClr val="accent1">
-                    <a:shade val="50000"/>
-                  </a:schemeClr>
-                </a:lnRef>
-                <a:fillRef idx="1">
-                  <a:schemeClr val="accent1"/>
-                </a:fillRef>
-                <a:effectRef idx="0">
-                  <a:schemeClr val="accent1"/>
-                </a:effectRef>
-                <a:fontRef idx="minor">
-                  <a:schemeClr val="lt1"/>
-                </a:fontRef>
-              </p:style>
-              <p:txBody>
-                <a:bodyPr rtlCol="0" anchor="ctr"/>
-                <a:lstStyle/>
-                <a:p>
-                  <a:pPr algn="ctr"/>
-                  <a:r>
-                    <a:rPr lang="en-US" sz="1200" dirty="0" smtClean="0">
-                      <a:solidFill>
-                        <a:schemeClr val="tx1"/>
-                      </a:solidFill>
-                      <a:latin typeface="CMU Sans Serif" panose="02000603000000000000" pitchFamily="2" charset="0"/>
-                      <a:ea typeface="CMU Sans Serif" panose="02000603000000000000" pitchFamily="2" charset="0"/>
-                      <a:cs typeface="CMU Sans Serif" panose="02000603000000000000" pitchFamily="2" charset="0"/>
-                    </a:rPr>
-                    <a:t>ANN</a:t>
-                  </a:r>
-                  <a:br>
-                    <a:rPr lang="en-US" sz="1200" dirty="0" smtClean="0">
-                      <a:solidFill>
-                        <a:schemeClr val="tx1"/>
-                      </a:solidFill>
-                      <a:latin typeface="CMU Sans Serif" panose="02000603000000000000" pitchFamily="2" charset="0"/>
-                      <a:ea typeface="CMU Sans Serif" panose="02000603000000000000" pitchFamily="2" charset="0"/>
-                      <a:cs typeface="CMU Sans Serif" panose="02000603000000000000" pitchFamily="2" charset="0"/>
-                    </a:rPr>
-                  </a:br>
-                  <a14:m>
-                    <m:oMathPara xmlns:m="http://schemas.openxmlformats.org/officeDocument/2006/math">
-                      <m:oMathParaPr>
-                        <m:jc m:val="centerGroup"/>
-                      </m:oMathParaPr>
-                      <m:oMath xmlns:m="http://schemas.openxmlformats.org/officeDocument/2006/math">
-                        <m:r>
-                          <a:rPr lang="en-US" sz="1200" b="0" i="1" smtClean="0">
-                            <a:solidFill>
-                              <a:schemeClr val="tx1"/>
-                            </a:solidFill>
-                            <a:latin typeface="Cambria Math" panose="02040503050406030204" pitchFamily="18" charset="0"/>
-                            <a:ea typeface="CMU Sans Serif" panose="02000603000000000000" pitchFamily="2" charset="0"/>
-                            <a:cs typeface="CMU Sans Serif" panose="02000603000000000000" pitchFamily="2" charset="0"/>
-                          </a:rPr>
-                          <m:t>𝑥</m:t>
-                        </m:r>
-                        <m:d>
-                          <m:dPr>
-                            <m:ctrlPr>
-                              <a:rPr lang="en-US" sz="1200" b="0" i="1" smtClean="0">
-                                <a:solidFill>
-                                  <a:schemeClr val="tx1"/>
-                                </a:solidFill>
-                                <a:latin typeface="Cambria Math" panose="02040503050406030204" pitchFamily="18" charset="0"/>
-                                <a:ea typeface="CMU Sans Serif" panose="02000603000000000000" pitchFamily="2" charset="0"/>
-                                <a:cs typeface="CMU Sans Serif" panose="02000603000000000000" pitchFamily="2" charset="0"/>
-                              </a:rPr>
-                            </m:ctrlPr>
-                          </m:dPr>
-                          <m:e>
-                            <m:sSub>
-                              <m:sSubPr>
-                                <m:ctrlPr>
-                                  <a:rPr lang="en-US" sz="1200" b="1" i="1" smtClean="0">
-                                    <a:solidFill>
-                                      <a:schemeClr val="accent5"/>
-                                    </a:solidFill>
-                                    <a:latin typeface="Cambria Math" panose="02040503050406030204" pitchFamily="18" charset="0"/>
-                                    <a:ea typeface="CMU Sans Serif" panose="02000603000000000000" pitchFamily="2" charset="0"/>
-                                    <a:cs typeface="CMU Sans Serif" panose="02000603000000000000" pitchFamily="2" charset="0"/>
-                                  </a:rPr>
-                                </m:ctrlPr>
-                              </m:sSubPr>
-                              <m:e>
-                                <m:r>
-                                  <a:rPr lang="en-US" sz="1200" b="1" i="1" smtClean="0">
-                                    <a:solidFill>
-                                      <a:schemeClr val="accent5"/>
-                                    </a:solidFill>
-                                    <a:latin typeface="Cambria Math" panose="02040503050406030204" pitchFamily="18" charset="0"/>
-                                    <a:ea typeface="CMU Sans Serif" panose="02000603000000000000" pitchFamily="2" charset="0"/>
-                                    <a:cs typeface="CMU Sans Serif" panose="02000603000000000000" pitchFamily="2" charset="0"/>
-                                  </a:rPr>
-                                  <m:t>𝜽</m:t>
-                                </m:r>
-                              </m:e>
-                              <m:sub>
-                                <m:r>
-                                  <a:rPr lang="en-US" sz="1200" b="1" i="1" smtClean="0">
-                                    <a:solidFill>
-                                      <a:schemeClr val="accent5"/>
-                                    </a:solidFill>
-                                    <a:latin typeface="Cambria Math" panose="02040503050406030204" pitchFamily="18" charset="0"/>
-                                    <a:ea typeface="CMU Sans Serif" panose="02000603000000000000" pitchFamily="2" charset="0"/>
-                                    <a:cs typeface="CMU Sans Serif" panose="02000603000000000000" pitchFamily="2" charset="0"/>
-                                  </a:rPr>
-                                  <m:t>𝑵𝑵</m:t>
-                                </m:r>
-                              </m:sub>
-                            </m:sSub>
-                            <m:r>
-                              <a:rPr lang="en-US" sz="1200" b="0" i="1" dirty="0" smtClean="0">
-                                <a:solidFill>
-                                  <a:schemeClr val="tx1"/>
-                                </a:solidFill>
-                                <a:latin typeface="Cambria Math" panose="02040503050406030204" pitchFamily="18" charset="0"/>
-                                <a:ea typeface="CMU Sans Serif" panose="02000603000000000000" pitchFamily="2" charset="0"/>
-                                <a:cs typeface="CMU Sans Serif" panose="02000603000000000000" pitchFamily="2" charset="0"/>
-                              </a:rPr>
-                              <m:t>,</m:t>
-                            </m:r>
-                            <m:r>
-                              <a:rPr lang="en-US" sz="1200" b="0" i="1" dirty="0" smtClean="0">
-                                <a:solidFill>
-                                  <a:schemeClr val="tx1"/>
-                                </a:solidFill>
-                                <a:latin typeface="Cambria Math" panose="02040503050406030204" pitchFamily="18" charset="0"/>
-                                <a:ea typeface="CMU Sans Serif" panose="02000603000000000000" pitchFamily="2" charset="0"/>
-                                <a:cs typeface="CMU Sans Serif" panose="02000603000000000000" pitchFamily="2" charset="0"/>
-                              </a:rPr>
-                              <m:t>𝑡</m:t>
-                            </m:r>
-                          </m:e>
-                        </m:d>
-                      </m:oMath>
-                    </m:oMathPara>
-                  </a14:m>
-                  <a:endParaRPr lang="en-US" sz="1200" dirty="0">
-                    <a:solidFill>
-                      <a:schemeClr val="tx1"/>
-                    </a:solidFill>
-                    <a:latin typeface="CMU Sans Serif" panose="02000603000000000000" pitchFamily="2" charset="0"/>
-                    <a:ea typeface="CMU Sans Serif" panose="02000603000000000000" pitchFamily="2" charset="0"/>
-                    <a:cs typeface="CMU Sans Serif" panose="02000603000000000000" pitchFamily="2" charset="0"/>
-                  </a:endParaRPr>
-                </a:p>
-              </p:txBody>
-            </p:sp>
-          </mc:Choice>
-          <mc:Fallback>
-            <p:sp>
-              <p:nvSpPr>
-                <p:cNvPr id="8" name="Rectangle 7"/>
-                <p:cNvSpPr>
-                  <a:spLocks noRot="1" noChangeAspect="1" noMove="1" noResize="1" noEditPoints="1" noAdjustHandles="1" noChangeArrowheads="1" noChangeShapeType="1" noTextEdit="1"/>
-                </p:cNvSpPr>
-                <p:nvPr/>
-              </p:nvSpPr>
-              <p:spPr>
-                <a:xfrm>
-                  <a:off x="3155086" y="2224895"/>
-                  <a:ext cx="1067964" cy="528110"/>
-                </a:xfrm>
-                <a:prstGeom prst="rect">
-                  <a:avLst/>
-                </a:prstGeom>
-                <a:blipFill>
-                  <a:blip r:embed="rId2"/>
-                  <a:stretch>
-                    <a:fillRect/>
-                  </a:stretch>
-                </a:blipFill>
-                <a:ln w="9525">
-                  <a:solidFill>
-                    <a:schemeClr val="tx1"/>
-                  </a:solidFill>
-                </a:ln>
-              </p:spPr>
-              <p:txBody>
-                <a:bodyPr/>
-                <a:lstStyle/>
-                <a:p>
-                  <a:r>
-                    <a:rPr lang="en-US">
-                      <a:noFill/>
-                    </a:rPr>
-                    <a:t> </a:t>
-                  </a:r>
-                </a:p>
-              </p:txBody>
-            </p:sp>
-          </mc:Fallback>
-        </mc:AlternateContent>
-        <mc:AlternateContent xmlns:mc="http://schemas.openxmlformats.org/markup-compatibility/2006">
-          <mc:Choice xmlns:a14="http://schemas.microsoft.com/office/drawing/2010/main" Requires="a14">
-            <p:sp>
-              <p:nvSpPr>
-                <p:cNvPr id="10" name="Pentagon 9"/>
-                <p:cNvSpPr/>
-                <p:nvPr/>
-              </p:nvSpPr>
-              <p:spPr>
-                <a:xfrm>
-                  <a:off x="3135868" y="1353743"/>
-                  <a:ext cx="1257286" cy="528110"/>
-                </a:xfrm>
-                <a:prstGeom prst="homePlate">
-                  <a:avLst>
-                    <a:gd name="adj" fmla="val 41304"/>
-                  </a:avLst>
-                </a:prstGeom>
-                <a:solidFill>
-                  <a:schemeClr val="bg1">
-                    <a:lumMod val="65000"/>
-                    <a:alpha val="32000"/>
-                  </a:schemeClr>
-                </a:solidFill>
-                <a:ln w="9525">
-                  <a:solidFill>
-                    <a:schemeClr val="bg1">
-                      <a:lumMod val="65000"/>
-                    </a:schemeClr>
-                  </a:solidFill>
-                </a:ln>
-              </p:spPr>
-              <p:style>
-                <a:lnRef idx="2">
-                  <a:schemeClr val="accent1">
-                    <a:shade val="50000"/>
-                  </a:schemeClr>
-                </a:lnRef>
-                <a:fillRef idx="1">
-                  <a:schemeClr val="accent1"/>
-                </a:fillRef>
-                <a:effectRef idx="0">
-                  <a:schemeClr val="accent1"/>
-                </a:effectRef>
-                <a:fontRef idx="minor">
-                  <a:schemeClr val="lt1"/>
-                </a:fontRef>
-              </p:style>
-              <p:txBody>
-                <a:bodyPr rtlCol="0" anchor="ctr"/>
-                <a:lstStyle/>
-                <a:p>
-                  <a:pPr algn="ctr"/>
-                  <a:r>
-                    <a:rPr lang="en-US" sz="1200" dirty="0" smtClean="0">
-                      <a:solidFill>
-                        <a:schemeClr val="tx1"/>
-                      </a:solidFill>
-                      <a:latin typeface="CMU Sans Serif" panose="02000603000000000000" pitchFamily="2" charset="0"/>
-                      <a:ea typeface="CMU Sans Serif" panose="02000603000000000000" pitchFamily="2" charset="0"/>
-                      <a:cs typeface="CMU Sans Serif" panose="02000603000000000000" pitchFamily="2" charset="0"/>
-                    </a:rPr>
-                    <a:t>Preprocessing</a:t>
-                  </a:r>
-                </a:p>
-                <a:p>
-                  <a:pPr algn="ctr"/>
-                  <a14:m>
-                    <m:oMathPara xmlns:m="http://schemas.openxmlformats.org/officeDocument/2006/math">
-                      <m:oMathParaPr>
-                        <m:jc m:val="centerGroup"/>
-                      </m:oMathParaPr>
-                      <m:oMath xmlns:m="http://schemas.openxmlformats.org/officeDocument/2006/math">
-                        <m:r>
-                          <a:rPr lang="en-US" sz="1200" i="1" dirty="0" smtClean="0">
-                            <a:solidFill>
-                              <a:schemeClr val="tx1"/>
-                            </a:solidFill>
-                            <a:latin typeface="Cambria Math" panose="02040503050406030204" pitchFamily="18" charset="0"/>
-                          </a:rPr>
-                          <m:t>𝑓</m:t>
-                        </m:r>
-                        <m:d>
-                          <m:dPr>
-                            <m:ctrlPr>
-                              <a:rPr lang="en-US" sz="1200" i="1" dirty="0" smtClean="0">
-                                <a:solidFill>
-                                  <a:schemeClr val="tx1"/>
-                                </a:solidFill>
-                                <a:latin typeface="Cambria Math" panose="02040503050406030204" pitchFamily="18" charset="0"/>
-                              </a:rPr>
-                            </m:ctrlPr>
-                          </m:dPr>
-                          <m:e>
-                            <m:r>
-                              <a:rPr lang="en-US" sz="1200" i="1" dirty="0" smtClean="0">
-                                <a:solidFill>
-                                  <a:schemeClr val="tx1"/>
-                                </a:solidFill>
-                                <a:latin typeface="Cambria Math" panose="02040503050406030204" pitchFamily="18" charset="0"/>
-                              </a:rPr>
-                              <m:t> </m:t>
-                            </m:r>
-                          </m:e>
-                        </m:d>
-                      </m:oMath>
-                    </m:oMathPara>
-                  </a14:m>
-                  <a:endParaRPr lang="en-US" sz="1200" dirty="0">
-                    <a:solidFill>
-                      <a:schemeClr val="tx1"/>
-                    </a:solidFill>
-                    <a:latin typeface="CMU Sans Serif" panose="02000603000000000000" pitchFamily="2" charset="0"/>
-                    <a:ea typeface="CMU Sans Serif" panose="02000603000000000000" pitchFamily="2" charset="0"/>
-                    <a:cs typeface="CMU Sans Serif" panose="02000603000000000000" pitchFamily="2" charset="0"/>
-                  </a:endParaRPr>
-                </a:p>
-              </p:txBody>
-            </p:sp>
-          </mc:Choice>
-          <mc:Fallback>
-            <p:sp>
-              <p:nvSpPr>
-                <p:cNvPr id="10" name="Pentagon 9"/>
-                <p:cNvSpPr>
-                  <a:spLocks noRot="1" noChangeAspect="1" noMove="1" noResize="1" noEditPoints="1" noAdjustHandles="1" noChangeArrowheads="1" noChangeShapeType="1" noTextEdit="1"/>
-                </p:cNvSpPr>
-                <p:nvPr/>
-              </p:nvSpPr>
-              <p:spPr>
-                <a:xfrm>
-                  <a:off x="3135868" y="1353743"/>
-                  <a:ext cx="1257286" cy="528110"/>
-                </a:xfrm>
-                <a:prstGeom prst="homePlate">
-                  <a:avLst>
-                    <a:gd name="adj" fmla="val 41304"/>
-                  </a:avLst>
-                </a:prstGeom>
-                <a:blipFill>
-                  <a:blip r:embed="rId3"/>
-                  <a:stretch>
-                    <a:fillRect/>
-                  </a:stretch>
-                </a:blipFill>
-                <a:ln w="9525">
-                  <a:solidFill>
-                    <a:schemeClr val="bg1">
-                      <a:lumMod val="65000"/>
-                    </a:schemeClr>
-                  </a:solidFill>
-                </a:ln>
-              </p:spPr>
-              <p:txBody>
-                <a:bodyPr/>
-                <a:lstStyle/>
-                <a:p>
-                  <a:r>
-                    <a:rPr lang="en-US">
-                      <a:noFill/>
-                    </a:rPr>
-                    <a:t> </a:t>
-                  </a:r>
-                </a:p>
-              </p:txBody>
-            </p:sp>
-          </mc:Fallback>
-        </mc:AlternateContent>
-        <p:sp>
-          <p:nvSpPr>
-            <p:cNvPr id="12" name="Hexagon 11"/>
-            <p:cNvSpPr/>
-            <p:nvPr/>
-          </p:nvSpPr>
-          <p:spPr>
-            <a:xfrm>
-              <a:off x="1642934" y="2224895"/>
-              <a:ext cx="1237867" cy="528110"/>
-            </a:xfrm>
-            <a:prstGeom prst="hexagon">
-              <a:avLst/>
-            </a:prstGeom>
-            <a:solidFill>
-              <a:schemeClr val="tx1">
-                <a:lumMod val="65000"/>
-                <a:lumOff val="35000"/>
-              </a:schemeClr>
-            </a:solidFill>
-            <a:ln w="9525">
-              <a:solidFill>
-                <a:schemeClr val="tx1"/>
-              </a:solidFill>
-              <a:prstDash val="sysDash"/>
-            </a:ln>
-          </p:spPr>
-          <p:style>
-            <a:lnRef idx="2">
-              <a:schemeClr val="accent1">
-                <a:shade val="50000"/>
-              </a:schemeClr>
-            </a:lnRef>
-            <a:fillRef idx="1">
-              <a:schemeClr val="accent1"/>
-            </a:fillRef>
-            <a:effectRef idx="0">
-              <a:schemeClr val="accent1"/>
-            </a:effectRef>
-            <a:fontRef idx="minor">
-              <a:schemeClr val="lt1"/>
-            </a:fontRef>
-          </p:style>
-          <p:txBody>
-            <a:bodyPr rot="0" spcFirstLastPara="0" vertOverflow="overflow" horzOverflow="overflow" vert="horz" wrap="square" lIns="0" tIns="45720" rIns="0" bIns="45720" numCol="1" spcCol="0" rtlCol="0" fromWordArt="0" anchor="ctr" anchorCtr="0" forceAA="0" compatLnSpc="1">
-              <a:prstTxWarp prst="textNoShape">
-                <a:avLst/>
-              </a:prstTxWarp>
-              <a:noAutofit/>
-            </a:bodyPr>
-            <a:lstStyle/>
-            <a:p>
-              <a:pPr algn="ctr"/>
-              <a:r>
-                <a:rPr lang="en-US" sz="1200" dirty="0">
-                  <a:solidFill>
-                    <a:schemeClr val="bg1"/>
-                  </a:solidFill>
-                  <a:latin typeface="CMU Sans Serif" panose="02000603000000000000" pitchFamily="2" charset="0"/>
-                  <a:ea typeface="CMU Sans Serif" panose="02000603000000000000" pitchFamily="2" charset="0"/>
-                  <a:cs typeface="CMU Sans Serif" panose="02000603000000000000" pitchFamily="2" charset="0"/>
-                </a:rPr>
-                <a:t>ANN</a:t>
-              </a:r>
-              <a:br>
-                <a:rPr lang="en-US" sz="1200" dirty="0">
-                  <a:solidFill>
-                    <a:schemeClr val="bg1"/>
-                  </a:solidFill>
-                  <a:latin typeface="CMU Sans Serif" panose="02000603000000000000" pitchFamily="2" charset="0"/>
-                  <a:ea typeface="CMU Sans Serif" panose="02000603000000000000" pitchFamily="2" charset="0"/>
-                  <a:cs typeface="CMU Sans Serif" panose="02000603000000000000" pitchFamily="2" charset="0"/>
-                </a:rPr>
-              </a:br>
-              <a:r>
-                <a:rPr lang="en-US" sz="1200" dirty="0">
-                  <a:solidFill>
-                    <a:schemeClr val="bg1"/>
-                  </a:solidFill>
-                  <a:latin typeface="CMU Sans Serif" panose="02000603000000000000" pitchFamily="2" charset="0"/>
-                  <a:ea typeface="CMU Sans Serif" panose="02000603000000000000" pitchFamily="2" charset="0"/>
-                  <a:cs typeface="CMU Sans Serif" panose="02000603000000000000" pitchFamily="2" charset="0"/>
-                </a:rPr>
-                <a:t>Generator</a:t>
-              </a:r>
-            </a:p>
-          </p:txBody>
-        </p:sp>
-        <mc:AlternateContent xmlns:mc="http://schemas.openxmlformats.org/markup-compatibility/2006">
-          <mc:Choice xmlns:a14="http://schemas.microsoft.com/office/drawing/2010/main" Requires="a14">
-            <p:sp>
-              <p:nvSpPr>
-                <p:cNvPr id="13" name="Rounded Rectangle 12"/>
-                <p:cNvSpPr/>
-                <p:nvPr/>
-              </p:nvSpPr>
-              <p:spPr>
-                <a:xfrm>
-                  <a:off x="4490673" y="2222140"/>
-                  <a:ext cx="2448722" cy="530865"/>
-                </a:xfrm>
-                <a:prstGeom prst="roundRect">
-                  <a:avLst>
-                    <a:gd name="adj" fmla="val 5847"/>
-                  </a:avLst>
-                </a:prstGeom>
-                <a:noFill/>
-                <a:ln w="6350">
-                  <a:noFill/>
-                  <a:prstDash val="sysDot"/>
-                </a:ln>
-              </p:spPr>
-              <p:style>
-                <a:lnRef idx="2">
-                  <a:schemeClr val="accent1">
-                    <a:shade val="50000"/>
-                  </a:schemeClr>
-                </a:lnRef>
-                <a:fillRef idx="1">
-                  <a:schemeClr val="accent1"/>
-                </a:fillRef>
-                <a:effectRef idx="0">
-                  <a:schemeClr val="accent1"/>
-                </a:effectRef>
-                <a:fontRef idx="minor">
-                  <a:schemeClr val="lt1"/>
-                </a:fontRef>
-              </p:style>
-              <p:txBody>
-                <a:bodyPr lIns="0" tIns="0" rIns="0" bIns="0" rtlCol="0" anchor="ctr"/>
-                <a:lstStyle/>
-                <a:p>
-                  <a:pPr algn="ctr"/>
-                  <a14:m>
-                    <m:oMathPara xmlns:m="http://schemas.openxmlformats.org/officeDocument/2006/math">
-                      <m:oMathParaPr>
-                        <m:jc m:val="centerGroup"/>
-                      </m:oMathParaPr>
-                      <m:oMath xmlns:m="http://schemas.openxmlformats.org/officeDocument/2006/math">
-                        <m:d>
-                          <m:dPr>
-                            <m:begChr m:val="‖"/>
-                            <m:endChr m:val="‖"/>
-                            <m:ctrlPr>
-                              <a:rPr lang="en-US" sz="1200" i="1" smtClean="0">
-                                <a:solidFill>
-                                  <a:schemeClr val="tx1"/>
-                                </a:solidFill>
-                                <a:latin typeface="Cambria Math" panose="02040503050406030204" pitchFamily="18" charset="0"/>
-                                <a:ea typeface="CMU Sans Serif" panose="02000603000000000000" pitchFamily="2" charset="0"/>
-                                <a:cs typeface="CMU Sans Serif" panose="02000603000000000000" pitchFamily="2" charset="0"/>
-                              </a:rPr>
-                            </m:ctrlPr>
-                          </m:dPr>
-                          <m:e>
-                            <m:r>
-                              <a:rPr lang="en-US" sz="1200" i="1" smtClean="0">
-                                <a:solidFill>
-                                  <a:schemeClr val="tx1"/>
-                                </a:solidFill>
-                                <a:latin typeface="Cambria Math" panose="02040503050406030204" pitchFamily="18" charset="0"/>
-                                <a:ea typeface="CMU Sans Serif" panose="02000603000000000000" pitchFamily="2" charset="0"/>
-                                <a:cs typeface="CMU Sans Serif" panose="02000603000000000000" pitchFamily="2" charset="0"/>
-                              </a:rPr>
-                              <m:t>𝑥</m:t>
-                            </m:r>
-                            <m:d>
-                              <m:dPr>
-                                <m:ctrlPr>
-                                  <a:rPr lang="en-US" sz="1200" i="1">
-                                    <a:solidFill>
-                                      <a:schemeClr val="tx1"/>
-                                    </a:solidFill>
-                                    <a:latin typeface="Cambria Math" panose="02040503050406030204" pitchFamily="18" charset="0"/>
-                                    <a:ea typeface="CMU Sans Serif" panose="02000603000000000000" pitchFamily="2" charset="0"/>
-                                    <a:cs typeface="CMU Sans Serif" panose="02000603000000000000" pitchFamily="2" charset="0"/>
-                                  </a:rPr>
-                                </m:ctrlPr>
-                              </m:dPr>
-                              <m:e>
-                                <m:sSub>
-                                  <m:sSubPr>
-                                    <m:ctrlPr>
-                                      <a:rPr lang="en-US" sz="1200" b="1" i="1" smtClean="0">
-                                        <a:solidFill>
-                                          <a:schemeClr val="accent5"/>
-                                        </a:solidFill>
-                                        <a:latin typeface="Cambria Math" panose="02040503050406030204" pitchFamily="18" charset="0"/>
-                                        <a:ea typeface="CMU Sans Serif" panose="02000603000000000000" pitchFamily="2" charset="0"/>
-                                        <a:cs typeface="CMU Sans Serif" panose="02000603000000000000" pitchFamily="2" charset="0"/>
-                                      </a:rPr>
-                                    </m:ctrlPr>
-                                  </m:sSubPr>
-                                  <m:e>
-                                    <m:r>
-                                      <a:rPr lang="en-US" sz="1200" b="1" i="1">
-                                        <a:solidFill>
-                                          <a:schemeClr val="accent5"/>
-                                        </a:solidFill>
-                                        <a:latin typeface="Cambria Math" panose="02040503050406030204" pitchFamily="18" charset="0"/>
-                                        <a:ea typeface="CMU Sans Serif" panose="02000603000000000000" pitchFamily="2" charset="0"/>
-                                        <a:cs typeface="CMU Sans Serif" panose="02000603000000000000" pitchFamily="2" charset="0"/>
-                                      </a:rPr>
-                                      <m:t>𝜽</m:t>
-                                    </m:r>
-                                  </m:e>
-                                  <m:sub>
-                                    <m:r>
-                                      <a:rPr lang="en-US" sz="1200" b="1" i="1">
-                                        <a:solidFill>
-                                          <a:schemeClr val="accent5"/>
-                                        </a:solidFill>
-                                        <a:latin typeface="Cambria Math" panose="02040503050406030204" pitchFamily="18" charset="0"/>
-                                        <a:ea typeface="CMU Sans Serif" panose="02000603000000000000" pitchFamily="2" charset="0"/>
-                                        <a:cs typeface="CMU Sans Serif" panose="02000603000000000000" pitchFamily="2" charset="0"/>
-                                      </a:rPr>
-                                      <m:t>𝑵𝑵</m:t>
-                                    </m:r>
-                                  </m:sub>
-                                </m:sSub>
-                                <m:r>
-                                  <a:rPr lang="en-US" sz="1200" i="1">
-                                    <a:solidFill>
-                                      <a:schemeClr val="tx1"/>
-                                    </a:solidFill>
-                                    <a:latin typeface="Cambria Math" panose="02040503050406030204" pitchFamily="18" charset="0"/>
-                                    <a:ea typeface="CMU Sans Serif" panose="02000603000000000000" pitchFamily="2" charset="0"/>
-                                    <a:cs typeface="CMU Sans Serif" panose="02000603000000000000" pitchFamily="2" charset="0"/>
-                                  </a:rPr>
-                                  <m:t>,</m:t>
-                                </m:r>
-                                <m:r>
-                                  <a:rPr lang="en-US" sz="1200" i="1">
-                                    <a:solidFill>
-                                      <a:schemeClr val="tx1"/>
-                                    </a:solidFill>
-                                    <a:latin typeface="Cambria Math" panose="02040503050406030204" pitchFamily="18" charset="0"/>
-                                    <a:ea typeface="CMU Sans Serif" panose="02000603000000000000" pitchFamily="2" charset="0"/>
-                                    <a:cs typeface="CMU Sans Serif" panose="02000603000000000000" pitchFamily="2" charset="0"/>
-                                  </a:rPr>
-                                  <m:t>𝑡</m:t>
-                                </m:r>
-                              </m:e>
-                            </m:d>
-                            <m:r>
-                              <a:rPr lang="en-US" sz="1200" i="1">
-                                <a:solidFill>
-                                  <a:schemeClr val="tx1"/>
-                                </a:solidFill>
-                                <a:latin typeface="Cambria Math" panose="02040503050406030204" pitchFamily="18" charset="0"/>
-                                <a:ea typeface="CMU Sans Serif" panose="02000603000000000000" pitchFamily="2" charset="0"/>
-                                <a:cs typeface="CMU Sans Serif" panose="02000603000000000000" pitchFamily="2" charset="0"/>
-                              </a:rPr>
-                              <m:t>−</m:t>
-                            </m:r>
-                            <m:acc>
-                              <m:accPr>
-                                <m:chr m:val="̃"/>
-                                <m:ctrlPr>
-                                  <a:rPr lang="en-US" sz="1200" i="1">
-                                    <a:solidFill>
-                                      <a:schemeClr val="tx1"/>
-                                    </a:solidFill>
-                                    <a:latin typeface="Cambria Math" panose="02040503050406030204" pitchFamily="18" charset="0"/>
-                                    <a:ea typeface="CMU Sans Serif" panose="02000603000000000000" pitchFamily="2" charset="0"/>
-                                    <a:cs typeface="CMU Sans Serif" panose="02000603000000000000" pitchFamily="2" charset="0"/>
-                                  </a:rPr>
-                                </m:ctrlPr>
-                              </m:accPr>
-                              <m:e>
-                                <m:r>
-                                  <a:rPr lang="en-US" sz="1200" i="1">
-                                    <a:solidFill>
-                                      <a:schemeClr val="tx1"/>
-                                    </a:solidFill>
-                                    <a:latin typeface="Cambria Math" panose="02040503050406030204" pitchFamily="18" charset="0"/>
-                                    <a:ea typeface="CMU Sans Serif" panose="02000603000000000000" pitchFamily="2" charset="0"/>
-                                    <a:cs typeface="CMU Sans Serif" panose="02000603000000000000" pitchFamily="2" charset="0"/>
-                                  </a:rPr>
-                                  <m:t>𝑥</m:t>
-                                </m:r>
-                              </m:e>
-                            </m:acc>
-                          </m:e>
-                        </m:d>
-                      </m:oMath>
-                    </m:oMathPara>
-                  </a14:m>
-                  <a:endParaRPr lang="en-US" sz="1050" i="1" dirty="0">
-                    <a:solidFill>
-                      <a:schemeClr val="tx1"/>
-                    </a:solidFill>
-                    <a:latin typeface="CMU Sans Serif" panose="02000603000000000000" pitchFamily="2" charset="0"/>
-                    <a:ea typeface="CMU Sans Serif" panose="02000603000000000000" pitchFamily="2" charset="0"/>
-                    <a:cs typeface="CMU Sans Serif" panose="02000603000000000000" pitchFamily="2" charset="0"/>
-                  </a:endParaRPr>
-                </a:p>
-              </p:txBody>
-            </p:sp>
-          </mc:Choice>
-          <mc:Fallback>
-            <p:sp>
-              <p:nvSpPr>
-                <p:cNvPr id="13" name="Rounded Rectangle 12"/>
-                <p:cNvSpPr>
-                  <a:spLocks noRot="1" noChangeAspect="1" noMove="1" noResize="1" noEditPoints="1" noAdjustHandles="1" noChangeArrowheads="1" noChangeShapeType="1" noTextEdit="1"/>
-                </p:cNvSpPr>
-                <p:nvPr/>
-              </p:nvSpPr>
-              <p:spPr>
-                <a:xfrm>
-                  <a:off x="4490673" y="2222140"/>
-                  <a:ext cx="2448722" cy="530865"/>
-                </a:xfrm>
-                <a:prstGeom prst="roundRect">
-                  <a:avLst>
-                    <a:gd name="adj" fmla="val 5847"/>
-                  </a:avLst>
-                </a:prstGeom>
-                <a:blipFill>
-                  <a:blip r:embed="rId4"/>
-                  <a:stretch>
-                    <a:fillRect/>
-                  </a:stretch>
-                </a:blipFill>
-                <a:ln w="6350">
-                  <a:noFill/>
-                  <a:prstDash val="sysDot"/>
-                </a:ln>
-              </p:spPr>
-              <p:txBody>
-                <a:bodyPr/>
-                <a:lstStyle/>
-                <a:p>
-                  <a:r>
-                    <a:rPr lang="en-US">
-                      <a:noFill/>
-                    </a:rPr>
-                    <a:t> </a:t>
-                  </a:r>
-                </a:p>
-              </p:txBody>
-            </p:sp>
-          </mc:Fallback>
-        </mc:AlternateContent>
-        <mc:AlternateContent xmlns:mc="http://schemas.openxmlformats.org/markup-compatibility/2006">
-          <mc:Choice xmlns:a14="http://schemas.microsoft.com/office/drawing/2010/main" Requires="a14">
-            <p:sp>
-              <p:nvSpPr>
-                <p:cNvPr id="14" name="Rounded Rectangle 13"/>
-                <p:cNvSpPr/>
-                <p:nvPr/>
-              </p:nvSpPr>
-              <p:spPr>
-                <a:xfrm>
-                  <a:off x="4490673" y="3094669"/>
-                  <a:ext cx="2448722" cy="530865"/>
-                </a:xfrm>
-                <a:prstGeom prst="roundRect">
-                  <a:avLst>
-                    <a:gd name="adj" fmla="val 5847"/>
-                  </a:avLst>
-                </a:prstGeom>
-                <a:noFill/>
-                <a:ln w="6350">
-                  <a:noFill/>
-                  <a:prstDash val="sysDot"/>
-                </a:ln>
-              </p:spPr>
-              <p:style>
-                <a:lnRef idx="2">
-                  <a:schemeClr val="accent1">
-                    <a:shade val="50000"/>
-                  </a:schemeClr>
-                </a:lnRef>
-                <a:fillRef idx="1">
-                  <a:schemeClr val="accent1"/>
-                </a:fillRef>
-                <a:effectRef idx="0">
-                  <a:schemeClr val="accent1"/>
-                </a:effectRef>
-                <a:fontRef idx="minor">
-                  <a:schemeClr val="lt1"/>
-                </a:fontRef>
-              </p:style>
-              <p:txBody>
-                <a:bodyPr lIns="0" tIns="0" rIns="0" bIns="0" rtlCol="0" anchor="ctr"/>
-                <a:lstStyle/>
-                <a:p>
-                  <a:pPr algn="ctr"/>
-                  <a14:m>
-                    <m:oMathPara xmlns:m="http://schemas.openxmlformats.org/officeDocument/2006/math">
-                      <m:oMathParaPr>
-                        <m:jc m:val="centerGroup"/>
-                      </m:oMathParaPr>
-                      <m:oMath xmlns:m="http://schemas.openxmlformats.org/officeDocument/2006/math">
-                        <m:d>
-                          <m:dPr>
-                            <m:begChr m:val="‖"/>
-                            <m:endChr m:val="‖"/>
-                            <m:ctrlPr>
-                              <a:rPr lang="en-US" sz="1200" b="0" i="1" smtClean="0">
-                                <a:solidFill>
-                                  <a:schemeClr val="tx1"/>
-                                </a:solidFill>
-                                <a:latin typeface="Cambria Math" panose="02040503050406030204" pitchFamily="18" charset="0"/>
-                                <a:ea typeface="CMU Sans Serif" panose="02000603000000000000" pitchFamily="2" charset="0"/>
-                                <a:cs typeface="CMU Sans Serif" panose="02000603000000000000" pitchFamily="2" charset="0"/>
-                              </a:rPr>
-                            </m:ctrlPr>
-                          </m:dPr>
-                          <m:e>
-                            <m:r>
-                              <a:rPr lang="en-US" sz="1200" b="0" i="1" smtClean="0">
-                                <a:solidFill>
-                                  <a:schemeClr val="tx1"/>
-                                </a:solidFill>
-                                <a:latin typeface="Cambria Math" panose="02040503050406030204" pitchFamily="18" charset="0"/>
-                                <a:ea typeface="CMU Sans Serif" panose="02000603000000000000" pitchFamily="2" charset="0"/>
-                                <a:cs typeface="CMU Sans Serif" panose="02000603000000000000" pitchFamily="2" charset="0"/>
-                              </a:rPr>
-                              <m:t>𝑓</m:t>
-                            </m:r>
-                            <m:d>
-                              <m:dPr>
-                                <m:ctrlPr>
-                                  <a:rPr lang="en-US" sz="1200" b="0" i="1" smtClean="0">
-                                    <a:solidFill>
-                                      <a:schemeClr val="tx1"/>
-                                    </a:solidFill>
-                                    <a:latin typeface="Cambria Math" panose="02040503050406030204" pitchFamily="18" charset="0"/>
-                                    <a:ea typeface="CMU Sans Serif" panose="02000603000000000000" pitchFamily="2" charset="0"/>
-                                    <a:cs typeface="CMU Sans Serif" panose="02000603000000000000" pitchFamily="2" charset="0"/>
-                                  </a:rPr>
-                                </m:ctrlPr>
-                              </m:dPr>
-                              <m:e>
-                                <m:sSub>
-                                  <m:sSubPr>
-                                    <m:ctrlPr>
-                                      <a:rPr lang="en-US" sz="1200" b="1" i="1" smtClean="0">
-                                        <a:solidFill>
-                                          <a:srgbClr val="C00000"/>
-                                        </a:solidFill>
-                                        <a:latin typeface="Cambria Math" panose="02040503050406030204" pitchFamily="18" charset="0"/>
-                                        <a:ea typeface="CMU Sans Serif" panose="02000603000000000000" pitchFamily="2" charset="0"/>
-                                        <a:cs typeface="CMU Sans Serif" panose="02000603000000000000" pitchFamily="2" charset="0"/>
-                                      </a:rPr>
-                                    </m:ctrlPr>
-                                  </m:sSubPr>
-                                  <m:e>
-                                    <m:r>
-                                      <a:rPr lang="en-US" sz="1200" b="1" i="1" smtClean="0">
-                                        <a:solidFill>
-                                          <a:srgbClr val="C00000"/>
-                                        </a:solidFill>
-                                        <a:latin typeface="Cambria Math" panose="02040503050406030204" pitchFamily="18" charset="0"/>
-                                        <a:ea typeface="CMU Sans Serif" panose="02000603000000000000" pitchFamily="2" charset="0"/>
-                                        <a:cs typeface="CMU Sans Serif" panose="02000603000000000000" pitchFamily="2" charset="0"/>
-                                      </a:rPr>
-                                      <m:t>𝜽</m:t>
-                                    </m:r>
-                                  </m:e>
-                                  <m:sub>
-                                    <m:r>
-                                      <a:rPr lang="en-US" sz="1200" b="1" i="1" smtClean="0">
-                                        <a:solidFill>
-                                          <a:srgbClr val="C00000"/>
-                                        </a:solidFill>
-                                        <a:latin typeface="Cambria Math" panose="02040503050406030204" pitchFamily="18" charset="0"/>
-                                        <a:ea typeface="CMU Sans Serif" panose="02000603000000000000" pitchFamily="2" charset="0"/>
-                                        <a:cs typeface="CMU Sans Serif" panose="02000603000000000000" pitchFamily="2" charset="0"/>
-                                      </a:rPr>
-                                      <m:t>𝑴</m:t>
-                                    </m:r>
-                                  </m:sub>
-                                </m:sSub>
-                                <m:r>
-                                  <a:rPr lang="en-US" sz="1200" b="1" i="1" smtClean="0">
-                                    <a:solidFill>
-                                      <a:schemeClr val="tx1"/>
-                                    </a:solidFill>
-                                    <a:latin typeface="Cambria Math" panose="02040503050406030204" pitchFamily="18" charset="0"/>
-                                    <a:ea typeface="CMU Sans Serif" panose="02000603000000000000" pitchFamily="2" charset="0"/>
-                                    <a:cs typeface="CMU Sans Serif" panose="02000603000000000000" pitchFamily="2" charset="0"/>
-                                  </a:rPr>
-                                  <m:t>,</m:t>
-                                </m:r>
-                                <m:r>
-                                  <a:rPr lang="en-US" sz="1200" b="0" i="1" smtClean="0">
-                                    <a:solidFill>
-                                      <a:schemeClr val="tx1"/>
-                                    </a:solidFill>
-                                    <a:latin typeface="Cambria Math" panose="02040503050406030204" pitchFamily="18" charset="0"/>
-                                    <a:ea typeface="CMU Sans Serif" panose="02000603000000000000" pitchFamily="2" charset="0"/>
-                                    <a:cs typeface="CMU Sans Serif" panose="02000603000000000000" pitchFamily="2" charset="0"/>
-                                  </a:rPr>
-                                  <m:t>𝑥</m:t>
-                                </m:r>
-                                <m:d>
-                                  <m:dPr>
-                                    <m:ctrlPr>
-                                      <a:rPr lang="en-US" sz="1200" b="0" i="1" smtClean="0">
-                                        <a:solidFill>
-                                          <a:schemeClr val="tx1"/>
-                                        </a:solidFill>
-                                        <a:latin typeface="Cambria Math" panose="02040503050406030204" pitchFamily="18" charset="0"/>
-                                        <a:ea typeface="CMU Sans Serif" panose="02000603000000000000" pitchFamily="2" charset="0"/>
-                                        <a:cs typeface="CMU Sans Serif" panose="02000603000000000000" pitchFamily="2" charset="0"/>
-                                      </a:rPr>
-                                    </m:ctrlPr>
-                                  </m:dPr>
-                                  <m:e>
-                                    <m:sSub>
-                                      <m:sSubPr>
-                                        <m:ctrlPr>
-                                          <a:rPr lang="en-US" sz="1200" b="1" i="1" smtClean="0">
-                                            <a:solidFill>
-                                              <a:schemeClr val="accent5"/>
-                                            </a:solidFill>
-                                            <a:latin typeface="Cambria Math" panose="02040503050406030204" pitchFamily="18" charset="0"/>
-                                            <a:ea typeface="CMU Sans Serif" panose="02000603000000000000" pitchFamily="2" charset="0"/>
-                                            <a:cs typeface="CMU Sans Serif" panose="02000603000000000000" pitchFamily="2" charset="0"/>
-                                          </a:rPr>
-                                        </m:ctrlPr>
-                                      </m:sSubPr>
-                                      <m:e>
-                                        <m:r>
-                                          <a:rPr lang="en-US" sz="1200" b="1" i="1" smtClean="0">
-                                            <a:solidFill>
-                                              <a:schemeClr val="accent5"/>
-                                            </a:solidFill>
-                                            <a:latin typeface="Cambria Math" panose="02040503050406030204" pitchFamily="18" charset="0"/>
-                                            <a:ea typeface="CMU Sans Serif" panose="02000603000000000000" pitchFamily="2" charset="0"/>
-                                            <a:cs typeface="CMU Sans Serif" panose="02000603000000000000" pitchFamily="2" charset="0"/>
-                                          </a:rPr>
-                                          <m:t>𝜽</m:t>
-                                        </m:r>
-                                      </m:e>
-                                      <m:sub>
-                                        <m:r>
-                                          <a:rPr lang="en-US" sz="1200" b="1" i="1" smtClean="0">
-                                            <a:solidFill>
-                                              <a:schemeClr val="accent5"/>
-                                            </a:solidFill>
-                                            <a:latin typeface="Cambria Math" panose="02040503050406030204" pitchFamily="18" charset="0"/>
-                                            <a:ea typeface="CMU Sans Serif" panose="02000603000000000000" pitchFamily="2" charset="0"/>
-                                            <a:cs typeface="CMU Sans Serif" panose="02000603000000000000" pitchFamily="2" charset="0"/>
-                                          </a:rPr>
-                                          <m:t>𝑵𝑵</m:t>
-                                        </m:r>
-                                      </m:sub>
-                                    </m:sSub>
-                                    <m:r>
-                                      <a:rPr lang="en-US" sz="1200" b="0" i="1" smtClean="0">
-                                        <a:solidFill>
-                                          <a:schemeClr val="tx1"/>
-                                        </a:solidFill>
-                                        <a:latin typeface="Cambria Math" panose="02040503050406030204" pitchFamily="18" charset="0"/>
-                                        <a:ea typeface="CMU Sans Serif" panose="02000603000000000000" pitchFamily="2" charset="0"/>
-                                        <a:cs typeface="CMU Sans Serif" panose="02000603000000000000" pitchFamily="2" charset="0"/>
-                                      </a:rPr>
-                                      <m:t>,</m:t>
-                                    </m:r>
-                                    <m:r>
-                                      <a:rPr lang="en-US" sz="1200" b="0" i="1" smtClean="0">
-                                        <a:solidFill>
-                                          <a:schemeClr val="tx1"/>
-                                        </a:solidFill>
-                                        <a:latin typeface="Cambria Math" panose="02040503050406030204" pitchFamily="18" charset="0"/>
-                                        <a:ea typeface="CMU Sans Serif" panose="02000603000000000000" pitchFamily="2" charset="0"/>
-                                        <a:cs typeface="CMU Sans Serif" panose="02000603000000000000" pitchFamily="2" charset="0"/>
-                                      </a:rPr>
-                                      <m:t>𝑡</m:t>
-                                    </m:r>
-                                  </m:e>
-                                </m:d>
-                              </m:e>
-                            </m:d>
-                            <m:r>
-                              <a:rPr lang="en-US" sz="1200" b="0" i="1" smtClean="0">
-                                <a:solidFill>
-                                  <a:schemeClr val="tx1"/>
-                                </a:solidFill>
-                                <a:latin typeface="Cambria Math" panose="02040503050406030204" pitchFamily="18" charset="0"/>
-                                <a:ea typeface="CMU Sans Serif" panose="02000603000000000000" pitchFamily="2" charset="0"/>
-                                <a:cs typeface="CMU Sans Serif" panose="02000603000000000000" pitchFamily="2" charset="0"/>
-                              </a:rPr>
-                              <m:t>−</m:t>
-                            </m:r>
-                            <m:acc>
-                              <m:accPr>
-                                <m:chr m:val="̇"/>
-                                <m:ctrlPr>
-                                  <a:rPr lang="en-US" sz="1200" b="0" i="1" smtClean="0">
-                                    <a:solidFill>
-                                      <a:schemeClr val="tx1"/>
-                                    </a:solidFill>
-                                    <a:latin typeface="Cambria Math" panose="02040503050406030204" pitchFamily="18" charset="0"/>
-                                    <a:ea typeface="CMU Sans Serif" panose="02000603000000000000" pitchFamily="2" charset="0"/>
-                                    <a:cs typeface="CMU Sans Serif" panose="02000603000000000000" pitchFamily="2" charset="0"/>
-                                  </a:rPr>
-                                </m:ctrlPr>
-                              </m:accPr>
-                              <m:e>
-                                <m:r>
-                                  <a:rPr lang="en-US" sz="1200" b="0" i="1" smtClean="0">
-                                    <a:solidFill>
-                                      <a:schemeClr val="tx1"/>
-                                    </a:solidFill>
-                                    <a:latin typeface="Cambria Math" panose="02040503050406030204" pitchFamily="18" charset="0"/>
-                                    <a:ea typeface="CMU Sans Serif" panose="02000603000000000000" pitchFamily="2" charset="0"/>
-                                    <a:cs typeface="CMU Sans Serif" panose="02000603000000000000" pitchFamily="2" charset="0"/>
-                                  </a:rPr>
-                                  <m:t>𝑥</m:t>
-                                </m:r>
-                              </m:e>
-                            </m:acc>
-                            <m:d>
-                              <m:dPr>
-                                <m:ctrlPr>
-                                  <a:rPr lang="en-US" sz="1200" b="0" i="1" smtClean="0">
-                                    <a:solidFill>
-                                      <a:schemeClr val="tx1"/>
-                                    </a:solidFill>
-                                    <a:latin typeface="Cambria Math" panose="02040503050406030204" pitchFamily="18" charset="0"/>
-                                    <a:ea typeface="CMU Sans Serif" panose="02000603000000000000" pitchFamily="2" charset="0"/>
-                                    <a:cs typeface="CMU Sans Serif" panose="02000603000000000000" pitchFamily="2" charset="0"/>
-                                  </a:rPr>
-                                </m:ctrlPr>
-                              </m:dPr>
-                              <m:e>
-                                <m:sSub>
-                                  <m:sSubPr>
-                                    <m:ctrlPr>
-                                      <a:rPr lang="en-US" sz="1200" b="1" i="1" smtClean="0">
-                                        <a:solidFill>
-                                          <a:schemeClr val="accent5"/>
-                                        </a:solidFill>
-                                        <a:latin typeface="Cambria Math" panose="02040503050406030204" pitchFamily="18" charset="0"/>
-                                        <a:ea typeface="CMU Sans Serif" panose="02000603000000000000" pitchFamily="2" charset="0"/>
-                                        <a:cs typeface="CMU Sans Serif" panose="02000603000000000000" pitchFamily="2" charset="0"/>
-                                      </a:rPr>
-                                    </m:ctrlPr>
-                                  </m:sSubPr>
-                                  <m:e>
-                                    <m:r>
-                                      <a:rPr lang="en-US" sz="1200" b="1" i="1" smtClean="0">
-                                        <a:solidFill>
-                                          <a:schemeClr val="accent5"/>
-                                        </a:solidFill>
-                                        <a:latin typeface="Cambria Math" panose="02040503050406030204" pitchFamily="18" charset="0"/>
-                                        <a:ea typeface="CMU Sans Serif" panose="02000603000000000000" pitchFamily="2" charset="0"/>
-                                        <a:cs typeface="CMU Sans Serif" panose="02000603000000000000" pitchFamily="2" charset="0"/>
-                                      </a:rPr>
-                                      <m:t>𝜽</m:t>
-                                    </m:r>
-                                  </m:e>
-                                  <m:sub>
-                                    <m:r>
-                                      <a:rPr lang="en-US" sz="1200" b="1" i="1" smtClean="0">
-                                        <a:solidFill>
-                                          <a:schemeClr val="accent5"/>
-                                        </a:solidFill>
-                                        <a:latin typeface="Cambria Math" panose="02040503050406030204" pitchFamily="18" charset="0"/>
-                                        <a:ea typeface="CMU Sans Serif" panose="02000603000000000000" pitchFamily="2" charset="0"/>
-                                        <a:cs typeface="CMU Sans Serif" panose="02000603000000000000" pitchFamily="2" charset="0"/>
-                                      </a:rPr>
-                                      <m:t>𝑵𝑵</m:t>
-                                    </m:r>
-                                  </m:sub>
-                                </m:sSub>
-                                <m:r>
-                                  <a:rPr lang="en-US" sz="1200" b="0" i="1" smtClean="0">
-                                    <a:solidFill>
-                                      <a:schemeClr val="tx1"/>
-                                    </a:solidFill>
-                                    <a:latin typeface="Cambria Math" panose="02040503050406030204" pitchFamily="18" charset="0"/>
-                                    <a:ea typeface="CMU Sans Serif" panose="02000603000000000000" pitchFamily="2" charset="0"/>
-                                    <a:cs typeface="CMU Sans Serif" panose="02000603000000000000" pitchFamily="2" charset="0"/>
-                                  </a:rPr>
-                                  <m:t>,</m:t>
-                                </m:r>
-                                <m:r>
-                                  <a:rPr lang="en-US" sz="1200" b="0" i="1" smtClean="0">
-                                    <a:solidFill>
-                                      <a:schemeClr val="tx1"/>
-                                    </a:solidFill>
-                                    <a:latin typeface="Cambria Math" panose="02040503050406030204" pitchFamily="18" charset="0"/>
-                                    <a:ea typeface="CMU Sans Serif" panose="02000603000000000000" pitchFamily="2" charset="0"/>
-                                    <a:cs typeface="CMU Sans Serif" panose="02000603000000000000" pitchFamily="2" charset="0"/>
-                                  </a:rPr>
-                                  <m:t>𝑡</m:t>
-                                </m:r>
-                              </m:e>
-                            </m:d>
-                          </m:e>
-                        </m:d>
-                      </m:oMath>
-                    </m:oMathPara>
-                  </a14:m>
-                  <a:endParaRPr lang="en-US" sz="1050" i="1" dirty="0">
-                    <a:solidFill>
-                      <a:schemeClr val="tx1"/>
-                    </a:solidFill>
-                    <a:latin typeface="CMU Sans Serif" panose="02000603000000000000" pitchFamily="2" charset="0"/>
-                    <a:ea typeface="CMU Sans Serif" panose="02000603000000000000" pitchFamily="2" charset="0"/>
-                    <a:cs typeface="CMU Sans Serif" panose="02000603000000000000" pitchFamily="2" charset="0"/>
-                  </a:endParaRPr>
-                </a:p>
-              </p:txBody>
-            </p:sp>
-          </mc:Choice>
-          <mc:Fallback>
-            <p:sp>
-              <p:nvSpPr>
-                <p:cNvPr id="14" name="Rounded Rectangle 13"/>
-                <p:cNvSpPr>
-                  <a:spLocks noRot="1" noChangeAspect="1" noMove="1" noResize="1" noEditPoints="1" noAdjustHandles="1" noChangeArrowheads="1" noChangeShapeType="1" noTextEdit="1"/>
-                </p:cNvSpPr>
-                <p:nvPr/>
-              </p:nvSpPr>
-              <p:spPr>
-                <a:xfrm>
-                  <a:off x="4490673" y="3094669"/>
-                  <a:ext cx="2448722" cy="530865"/>
-                </a:xfrm>
-                <a:prstGeom prst="roundRect">
-                  <a:avLst>
-                    <a:gd name="adj" fmla="val 5847"/>
-                  </a:avLst>
-                </a:prstGeom>
-                <a:blipFill>
-                  <a:blip r:embed="rId5"/>
-                  <a:stretch>
-                    <a:fillRect/>
-                  </a:stretch>
-                </a:blipFill>
-                <a:ln w="6350">
-                  <a:noFill/>
-                  <a:prstDash val="sysDot"/>
-                </a:ln>
-              </p:spPr>
-              <p:txBody>
-                <a:bodyPr/>
-                <a:lstStyle/>
-                <a:p>
-                  <a:r>
-                    <a:rPr lang="en-US">
-                      <a:noFill/>
-                    </a:rPr>
-                    <a:t> </a:t>
-                  </a:r>
-                </a:p>
-              </p:txBody>
-            </p:sp>
-          </mc:Fallback>
-        </mc:AlternateContent>
-        <mc:AlternateContent xmlns:mc="http://schemas.openxmlformats.org/markup-compatibility/2006">
-          <mc:Choice xmlns:a14="http://schemas.microsoft.com/office/drawing/2010/main" Requires="a14">
-            <p:sp>
-              <p:nvSpPr>
-                <p:cNvPr id="16" name="Rounded Rectangle 15"/>
-                <p:cNvSpPr/>
-                <p:nvPr/>
-              </p:nvSpPr>
-              <p:spPr>
-                <a:xfrm>
-                  <a:off x="4490673" y="1352366"/>
-                  <a:ext cx="2448722" cy="530865"/>
-                </a:xfrm>
-                <a:prstGeom prst="roundRect">
-                  <a:avLst>
-                    <a:gd name="adj" fmla="val 5847"/>
-                  </a:avLst>
-                </a:prstGeom>
-                <a:noFill/>
-                <a:ln w="6350">
-                  <a:noFill/>
-                  <a:prstDash val="sysDot"/>
-                </a:ln>
-              </p:spPr>
-              <p:style>
-                <a:lnRef idx="2">
-                  <a:schemeClr val="accent1">
-                    <a:shade val="50000"/>
-                  </a:schemeClr>
-                </a:lnRef>
-                <a:fillRef idx="1">
-                  <a:schemeClr val="accent1"/>
-                </a:fillRef>
-                <a:effectRef idx="0">
-                  <a:schemeClr val="accent1"/>
-                </a:effectRef>
-                <a:fontRef idx="minor">
-                  <a:schemeClr val="lt1"/>
-                </a:fontRef>
-              </p:style>
-              <p:txBody>
-                <a:bodyPr lIns="0" tIns="0" rIns="0" bIns="0" rtlCol="0" anchor="ctr"/>
-                <a:lstStyle/>
-                <a:p>
-                  <a:pPr algn="ctr"/>
-                  <a14:m>
-                    <m:oMathPara xmlns:m="http://schemas.openxmlformats.org/officeDocument/2006/math">
-                      <m:oMathParaPr>
-                        <m:jc m:val="centerGroup"/>
-                      </m:oMathParaPr>
-                      <m:oMath xmlns:m="http://schemas.openxmlformats.org/officeDocument/2006/math">
-                        <m:acc>
-                          <m:accPr>
-                            <m:chr m:val="̃"/>
-                            <m:ctrlPr>
-                              <a:rPr lang="en-US" sz="1600" i="1" smtClean="0">
-                                <a:solidFill>
-                                  <a:schemeClr val="tx1"/>
-                                </a:solidFill>
-                                <a:latin typeface="Cambria Math" panose="02040503050406030204" pitchFamily="18" charset="0"/>
-                                <a:ea typeface="CMU Sans Serif" panose="02000603000000000000" pitchFamily="2" charset="0"/>
-                                <a:cs typeface="CMU Sans Serif" panose="02000603000000000000" pitchFamily="2" charset="0"/>
-                              </a:rPr>
-                            </m:ctrlPr>
-                          </m:accPr>
-                          <m:e>
-                            <m:r>
-                              <a:rPr lang="en-US" sz="1600" i="1" smtClean="0">
-                                <a:solidFill>
-                                  <a:schemeClr val="tx1"/>
-                                </a:solidFill>
-                                <a:latin typeface="Cambria Math" panose="02040503050406030204" pitchFamily="18" charset="0"/>
-                                <a:ea typeface="CMU Sans Serif" panose="02000603000000000000" pitchFamily="2" charset="0"/>
-                                <a:cs typeface="CMU Sans Serif" panose="02000603000000000000" pitchFamily="2" charset="0"/>
-                              </a:rPr>
-                              <m:t>𝑥</m:t>
-                            </m:r>
-                          </m:e>
-                        </m:acc>
-                      </m:oMath>
-                    </m:oMathPara>
-                  </a14:m>
-                  <a:endParaRPr lang="en-US" sz="1200" i="1" dirty="0">
-                    <a:solidFill>
-                      <a:schemeClr val="tx1"/>
-                    </a:solidFill>
-                    <a:latin typeface="CMU Sans Serif" panose="02000603000000000000" pitchFamily="2" charset="0"/>
-                    <a:ea typeface="CMU Sans Serif" panose="02000603000000000000" pitchFamily="2" charset="0"/>
-                    <a:cs typeface="CMU Sans Serif" panose="02000603000000000000" pitchFamily="2" charset="0"/>
-                  </a:endParaRPr>
-                </a:p>
-              </p:txBody>
-            </p:sp>
-          </mc:Choice>
-          <mc:Fallback>
-            <p:sp>
-              <p:nvSpPr>
-                <p:cNvPr id="16" name="Rounded Rectangle 15"/>
-                <p:cNvSpPr>
-                  <a:spLocks noRot="1" noChangeAspect="1" noMove="1" noResize="1" noEditPoints="1" noAdjustHandles="1" noChangeArrowheads="1" noChangeShapeType="1" noTextEdit="1"/>
-                </p:cNvSpPr>
-                <p:nvPr/>
-              </p:nvSpPr>
-              <p:spPr>
-                <a:xfrm>
-                  <a:off x="4490673" y="1352366"/>
-                  <a:ext cx="2448722" cy="530865"/>
-                </a:xfrm>
-                <a:prstGeom prst="roundRect">
-                  <a:avLst>
-                    <a:gd name="adj" fmla="val 5847"/>
-                  </a:avLst>
-                </a:prstGeom>
-                <a:blipFill>
-                  <a:blip r:embed="rId6"/>
-                  <a:stretch>
-                    <a:fillRect/>
-                  </a:stretch>
-                </a:blipFill>
-                <a:ln w="6350">
-                  <a:noFill/>
-                  <a:prstDash val="sysDot"/>
-                </a:ln>
-              </p:spPr>
-              <p:txBody>
-                <a:bodyPr/>
-                <a:lstStyle/>
-                <a:p>
-                  <a:r>
-                    <a:rPr lang="en-US">
-                      <a:noFill/>
-                    </a:rPr>
-                    <a:t> </a:t>
-                  </a:r>
-                </a:p>
-              </p:txBody>
-            </p:sp>
-          </mc:Fallback>
-        </mc:AlternateContent>
-        <p:cxnSp>
-          <p:nvCxnSpPr>
-            <p:cNvPr id="18" name="Curved Connector 17"/>
-            <p:cNvCxnSpPr>
-              <a:stCxn id="10" idx="3"/>
-            </p:cNvCxnSpPr>
-            <p:nvPr/>
-          </p:nvCxnSpPr>
-          <p:spPr>
-            <a:xfrm flipV="1">
-              <a:off x="4393154" y="1616856"/>
-              <a:ext cx="1125822" cy="942"/>
-            </a:xfrm>
-            <a:prstGeom prst="curvedConnector3">
-              <a:avLst/>
-            </a:prstGeom>
-            <a:ln>
-              <a:solidFill>
-                <a:schemeClr val="bg1">
-                  <a:lumMod val="65000"/>
-                </a:schemeClr>
-              </a:solidFill>
-              <a:prstDash val="sysDot"/>
-              <a:tailEnd type="triangle"/>
-            </a:ln>
-          </p:spPr>
-          <p:style>
-            <a:lnRef idx="1">
-              <a:schemeClr val="accent1"/>
-            </a:lnRef>
-            <a:fillRef idx="0">
-              <a:schemeClr val="accent1"/>
-            </a:fillRef>
-            <a:effectRef idx="0">
-              <a:schemeClr val="accent1"/>
-            </a:effectRef>
-            <a:fontRef idx="minor">
-              <a:schemeClr val="tx1"/>
-            </a:fontRef>
-          </p:style>
-        </p:cxnSp>
-        <p:cxnSp>
-          <p:nvCxnSpPr>
-            <p:cNvPr id="25" name="Straight Connector 24"/>
-            <p:cNvCxnSpPr>
-              <a:stCxn id="12" idx="0"/>
-              <a:endCxn id="8" idx="1"/>
-            </p:cNvCxnSpPr>
-            <p:nvPr/>
-          </p:nvCxnSpPr>
-          <p:spPr>
-            <a:xfrm>
-              <a:off x="2880801" y="2488950"/>
-              <a:ext cx="274285" cy="0"/>
-            </a:xfrm>
-            <a:prstGeom prst="line">
-              <a:avLst/>
-            </a:prstGeom>
-            <a:ln>
-              <a:solidFill>
-                <a:schemeClr val="tx1"/>
-              </a:solidFill>
-            </a:ln>
-          </p:spPr>
-          <p:style>
-            <a:lnRef idx="1">
-              <a:schemeClr val="accent1"/>
-            </a:lnRef>
-            <a:fillRef idx="0">
-              <a:schemeClr val="accent1"/>
-            </a:fillRef>
-            <a:effectRef idx="0">
-              <a:schemeClr val="accent1"/>
-            </a:effectRef>
-            <a:fontRef idx="minor">
-              <a:schemeClr val="tx1"/>
-            </a:fontRef>
-          </p:style>
-        </p:cxnSp>
-        <p:cxnSp>
-          <p:nvCxnSpPr>
-            <p:cNvPr id="30" name="Straight Connector 29"/>
-            <p:cNvCxnSpPr>
-              <a:stCxn id="8" idx="3"/>
-              <a:endCxn id="15" idx="1"/>
-            </p:cNvCxnSpPr>
-            <p:nvPr/>
-          </p:nvCxnSpPr>
-          <p:spPr>
-            <a:xfrm>
-              <a:off x="4223050" y="2488950"/>
-              <a:ext cx="320195" cy="0"/>
-            </a:xfrm>
-            <a:prstGeom prst="line">
-              <a:avLst/>
-            </a:prstGeom>
-            <a:ln>
-              <a:tailEnd type="triangle"/>
-            </a:ln>
-          </p:spPr>
-          <p:style>
-            <a:lnRef idx="1">
-              <a:schemeClr val="dk1"/>
-            </a:lnRef>
-            <a:fillRef idx="0">
-              <a:schemeClr val="dk1"/>
-            </a:fillRef>
-            <a:effectRef idx="0">
-              <a:schemeClr val="dk1"/>
-            </a:effectRef>
-            <a:fontRef idx="minor">
-              <a:schemeClr val="tx1"/>
-            </a:fontRef>
-          </p:style>
-        </p:cxnSp>
-        <p:sp>
-          <p:nvSpPr>
-            <p:cNvPr id="32" name="Rectangle 31"/>
-            <p:cNvSpPr/>
-            <p:nvPr/>
-          </p:nvSpPr>
-          <p:spPr>
-            <a:xfrm>
-              <a:off x="5388452" y="3501205"/>
-              <a:ext cx="1635384" cy="261610"/>
-            </a:xfrm>
-            <a:prstGeom prst="rect">
-              <a:avLst/>
-            </a:prstGeom>
-          </p:spPr>
-          <p:txBody>
-            <a:bodyPr wrap="none">
-              <a:spAutoFit/>
-            </a:bodyPr>
-            <a:lstStyle/>
-            <a:p>
-              <a:r>
-                <a:rPr lang="en-US" sz="1100" dirty="0" smtClean="0">
-                  <a:latin typeface="CMU Sans Serif" panose="02000603000000000000" pitchFamily="2" charset="0"/>
-                  <a:ea typeface="CMU Sans Serif" panose="02000603000000000000" pitchFamily="2" charset="0"/>
-                  <a:cs typeface="CMU Sans Serif" panose="02000603000000000000" pitchFamily="2" charset="0"/>
-                </a:rPr>
-                <a:t>ODE Objective Function</a:t>
-              </a:r>
-            </a:p>
-          </p:txBody>
-        </p:sp>
-        <p:sp>
-          <p:nvSpPr>
-            <p:cNvPr id="33" name="Rectangle 32"/>
-            <p:cNvSpPr/>
-            <p:nvPr/>
-          </p:nvSpPr>
-          <p:spPr>
-            <a:xfrm>
-              <a:off x="5386849" y="2631431"/>
-              <a:ext cx="1636987" cy="261610"/>
-            </a:xfrm>
-            <a:prstGeom prst="rect">
-              <a:avLst/>
-            </a:prstGeom>
-          </p:spPr>
-          <p:txBody>
-            <a:bodyPr wrap="none">
-              <a:spAutoFit/>
-            </a:bodyPr>
-            <a:lstStyle/>
-            <a:p>
-              <a:r>
-                <a:rPr lang="en-US" sz="1100" dirty="0" smtClean="0">
-                  <a:latin typeface="CMU Sans Serif" panose="02000603000000000000" pitchFamily="2" charset="0"/>
-                  <a:ea typeface="CMU Sans Serif" panose="02000603000000000000" pitchFamily="2" charset="0"/>
-                  <a:cs typeface="CMU Sans Serif" panose="02000603000000000000" pitchFamily="2" charset="0"/>
-                </a:rPr>
-                <a:t>ANN Objective Function</a:t>
-              </a:r>
-              <a:endParaRPr lang="en-US" sz="1100" dirty="0">
-                <a:latin typeface="CMU Sans Serif" panose="02000603000000000000" pitchFamily="2" charset="0"/>
-                <a:ea typeface="CMU Sans Serif" panose="02000603000000000000" pitchFamily="2" charset="0"/>
-                <a:cs typeface="CMU Sans Serif" panose="02000603000000000000" pitchFamily="2" charset="0"/>
-              </a:endParaRPr>
-            </a:p>
-          </p:txBody>
-        </p:sp>
-        <p:sp>
-          <p:nvSpPr>
-            <p:cNvPr id="34" name="Rectangle 33"/>
-            <p:cNvSpPr/>
-            <p:nvPr/>
-          </p:nvSpPr>
-          <p:spPr>
-            <a:xfrm>
-              <a:off x="6550630" y="1712516"/>
-              <a:ext cx="473206" cy="261610"/>
-            </a:xfrm>
-            <a:prstGeom prst="rect">
-              <a:avLst/>
-            </a:prstGeom>
-          </p:spPr>
-          <p:txBody>
-            <a:bodyPr wrap="none">
-              <a:spAutoFit/>
-            </a:bodyPr>
-            <a:lstStyle/>
-            <a:p>
-              <a:r>
-                <a:rPr lang="en-US" sz="1100" dirty="0" smtClean="0">
-                  <a:latin typeface="CMU Sans Serif" panose="02000603000000000000" pitchFamily="2" charset="0"/>
-                  <a:ea typeface="CMU Sans Serif" panose="02000603000000000000" pitchFamily="2" charset="0"/>
-                  <a:cs typeface="CMU Sans Serif" panose="02000603000000000000" pitchFamily="2" charset="0"/>
-                </a:rPr>
-                <a:t>Data</a:t>
-              </a:r>
-              <a:endParaRPr lang="en-US" sz="1100" dirty="0">
-                <a:latin typeface="CMU Sans Serif" panose="02000603000000000000" pitchFamily="2" charset="0"/>
-                <a:ea typeface="CMU Sans Serif" panose="02000603000000000000" pitchFamily="2" charset="0"/>
-                <a:cs typeface="CMU Sans Serif" panose="02000603000000000000" pitchFamily="2" charset="0"/>
-              </a:endParaRPr>
-            </a:p>
-          </p:txBody>
-        </p:sp>
-        <p:cxnSp>
-          <p:nvCxnSpPr>
-            <p:cNvPr id="36" name="Curved Connector 35"/>
-            <p:cNvCxnSpPr>
-              <a:stCxn id="5" idx="3"/>
-              <a:endCxn id="10" idx="1"/>
-            </p:cNvCxnSpPr>
-            <p:nvPr/>
-          </p:nvCxnSpPr>
-          <p:spPr>
-            <a:xfrm>
-              <a:off x="2776633" y="1616421"/>
-              <a:ext cx="359235" cy="1377"/>
-            </a:xfrm>
-            <a:prstGeom prst="curvedConnector3">
-              <a:avLst/>
-            </a:prstGeom>
-            <a:ln>
-              <a:solidFill>
-                <a:schemeClr val="bg1">
-                  <a:lumMod val="65000"/>
-                </a:schemeClr>
-              </a:solidFill>
-              <a:prstDash val="sysDot"/>
-              <a:tailEnd type="triangle"/>
-            </a:ln>
-          </p:spPr>
-          <p:style>
-            <a:lnRef idx="1">
-              <a:schemeClr val="accent1"/>
-            </a:lnRef>
-            <a:fillRef idx="0">
-              <a:schemeClr val="accent1"/>
-            </a:fillRef>
-            <a:effectRef idx="0">
-              <a:schemeClr val="accent1"/>
-            </a:effectRef>
-            <a:fontRef idx="minor">
-              <a:schemeClr val="tx1"/>
-            </a:fontRef>
-          </p:style>
-        </p:cxnSp>
-        <p:sp>
-          <p:nvSpPr>
             <p:cNvPr id="6" name="Hexagon 5"/>
             <p:cNvSpPr/>
             <p:nvPr/>
           </p:nvSpPr>
           <p:spPr>
             <a:xfrm flipH="1">
-              <a:off x="9011824" y="3113117"/>
+              <a:off x="8964757" y="3113117"/>
               <a:ext cx="1234440" cy="530352"/>
             </a:xfrm>
             <a:prstGeom prst="hexagon">
@@ -4877,9 +3116,7 @@
               </a:schemeClr>
             </a:solidFill>
             <a:ln w="9525">
-              <a:solidFill>
-                <a:schemeClr val="tx1"/>
-              </a:solidFill>
+              <a:noFill/>
               <a:prstDash val="sysDash"/>
             </a:ln>
           </p:spPr>
@@ -4954,7 +3191,7 @@
               </p:nvSpPr>
               <p:spPr>
                 <a:xfrm flipH="1">
-                  <a:off x="7403266" y="3087833"/>
+                  <a:off x="7356199" y="3087833"/>
                   <a:ext cx="947631" cy="580921"/>
                 </a:xfrm>
                 <a:prstGeom prst="rect">
@@ -5146,14 +3383,14 @@
               </p:nvSpPr>
               <p:spPr>
                 <a:xfrm flipH="1">
-                  <a:off x="7403266" y="3087833"/>
+                  <a:off x="7356199" y="3087833"/>
                   <a:ext cx="947631" cy="580921"/>
                 </a:xfrm>
                 <a:prstGeom prst="rect">
                   <a:avLst/>
                 </a:prstGeom>
                 <a:blipFill>
-                  <a:blip r:embed="rId7"/>
+                  <a:blip r:embed="rId2"/>
                   <a:stretch>
                     <a:fillRect t="-6186" b="-5155"/>
                   </a:stretch>
@@ -5189,7 +3426,7 @@
           </p:nvCxnSpPr>
           <p:spPr>
             <a:xfrm flipV="1">
-              <a:off x="9011824" y="3376779"/>
+              <a:off x="8964757" y="3376779"/>
               <a:ext cx="0" cy="1514"/>
             </a:xfrm>
             <a:prstGeom prst="line">
@@ -5222,7 +3459,7 @@
           </p:nvCxnSpPr>
           <p:spPr>
             <a:xfrm flipH="1">
-              <a:off x="8350897" y="3378293"/>
+              <a:off x="8303830" y="3378293"/>
               <a:ext cx="660927" cy="1"/>
             </a:xfrm>
             <a:prstGeom prst="line">
@@ -5259,7 +3496,7 @@
           </p:nvCxnSpPr>
           <p:spPr>
             <a:xfrm flipH="1" flipV="1">
-              <a:off x="7014094" y="3376780"/>
+              <a:off x="6967027" y="3376780"/>
               <a:ext cx="389172" cy="1514"/>
             </a:xfrm>
             <a:prstGeom prst="straightConnector1">
@@ -5294,7 +3531,7 @@
               </p:nvSpPr>
               <p:spPr>
                 <a:xfrm flipH="1">
-                  <a:off x="8545548" y="3382683"/>
+                  <a:off x="8498481" y="3382683"/>
                   <a:ext cx="381835" cy="276999"/>
                 </a:xfrm>
                 <a:prstGeom prst="rect">
@@ -5350,14 +3587,14 @@
               </p:nvSpPr>
               <p:spPr>
                 <a:xfrm flipH="1">
-                  <a:off x="8545548" y="3382683"/>
+                  <a:off x="8498481" y="3382683"/>
                   <a:ext cx="381835" cy="276999"/>
                 </a:xfrm>
                 <a:prstGeom prst="rect">
                   <a:avLst/>
                 </a:prstGeom>
                 <a:blipFill>
-                  <a:blip r:embed="rId8"/>
+                  <a:blip r:embed="rId3"/>
                   <a:stretch>
                     <a:fillRect/>
                   </a:stretch>
@@ -5386,7 +3623,7 @@
           </p:nvSpPr>
           <p:spPr>
             <a:xfrm flipH="1">
-              <a:off x="8182467" y="2875586"/>
+              <a:off x="8135400" y="2875586"/>
               <a:ext cx="1107996" cy="461665"/>
             </a:xfrm>
             <a:prstGeom prst="rect">
@@ -5431,100 +3668,6 @@
             </a:p>
           </p:txBody>
         </p:sp>
-        <mc:AlternateContent xmlns:mc="http://schemas.openxmlformats.org/markup-compatibility/2006">
-          <mc:Choice xmlns:a14="http://schemas.microsoft.com/office/drawing/2010/main" Requires="a14">
-            <p:sp>
-              <p:nvSpPr>
-                <p:cNvPr id="85" name="Rectangle 84"/>
-                <p:cNvSpPr/>
-                <p:nvPr/>
-              </p:nvSpPr>
-              <p:spPr>
-                <a:xfrm flipH="1">
-                  <a:off x="4629518" y="5402507"/>
-                  <a:ext cx="381835" cy="276999"/>
-                </a:xfrm>
-                <a:prstGeom prst="rect">
-                  <a:avLst/>
-                </a:prstGeom>
-              </p:spPr>
-              <p:txBody>
-                <a:bodyPr wrap="none">
-                  <a:spAutoFit/>
-                </a:bodyPr>
-                <a:lstStyle/>
-                <a:p>
-                  <a14:m>
-                    <m:oMathPara xmlns:m="http://schemas.openxmlformats.org/officeDocument/2006/math">
-                      <m:oMathParaPr>
-                        <m:jc m:val="centerGroup"/>
-                      </m:oMathParaPr>
-                      <m:oMath xmlns:m="http://schemas.openxmlformats.org/officeDocument/2006/math">
-                        <m:r>
-                          <a:rPr lang="en-US" sz="1200" b="1" i="1" dirty="0" smtClean="0">
-                            <a:solidFill>
-                              <a:srgbClr val="C00000"/>
-                            </a:solidFill>
-                            <a:latin typeface="Cambria Math" panose="02040503050406030204" pitchFamily="18" charset="0"/>
-                            <a:ea typeface="CMU Sans Serif" panose="02000603000000000000" pitchFamily="2" charset="0"/>
-                            <a:cs typeface="CMU Sans Serif" panose="02000603000000000000" pitchFamily="2" charset="0"/>
-                          </a:rPr>
-                          <m:t>𝑴</m:t>
-                        </m:r>
-                      </m:oMath>
-                    </m:oMathPara>
-                  </a14:m>
-                  <a:endParaRPr lang="en-US" sz="1200" b="1" dirty="0">
-                    <a:solidFill>
-                      <a:srgbClr val="C00000"/>
-                    </a:solidFill>
-                    <a:latin typeface="CMU Sans Serif" panose="02000603000000000000" pitchFamily="2" charset="0"/>
-                    <a:ea typeface="CMU Sans Serif" panose="02000603000000000000" pitchFamily="2" charset="0"/>
-                    <a:cs typeface="CMU Sans Serif" panose="02000603000000000000" pitchFamily="2" charset="0"/>
-                  </a:endParaRPr>
-                </a:p>
-              </p:txBody>
-            </p:sp>
-          </mc:Choice>
-          <mc:Fallback>
-            <p:sp>
-              <p:nvSpPr>
-                <p:cNvPr id="85" name="Rectangle 84"/>
-                <p:cNvSpPr>
-                  <a:spLocks noRot="1" noChangeAspect="1" noMove="1" noResize="1" noEditPoints="1" noAdjustHandles="1" noChangeArrowheads="1" noChangeShapeType="1" noTextEdit="1"/>
-                </p:cNvSpPr>
-                <p:nvPr/>
-              </p:nvSpPr>
-              <p:spPr>
-                <a:xfrm flipH="1">
-                  <a:off x="4629518" y="5402507"/>
-                  <a:ext cx="381835" cy="276999"/>
-                </a:xfrm>
-                <a:prstGeom prst="rect">
-                  <a:avLst/>
-                </a:prstGeom>
-                <a:blipFill>
-                  <a:blip r:embed="rId9"/>
-                  <a:stretch>
-                    <a:fillRect/>
-                  </a:stretch>
-                </a:blipFill>
-              </p:spPr>
-              <p:txBody>
-                <a:bodyPr/>
-                <a:lstStyle/>
-                <a:p>
-                  <a:r>
-                    <a:rPr lang="en-US">
-                      <a:noFill/>
-                    </a:rPr>
-                    <a:t> </a:t>
-                  </a:r>
-                </a:p>
-              </p:txBody>
-            </p:sp>
-          </mc:Fallback>
-        </mc:AlternateContent>
         <mc:AlternateContent xmlns:mc="http://schemas.openxmlformats.org/markup-compatibility/2006">
           <mc:Choice xmlns:a14="http://schemas.microsoft.com/office/drawing/2010/main" Requires="a14">
             <p:sp>
@@ -5598,7 +3741,7 @@
                   <a:avLst/>
                 </a:prstGeom>
                 <a:blipFill>
-                  <a:blip r:embed="rId10"/>
+                  <a:blip r:embed="rId3"/>
                   <a:stretch>
                     <a:fillRect/>
                   </a:stretch>
@@ -5627,7 +3770,7 @@
           </p:nvSpPr>
           <p:spPr>
             <a:xfrm flipH="1">
-              <a:off x="9554723" y="4518961"/>
+              <a:off x="9547103" y="4518961"/>
               <a:ext cx="1026243" cy="461665"/>
             </a:xfrm>
             <a:prstGeom prst="rect">
@@ -5672,60 +3815,6 @@
             </a:p>
           </p:txBody>
         </p:sp>
-        <p:sp>
-          <p:nvSpPr>
-            <p:cNvPr id="40" name="Rounded Rectangle 39"/>
-            <p:cNvSpPr/>
-            <p:nvPr/>
-          </p:nvSpPr>
-          <p:spPr>
-            <a:xfrm>
-              <a:off x="3096893" y="3778263"/>
-              <a:ext cx="2548149" cy="583952"/>
-            </a:xfrm>
-            <a:prstGeom prst="roundRect">
-              <a:avLst>
-                <a:gd name="adj" fmla="val 5847"/>
-              </a:avLst>
-            </a:prstGeom>
-            <a:noFill/>
-            <a:ln w="6350">
-              <a:noFill/>
-              <a:prstDash val="sysDot"/>
-            </a:ln>
-          </p:spPr>
-          <p:style>
-            <a:lnRef idx="2">
-              <a:schemeClr val="accent1">
-                <a:shade val="50000"/>
-              </a:schemeClr>
-            </a:lnRef>
-            <a:fillRef idx="1">
-              <a:schemeClr val="accent1"/>
-            </a:fillRef>
-            <a:effectRef idx="0">
-              <a:schemeClr val="accent1"/>
-            </a:effectRef>
-            <a:fontRef idx="minor">
-              <a:schemeClr val="lt1"/>
-            </a:fontRef>
-          </p:style>
-          <p:txBody>
-            <a:bodyPr lIns="0" tIns="0" rIns="0" bIns="0" rtlCol="0" anchor="ctr"/>
-            <a:lstStyle/>
-            <a:p>
-              <a:pPr algn="ctr"/>
-              <a:endParaRPr lang="en-US" sz="1200" i="1" dirty="0">
-                <a:solidFill>
-                  <a:schemeClr val="tx1"/>
-                </a:solidFill>
-                <a:latin typeface="CMU Sans Serif" panose="02000603000000000000" pitchFamily="2" charset="0"/>
-                <a:ea typeface="CMU Sans Serif" panose="02000603000000000000" pitchFamily="2" charset="0"/>
-                <a:cs typeface="CMU Sans Serif" panose="02000603000000000000" pitchFamily="2" charset="0"/>
-              </a:endParaRPr>
-            </a:p>
-          </p:txBody>
-        </p:sp>
         <mc:AlternateContent xmlns:mc="http://schemas.openxmlformats.org/markup-compatibility/2006">
           <mc:Choice xmlns:a14="http://schemas.microsoft.com/office/drawing/2010/main" Requires="a14">
             <p:sp>
@@ -5736,7 +3825,7 @@
               </p:nvSpPr>
               <p:spPr>
                 <a:xfrm>
-                  <a:off x="3310690" y="3861892"/>
+                  <a:off x="3566201" y="3861892"/>
                   <a:ext cx="4657573" cy="583952"/>
                 </a:xfrm>
                 <a:prstGeom prst="roundRect">
@@ -6391,7 +4480,7 @@
               </p:nvSpPr>
               <p:spPr>
                 <a:xfrm>
-                  <a:off x="3310690" y="3861892"/>
+                  <a:off x="3566201" y="3861892"/>
                   <a:ext cx="4657573" cy="583952"/>
                 </a:xfrm>
                 <a:prstGeom prst="roundRect">
@@ -6400,7 +4489,7 @@
                   </a:avLst>
                 </a:prstGeom>
                 <a:blipFill>
-                  <a:blip r:embed="rId11"/>
+                  <a:blip r:embed="rId4"/>
                   <a:stretch>
                     <a:fillRect/>
                   </a:stretch>
@@ -6427,104 +4516,13 @@
         </mc:AlternateContent>
         <p:sp>
           <p:nvSpPr>
-            <p:cNvPr id="43" name="Hexagon 42"/>
-            <p:cNvSpPr/>
-            <p:nvPr/>
-          </p:nvSpPr>
-          <p:spPr>
-            <a:xfrm>
-              <a:off x="1624179" y="3896353"/>
-              <a:ext cx="1234440" cy="530352"/>
-            </a:xfrm>
-            <a:prstGeom prst="hexagon">
-              <a:avLst/>
-            </a:prstGeom>
-            <a:solidFill>
-              <a:schemeClr val="tx1">
-                <a:lumMod val="65000"/>
-                <a:lumOff val="35000"/>
-              </a:schemeClr>
-            </a:solidFill>
-            <a:ln w="9525">
-              <a:solidFill>
-                <a:schemeClr val="tx1"/>
-              </a:solidFill>
-              <a:prstDash val="sysDash"/>
-            </a:ln>
-          </p:spPr>
-          <p:style>
-            <a:lnRef idx="2">
-              <a:schemeClr val="accent1">
-                <a:shade val="50000"/>
-              </a:schemeClr>
-            </a:lnRef>
-            <a:fillRef idx="1">
-              <a:schemeClr val="accent1"/>
-            </a:fillRef>
-            <a:effectRef idx="0">
-              <a:schemeClr val="accent1"/>
-            </a:effectRef>
-            <a:fontRef idx="minor">
-              <a:schemeClr val="lt1"/>
-            </a:fontRef>
-          </p:style>
-          <p:txBody>
-            <a:bodyPr lIns="0" rIns="0" rtlCol="0" anchor="ctr"/>
-            <a:lstStyle/>
-            <a:p>
-              <a:pPr algn="ctr"/>
-              <a:r>
-                <a:rPr lang="en-US" sz="1200" dirty="0" smtClean="0">
-                  <a:solidFill>
-                    <a:schemeClr val="bg1"/>
-                  </a:solidFill>
-                  <a:latin typeface="CMU Sans Serif" panose="02000603000000000000" pitchFamily="2" charset="0"/>
-                  <a:ea typeface="CMU Sans Serif" panose="02000603000000000000" pitchFamily="2" charset="0"/>
-                  <a:cs typeface="CMU Sans Serif" panose="02000603000000000000" pitchFamily="2" charset="0"/>
-                </a:rPr>
-                <a:t>Automatic</a:t>
-              </a:r>
-              <a:br>
-                <a:rPr lang="en-US" sz="1200" dirty="0" smtClean="0">
-                  <a:solidFill>
-                    <a:schemeClr val="bg1"/>
-                  </a:solidFill>
-                  <a:latin typeface="CMU Sans Serif" panose="02000603000000000000" pitchFamily="2" charset="0"/>
-                  <a:ea typeface="CMU Sans Serif" panose="02000603000000000000" pitchFamily="2" charset="0"/>
-                  <a:cs typeface="CMU Sans Serif" panose="02000603000000000000" pitchFamily="2" charset="0"/>
-                </a:rPr>
-              </a:br>
-              <a:r>
-                <a:rPr lang="en-US" sz="1200" dirty="0" smtClean="0">
-                  <a:solidFill>
-                    <a:schemeClr val="bg1"/>
-                  </a:solidFill>
-                  <a:latin typeface="CMU Sans Serif" panose="02000603000000000000" pitchFamily="2" charset="0"/>
-                  <a:ea typeface="CMU Sans Serif" panose="02000603000000000000" pitchFamily="2" charset="0"/>
-                  <a:cs typeface="CMU Sans Serif" panose="02000603000000000000" pitchFamily="2" charset="0"/>
-                </a:rPr>
-                <a:t>Differentiation</a:t>
-              </a:r>
-              <a:endParaRPr lang="en-US" sz="1200" dirty="0">
-                <a:solidFill>
-                  <a:schemeClr val="bg1"/>
-                </a:solidFill>
-                <a:latin typeface="CMU Sans Serif" panose="02000603000000000000" pitchFamily="2" charset="0"/>
-                <a:ea typeface="CMU Sans Serif" panose="02000603000000000000" pitchFamily="2" charset="0"/>
-                <a:cs typeface="CMU Sans Serif" panose="02000603000000000000" pitchFamily="2" charset="0"/>
-              </a:endParaRPr>
-            </a:p>
-          </p:txBody>
-        </p:sp>
-        <p:sp>
-          <p:nvSpPr>
             <p:cNvPr id="44" name="Rectangle 43"/>
             <p:cNvSpPr/>
             <p:nvPr/>
           </p:nvSpPr>
           <p:spPr>
             <a:xfrm>
-              <a:off x="6692088" y="4288501"/>
+              <a:off x="6913979" y="4288501"/>
               <a:ext cx="1643399" cy="261610"/>
             </a:xfrm>
             <a:prstGeom prst="rect">
@@ -6548,888 +4546,6 @@
             </a:p>
           </p:txBody>
         </p:sp>
-        <p:cxnSp>
-          <p:nvCxnSpPr>
-            <p:cNvPr id="45" name="Straight Arrow Connector 44"/>
-            <p:cNvCxnSpPr>
-              <a:endCxn id="43" idx="0"/>
-            </p:cNvCxnSpPr>
-            <p:nvPr/>
-          </p:nvCxnSpPr>
-          <p:spPr>
-            <a:xfrm flipH="1" flipV="1">
-              <a:off x="2858619" y="4161529"/>
-              <a:ext cx="610722" cy="0"/>
-            </a:xfrm>
-            <a:prstGeom prst="straightConnector1">
-              <a:avLst/>
-            </a:prstGeom>
-            <a:ln w="9525">
-              <a:solidFill>
-                <a:schemeClr val="tx1"/>
-              </a:solidFill>
-              <a:prstDash val="sysDash"/>
-              <a:headEnd type="triangle"/>
-              <a:tailEnd type="triangle"/>
-            </a:ln>
-          </p:spPr>
-          <p:style>
-            <a:lnRef idx="1">
-              <a:schemeClr val="dk1"/>
-            </a:lnRef>
-            <a:fillRef idx="0">
-              <a:schemeClr val="dk1"/>
-            </a:fillRef>
-            <a:effectRef idx="0">
-              <a:schemeClr val="dk1"/>
-            </a:effectRef>
-            <a:fontRef idx="minor">
-              <a:schemeClr val="tx1"/>
-            </a:fontRef>
-          </p:style>
-        </p:cxnSp>
-        <p:cxnSp>
-          <p:nvCxnSpPr>
-            <p:cNvPr id="47" name="Straight Arrow Connector 46"/>
-            <p:cNvCxnSpPr/>
-            <p:nvPr/>
-          </p:nvCxnSpPr>
-          <p:spPr>
-            <a:xfrm>
-              <a:off x="2248098" y="4426705"/>
-              <a:ext cx="0" cy="883477"/>
-            </a:xfrm>
-            <a:prstGeom prst="straightConnector1">
-              <a:avLst/>
-            </a:prstGeom>
-            <a:ln w="9525">
-              <a:solidFill>
-                <a:schemeClr val="tx1"/>
-              </a:solidFill>
-              <a:prstDash val="sysDash"/>
-              <a:tailEnd type="none"/>
-            </a:ln>
-          </p:spPr>
-          <p:style>
-            <a:lnRef idx="1">
-              <a:schemeClr val="dk1"/>
-            </a:lnRef>
-            <a:fillRef idx="0">
-              <a:schemeClr val="dk1"/>
-            </a:fillRef>
-            <a:effectRef idx="0">
-              <a:schemeClr val="dk1"/>
-            </a:effectRef>
-            <a:fontRef idx="minor">
-              <a:schemeClr val="tx1"/>
-            </a:fontRef>
-          </p:style>
-        </p:cxnSp>
-        <mc:AlternateContent xmlns:mc="http://schemas.openxmlformats.org/markup-compatibility/2006">
-          <mc:Choice xmlns:a14="http://schemas.microsoft.com/office/drawing/2010/main" Requires="a14">
-            <p:sp>
-              <p:nvSpPr>
-                <p:cNvPr id="50" name="Rounded Rectangle 49"/>
-                <p:cNvSpPr/>
-                <p:nvPr/>
-              </p:nvSpPr>
-              <p:spPr>
-                <a:xfrm>
-                  <a:off x="2728628" y="4772947"/>
-                  <a:ext cx="2304668" cy="1031325"/>
-                </a:xfrm>
-                <a:prstGeom prst="roundRect">
-                  <a:avLst>
-                    <a:gd name="adj" fmla="val 5847"/>
-                  </a:avLst>
-                </a:prstGeom>
-                <a:noFill/>
-                <a:ln w="6350">
-                  <a:noFill/>
-                  <a:prstDash val="sysDot"/>
-                </a:ln>
-              </p:spPr>
-              <p:style>
-                <a:lnRef idx="2">
-                  <a:schemeClr val="accent1">
-                    <a:shade val="50000"/>
-                  </a:schemeClr>
-                </a:lnRef>
-                <a:fillRef idx="1">
-                  <a:schemeClr val="accent1"/>
-                </a:fillRef>
-                <a:effectRef idx="0">
-                  <a:schemeClr val="accent1"/>
-                </a:effectRef>
-                <a:fontRef idx="minor">
-                  <a:schemeClr val="lt1"/>
-                </a:fontRef>
-              </p:style>
-              <p:txBody>
-                <a:bodyPr lIns="0" tIns="0" rIns="0" bIns="0" rtlCol="0" anchor="ctr"/>
-                <a:lstStyle/>
-                <a:p>
-                  <a:pPr algn="ctr">
-                    <a:lnSpc>
-                      <a:spcPct val="150000"/>
-                    </a:lnSpc>
-                    <a:spcBef>
-                      <a:spcPts val="600"/>
-                    </a:spcBef>
-                    <a:spcAft>
-                      <a:spcPts val="600"/>
-                    </a:spcAft>
-                  </a:pPr>
-                  <a14:m>
-                    <m:oMathPara xmlns:m="http://schemas.openxmlformats.org/officeDocument/2006/math">
-                      <m:oMathParaPr>
-                        <m:jc m:val="centerGroup"/>
-                      </m:oMathParaPr>
-                      <m:oMath xmlns:m="http://schemas.openxmlformats.org/officeDocument/2006/math">
-                        <m:r>
-                          <a:rPr lang="en-US" sz="1200" i="1" smtClean="0">
-                            <a:solidFill>
-                              <a:schemeClr val="tx1"/>
-                            </a:solidFill>
-                            <a:latin typeface="Cambria Math" panose="02040503050406030204" pitchFamily="18" charset="0"/>
-                            <a:ea typeface="CMU Sans Serif" panose="02000603000000000000" pitchFamily="2" charset="0"/>
-                            <a:cs typeface="CMU Sans Serif" panose="02000603000000000000" pitchFamily="2" charset="0"/>
-                          </a:rPr>
-                          <m:t>𝑥</m:t>
-                        </m:r>
-                        <m:d>
-                          <m:dPr>
-                            <m:ctrlPr>
-                              <a:rPr lang="en-US" sz="1200" b="0" i="1" smtClean="0">
-                                <a:solidFill>
-                                  <a:schemeClr val="tx1"/>
-                                </a:solidFill>
-                                <a:latin typeface="Cambria Math" panose="02040503050406030204" pitchFamily="18" charset="0"/>
-                                <a:ea typeface="CMU Sans Serif" panose="02000603000000000000" pitchFamily="2" charset="0"/>
-                                <a:cs typeface="CMU Sans Serif" panose="02000603000000000000" pitchFamily="2" charset="0"/>
-                              </a:rPr>
-                            </m:ctrlPr>
-                          </m:dPr>
-                          <m:e>
-                            <m:sSub>
-                              <m:sSubPr>
-                                <m:ctrlPr>
-                                  <a:rPr lang="en-US" sz="1200" b="1" i="1" smtClean="0">
-                                    <a:solidFill>
-                                      <a:schemeClr val="accent5"/>
-                                    </a:solidFill>
-                                    <a:latin typeface="Cambria Math" panose="02040503050406030204" pitchFamily="18" charset="0"/>
-                                    <a:ea typeface="CMU Sans Serif" panose="02000603000000000000" pitchFamily="2" charset="0"/>
-                                    <a:cs typeface="CMU Sans Serif" panose="02000603000000000000" pitchFamily="2" charset="0"/>
-                                  </a:rPr>
-                                </m:ctrlPr>
-                              </m:sSubPr>
-                              <m:e>
-                                <m:r>
-                                  <a:rPr lang="en-US" sz="1200" b="1" i="1">
-                                    <a:solidFill>
-                                      <a:schemeClr val="accent5"/>
-                                    </a:solidFill>
-                                    <a:latin typeface="Cambria Math" panose="02040503050406030204" pitchFamily="18" charset="0"/>
-                                    <a:ea typeface="CMU Sans Serif" panose="02000603000000000000" pitchFamily="2" charset="0"/>
-                                    <a:cs typeface="CMU Sans Serif" panose="02000603000000000000" pitchFamily="2" charset="0"/>
-                                  </a:rPr>
-                                  <m:t>𝜽</m:t>
-                                </m:r>
-                              </m:e>
-                              <m:sub>
-                                <m:r>
-                                  <a:rPr lang="en-US" sz="1200" b="1" i="1">
-                                    <a:solidFill>
-                                      <a:schemeClr val="accent5"/>
-                                    </a:solidFill>
-                                    <a:latin typeface="Cambria Math" panose="02040503050406030204" pitchFamily="18" charset="0"/>
-                                    <a:ea typeface="CMU Sans Serif" panose="02000603000000000000" pitchFamily="2" charset="0"/>
-                                    <a:cs typeface="CMU Sans Serif" panose="02000603000000000000" pitchFamily="2" charset="0"/>
-                                  </a:rPr>
-                                  <m:t>𝑵𝑵</m:t>
-                                </m:r>
-                              </m:sub>
-                            </m:sSub>
-                            <m:r>
-                              <a:rPr lang="en-US" sz="1200" i="1">
-                                <a:solidFill>
-                                  <a:schemeClr val="tx1"/>
-                                </a:solidFill>
-                                <a:latin typeface="Cambria Math" panose="02040503050406030204" pitchFamily="18" charset="0"/>
-                                <a:ea typeface="CMU Sans Serif" panose="02000603000000000000" pitchFamily="2" charset="0"/>
-                                <a:cs typeface="CMU Sans Serif" panose="02000603000000000000" pitchFamily="2" charset="0"/>
-                              </a:rPr>
-                              <m:t>,</m:t>
-                            </m:r>
-                            <m:r>
-                              <a:rPr lang="en-US" sz="1200" i="1">
-                                <a:solidFill>
-                                  <a:schemeClr val="tx1"/>
-                                </a:solidFill>
-                                <a:latin typeface="Cambria Math" panose="02040503050406030204" pitchFamily="18" charset="0"/>
-                                <a:ea typeface="CMU Sans Serif" panose="02000603000000000000" pitchFamily="2" charset="0"/>
-                                <a:cs typeface="CMU Sans Serif" panose="02000603000000000000" pitchFamily="2" charset="0"/>
-                              </a:rPr>
-                              <m:t>𝑡</m:t>
-                            </m:r>
-                          </m:e>
-                        </m:d>
-                        <m:r>
-                          <a:rPr lang="en-US" sz="1200" b="0" i="1" smtClean="0">
-                            <a:solidFill>
-                              <a:schemeClr val="tx1"/>
-                            </a:solidFill>
-                            <a:latin typeface="Cambria Math" panose="02040503050406030204" pitchFamily="18" charset="0"/>
-                            <a:ea typeface="CMU Sans Serif" panose="02000603000000000000" pitchFamily="2" charset="0"/>
-                            <a:cs typeface="CMU Sans Serif" panose="02000603000000000000" pitchFamily="2" charset="0"/>
-                          </a:rPr>
-                          <m:t>→</m:t>
-                        </m:r>
-                        <m:sSub>
-                          <m:sSubPr>
-                            <m:ctrlPr>
-                              <a:rPr lang="en-US" sz="1200" b="0" i="1" smtClean="0">
-                                <a:solidFill>
-                                  <a:schemeClr val="tx1"/>
-                                </a:solidFill>
-                                <a:latin typeface="Cambria Math" panose="02040503050406030204" pitchFamily="18" charset="0"/>
-                                <a:ea typeface="CMU Sans Serif" panose="02000603000000000000" pitchFamily="2" charset="0"/>
-                                <a:cs typeface="CMU Sans Serif" panose="02000603000000000000" pitchFamily="2" charset="0"/>
-                              </a:rPr>
-                            </m:ctrlPr>
-                          </m:sSubPr>
-                          <m:e>
-                            <m:r>
-                              <a:rPr lang="en-US" sz="1200" i="1" smtClean="0">
-                                <a:solidFill>
-                                  <a:schemeClr val="tx1"/>
-                                </a:solidFill>
-                                <a:latin typeface="Cambria Math" panose="02040503050406030204" pitchFamily="18" charset="0"/>
-                                <a:ea typeface="CMU Sans Serif" panose="02000603000000000000" pitchFamily="2" charset="0"/>
-                                <a:cs typeface="CMU Sans Serif" panose="02000603000000000000" pitchFamily="2" charset="0"/>
-                              </a:rPr>
-                              <m:t>𝑥</m:t>
-                            </m:r>
-                          </m:e>
-                          <m:sub>
-                            <m:r>
-                              <a:rPr lang="en-US" sz="1200" b="0" i="1" smtClean="0">
-                                <a:solidFill>
-                                  <a:schemeClr val="tx1"/>
-                                </a:solidFill>
-                                <a:latin typeface="Cambria Math" panose="02040503050406030204" pitchFamily="18" charset="0"/>
-                                <a:ea typeface="CMU Sans Serif" panose="02000603000000000000" pitchFamily="2" charset="0"/>
-                                <a:cs typeface="CMU Sans Serif" panose="02000603000000000000" pitchFamily="2" charset="0"/>
-                              </a:rPr>
-                              <m:t>𝑡</m:t>
-                            </m:r>
-                          </m:sub>
-                        </m:sSub>
-                        <m:r>
-                          <a:rPr lang="en-US" sz="1200" b="0" i="1" smtClean="0">
-                            <a:solidFill>
-                              <a:schemeClr val="tx1"/>
-                            </a:solidFill>
-                            <a:latin typeface="Cambria Math" panose="02040503050406030204" pitchFamily="18" charset="0"/>
-                            <a:ea typeface="CMU Sans Serif" panose="02000603000000000000" pitchFamily="2" charset="0"/>
-                            <a:cs typeface="CMU Sans Serif" panose="02000603000000000000" pitchFamily="2" charset="0"/>
-                          </a:rPr>
-                          <m:t>=</m:t>
-                        </m:r>
-                        <m:acc>
-                          <m:accPr>
-                            <m:chr m:val="̇"/>
-                            <m:ctrlPr>
-                              <a:rPr lang="en-US" sz="1200" b="0" i="1" smtClean="0">
-                                <a:solidFill>
-                                  <a:schemeClr val="tx1"/>
-                                </a:solidFill>
-                                <a:latin typeface="Cambria Math" panose="02040503050406030204" pitchFamily="18" charset="0"/>
-                                <a:ea typeface="CMU Sans Serif" panose="02000603000000000000" pitchFamily="2" charset="0"/>
-                                <a:cs typeface="CMU Sans Serif" panose="02000603000000000000" pitchFamily="2" charset="0"/>
-                              </a:rPr>
-                            </m:ctrlPr>
-                          </m:accPr>
-                          <m:e>
-                            <m:r>
-                              <a:rPr lang="en-US" sz="1200" b="0" i="1" smtClean="0">
-                                <a:solidFill>
-                                  <a:schemeClr val="tx1"/>
-                                </a:solidFill>
-                                <a:latin typeface="Cambria Math" panose="02040503050406030204" pitchFamily="18" charset="0"/>
-                                <a:ea typeface="CMU Sans Serif" panose="02000603000000000000" pitchFamily="2" charset="0"/>
-                                <a:cs typeface="CMU Sans Serif" panose="02000603000000000000" pitchFamily="2" charset="0"/>
-                              </a:rPr>
-                              <m:t>𝑥</m:t>
-                            </m:r>
-                          </m:e>
-                        </m:acc>
-                        <m:d>
-                          <m:dPr>
-                            <m:ctrlPr>
-                              <a:rPr lang="en-US" sz="1200" b="0" i="1" smtClean="0">
-                                <a:solidFill>
-                                  <a:schemeClr val="tx1"/>
-                                </a:solidFill>
-                                <a:latin typeface="Cambria Math" panose="02040503050406030204" pitchFamily="18" charset="0"/>
-                                <a:ea typeface="CMU Sans Serif" panose="02000603000000000000" pitchFamily="2" charset="0"/>
-                                <a:cs typeface="CMU Sans Serif" panose="02000603000000000000" pitchFamily="2" charset="0"/>
-                              </a:rPr>
-                            </m:ctrlPr>
-                          </m:dPr>
-                          <m:e>
-                            <m:sSub>
-                              <m:sSubPr>
-                                <m:ctrlPr>
-                                  <a:rPr lang="en-US" sz="1200" b="1" i="1" smtClean="0">
-                                    <a:solidFill>
-                                      <a:schemeClr val="accent5"/>
-                                    </a:solidFill>
-                                    <a:latin typeface="Cambria Math" panose="02040503050406030204" pitchFamily="18" charset="0"/>
-                                    <a:ea typeface="CMU Sans Serif" panose="02000603000000000000" pitchFamily="2" charset="0"/>
-                                    <a:cs typeface="CMU Sans Serif" panose="02000603000000000000" pitchFamily="2" charset="0"/>
-                                  </a:rPr>
-                                </m:ctrlPr>
-                              </m:sSubPr>
-                              <m:e>
-                                <m:r>
-                                  <a:rPr lang="en-US" sz="1200" b="1" i="1">
-                                    <a:solidFill>
-                                      <a:schemeClr val="accent5"/>
-                                    </a:solidFill>
-                                    <a:latin typeface="Cambria Math" panose="02040503050406030204" pitchFamily="18" charset="0"/>
-                                    <a:ea typeface="CMU Sans Serif" panose="02000603000000000000" pitchFamily="2" charset="0"/>
-                                    <a:cs typeface="CMU Sans Serif" panose="02000603000000000000" pitchFamily="2" charset="0"/>
-                                  </a:rPr>
-                                  <m:t>𝜽</m:t>
-                                </m:r>
-                              </m:e>
-                              <m:sub>
-                                <m:r>
-                                  <a:rPr lang="en-US" sz="1200" b="1" i="1">
-                                    <a:solidFill>
-                                      <a:schemeClr val="accent5"/>
-                                    </a:solidFill>
-                                    <a:latin typeface="Cambria Math" panose="02040503050406030204" pitchFamily="18" charset="0"/>
-                                    <a:ea typeface="CMU Sans Serif" panose="02000603000000000000" pitchFamily="2" charset="0"/>
-                                    <a:cs typeface="CMU Sans Serif" panose="02000603000000000000" pitchFamily="2" charset="0"/>
-                                  </a:rPr>
-                                  <m:t>𝑵𝑵</m:t>
-                                </m:r>
-                              </m:sub>
-                            </m:sSub>
-                            <m:r>
-                              <a:rPr lang="en-US" sz="1200" i="1">
-                                <a:solidFill>
-                                  <a:schemeClr val="tx1"/>
-                                </a:solidFill>
-                                <a:latin typeface="Cambria Math" panose="02040503050406030204" pitchFamily="18" charset="0"/>
-                                <a:ea typeface="CMU Sans Serif" panose="02000603000000000000" pitchFamily="2" charset="0"/>
-                                <a:cs typeface="CMU Sans Serif" panose="02000603000000000000" pitchFamily="2" charset="0"/>
-                              </a:rPr>
-                              <m:t>,</m:t>
-                            </m:r>
-                            <m:r>
-                              <a:rPr lang="en-US" sz="1200" i="1">
-                                <a:solidFill>
-                                  <a:schemeClr val="tx1"/>
-                                </a:solidFill>
-                                <a:latin typeface="Cambria Math" panose="02040503050406030204" pitchFamily="18" charset="0"/>
-                                <a:ea typeface="CMU Sans Serif" panose="02000603000000000000" pitchFamily="2" charset="0"/>
-                                <a:cs typeface="CMU Sans Serif" panose="02000603000000000000" pitchFamily="2" charset="0"/>
-                              </a:rPr>
-                              <m:t>𝑡</m:t>
-                            </m:r>
-                          </m:e>
-                        </m:d>
-                      </m:oMath>
-                    </m:oMathPara>
-                  </a14:m>
-                  <a:endParaRPr lang="en-US" sz="1200" i="1" dirty="0" smtClean="0">
-                    <a:solidFill>
-                      <a:schemeClr val="tx1"/>
-                    </a:solidFill>
-                    <a:latin typeface="CMU Sans Serif" panose="02000603000000000000" pitchFamily="2" charset="0"/>
-                    <a:ea typeface="CMU Sans Serif" panose="02000603000000000000" pitchFamily="2" charset="0"/>
-                    <a:cs typeface="CMU Sans Serif" panose="02000603000000000000" pitchFamily="2" charset="0"/>
-                  </a:endParaRPr>
-                </a:p>
-                <a:p>
-                  <a:pPr algn="ctr">
-                    <a:lnSpc>
-                      <a:spcPct val="150000"/>
-                    </a:lnSpc>
-                    <a:spcBef>
-                      <a:spcPts val="600"/>
-                    </a:spcBef>
-                    <a:spcAft>
-                      <a:spcPts val="600"/>
-                    </a:spcAft>
-                  </a:pPr>
-                  <a14:m>
-                    <m:oMathPara xmlns:m="http://schemas.openxmlformats.org/officeDocument/2006/math">
-                      <m:oMathParaPr>
-                        <m:jc m:val="centerGroup"/>
-                      </m:oMathParaPr>
-                      <m:oMath xmlns:m="http://schemas.openxmlformats.org/officeDocument/2006/math">
-                        <m:sSub>
-                          <m:sSubPr>
-                            <m:ctrlPr>
-                              <a:rPr lang="en-US" sz="1200" b="0" i="1" smtClean="0">
-                                <a:solidFill>
-                                  <a:schemeClr val="tx1"/>
-                                </a:solidFill>
-                                <a:latin typeface="Cambria Math" panose="02040503050406030204" pitchFamily="18" charset="0"/>
-                                <a:ea typeface="CMU Sans Serif" panose="02000603000000000000" pitchFamily="2" charset="0"/>
-                                <a:cs typeface="CMU Sans Serif" panose="02000603000000000000" pitchFamily="2" charset="0"/>
-                              </a:rPr>
-                            </m:ctrlPr>
-                          </m:sSubPr>
-                          <m:e>
-                            <m:r>
-                              <a:rPr lang="en-US" sz="1200" b="0" i="1" smtClean="0">
-                                <a:solidFill>
-                                  <a:schemeClr val="tx1"/>
-                                </a:solidFill>
-                                <a:latin typeface="Cambria Math" panose="02040503050406030204" pitchFamily="18" charset="0"/>
-                                <a:ea typeface="CMU Sans Serif" panose="02000603000000000000" pitchFamily="2" charset="0"/>
-                                <a:cs typeface="CMU Sans Serif" panose="02000603000000000000" pitchFamily="2" charset="0"/>
-                              </a:rPr>
-                              <m:t>ℒ</m:t>
-                            </m:r>
-                          </m:e>
-                          <m:sub>
-                            <m:sSub>
-                              <m:sSubPr>
-                                <m:ctrlPr>
-                                  <a:rPr lang="en-US" sz="1200" b="1" i="1" smtClean="0">
-                                    <a:solidFill>
-                                      <a:schemeClr val="accent5"/>
-                                    </a:solidFill>
-                                    <a:latin typeface="Cambria Math" panose="02040503050406030204" pitchFamily="18" charset="0"/>
-                                    <a:ea typeface="CMU Sans Serif" panose="02000603000000000000" pitchFamily="2" charset="0"/>
-                                    <a:cs typeface="CMU Sans Serif" panose="02000603000000000000" pitchFamily="2" charset="0"/>
-                                  </a:rPr>
-                                </m:ctrlPr>
-                              </m:sSubPr>
-                              <m:e>
-                                <m:r>
-                                  <a:rPr lang="en-US" sz="1200" b="1" i="1">
-                                    <a:solidFill>
-                                      <a:schemeClr val="accent5"/>
-                                    </a:solidFill>
-                                    <a:latin typeface="Cambria Math" panose="02040503050406030204" pitchFamily="18" charset="0"/>
-                                    <a:ea typeface="CMU Sans Serif" panose="02000603000000000000" pitchFamily="2" charset="0"/>
-                                    <a:cs typeface="CMU Sans Serif" panose="02000603000000000000" pitchFamily="2" charset="0"/>
-                                  </a:rPr>
-                                  <m:t>𝜽</m:t>
-                                </m:r>
-                              </m:e>
-                              <m:sub>
-                                <m:r>
-                                  <a:rPr lang="en-US" sz="1200" b="1" i="1">
-                                    <a:solidFill>
-                                      <a:schemeClr val="accent5"/>
-                                    </a:solidFill>
-                                    <a:latin typeface="Cambria Math" panose="02040503050406030204" pitchFamily="18" charset="0"/>
-                                    <a:ea typeface="CMU Sans Serif" panose="02000603000000000000" pitchFamily="2" charset="0"/>
-                                    <a:cs typeface="CMU Sans Serif" panose="02000603000000000000" pitchFamily="2" charset="0"/>
-                                  </a:rPr>
-                                  <m:t>𝑵𝑵</m:t>
-                                </m:r>
-                              </m:sub>
-                            </m:sSub>
-                          </m:sub>
-                        </m:sSub>
-                        <m:d>
-                          <m:dPr>
-                            <m:ctrlPr>
-                              <a:rPr lang="en-US" sz="1200" b="0" i="1" smtClean="0">
-                                <a:solidFill>
-                                  <a:schemeClr val="tx1"/>
-                                </a:solidFill>
-                                <a:latin typeface="Cambria Math" panose="02040503050406030204" pitchFamily="18" charset="0"/>
-                                <a:ea typeface="CMU Sans Serif" panose="02000603000000000000" pitchFamily="2" charset="0"/>
-                                <a:cs typeface="CMU Sans Serif" panose="02000603000000000000" pitchFamily="2" charset="0"/>
-                              </a:rPr>
-                            </m:ctrlPr>
-                          </m:dPr>
-                          <m:e>
-                            <m:sSub>
-                              <m:sSubPr>
-                                <m:ctrlPr>
-                                  <a:rPr lang="en-US" sz="1200" b="1" i="1" smtClean="0">
-                                    <a:solidFill>
-                                      <a:srgbClr val="C00000"/>
-                                    </a:solidFill>
-                                    <a:latin typeface="Cambria Math" panose="02040503050406030204" pitchFamily="18" charset="0"/>
-                                    <a:ea typeface="CMU Sans Serif" panose="02000603000000000000" pitchFamily="2" charset="0"/>
-                                    <a:cs typeface="CMU Sans Serif" panose="02000603000000000000" pitchFamily="2" charset="0"/>
-                                  </a:rPr>
-                                </m:ctrlPr>
-                              </m:sSubPr>
-                              <m:e>
-                                <m:r>
-                                  <a:rPr lang="en-US" sz="1200" b="1" i="1" smtClean="0">
-                                    <a:solidFill>
-                                      <a:srgbClr val="C00000"/>
-                                    </a:solidFill>
-                                    <a:latin typeface="Cambria Math" panose="02040503050406030204" pitchFamily="18" charset="0"/>
-                                    <a:ea typeface="CMU Sans Serif" panose="02000603000000000000" pitchFamily="2" charset="0"/>
-                                    <a:cs typeface="CMU Sans Serif" panose="02000603000000000000" pitchFamily="2" charset="0"/>
-                                  </a:rPr>
-                                  <m:t>𝜽</m:t>
-                                </m:r>
-                              </m:e>
-                              <m:sub>
-                                <m:r>
-                                  <a:rPr lang="en-US" sz="1200" b="1" i="1" smtClean="0">
-                                    <a:solidFill>
-                                      <a:srgbClr val="C00000"/>
-                                    </a:solidFill>
-                                    <a:latin typeface="Cambria Math" panose="02040503050406030204" pitchFamily="18" charset="0"/>
-                                    <a:ea typeface="CMU Sans Serif" panose="02000603000000000000" pitchFamily="2" charset="0"/>
-                                    <a:cs typeface="CMU Sans Serif" panose="02000603000000000000" pitchFamily="2" charset="0"/>
-                                  </a:rPr>
-                                  <m:t>𝑴</m:t>
-                                </m:r>
-                              </m:sub>
-                            </m:sSub>
-                            <m:r>
-                              <a:rPr lang="en-US" sz="1200" b="0" i="1" smtClean="0">
-                                <a:solidFill>
-                                  <a:schemeClr val="tx1"/>
-                                </a:solidFill>
-                                <a:latin typeface="Cambria Math" panose="02040503050406030204" pitchFamily="18" charset="0"/>
-                                <a:ea typeface="CMU Sans Serif" panose="02000603000000000000" pitchFamily="2" charset="0"/>
-                                <a:cs typeface="CMU Sans Serif" panose="02000603000000000000" pitchFamily="2" charset="0"/>
-                              </a:rPr>
-                              <m:t>,</m:t>
-                            </m:r>
-                            <m:sSub>
-                              <m:sSubPr>
-                                <m:ctrlPr>
-                                  <a:rPr lang="en-US" sz="1200" b="1" i="1" smtClean="0">
-                                    <a:solidFill>
-                                      <a:schemeClr val="accent5"/>
-                                    </a:solidFill>
-                                    <a:latin typeface="Cambria Math" panose="02040503050406030204" pitchFamily="18" charset="0"/>
-                                    <a:ea typeface="CMU Sans Serif" panose="02000603000000000000" pitchFamily="2" charset="0"/>
-                                    <a:cs typeface="CMU Sans Serif" panose="02000603000000000000" pitchFamily="2" charset="0"/>
-                                  </a:rPr>
-                                </m:ctrlPr>
-                              </m:sSubPr>
-                              <m:e>
-                                <m:r>
-                                  <a:rPr lang="en-US" sz="1200" b="1" i="1">
-                                    <a:solidFill>
-                                      <a:schemeClr val="accent5"/>
-                                    </a:solidFill>
-                                    <a:latin typeface="Cambria Math" panose="02040503050406030204" pitchFamily="18" charset="0"/>
-                                    <a:ea typeface="CMU Sans Serif" panose="02000603000000000000" pitchFamily="2" charset="0"/>
-                                    <a:cs typeface="CMU Sans Serif" panose="02000603000000000000" pitchFamily="2" charset="0"/>
-                                  </a:rPr>
-                                  <m:t>𝜽</m:t>
-                                </m:r>
-                              </m:e>
-                              <m:sub>
-                                <m:r>
-                                  <a:rPr lang="en-US" sz="1200" b="1" i="1">
-                                    <a:solidFill>
-                                      <a:schemeClr val="accent5"/>
-                                    </a:solidFill>
-                                    <a:latin typeface="Cambria Math" panose="02040503050406030204" pitchFamily="18" charset="0"/>
-                                    <a:ea typeface="CMU Sans Serif" panose="02000603000000000000" pitchFamily="2" charset="0"/>
-                                    <a:cs typeface="CMU Sans Serif" panose="02000603000000000000" pitchFamily="2" charset="0"/>
-                                  </a:rPr>
-                                  <m:t>𝑵𝑵</m:t>
-                                </m:r>
-                              </m:sub>
-                            </m:sSub>
-                          </m:e>
-                        </m:d>
-                      </m:oMath>
-                    </m:oMathPara>
-                  </a14:m>
-                  <a:endParaRPr lang="en-US" sz="1200" b="0" i="1" dirty="0" smtClean="0">
-                    <a:solidFill>
-                      <a:schemeClr val="tx1"/>
-                    </a:solidFill>
-                    <a:latin typeface="CMU Sans Serif" panose="02000603000000000000" pitchFamily="2" charset="0"/>
-                    <a:ea typeface="CMU Sans Serif" panose="02000603000000000000" pitchFamily="2" charset="0"/>
-                    <a:cs typeface="CMU Sans Serif" panose="02000603000000000000" pitchFamily="2" charset="0"/>
-                  </a:endParaRPr>
-                </a:p>
-                <a:p>
-                  <a:pPr algn="ctr">
-                    <a:lnSpc>
-                      <a:spcPct val="150000"/>
-                    </a:lnSpc>
-                    <a:spcBef>
-                      <a:spcPts val="600"/>
-                    </a:spcBef>
-                    <a:spcAft>
-                      <a:spcPts val="600"/>
-                    </a:spcAft>
-                  </a:pPr>
-                  <a14:m>
-                    <m:oMathPara xmlns:m="http://schemas.openxmlformats.org/officeDocument/2006/math">
-                      <m:oMathParaPr>
-                        <m:jc m:val="centerGroup"/>
-                      </m:oMathParaPr>
-                      <m:oMath xmlns:m="http://schemas.openxmlformats.org/officeDocument/2006/math">
-                        <m:sSub>
-                          <m:sSubPr>
-                            <m:ctrlPr>
-                              <a:rPr lang="en-US" sz="1200" b="0" i="1" smtClean="0">
-                                <a:solidFill>
-                                  <a:schemeClr val="tx1"/>
-                                </a:solidFill>
-                                <a:latin typeface="Cambria Math" panose="02040503050406030204" pitchFamily="18" charset="0"/>
-                                <a:ea typeface="CMU Sans Serif" panose="02000603000000000000" pitchFamily="2" charset="0"/>
-                                <a:cs typeface="CMU Sans Serif" panose="02000603000000000000" pitchFamily="2" charset="0"/>
-                              </a:rPr>
-                            </m:ctrlPr>
-                          </m:sSubPr>
-                          <m:e>
-                            <m:r>
-                              <a:rPr lang="en-US" sz="1200" b="0" i="1" smtClean="0">
-                                <a:solidFill>
-                                  <a:schemeClr val="tx1"/>
-                                </a:solidFill>
-                                <a:latin typeface="Cambria Math" panose="02040503050406030204" pitchFamily="18" charset="0"/>
-                                <a:ea typeface="CMU Sans Serif" panose="02000603000000000000" pitchFamily="2" charset="0"/>
-                                <a:cs typeface="CMU Sans Serif" panose="02000603000000000000" pitchFamily="2" charset="0"/>
-                              </a:rPr>
-                              <m:t>ℒ</m:t>
-                            </m:r>
-                          </m:e>
-                          <m:sub>
-                            <m:sSub>
-                              <m:sSubPr>
-                                <m:ctrlPr>
-                                  <a:rPr lang="en-US" sz="1200" b="0" i="1" smtClean="0">
-                                    <a:solidFill>
-                                      <a:srgbClr val="C00000"/>
-                                    </a:solidFill>
-                                    <a:latin typeface="Cambria Math" panose="02040503050406030204" pitchFamily="18" charset="0"/>
-                                    <a:ea typeface="CMU Sans Serif" panose="02000603000000000000" pitchFamily="2" charset="0"/>
-                                    <a:cs typeface="CMU Sans Serif" panose="02000603000000000000" pitchFamily="2" charset="0"/>
-                                  </a:rPr>
-                                </m:ctrlPr>
-                              </m:sSubPr>
-                              <m:e>
-                                <m:r>
-                                  <a:rPr lang="en-US" sz="1200" i="1">
-                                    <a:solidFill>
-                                      <a:srgbClr val="C00000"/>
-                                    </a:solidFill>
-                                    <a:latin typeface="Cambria Math" panose="02040503050406030204" pitchFamily="18" charset="0"/>
-                                    <a:ea typeface="CMU Sans Serif" panose="02000603000000000000" pitchFamily="2" charset="0"/>
-                                    <a:cs typeface="CMU Sans Serif" panose="02000603000000000000" pitchFamily="2" charset="0"/>
-                                  </a:rPr>
-                                  <m:t>𝜽</m:t>
-                                </m:r>
-                              </m:e>
-                              <m:sub>
-                                <m:r>
-                                  <a:rPr lang="en-US" sz="1200" b="0" i="1" smtClean="0">
-                                    <a:solidFill>
-                                      <a:srgbClr val="C00000"/>
-                                    </a:solidFill>
-                                    <a:latin typeface="Cambria Math" panose="02040503050406030204" pitchFamily="18" charset="0"/>
-                                    <a:ea typeface="CMU Sans Serif" panose="02000603000000000000" pitchFamily="2" charset="0"/>
-                                    <a:cs typeface="CMU Sans Serif" panose="02000603000000000000" pitchFamily="2" charset="0"/>
-                                  </a:rPr>
-                                  <m:t>𝑀</m:t>
-                                </m:r>
-                              </m:sub>
-                            </m:sSub>
-                          </m:sub>
-                        </m:sSub>
-                        <m:d>
-                          <m:dPr>
-                            <m:ctrlPr>
-                              <a:rPr lang="en-US" sz="1200" b="0" i="1" smtClean="0">
-                                <a:solidFill>
-                                  <a:schemeClr val="tx1"/>
-                                </a:solidFill>
-                                <a:latin typeface="Cambria Math" panose="02040503050406030204" pitchFamily="18" charset="0"/>
-                                <a:ea typeface="CMU Sans Serif" panose="02000603000000000000" pitchFamily="2" charset="0"/>
-                                <a:cs typeface="CMU Sans Serif" panose="02000603000000000000" pitchFamily="2" charset="0"/>
-                              </a:rPr>
-                            </m:ctrlPr>
-                          </m:dPr>
-                          <m:e>
-                            <m:sSub>
-                              <m:sSubPr>
-                                <m:ctrlPr>
-                                  <a:rPr lang="en-US" sz="1200" b="1" i="1" smtClean="0">
-                                    <a:solidFill>
-                                      <a:srgbClr val="C00000"/>
-                                    </a:solidFill>
-                                    <a:latin typeface="Cambria Math" panose="02040503050406030204" pitchFamily="18" charset="0"/>
-                                    <a:ea typeface="CMU Sans Serif" panose="02000603000000000000" pitchFamily="2" charset="0"/>
-                                    <a:cs typeface="CMU Sans Serif" panose="02000603000000000000" pitchFamily="2" charset="0"/>
-                                  </a:rPr>
-                                </m:ctrlPr>
-                              </m:sSubPr>
-                              <m:e>
-                                <m:r>
-                                  <a:rPr lang="en-US" sz="1200" b="1" i="1" smtClean="0">
-                                    <a:solidFill>
-                                      <a:srgbClr val="C00000"/>
-                                    </a:solidFill>
-                                    <a:latin typeface="Cambria Math" panose="02040503050406030204" pitchFamily="18" charset="0"/>
-                                    <a:ea typeface="CMU Sans Serif" panose="02000603000000000000" pitchFamily="2" charset="0"/>
-                                    <a:cs typeface="CMU Sans Serif" panose="02000603000000000000" pitchFamily="2" charset="0"/>
-                                  </a:rPr>
-                                  <m:t>𝜽</m:t>
-                                </m:r>
-                              </m:e>
-                              <m:sub>
-                                <m:r>
-                                  <a:rPr lang="en-US" sz="1200" b="1" i="1" smtClean="0">
-                                    <a:solidFill>
-                                      <a:srgbClr val="C00000"/>
-                                    </a:solidFill>
-                                    <a:latin typeface="Cambria Math" panose="02040503050406030204" pitchFamily="18" charset="0"/>
-                                    <a:ea typeface="CMU Sans Serif" panose="02000603000000000000" pitchFamily="2" charset="0"/>
-                                    <a:cs typeface="CMU Sans Serif" panose="02000603000000000000" pitchFamily="2" charset="0"/>
-                                  </a:rPr>
-                                  <m:t>𝑴</m:t>
-                                </m:r>
-                              </m:sub>
-                            </m:sSub>
-                            <m:r>
-                              <a:rPr lang="en-US" sz="1200" b="0" i="1" smtClean="0">
-                                <a:solidFill>
-                                  <a:schemeClr val="tx1"/>
-                                </a:solidFill>
-                                <a:latin typeface="Cambria Math" panose="02040503050406030204" pitchFamily="18" charset="0"/>
-                                <a:ea typeface="CMU Sans Serif" panose="02000603000000000000" pitchFamily="2" charset="0"/>
-                                <a:cs typeface="CMU Sans Serif" panose="02000603000000000000" pitchFamily="2" charset="0"/>
-                              </a:rPr>
-                              <m:t>,</m:t>
-                            </m:r>
-                            <m:sSub>
-                              <m:sSubPr>
-                                <m:ctrlPr>
-                                  <a:rPr lang="en-US" sz="1200" b="1" i="1" smtClean="0">
-                                    <a:solidFill>
-                                      <a:schemeClr val="accent5"/>
-                                    </a:solidFill>
-                                    <a:latin typeface="Cambria Math" panose="02040503050406030204" pitchFamily="18" charset="0"/>
-                                    <a:ea typeface="CMU Sans Serif" panose="02000603000000000000" pitchFamily="2" charset="0"/>
-                                    <a:cs typeface="CMU Sans Serif" panose="02000603000000000000" pitchFamily="2" charset="0"/>
-                                  </a:rPr>
-                                </m:ctrlPr>
-                              </m:sSubPr>
-                              <m:e>
-                                <m:r>
-                                  <a:rPr lang="en-US" sz="1200" b="1" i="1">
-                                    <a:solidFill>
-                                      <a:schemeClr val="accent5"/>
-                                    </a:solidFill>
-                                    <a:latin typeface="Cambria Math" panose="02040503050406030204" pitchFamily="18" charset="0"/>
-                                    <a:ea typeface="CMU Sans Serif" panose="02000603000000000000" pitchFamily="2" charset="0"/>
-                                    <a:cs typeface="CMU Sans Serif" panose="02000603000000000000" pitchFamily="2" charset="0"/>
-                                  </a:rPr>
-                                  <m:t>𝜽</m:t>
-                                </m:r>
-                              </m:e>
-                              <m:sub>
-                                <m:r>
-                                  <a:rPr lang="en-US" sz="1200" b="1" i="1">
-                                    <a:solidFill>
-                                      <a:schemeClr val="accent5"/>
-                                    </a:solidFill>
-                                    <a:latin typeface="Cambria Math" panose="02040503050406030204" pitchFamily="18" charset="0"/>
-                                    <a:ea typeface="CMU Sans Serif" panose="02000603000000000000" pitchFamily="2" charset="0"/>
-                                    <a:cs typeface="CMU Sans Serif" panose="02000603000000000000" pitchFamily="2" charset="0"/>
-                                  </a:rPr>
-                                  <m:t>𝑵𝑵</m:t>
-                                </m:r>
-                              </m:sub>
-                            </m:sSub>
-                          </m:e>
-                        </m:d>
-                      </m:oMath>
-                    </m:oMathPara>
-                  </a14:m>
-                  <a:endParaRPr lang="en-US" sz="1200" i="1" dirty="0">
-                    <a:solidFill>
-                      <a:schemeClr val="tx1"/>
-                    </a:solidFill>
-                    <a:latin typeface="CMU Sans Serif" panose="02000603000000000000" pitchFamily="2" charset="0"/>
-                    <a:ea typeface="CMU Sans Serif" panose="02000603000000000000" pitchFamily="2" charset="0"/>
-                    <a:cs typeface="CMU Sans Serif" panose="02000603000000000000" pitchFamily="2" charset="0"/>
-                  </a:endParaRPr>
-                </a:p>
-                <a:p>
-                  <a:pPr algn="ctr">
-                    <a:lnSpc>
-                      <a:spcPct val="150000"/>
-                    </a:lnSpc>
-                  </a:pPr>
-                  <a:endParaRPr lang="en-US" sz="1200" i="1" dirty="0">
-                    <a:solidFill>
-                      <a:schemeClr val="tx1"/>
-                    </a:solidFill>
-                    <a:latin typeface="CMU Sans Serif" panose="02000603000000000000" pitchFamily="2" charset="0"/>
-                    <a:ea typeface="CMU Sans Serif" panose="02000603000000000000" pitchFamily="2" charset="0"/>
-                    <a:cs typeface="CMU Sans Serif" panose="02000603000000000000" pitchFamily="2" charset="0"/>
-                  </a:endParaRPr>
-                </a:p>
-              </p:txBody>
-            </p:sp>
-          </mc:Choice>
-          <mc:Fallback>
-            <p:sp>
-              <p:nvSpPr>
-                <p:cNvPr id="50" name="Rounded Rectangle 49"/>
-                <p:cNvSpPr>
-                  <a:spLocks noRot="1" noChangeAspect="1" noMove="1" noResize="1" noEditPoints="1" noAdjustHandles="1" noChangeArrowheads="1" noChangeShapeType="1" noTextEdit="1"/>
-                </p:cNvSpPr>
-                <p:nvPr/>
-              </p:nvSpPr>
-              <p:spPr>
-                <a:xfrm>
-                  <a:off x="2728628" y="4772947"/>
-                  <a:ext cx="2304668" cy="1031325"/>
-                </a:xfrm>
-                <a:prstGeom prst="roundRect">
-                  <a:avLst>
-                    <a:gd name="adj" fmla="val 5847"/>
-                  </a:avLst>
-                </a:prstGeom>
-                <a:blipFill>
-                  <a:blip r:embed="rId12"/>
-                  <a:stretch>
-                    <a:fillRect t="-7692"/>
-                  </a:stretch>
-                </a:blipFill>
-                <a:ln w="6350">
-                  <a:noFill/>
-                  <a:prstDash val="sysDot"/>
-                </a:ln>
-              </p:spPr>
-              <p:txBody>
-                <a:bodyPr/>
-                <a:lstStyle/>
-                <a:p>
-                  <a:r>
-                    <a:rPr lang="en-US">
-                      <a:noFill/>
-                    </a:rPr>
-                    <a:t> </a:t>
-                  </a:r>
-                </a:p>
-              </p:txBody>
-            </p:sp>
-          </mc:Fallback>
-        </mc:AlternateContent>
         <p:sp>
           <p:nvSpPr>
             <p:cNvPr id="51" name="Rectangle 50"/>
@@ -7438,7 +4554,7 @@
           </p:nvSpPr>
           <p:spPr>
             <a:xfrm>
-              <a:off x="8493611" y="5106077"/>
+              <a:off x="8480163" y="5106077"/>
               <a:ext cx="809837" cy="430887"/>
             </a:xfrm>
             <a:prstGeom prst="rect">
@@ -7477,300 +4593,6 @@
             </a:p>
           </p:txBody>
         </p:sp>
-        <p:cxnSp>
-          <p:nvCxnSpPr>
-            <p:cNvPr id="58" name="Straight Arrow Connector 57"/>
-            <p:cNvCxnSpPr>
-              <a:endCxn id="67" idx="1"/>
-            </p:cNvCxnSpPr>
-            <p:nvPr/>
-          </p:nvCxnSpPr>
-          <p:spPr>
-            <a:xfrm>
-              <a:off x="2248098" y="5310182"/>
-              <a:ext cx="484808" cy="0"/>
-            </a:xfrm>
-            <a:prstGeom prst="straightConnector1">
-              <a:avLst/>
-            </a:prstGeom>
-            <a:ln w="9525">
-              <a:solidFill>
-                <a:schemeClr val="tx1"/>
-              </a:solidFill>
-              <a:prstDash val="sysDash"/>
-              <a:tailEnd type="triangle"/>
-            </a:ln>
-          </p:spPr>
-          <p:style>
-            <a:lnRef idx="1">
-              <a:schemeClr val="dk1"/>
-            </a:lnRef>
-            <a:fillRef idx="0">
-              <a:schemeClr val="dk1"/>
-            </a:fillRef>
-            <a:effectRef idx="0">
-              <a:schemeClr val="dk1"/>
-            </a:effectRef>
-            <a:fontRef idx="minor">
-              <a:schemeClr val="tx1"/>
-            </a:fontRef>
-          </p:style>
-        </p:cxnSp>
-        <p:sp>
-          <p:nvSpPr>
-            <p:cNvPr id="66" name="Rounded Rectangle 65"/>
-            <p:cNvSpPr/>
-            <p:nvPr/>
-          </p:nvSpPr>
-          <p:spPr>
-            <a:xfrm>
-              <a:off x="2732906" y="4671367"/>
-              <a:ext cx="2200111" cy="357137"/>
-            </a:xfrm>
-            <a:prstGeom prst="roundRect">
-              <a:avLst>
-                <a:gd name="adj" fmla="val 1276"/>
-              </a:avLst>
-            </a:prstGeom>
-            <a:noFill/>
-            <a:ln w="9525">
-              <a:solidFill>
-                <a:schemeClr val="tx1"/>
-              </a:solidFill>
-              <a:prstDash val="sysDot"/>
-            </a:ln>
-          </p:spPr>
-          <p:style>
-            <a:lnRef idx="2">
-              <a:schemeClr val="accent1">
-                <a:shade val="50000"/>
-              </a:schemeClr>
-            </a:lnRef>
-            <a:fillRef idx="1">
-              <a:schemeClr val="accent1"/>
-            </a:fillRef>
-            <a:effectRef idx="0">
-              <a:schemeClr val="accent1"/>
-            </a:effectRef>
-            <a:fontRef idx="minor">
-              <a:schemeClr val="lt1"/>
-            </a:fontRef>
-          </p:style>
-          <p:txBody>
-            <a:bodyPr lIns="0" tIns="0" rIns="0" bIns="0" rtlCol="0" anchor="ctr"/>
-            <a:lstStyle/>
-            <a:p>
-              <a:pPr algn="ctr"/>
-              <a:endParaRPr lang="en-US" sz="1200" i="1" dirty="0">
-                <a:solidFill>
-                  <a:schemeClr val="tx1"/>
-                </a:solidFill>
-                <a:latin typeface="CMU Sans Serif" panose="02000603000000000000" pitchFamily="2" charset="0"/>
-                <a:ea typeface="CMU Sans Serif" panose="02000603000000000000" pitchFamily="2" charset="0"/>
-                <a:cs typeface="CMU Sans Serif" panose="02000603000000000000" pitchFamily="2" charset="0"/>
-              </a:endParaRPr>
-            </a:p>
-          </p:txBody>
-        </p:sp>
-        <p:sp>
-          <p:nvSpPr>
-            <p:cNvPr id="67" name="Rounded Rectangle 66"/>
-            <p:cNvSpPr/>
-            <p:nvPr/>
-          </p:nvSpPr>
-          <p:spPr>
-            <a:xfrm>
-              <a:off x="2732906" y="5028505"/>
-              <a:ext cx="2200111" cy="613637"/>
-            </a:xfrm>
-            <a:prstGeom prst="roundRect">
-              <a:avLst>
-                <a:gd name="adj" fmla="val 1276"/>
-              </a:avLst>
-            </a:prstGeom>
-            <a:noFill/>
-            <a:ln w="9525">
-              <a:solidFill>
-                <a:schemeClr val="tx1"/>
-              </a:solidFill>
-              <a:prstDash val="sysDot"/>
-            </a:ln>
-          </p:spPr>
-          <p:style>
-            <a:lnRef idx="2">
-              <a:schemeClr val="accent1">
-                <a:shade val="50000"/>
-              </a:schemeClr>
-            </a:lnRef>
-            <a:fillRef idx="1">
-              <a:schemeClr val="accent1"/>
-            </a:fillRef>
-            <a:effectRef idx="0">
-              <a:schemeClr val="accent1"/>
-            </a:effectRef>
-            <a:fontRef idx="minor">
-              <a:schemeClr val="lt1"/>
-            </a:fontRef>
-          </p:style>
-          <p:txBody>
-            <a:bodyPr lIns="0" tIns="0" rIns="0" bIns="0" rtlCol="0" anchor="ctr"/>
-            <a:lstStyle/>
-            <a:p>
-              <a:pPr algn="ctr"/>
-              <a:endParaRPr lang="en-US" sz="1200" i="1" dirty="0">
-                <a:solidFill>
-                  <a:schemeClr val="tx1"/>
-                </a:solidFill>
-                <a:latin typeface="CMU Sans Serif" panose="02000603000000000000" pitchFamily="2" charset="0"/>
-                <a:ea typeface="CMU Sans Serif" panose="02000603000000000000" pitchFamily="2" charset="0"/>
-                <a:cs typeface="CMU Sans Serif" panose="02000603000000000000" pitchFamily="2" charset="0"/>
-              </a:endParaRPr>
-            </a:p>
-          </p:txBody>
-        </p:sp>
-        <p:sp>
-          <p:nvSpPr>
-            <p:cNvPr id="69" name="Rounded Rectangle 68"/>
-            <p:cNvSpPr/>
-            <p:nvPr/>
-          </p:nvSpPr>
-          <p:spPr>
-            <a:xfrm>
-              <a:off x="5250684" y="5044861"/>
-              <a:ext cx="1288129" cy="580921"/>
-            </a:xfrm>
-            <a:prstGeom prst="roundRect">
-              <a:avLst>
-                <a:gd name="adj" fmla="val 50000"/>
-              </a:avLst>
-            </a:prstGeom>
-            <a:solidFill>
-              <a:schemeClr val="tx1"/>
-            </a:solidFill>
-            <a:ln w="9525">
-              <a:solidFill>
-                <a:schemeClr val="tx1"/>
-              </a:solidFill>
-              <a:prstDash val="sysDash"/>
-            </a:ln>
-          </p:spPr>
-          <p:style>
-            <a:lnRef idx="2">
-              <a:schemeClr val="accent1">
-                <a:shade val="50000"/>
-              </a:schemeClr>
-            </a:lnRef>
-            <a:fillRef idx="1">
-              <a:schemeClr val="accent1"/>
-            </a:fillRef>
-            <a:effectRef idx="0">
-              <a:schemeClr val="accent1"/>
-            </a:effectRef>
-            <a:fontRef idx="minor">
-              <a:schemeClr val="lt1"/>
-            </a:fontRef>
-          </p:style>
-          <p:txBody>
-            <a:bodyPr lIns="0" rIns="0" rtlCol="0" anchor="ctr"/>
-            <a:lstStyle/>
-            <a:p>
-              <a:pPr algn="ctr"/>
-              <a:r>
-                <a:rPr lang="en-US" sz="1200" dirty="0" smtClean="0">
-                  <a:solidFill>
-                    <a:schemeClr val="bg1"/>
-                  </a:solidFill>
-                  <a:latin typeface="CMU Sans Serif" panose="02000603000000000000" pitchFamily="2" charset="0"/>
-                  <a:ea typeface="CMU Sans Serif" panose="02000603000000000000" pitchFamily="2" charset="0"/>
-                  <a:cs typeface="CMU Sans Serif" panose="02000603000000000000" pitchFamily="2" charset="0"/>
-                </a:rPr>
-                <a:t>Optimization</a:t>
-              </a:r>
-              <a:endParaRPr lang="en-US" sz="1200" dirty="0">
-                <a:solidFill>
-                  <a:schemeClr val="bg1"/>
-                </a:solidFill>
-                <a:latin typeface="CMU Sans Serif" panose="02000603000000000000" pitchFamily="2" charset="0"/>
-                <a:ea typeface="CMU Sans Serif" panose="02000603000000000000" pitchFamily="2" charset="0"/>
-                <a:cs typeface="CMU Sans Serif" panose="02000603000000000000" pitchFamily="2" charset="0"/>
-              </a:endParaRPr>
-            </a:p>
-          </p:txBody>
-        </p:sp>
-        <p:cxnSp>
-          <p:nvCxnSpPr>
-            <p:cNvPr id="70" name="Straight Arrow Connector 69"/>
-            <p:cNvCxnSpPr/>
-            <p:nvPr/>
-          </p:nvCxnSpPr>
-          <p:spPr>
-            <a:xfrm>
-              <a:off x="4933017" y="5335322"/>
-              <a:ext cx="317667" cy="0"/>
-            </a:xfrm>
-            <a:prstGeom prst="straightConnector1">
-              <a:avLst/>
-            </a:prstGeom>
-            <a:ln w="9525">
-              <a:solidFill>
-                <a:schemeClr val="tx1"/>
-              </a:solidFill>
-              <a:prstDash val="sysDash"/>
-              <a:tailEnd type="triangle"/>
-            </a:ln>
-          </p:spPr>
-          <p:style>
-            <a:lnRef idx="1">
-              <a:schemeClr val="dk1"/>
-            </a:lnRef>
-            <a:fillRef idx="0">
-              <a:schemeClr val="dk1"/>
-            </a:fillRef>
-            <a:effectRef idx="0">
-              <a:schemeClr val="dk1"/>
-            </a:effectRef>
-            <a:fontRef idx="minor">
-              <a:schemeClr val="tx1"/>
-            </a:fontRef>
-          </p:style>
-        </p:cxnSp>
-        <p:cxnSp>
-          <p:nvCxnSpPr>
-            <p:cNvPr id="72" name="Straight Arrow Connector 71"/>
-            <p:cNvCxnSpPr/>
-            <p:nvPr/>
-          </p:nvCxnSpPr>
-          <p:spPr>
-            <a:xfrm>
-              <a:off x="6541455" y="5335321"/>
-              <a:ext cx="503488" cy="1"/>
-            </a:xfrm>
-            <a:prstGeom prst="straightConnector1">
-              <a:avLst/>
-            </a:prstGeom>
-            <a:ln w="9525">
-              <a:solidFill>
-                <a:schemeClr val="tx1"/>
-              </a:solidFill>
-              <a:prstDash val="sysDash"/>
-              <a:tailEnd type="triangle"/>
-            </a:ln>
-          </p:spPr>
-          <p:style>
-            <a:lnRef idx="1">
-              <a:schemeClr val="dk1"/>
-            </a:lnRef>
-            <a:fillRef idx="0">
-              <a:schemeClr val="dk1"/>
-            </a:fillRef>
-            <a:effectRef idx="0">
-              <a:schemeClr val="dk1"/>
-            </a:effectRef>
-            <a:fontRef idx="minor">
-              <a:schemeClr val="tx1"/>
-            </a:fontRef>
-          </p:style>
-        </p:cxnSp>
         <mc:AlternateContent xmlns:mc="http://schemas.openxmlformats.org/markup-compatibility/2006">
           <mc:Choice xmlns:a14="http://schemas.microsoft.com/office/drawing/2010/main" Requires="a14">
             <p:sp>
@@ -8224,7 +5046,7 @@
                   <a:avLst/>
                 </a:prstGeom>
                 <a:blipFill>
-                  <a:blip r:embed="rId13"/>
+                  <a:blip r:embed="rId5"/>
                   <a:stretch>
                     <a:fillRect/>
                   </a:stretch>
@@ -8256,7 +5078,7 @@
               <p:spPr>
                 <a:xfrm>
                   <a:off x="7843465" y="4706905"/>
-                  <a:ext cx="966868" cy="338554"/>
+                  <a:ext cx="869084" cy="307777"/>
                 </a:xfrm>
                 <a:prstGeom prst="rect">
                   <a:avLst/>
@@ -8277,7 +5099,7 @@
                         <m:sSubSup>
                           <m:sSubSupPr>
                             <m:ctrlPr>
-                              <a:rPr lang="en-US" sz="1600" b="0" i="1" smtClean="0">
+                              <a:rPr lang="en-US" sz="1400" b="0" i="1" smtClean="0">
                                 <a:solidFill>
                                   <a:srgbClr val="C00000"/>
                                 </a:solidFill>
@@ -8289,7 +5111,7 @@
                           </m:sSubSupPr>
                           <m:e>
                             <m:r>
-                              <a:rPr lang="en-US" sz="1600" b="1" i="1" smtClean="0">
+                              <a:rPr lang="en-US" sz="1400" b="1" i="1" smtClean="0">
                                 <a:solidFill>
                                   <a:srgbClr val="C00000"/>
                                 </a:solidFill>
@@ -8302,7 +5124,7 @@
                           </m:e>
                           <m:sub>
                             <m:r>
-                              <a:rPr lang="en-US" sz="1600" b="1" i="1">
+                              <a:rPr lang="en-US" sz="1400" b="1" i="1">
                                 <a:solidFill>
                                   <a:srgbClr val="C00000"/>
                                 </a:solidFill>
@@ -8315,7 +5137,7 @@
                           </m:sub>
                           <m:sup>
                             <m:r>
-                              <a:rPr lang="en-US" sz="1600" b="0" i="1" smtClean="0">
+                              <a:rPr lang="en-US" sz="1400" b="0" i="1" smtClean="0">
                                 <a:solidFill>
                                   <a:srgbClr val="C00000"/>
                                 </a:solidFill>
@@ -8328,7 +5150,7 @@
                           </m:sup>
                         </m:sSubSup>
                         <m:r>
-                          <a:rPr lang="en-US" sz="1600" i="1">
+                          <a:rPr lang="en-US" sz="1400" i="1">
                             <a:latin typeface="Cambria Math" panose="02040503050406030204" pitchFamily="18" charset="0"/>
                             <a:ea typeface="CMU Sans Serif" panose="02000603000000000000" pitchFamily="2" charset="0"/>
                             <a:cs typeface="CMU Sans Serif" panose="02000603000000000000" pitchFamily="2" charset="0"/>
@@ -8338,7 +5160,7 @@
                         <m:sSubSup>
                           <m:sSubSupPr>
                             <m:ctrlPr>
-                              <a:rPr lang="en-US" sz="1600" b="1" i="1" smtClean="0">
+                              <a:rPr lang="en-US" sz="1400" b="1" i="1" smtClean="0">
                                 <a:solidFill>
                                   <a:schemeClr val="accent5"/>
                                 </a:solidFill>
@@ -8350,7 +5172,7 @@
                           </m:sSubSupPr>
                           <m:e>
                             <m:r>
-                              <a:rPr lang="en-US" sz="1600" b="1" i="1">
+                              <a:rPr lang="en-US" sz="1400" b="1" i="1">
                                 <a:solidFill>
                                   <a:schemeClr val="accent5"/>
                                 </a:solidFill>
@@ -8363,7 +5185,7 @@
                           </m:e>
                           <m:sub>
                             <m:r>
-                              <a:rPr lang="en-US" sz="1600" b="1" i="1">
+                              <a:rPr lang="en-US" sz="1400" b="1" i="1">
                                 <a:solidFill>
                                   <a:schemeClr val="accent5"/>
                                 </a:solidFill>
@@ -8376,7 +5198,7 @@
                           </m:sub>
                           <m:sup>
                             <m:r>
-                              <a:rPr lang="en-US" sz="1600" b="1" i="1" smtClean="0">
+                              <a:rPr lang="en-US" sz="1400" b="1" i="1" smtClean="0">
                                 <a:solidFill>
                                   <a:schemeClr val="accent5"/>
                                 </a:solidFill>
@@ -8391,7 +5213,7 @@
                       </m:oMath>
                     </m:oMathPara>
                   </a14:m>
-                  <a:endParaRPr lang="en-US" sz="1200" dirty="0">
+                  <a:endParaRPr lang="en-US" sz="1100" dirty="0">
                     <a:latin typeface="CMU Sans Serif" panose="02000603000000000000" pitchFamily="2" charset="0"/>
                     <a:ea typeface="CMU Sans Serif" panose="02000603000000000000" pitchFamily="2" charset="0"/>
                     <a:cs typeface="CMU Sans Serif" panose="02000603000000000000" pitchFamily="2" charset="0"/>
@@ -8412,13 +5234,13 @@
               <p:spPr>
                 <a:xfrm>
                   <a:off x="7843465" y="4706905"/>
-                  <a:ext cx="966868" cy="338554"/>
+                  <a:ext cx="869084" cy="307777"/>
                 </a:xfrm>
                 <a:prstGeom prst="rect">
                   <a:avLst/>
                 </a:prstGeom>
                 <a:blipFill>
-                  <a:blip r:embed="rId14"/>
+                  <a:blip r:embed="rId6"/>
                   <a:stretch>
                     <a:fillRect/>
                   </a:stretch>
@@ -8447,7 +5269,7 @@
           </p:nvSpPr>
           <p:spPr>
             <a:xfrm>
-              <a:off x="8470751" y="5115912"/>
+              <a:off x="8457303" y="5115912"/>
               <a:ext cx="45719" cy="411216"/>
             </a:xfrm>
             <a:prstGeom prst="rightBrace">
@@ -8491,12 +5313,12 @@
           <p:spPr>
             <a:xfrm>
               <a:off x="9267933" y="5184033"/>
-              <a:ext cx="333270" cy="0"/>
+              <a:ext cx="286790" cy="1"/>
             </a:xfrm>
             <a:prstGeom prst="straightConnector1">
               <a:avLst/>
             </a:prstGeom>
-            <a:ln w="9525">
+            <a:ln w="6350">
               <a:solidFill>
                 <a:schemeClr val="tx1"/>
               </a:solidFill>
@@ -8527,13 +5349,13 @@
           </p:nvCxnSpPr>
           <p:spPr>
             <a:xfrm flipV="1">
-              <a:off x="9601203" y="3788983"/>
+              <a:off x="9554723" y="3788983"/>
               <a:ext cx="0" cy="1395051"/>
             </a:xfrm>
             <a:prstGeom prst="straightConnector1">
               <a:avLst/>
             </a:prstGeom>
-            <a:ln w="9525">
+            <a:ln w="6350">
               <a:solidFill>
                 <a:schemeClr val="tx1"/>
               </a:solidFill>
@@ -8566,7 +5388,7 @@
               </p:nvSpPr>
               <p:spPr>
                 <a:xfrm>
-                  <a:off x="9562885" y="4168564"/>
+                  <a:off x="9555265" y="4168564"/>
                   <a:ext cx="1013623" cy="398847"/>
                 </a:xfrm>
                 <a:prstGeom prst="roundRect">
@@ -8777,7 +5599,7 @@
               </p:nvSpPr>
               <p:spPr>
                 <a:xfrm>
-                  <a:off x="9562885" y="4168564"/>
+                  <a:off x="9555265" y="4168564"/>
                   <a:ext cx="1013623" cy="398847"/>
                 </a:xfrm>
                 <a:prstGeom prst="roundRect">
@@ -8786,7 +5608,7 @@
                   </a:avLst>
                 </a:prstGeom>
                 <a:blipFill>
-                  <a:blip r:embed="rId15"/>
+                  <a:blip r:embed="rId7"/>
                   <a:stretch>
                     <a:fillRect/>
                   </a:stretch>
@@ -8814,20 +5636,18 @@
         <p:cxnSp>
           <p:nvCxnSpPr>
             <p:cNvPr id="101" name="Straight Arrow Connector 100"/>
-            <p:cNvCxnSpPr>
-              <a:endCxn id="102" idx="1"/>
-            </p:cNvCxnSpPr>
+            <p:cNvCxnSpPr/>
             <p:nvPr/>
           </p:nvCxnSpPr>
           <p:spPr>
-            <a:xfrm>
-              <a:off x="9267932" y="5453215"/>
-              <a:ext cx="408180" cy="11540"/>
+            <a:xfrm flipV="1">
+              <a:off x="9267932" y="5453213"/>
+              <a:ext cx="314045" cy="2"/>
             </a:xfrm>
             <a:prstGeom prst="straightConnector1">
               <a:avLst/>
             </a:prstGeom>
-            <a:ln w="9525">
+            <a:ln w="6350">
               <a:solidFill>
                 <a:schemeClr val="tx1"/>
               </a:solidFill>
@@ -8860,7 +5680,7 @@
               </p:nvSpPr>
               <p:spPr>
                 <a:xfrm>
-                  <a:off x="9676112" y="5326255"/>
+                  <a:off x="9552085" y="5319924"/>
                   <a:ext cx="970137" cy="276999"/>
                 </a:xfrm>
                 <a:prstGeom prst="rect">
@@ -9038,14 +5858,14 @@
               </p:nvSpPr>
               <p:spPr>
                 <a:xfrm>
-                  <a:off x="9676112" y="5326255"/>
+                  <a:off x="9552085" y="5319924"/>
                   <a:ext cx="970137" cy="276999"/>
                 </a:xfrm>
                 <a:prstGeom prst="rect">
                   <a:avLst/>
                 </a:prstGeom>
                 <a:blipFill>
-                  <a:blip r:embed="rId16"/>
+                  <a:blip r:embed="rId8"/>
                   <a:stretch>
                     <a:fillRect/>
                   </a:stretch>
@@ -9068,34 +5888,3103 @@
         </mc:AlternateContent>
         <p:sp>
           <p:nvSpPr>
+            <p:cNvPr id="104" name="Rounded Rectangle 103"/>
+            <p:cNvSpPr/>
+            <p:nvPr/>
+          </p:nvSpPr>
+          <p:spPr>
+            <a:xfrm>
+              <a:off x="2123163" y="2054857"/>
+              <a:ext cx="2691779" cy="876825"/>
+            </a:xfrm>
+            <a:prstGeom prst="roundRect">
+              <a:avLst>
+                <a:gd name="adj" fmla="val 3445"/>
+              </a:avLst>
+            </a:prstGeom>
+            <a:solidFill>
+              <a:schemeClr val="accent5">
+                <a:lumMod val="20000"/>
+                <a:lumOff val="80000"/>
+                <a:alpha val="53000"/>
+              </a:schemeClr>
+            </a:solidFill>
+            <a:ln w="9525">
+              <a:noFill/>
+              <a:prstDash val="sysDot"/>
+            </a:ln>
+          </p:spPr>
+          <p:style>
+            <a:lnRef idx="2">
+              <a:schemeClr val="accent1">
+                <a:shade val="50000"/>
+              </a:schemeClr>
+            </a:lnRef>
+            <a:fillRef idx="1">
+              <a:schemeClr val="accent1"/>
+            </a:fillRef>
+            <a:effectRef idx="0">
+              <a:schemeClr val="accent1"/>
+            </a:effectRef>
+            <a:fontRef idx="minor">
+              <a:schemeClr val="lt1"/>
+            </a:fontRef>
+          </p:style>
+          <p:txBody>
+            <a:bodyPr lIns="0" tIns="0" rIns="0" bIns="0" rtlCol="0" anchor="ctr"/>
+            <a:lstStyle/>
+            <a:p>
+              <a:pPr algn="ctr"/>
+              <a:endParaRPr lang="en-US" sz="1200" i="1" dirty="0">
+                <a:solidFill>
+                  <a:schemeClr val="tx1"/>
+                </a:solidFill>
+                <a:latin typeface="CMU Sans Serif" panose="02000603000000000000" pitchFamily="2" charset="0"/>
+                <a:ea typeface="CMU Sans Serif" panose="02000603000000000000" pitchFamily="2" charset="0"/>
+                <a:cs typeface="CMU Sans Serif" panose="02000603000000000000" pitchFamily="2" charset="0"/>
+              </a:endParaRPr>
+            </a:p>
+          </p:txBody>
+        </p:sp>
+        <p:sp>
+          <p:nvSpPr>
+            <p:cNvPr id="5" name="Rectangle 4"/>
+            <p:cNvSpPr/>
+            <p:nvPr/>
+          </p:nvSpPr>
+          <p:spPr>
+            <a:xfrm>
+              <a:off x="2236086" y="1352366"/>
+              <a:ext cx="1046921" cy="528110"/>
+            </a:xfrm>
+            <a:prstGeom prst="rect">
+              <a:avLst/>
+            </a:prstGeom>
+            <a:solidFill>
+              <a:schemeClr val="bg1"/>
+            </a:solidFill>
+            <a:ln>
+              <a:noFill/>
+            </a:ln>
+          </p:spPr>
+          <p:style>
+            <a:lnRef idx="2">
+              <a:schemeClr val="accent1">
+                <a:shade val="50000"/>
+              </a:schemeClr>
+            </a:lnRef>
+            <a:fillRef idx="1">
+              <a:schemeClr val="accent1"/>
+            </a:fillRef>
+            <a:effectRef idx="0">
+              <a:schemeClr val="accent1"/>
+            </a:effectRef>
+            <a:fontRef idx="minor">
+              <a:schemeClr val="lt1"/>
+            </a:fontRef>
+          </p:style>
+          <p:txBody>
+            <a:bodyPr lIns="0" rIns="0" rtlCol="0" anchor="ctr"/>
+            <a:lstStyle/>
+            <a:p>
+              <a:pPr algn="ctr"/>
+              <a:r>
+                <a:rPr lang="en-US" sz="1200" dirty="0" smtClean="0">
+                  <a:solidFill>
+                    <a:schemeClr val="tx1"/>
+                  </a:solidFill>
+                  <a:latin typeface="CMU Sans Serif" panose="02000603000000000000" pitchFamily="2" charset="0"/>
+                  <a:ea typeface="CMU Sans Serif" panose="02000603000000000000" pitchFamily="2" charset="0"/>
+                  <a:cs typeface="CMU Sans Serif" panose="02000603000000000000" pitchFamily="2" charset="0"/>
+                </a:rPr>
+                <a:t>Experimental</a:t>
+              </a:r>
+              <a:br>
+                <a:rPr lang="en-US" sz="1200" dirty="0" smtClean="0">
+                  <a:solidFill>
+                    <a:schemeClr val="tx1"/>
+                  </a:solidFill>
+                  <a:latin typeface="CMU Sans Serif" panose="02000603000000000000" pitchFamily="2" charset="0"/>
+                  <a:ea typeface="CMU Sans Serif" panose="02000603000000000000" pitchFamily="2" charset="0"/>
+                  <a:cs typeface="CMU Sans Serif" panose="02000603000000000000" pitchFamily="2" charset="0"/>
+                </a:rPr>
+              </a:br>
+              <a:r>
+                <a:rPr lang="en-US" sz="1200" dirty="0" smtClean="0">
+                  <a:solidFill>
+                    <a:schemeClr val="tx1"/>
+                  </a:solidFill>
+                  <a:latin typeface="CMU Sans Serif" panose="02000603000000000000" pitchFamily="2" charset="0"/>
+                  <a:ea typeface="CMU Sans Serif" panose="02000603000000000000" pitchFamily="2" charset="0"/>
+                  <a:cs typeface="CMU Sans Serif" panose="02000603000000000000" pitchFamily="2" charset="0"/>
+                </a:rPr>
+                <a:t>Data</a:t>
+              </a:r>
+              <a:endParaRPr lang="en-US" sz="1200" dirty="0">
+                <a:solidFill>
+                  <a:schemeClr val="tx1"/>
+                </a:solidFill>
+                <a:latin typeface="CMU Sans Serif" panose="02000603000000000000" pitchFamily="2" charset="0"/>
+                <a:ea typeface="CMU Sans Serif" panose="02000603000000000000" pitchFamily="2" charset="0"/>
+                <a:cs typeface="CMU Sans Serif" panose="02000603000000000000" pitchFamily="2" charset="0"/>
+              </a:endParaRPr>
+            </a:p>
+          </p:txBody>
+        </p:sp>
+        <mc:AlternateContent xmlns:mc="http://schemas.openxmlformats.org/markup-compatibility/2006">
+          <mc:Choice xmlns:a14="http://schemas.microsoft.com/office/drawing/2010/main" Requires="a14">
+            <p:sp>
+              <p:nvSpPr>
+                <p:cNvPr id="8" name="Rectangle 7"/>
+                <p:cNvSpPr/>
+                <p:nvPr/>
+              </p:nvSpPr>
+              <p:spPr>
+                <a:xfrm>
+                  <a:off x="3654003" y="2224895"/>
+                  <a:ext cx="1046921" cy="528110"/>
+                </a:xfrm>
+                <a:prstGeom prst="rect">
+                  <a:avLst/>
+                </a:prstGeom>
+                <a:solidFill>
+                  <a:schemeClr val="bg1"/>
+                </a:solidFill>
+                <a:ln w="9525">
+                  <a:solidFill>
+                    <a:schemeClr val="tx1"/>
+                  </a:solidFill>
+                </a:ln>
+              </p:spPr>
+              <p:style>
+                <a:lnRef idx="2">
+                  <a:schemeClr val="accent1">
+                    <a:shade val="50000"/>
+                  </a:schemeClr>
+                </a:lnRef>
+                <a:fillRef idx="1">
+                  <a:schemeClr val="accent1"/>
+                </a:fillRef>
+                <a:effectRef idx="0">
+                  <a:schemeClr val="accent1"/>
+                </a:effectRef>
+                <a:fontRef idx="minor">
+                  <a:schemeClr val="lt1"/>
+                </a:fontRef>
+              </p:style>
+              <p:txBody>
+                <a:bodyPr lIns="0" rIns="0" rtlCol="0" anchor="ctr"/>
+                <a:lstStyle/>
+                <a:p>
+                  <a:pPr algn="ctr"/>
+                  <a:r>
+                    <a:rPr lang="en-US" sz="1200" dirty="0" smtClean="0">
+                      <a:solidFill>
+                        <a:schemeClr val="tx1"/>
+                      </a:solidFill>
+                      <a:latin typeface="CMU Sans Serif" panose="02000603000000000000" pitchFamily="2" charset="0"/>
+                      <a:ea typeface="CMU Sans Serif" panose="02000603000000000000" pitchFamily="2" charset="0"/>
+                      <a:cs typeface="CMU Sans Serif" panose="02000603000000000000" pitchFamily="2" charset="0"/>
+                    </a:rPr>
+                    <a:t>ANN</a:t>
+                  </a:r>
+                  <a:br>
+                    <a:rPr lang="en-US" sz="1200" dirty="0" smtClean="0">
+                      <a:solidFill>
+                        <a:schemeClr val="tx1"/>
+                      </a:solidFill>
+                      <a:latin typeface="CMU Sans Serif" panose="02000603000000000000" pitchFamily="2" charset="0"/>
+                      <a:ea typeface="CMU Sans Serif" panose="02000603000000000000" pitchFamily="2" charset="0"/>
+                      <a:cs typeface="CMU Sans Serif" panose="02000603000000000000" pitchFamily="2" charset="0"/>
+                    </a:rPr>
+                  </a:br>
+                  <a14:m>
+                    <m:oMathPara xmlns:m="http://schemas.openxmlformats.org/officeDocument/2006/math">
+                      <m:oMathParaPr>
+                        <m:jc m:val="centerGroup"/>
+                      </m:oMathParaPr>
+                      <m:oMath xmlns:m="http://schemas.openxmlformats.org/officeDocument/2006/math">
+                        <m:r>
+                          <a:rPr lang="en-US" sz="1200" b="0" i="1" smtClean="0">
+                            <a:solidFill>
+                              <a:schemeClr val="tx1"/>
+                            </a:solidFill>
+                            <a:latin typeface="Cambria Math" panose="02040503050406030204" pitchFamily="18" charset="0"/>
+                            <a:ea typeface="CMU Sans Serif" panose="02000603000000000000" pitchFamily="2" charset="0"/>
+                            <a:cs typeface="CMU Sans Serif" panose="02000603000000000000" pitchFamily="2" charset="0"/>
+                          </a:rPr>
+                          <m:t>𝑥</m:t>
+                        </m:r>
+                        <m:d>
+                          <m:dPr>
+                            <m:ctrlPr>
+                              <a:rPr lang="en-US" sz="1200" b="0" i="1" smtClean="0">
+                                <a:solidFill>
+                                  <a:schemeClr val="tx1"/>
+                                </a:solidFill>
+                                <a:latin typeface="Cambria Math" panose="02040503050406030204" pitchFamily="18" charset="0"/>
+                                <a:ea typeface="CMU Sans Serif" panose="02000603000000000000" pitchFamily="2" charset="0"/>
+                                <a:cs typeface="CMU Sans Serif" panose="02000603000000000000" pitchFamily="2" charset="0"/>
+                              </a:rPr>
+                            </m:ctrlPr>
+                          </m:dPr>
+                          <m:e>
+                            <m:sSub>
+                              <m:sSubPr>
+                                <m:ctrlPr>
+                                  <a:rPr lang="en-US" sz="1200" b="1" i="1" smtClean="0">
+                                    <a:solidFill>
+                                      <a:schemeClr val="accent5"/>
+                                    </a:solidFill>
+                                    <a:latin typeface="Cambria Math" panose="02040503050406030204" pitchFamily="18" charset="0"/>
+                                    <a:ea typeface="CMU Sans Serif" panose="02000603000000000000" pitchFamily="2" charset="0"/>
+                                    <a:cs typeface="CMU Sans Serif" panose="02000603000000000000" pitchFamily="2" charset="0"/>
+                                  </a:rPr>
+                                </m:ctrlPr>
+                              </m:sSubPr>
+                              <m:e>
+                                <m:r>
+                                  <a:rPr lang="en-US" sz="1200" b="1" i="1" smtClean="0">
+                                    <a:solidFill>
+                                      <a:schemeClr val="accent5"/>
+                                    </a:solidFill>
+                                    <a:latin typeface="Cambria Math" panose="02040503050406030204" pitchFamily="18" charset="0"/>
+                                    <a:ea typeface="CMU Sans Serif" panose="02000603000000000000" pitchFamily="2" charset="0"/>
+                                    <a:cs typeface="CMU Sans Serif" panose="02000603000000000000" pitchFamily="2" charset="0"/>
+                                  </a:rPr>
+                                  <m:t>𝜽</m:t>
+                                </m:r>
+                              </m:e>
+                              <m:sub>
+                                <m:r>
+                                  <a:rPr lang="en-US" sz="1200" b="1" i="1" smtClean="0">
+                                    <a:solidFill>
+                                      <a:schemeClr val="accent5"/>
+                                    </a:solidFill>
+                                    <a:latin typeface="Cambria Math" panose="02040503050406030204" pitchFamily="18" charset="0"/>
+                                    <a:ea typeface="CMU Sans Serif" panose="02000603000000000000" pitchFamily="2" charset="0"/>
+                                    <a:cs typeface="CMU Sans Serif" panose="02000603000000000000" pitchFamily="2" charset="0"/>
+                                  </a:rPr>
+                                  <m:t>𝑵𝑵</m:t>
+                                </m:r>
+                              </m:sub>
+                            </m:sSub>
+                            <m:r>
+                              <a:rPr lang="en-US" sz="1200" b="0" i="1" dirty="0" smtClean="0">
+                                <a:solidFill>
+                                  <a:schemeClr val="tx1"/>
+                                </a:solidFill>
+                                <a:latin typeface="Cambria Math" panose="02040503050406030204" pitchFamily="18" charset="0"/>
+                                <a:ea typeface="CMU Sans Serif" panose="02000603000000000000" pitchFamily="2" charset="0"/>
+                                <a:cs typeface="CMU Sans Serif" panose="02000603000000000000" pitchFamily="2" charset="0"/>
+                              </a:rPr>
+                              <m:t>,</m:t>
+                            </m:r>
+                            <m:r>
+                              <a:rPr lang="en-US" sz="1200" b="0" i="1" dirty="0" smtClean="0">
+                                <a:solidFill>
+                                  <a:schemeClr val="tx1"/>
+                                </a:solidFill>
+                                <a:latin typeface="Cambria Math" panose="02040503050406030204" pitchFamily="18" charset="0"/>
+                                <a:ea typeface="CMU Sans Serif" panose="02000603000000000000" pitchFamily="2" charset="0"/>
+                                <a:cs typeface="CMU Sans Serif" panose="02000603000000000000" pitchFamily="2" charset="0"/>
+                              </a:rPr>
+                              <m:t>𝑡</m:t>
+                            </m:r>
+                          </m:e>
+                        </m:d>
+                      </m:oMath>
+                    </m:oMathPara>
+                  </a14:m>
+                  <a:endParaRPr lang="en-US" sz="1200" dirty="0">
+                    <a:solidFill>
+                      <a:schemeClr val="tx1"/>
+                    </a:solidFill>
+                    <a:latin typeface="CMU Sans Serif" panose="02000603000000000000" pitchFamily="2" charset="0"/>
+                    <a:ea typeface="CMU Sans Serif" panose="02000603000000000000" pitchFamily="2" charset="0"/>
+                    <a:cs typeface="CMU Sans Serif" panose="02000603000000000000" pitchFamily="2" charset="0"/>
+                  </a:endParaRPr>
+                </a:p>
+              </p:txBody>
+            </p:sp>
+          </mc:Choice>
+          <mc:Fallback>
+            <p:sp>
+              <p:nvSpPr>
+                <p:cNvPr id="8" name="Rectangle 7"/>
+                <p:cNvSpPr>
+                  <a:spLocks noRot="1" noChangeAspect="1" noMove="1" noResize="1" noEditPoints="1" noAdjustHandles="1" noChangeArrowheads="1" noChangeShapeType="1" noTextEdit="1"/>
+                </p:cNvSpPr>
+                <p:nvPr/>
+              </p:nvSpPr>
+              <p:spPr>
+                <a:xfrm>
+                  <a:off x="3654003" y="2224895"/>
+                  <a:ext cx="1046921" cy="528110"/>
+                </a:xfrm>
+                <a:prstGeom prst="rect">
+                  <a:avLst/>
+                </a:prstGeom>
+                <a:blipFill>
+                  <a:blip r:embed="rId9"/>
+                  <a:stretch>
+                    <a:fillRect/>
+                  </a:stretch>
+                </a:blipFill>
+                <a:ln w="9525">
+                  <a:solidFill>
+                    <a:schemeClr val="tx1"/>
+                  </a:solidFill>
+                </a:ln>
+              </p:spPr>
+              <p:txBody>
+                <a:bodyPr/>
+                <a:lstStyle/>
+                <a:p>
+                  <a:r>
+                    <a:rPr lang="en-US">
+                      <a:noFill/>
+                    </a:rPr>
+                    <a:t> </a:t>
+                  </a:r>
+                </a:p>
+              </p:txBody>
+            </p:sp>
+          </mc:Fallback>
+        </mc:AlternateContent>
+        <mc:AlternateContent xmlns:mc="http://schemas.openxmlformats.org/markup-compatibility/2006">
+          <mc:Choice xmlns:a14="http://schemas.microsoft.com/office/drawing/2010/main" Requires="a14">
+            <p:sp>
+              <p:nvSpPr>
+                <p:cNvPr id="10" name="Pentagon 9"/>
+                <p:cNvSpPr/>
+                <p:nvPr/>
+              </p:nvSpPr>
+              <p:spPr>
+                <a:xfrm>
+                  <a:off x="3635163" y="1353743"/>
+                  <a:ext cx="1232512" cy="528110"/>
+                </a:xfrm>
+                <a:prstGeom prst="homePlate">
+                  <a:avLst>
+                    <a:gd name="adj" fmla="val 41304"/>
+                  </a:avLst>
+                </a:prstGeom>
+                <a:solidFill>
+                  <a:schemeClr val="bg1">
+                    <a:lumMod val="65000"/>
+                    <a:alpha val="32000"/>
+                  </a:schemeClr>
+                </a:solidFill>
+                <a:ln w="6350">
+                  <a:noFill/>
+                </a:ln>
+              </p:spPr>
+              <p:style>
+                <a:lnRef idx="2">
+                  <a:schemeClr val="accent1">
+                    <a:shade val="50000"/>
+                  </a:schemeClr>
+                </a:lnRef>
+                <a:fillRef idx="1">
+                  <a:schemeClr val="accent1"/>
+                </a:fillRef>
+                <a:effectRef idx="0">
+                  <a:schemeClr val="accent1"/>
+                </a:effectRef>
+                <a:fontRef idx="minor">
+                  <a:schemeClr val="lt1"/>
+                </a:fontRef>
+              </p:style>
+              <p:txBody>
+                <a:bodyPr lIns="0" rIns="0" rtlCol="0" anchor="ctr"/>
+                <a:lstStyle/>
+                <a:p>
+                  <a:pPr algn="ctr"/>
+                  <a:r>
+                    <a:rPr lang="en-US" sz="1200" dirty="0" smtClean="0">
+                      <a:solidFill>
+                        <a:schemeClr val="tx1"/>
+                      </a:solidFill>
+                      <a:latin typeface="CMU Sans Serif" panose="02000603000000000000" pitchFamily="2" charset="0"/>
+                      <a:ea typeface="CMU Sans Serif" panose="02000603000000000000" pitchFamily="2" charset="0"/>
+                      <a:cs typeface="CMU Sans Serif" panose="02000603000000000000" pitchFamily="2" charset="0"/>
+                    </a:rPr>
+                    <a:t>Preprocessing</a:t>
+                  </a:r>
+                </a:p>
+                <a:p>
+                  <a:pPr algn="ctr"/>
+                  <a14:m>
+                    <m:oMathPara xmlns:m="http://schemas.openxmlformats.org/officeDocument/2006/math">
+                      <m:oMathParaPr>
+                        <m:jc m:val="centerGroup"/>
+                      </m:oMathParaPr>
+                      <m:oMath xmlns:m="http://schemas.openxmlformats.org/officeDocument/2006/math">
+                        <m:r>
+                          <a:rPr lang="en-US" sz="1200" i="1" dirty="0" smtClean="0">
+                            <a:solidFill>
+                              <a:schemeClr val="tx1"/>
+                            </a:solidFill>
+                            <a:latin typeface="Cambria Math" panose="02040503050406030204" pitchFamily="18" charset="0"/>
+                          </a:rPr>
+                          <m:t>𝑓</m:t>
+                        </m:r>
+                        <m:d>
+                          <m:dPr>
+                            <m:ctrlPr>
+                              <a:rPr lang="en-US" sz="1200" i="1" dirty="0" smtClean="0">
+                                <a:solidFill>
+                                  <a:schemeClr val="tx1"/>
+                                </a:solidFill>
+                                <a:latin typeface="Cambria Math" panose="02040503050406030204" pitchFamily="18" charset="0"/>
+                              </a:rPr>
+                            </m:ctrlPr>
+                          </m:dPr>
+                          <m:e>
+                            <m:r>
+                              <a:rPr lang="en-US" sz="1200" i="1" dirty="0" smtClean="0">
+                                <a:solidFill>
+                                  <a:schemeClr val="tx1"/>
+                                </a:solidFill>
+                                <a:latin typeface="Cambria Math" panose="02040503050406030204" pitchFamily="18" charset="0"/>
+                              </a:rPr>
+                              <m:t> </m:t>
+                            </m:r>
+                          </m:e>
+                        </m:d>
+                      </m:oMath>
+                    </m:oMathPara>
+                  </a14:m>
+                  <a:endParaRPr lang="en-US" sz="1200" dirty="0">
+                    <a:solidFill>
+                      <a:schemeClr val="tx1"/>
+                    </a:solidFill>
+                    <a:latin typeface="CMU Sans Serif" panose="02000603000000000000" pitchFamily="2" charset="0"/>
+                    <a:ea typeface="CMU Sans Serif" panose="02000603000000000000" pitchFamily="2" charset="0"/>
+                    <a:cs typeface="CMU Sans Serif" panose="02000603000000000000" pitchFamily="2" charset="0"/>
+                  </a:endParaRPr>
+                </a:p>
+              </p:txBody>
+            </p:sp>
+          </mc:Choice>
+          <mc:Fallback>
+            <p:sp>
+              <p:nvSpPr>
+                <p:cNvPr id="10" name="Pentagon 9"/>
+                <p:cNvSpPr>
+                  <a:spLocks noRot="1" noChangeAspect="1" noMove="1" noResize="1" noEditPoints="1" noAdjustHandles="1" noChangeArrowheads="1" noChangeShapeType="1" noTextEdit="1"/>
+                </p:cNvSpPr>
+                <p:nvPr/>
+              </p:nvSpPr>
+              <p:spPr>
+                <a:xfrm>
+                  <a:off x="3635163" y="1353743"/>
+                  <a:ext cx="1232512" cy="528110"/>
+                </a:xfrm>
+                <a:prstGeom prst="homePlate">
+                  <a:avLst>
+                    <a:gd name="adj" fmla="val 41304"/>
+                  </a:avLst>
+                </a:prstGeom>
+                <a:blipFill>
+                  <a:blip r:embed="rId10"/>
+                  <a:stretch>
+                    <a:fillRect/>
+                  </a:stretch>
+                </a:blipFill>
+                <a:ln w="6350">
+                  <a:noFill/>
+                </a:ln>
+              </p:spPr>
+              <p:txBody>
+                <a:bodyPr/>
+                <a:lstStyle/>
+                <a:p>
+                  <a:r>
+                    <a:rPr lang="en-US">
+                      <a:noFill/>
+                    </a:rPr>
+                    <a:t> </a:t>
+                  </a:r>
+                </a:p>
+              </p:txBody>
+            </p:sp>
+          </mc:Fallback>
+        </mc:AlternateContent>
+        <p:sp>
+          <p:nvSpPr>
+            <p:cNvPr id="12" name="Hexagon 11"/>
+            <p:cNvSpPr/>
+            <p:nvPr/>
+          </p:nvSpPr>
+          <p:spPr>
+            <a:xfrm>
+              <a:off x="2171646" y="2224895"/>
+              <a:ext cx="1213476" cy="528110"/>
+            </a:xfrm>
+            <a:prstGeom prst="hexagon">
+              <a:avLst/>
+            </a:prstGeom>
+            <a:solidFill>
+              <a:schemeClr val="tx1">
+                <a:lumMod val="65000"/>
+                <a:lumOff val="35000"/>
+              </a:schemeClr>
+            </a:solidFill>
+            <a:ln w="9525">
+              <a:noFill/>
+              <a:prstDash val="sysDash"/>
+            </a:ln>
+          </p:spPr>
+          <p:style>
+            <a:lnRef idx="2">
+              <a:schemeClr val="accent1">
+                <a:shade val="50000"/>
+              </a:schemeClr>
+            </a:lnRef>
+            <a:fillRef idx="1">
+              <a:schemeClr val="accent1"/>
+            </a:fillRef>
+            <a:effectRef idx="0">
+              <a:schemeClr val="accent1"/>
+            </a:effectRef>
+            <a:fontRef idx="minor">
+              <a:schemeClr val="lt1"/>
+            </a:fontRef>
+          </p:style>
+          <p:txBody>
+            <a:bodyPr rot="0" spcFirstLastPara="0" vertOverflow="overflow" horzOverflow="overflow" vert="horz" wrap="square" lIns="0" tIns="45720" rIns="0" bIns="45720" numCol="1" spcCol="0" rtlCol="0" fromWordArt="0" anchor="ctr" anchorCtr="0" forceAA="0" compatLnSpc="1">
+              <a:prstTxWarp prst="textNoShape">
+                <a:avLst/>
+              </a:prstTxWarp>
+              <a:noAutofit/>
+            </a:bodyPr>
+            <a:lstStyle/>
+            <a:p>
+              <a:pPr algn="ctr"/>
+              <a:r>
+                <a:rPr lang="en-US" sz="1200" dirty="0">
+                  <a:solidFill>
+                    <a:schemeClr val="bg1"/>
+                  </a:solidFill>
+                  <a:latin typeface="CMU Sans Serif" panose="02000603000000000000" pitchFamily="2" charset="0"/>
+                  <a:ea typeface="CMU Sans Serif" panose="02000603000000000000" pitchFamily="2" charset="0"/>
+                  <a:cs typeface="CMU Sans Serif" panose="02000603000000000000" pitchFamily="2" charset="0"/>
+                </a:rPr>
+                <a:t>ANN</a:t>
+              </a:r>
+              <a:br>
+                <a:rPr lang="en-US" sz="1200" dirty="0">
+                  <a:solidFill>
+                    <a:schemeClr val="bg1"/>
+                  </a:solidFill>
+                  <a:latin typeface="CMU Sans Serif" panose="02000603000000000000" pitchFamily="2" charset="0"/>
+                  <a:ea typeface="CMU Sans Serif" panose="02000603000000000000" pitchFamily="2" charset="0"/>
+                  <a:cs typeface="CMU Sans Serif" panose="02000603000000000000" pitchFamily="2" charset="0"/>
+                </a:rPr>
+              </a:br>
+              <a:r>
+                <a:rPr lang="en-US" sz="1200" dirty="0">
+                  <a:solidFill>
+                    <a:schemeClr val="bg1"/>
+                  </a:solidFill>
+                  <a:latin typeface="CMU Sans Serif" panose="02000603000000000000" pitchFamily="2" charset="0"/>
+                  <a:ea typeface="CMU Sans Serif" panose="02000603000000000000" pitchFamily="2" charset="0"/>
+                  <a:cs typeface="CMU Sans Serif" panose="02000603000000000000" pitchFamily="2" charset="0"/>
+                </a:rPr>
+                <a:t>Generator</a:t>
+              </a:r>
+            </a:p>
+          </p:txBody>
+        </p:sp>
+        <mc:AlternateContent xmlns:mc="http://schemas.openxmlformats.org/markup-compatibility/2006">
+          <mc:Choice xmlns:a14="http://schemas.microsoft.com/office/drawing/2010/main" Requires="a14">
+            <p:sp>
+              <p:nvSpPr>
+                <p:cNvPr id="13" name="Rounded Rectangle 12"/>
+                <p:cNvSpPr/>
+                <p:nvPr/>
+              </p:nvSpPr>
+              <p:spPr>
+                <a:xfrm>
+                  <a:off x="4858270" y="2222140"/>
+                  <a:ext cx="2076334" cy="530865"/>
+                </a:xfrm>
+                <a:prstGeom prst="roundRect">
+                  <a:avLst>
+                    <a:gd name="adj" fmla="val 5847"/>
+                  </a:avLst>
+                </a:prstGeom>
+                <a:noFill/>
+                <a:ln w="6350">
+                  <a:noFill/>
+                  <a:prstDash val="sysDot"/>
+                </a:ln>
+              </p:spPr>
+              <p:style>
+                <a:lnRef idx="2">
+                  <a:schemeClr val="accent1">
+                    <a:shade val="50000"/>
+                  </a:schemeClr>
+                </a:lnRef>
+                <a:fillRef idx="1">
+                  <a:schemeClr val="accent1"/>
+                </a:fillRef>
+                <a:effectRef idx="0">
+                  <a:schemeClr val="accent1"/>
+                </a:effectRef>
+                <a:fontRef idx="minor">
+                  <a:schemeClr val="lt1"/>
+                </a:fontRef>
+              </p:style>
+              <p:txBody>
+                <a:bodyPr lIns="0" tIns="0" rIns="0" bIns="0" rtlCol="0" anchor="ctr"/>
+                <a:lstStyle/>
+                <a:p>
+                  <a:pPr algn="ctr"/>
+                  <a14:m>
+                    <m:oMathPara xmlns:m="http://schemas.openxmlformats.org/officeDocument/2006/math">
+                      <m:oMathParaPr>
+                        <m:jc m:val="centerGroup"/>
+                      </m:oMathParaPr>
+                      <m:oMath xmlns:m="http://schemas.openxmlformats.org/officeDocument/2006/math">
+                        <m:d>
+                          <m:dPr>
+                            <m:begChr m:val="‖"/>
+                            <m:endChr m:val="‖"/>
+                            <m:ctrlPr>
+                              <a:rPr lang="en-US" sz="1200" i="1" smtClean="0">
+                                <a:solidFill>
+                                  <a:schemeClr val="tx1"/>
+                                </a:solidFill>
+                                <a:latin typeface="Cambria Math" panose="02040503050406030204" pitchFamily="18" charset="0"/>
+                                <a:ea typeface="CMU Sans Serif" panose="02000603000000000000" pitchFamily="2" charset="0"/>
+                                <a:cs typeface="CMU Sans Serif" panose="02000603000000000000" pitchFamily="2" charset="0"/>
+                              </a:rPr>
+                            </m:ctrlPr>
+                          </m:dPr>
+                          <m:e>
+                            <m:r>
+                              <a:rPr lang="en-US" sz="1200" i="1" smtClean="0">
+                                <a:solidFill>
+                                  <a:schemeClr val="tx1"/>
+                                </a:solidFill>
+                                <a:latin typeface="Cambria Math" panose="02040503050406030204" pitchFamily="18" charset="0"/>
+                                <a:ea typeface="CMU Sans Serif" panose="02000603000000000000" pitchFamily="2" charset="0"/>
+                                <a:cs typeface="CMU Sans Serif" panose="02000603000000000000" pitchFamily="2" charset="0"/>
+                              </a:rPr>
+                              <m:t>𝑥</m:t>
+                            </m:r>
+                            <m:d>
+                              <m:dPr>
+                                <m:ctrlPr>
+                                  <a:rPr lang="en-US" sz="1200" i="1">
+                                    <a:solidFill>
+                                      <a:schemeClr val="tx1"/>
+                                    </a:solidFill>
+                                    <a:latin typeface="Cambria Math" panose="02040503050406030204" pitchFamily="18" charset="0"/>
+                                    <a:ea typeface="CMU Sans Serif" panose="02000603000000000000" pitchFamily="2" charset="0"/>
+                                    <a:cs typeface="CMU Sans Serif" panose="02000603000000000000" pitchFamily="2" charset="0"/>
+                                  </a:rPr>
+                                </m:ctrlPr>
+                              </m:dPr>
+                              <m:e>
+                                <m:sSub>
+                                  <m:sSubPr>
+                                    <m:ctrlPr>
+                                      <a:rPr lang="en-US" sz="1200" b="1" i="1" smtClean="0">
+                                        <a:solidFill>
+                                          <a:schemeClr val="accent5"/>
+                                        </a:solidFill>
+                                        <a:latin typeface="Cambria Math" panose="02040503050406030204" pitchFamily="18" charset="0"/>
+                                        <a:ea typeface="CMU Sans Serif" panose="02000603000000000000" pitchFamily="2" charset="0"/>
+                                        <a:cs typeface="CMU Sans Serif" panose="02000603000000000000" pitchFamily="2" charset="0"/>
+                                      </a:rPr>
+                                    </m:ctrlPr>
+                                  </m:sSubPr>
+                                  <m:e>
+                                    <m:r>
+                                      <a:rPr lang="en-US" sz="1200" b="1" i="1">
+                                        <a:solidFill>
+                                          <a:schemeClr val="accent5"/>
+                                        </a:solidFill>
+                                        <a:latin typeface="Cambria Math" panose="02040503050406030204" pitchFamily="18" charset="0"/>
+                                        <a:ea typeface="CMU Sans Serif" panose="02000603000000000000" pitchFamily="2" charset="0"/>
+                                        <a:cs typeface="CMU Sans Serif" panose="02000603000000000000" pitchFamily="2" charset="0"/>
+                                      </a:rPr>
+                                      <m:t>𝜽</m:t>
+                                    </m:r>
+                                  </m:e>
+                                  <m:sub>
+                                    <m:r>
+                                      <a:rPr lang="en-US" sz="1200" b="1" i="1">
+                                        <a:solidFill>
+                                          <a:schemeClr val="accent5"/>
+                                        </a:solidFill>
+                                        <a:latin typeface="Cambria Math" panose="02040503050406030204" pitchFamily="18" charset="0"/>
+                                        <a:ea typeface="CMU Sans Serif" panose="02000603000000000000" pitchFamily="2" charset="0"/>
+                                        <a:cs typeface="CMU Sans Serif" panose="02000603000000000000" pitchFamily="2" charset="0"/>
+                                      </a:rPr>
+                                      <m:t>𝑵𝑵</m:t>
+                                    </m:r>
+                                  </m:sub>
+                                </m:sSub>
+                                <m:r>
+                                  <a:rPr lang="en-US" sz="1200" i="1">
+                                    <a:solidFill>
+                                      <a:schemeClr val="tx1"/>
+                                    </a:solidFill>
+                                    <a:latin typeface="Cambria Math" panose="02040503050406030204" pitchFamily="18" charset="0"/>
+                                    <a:ea typeface="CMU Sans Serif" panose="02000603000000000000" pitchFamily="2" charset="0"/>
+                                    <a:cs typeface="CMU Sans Serif" panose="02000603000000000000" pitchFamily="2" charset="0"/>
+                                  </a:rPr>
+                                  <m:t>,</m:t>
+                                </m:r>
+                                <m:r>
+                                  <a:rPr lang="en-US" sz="1200" i="1">
+                                    <a:solidFill>
+                                      <a:schemeClr val="tx1"/>
+                                    </a:solidFill>
+                                    <a:latin typeface="Cambria Math" panose="02040503050406030204" pitchFamily="18" charset="0"/>
+                                    <a:ea typeface="CMU Sans Serif" panose="02000603000000000000" pitchFamily="2" charset="0"/>
+                                    <a:cs typeface="CMU Sans Serif" panose="02000603000000000000" pitchFamily="2" charset="0"/>
+                                  </a:rPr>
+                                  <m:t>𝑡</m:t>
+                                </m:r>
+                              </m:e>
+                            </m:d>
+                            <m:r>
+                              <a:rPr lang="en-US" sz="1200" i="1">
+                                <a:solidFill>
+                                  <a:schemeClr val="tx1"/>
+                                </a:solidFill>
+                                <a:latin typeface="Cambria Math" panose="02040503050406030204" pitchFamily="18" charset="0"/>
+                                <a:ea typeface="CMU Sans Serif" panose="02000603000000000000" pitchFamily="2" charset="0"/>
+                                <a:cs typeface="CMU Sans Serif" panose="02000603000000000000" pitchFamily="2" charset="0"/>
+                              </a:rPr>
+                              <m:t>−</m:t>
+                            </m:r>
+                            <m:acc>
+                              <m:accPr>
+                                <m:chr m:val="̃"/>
+                                <m:ctrlPr>
+                                  <a:rPr lang="en-US" sz="1200" i="1">
+                                    <a:solidFill>
+                                      <a:schemeClr val="tx1"/>
+                                    </a:solidFill>
+                                    <a:latin typeface="Cambria Math" panose="02040503050406030204" pitchFamily="18" charset="0"/>
+                                    <a:ea typeface="CMU Sans Serif" panose="02000603000000000000" pitchFamily="2" charset="0"/>
+                                    <a:cs typeface="CMU Sans Serif" panose="02000603000000000000" pitchFamily="2" charset="0"/>
+                                  </a:rPr>
+                                </m:ctrlPr>
+                              </m:accPr>
+                              <m:e>
+                                <m:r>
+                                  <a:rPr lang="en-US" sz="1200" i="1">
+                                    <a:solidFill>
+                                      <a:schemeClr val="tx1"/>
+                                    </a:solidFill>
+                                    <a:latin typeface="Cambria Math" panose="02040503050406030204" pitchFamily="18" charset="0"/>
+                                    <a:ea typeface="CMU Sans Serif" panose="02000603000000000000" pitchFamily="2" charset="0"/>
+                                    <a:cs typeface="CMU Sans Serif" panose="02000603000000000000" pitchFamily="2" charset="0"/>
+                                  </a:rPr>
+                                  <m:t>𝑥</m:t>
+                                </m:r>
+                              </m:e>
+                            </m:acc>
+                          </m:e>
+                        </m:d>
+                      </m:oMath>
+                    </m:oMathPara>
+                  </a14:m>
+                  <a:endParaRPr lang="en-US" sz="1050" i="1" dirty="0">
+                    <a:solidFill>
+                      <a:schemeClr val="tx1"/>
+                    </a:solidFill>
+                    <a:latin typeface="CMU Sans Serif" panose="02000603000000000000" pitchFamily="2" charset="0"/>
+                    <a:ea typeface="CMU Sans Serif" panose="02000603000000000000" pitchFamily="2" charset="0"/>
+                    <a:cs typeface="CMU Sans Serif" panose="02000603000000000000" pitchFamily="2" charset="0"/>
+                  </a:endParaRPr>
+                </a:p>
+              </p:txBody>
+            </p:sp>
+          </mc:Choice>
+          <mc:Fallback>
+            <p:sp>
+              <p:nvSpPr>
+                <p:cNvPr id="13" name="Rounded Rectangle 12"/>
+                <p:cNvSpPr>
+                  <a:spLocks noRot="1" noChangeAspect="1" noMove="1" noResize="1" noEditPoints="1" noAdjustHandles="1" noChangeArrowheads="1" noChangeShapeType="1" noTextEdit="1"/>
+                </p:cNvSpPr>
+                <p:nvPr/>
+              </p:nvSpPr>
+              <p:spPr>
+                <a:xfrm>
+                  <a:off x="4858270" y="2222140"/>
+                  <a:ext cx="2076334" cy="530865"/>
+                </a:xfrm>
+                <a:prstGeom prst="roundRect">
+                  <a:avLst>
+                    <a:gd name="adj" fmla="val 5847"/>
+                  </a:avLst>
+                </a:prstGeom>
+                <a:blipFill>
+                  <a:blip r:embed="rId11"/>
+                  <a:stretch>
+                    <a:fillRect/>
+                  </a:stretch>
+                </a:blipFill>
+                <a:ln w="6350">
+                  <a:noFill/>
+                  <a:prstDash val="sysDot"/>
+                </a:ln>
+              </p:spPr>
+              <p:txBody>
+                <a:bodyPr/>
+                <a:lstStyle/>
+                <a:p>
+                  <a:r>
+                    <a:rPr lang="en-US">
+                      <a:noFill/>
+                    </a:rPr>
+                    <a:t> </a:t>
+                  </a:r>
+                </a:p>
+              </p:txBody>
+            </p:sp>
+          </mc:Fallback>
+        </mc:AlternateContent>
+        <mc:AlternateContent xmlns:mc="http://schemas.openxmlformats.org/markup-compatibility/2006">
+          <mc:Choice xmlns:a14="http://schemas.microsoft.com/office/drawing/2010/main" Requires="a14">
+            <p:sp>
+              <p:nvSpPr>
+                <p:cNvPr id="14" name="Rounded Rectangle 13"/>
+                <p:cNvSpPr/>
+                <p:nvPr/>
+              </p:nvSpPr>
+              <p:spPr>
+                <a:xfrm>
+                  <a:off x="4884636" y="3094669"/>
+                  <a:ext cx="2076334" cy="530865"/>
+                </a:xfrm>
+                <a:prstGeom prst="roundRect">
+                  <a:avLst>
+                    <a:gd name="adj" fmla="val 5847"/>
+                  </a:avLst>
+                </a:prstGeom>
+                <a:noFill/>
+                <a:ln w="6350">
+                  <a:noFill/>
+                  <a:prstDash val="sysDot"/>
+                </a:ln>
+              </p:spPr>
+              <p:style>
+                <a:lnRef idx="2">
+                  <a:schemeClr val="accent1">
+                    <a:shade val="50000"/>
+                  </a:schemeClr>
+                </a:lnRef>
+                <a:fillRef idx="1">
+                  <a:schemeClr val="accent1"/>
+                </a:fillRef>
+                <a:effectRef idx="0">
+                  <a:schemeClr val="accent1"/>
+                </a:effectRef>
+                <a:fontRef idx="minor">
+                  <a:schemeClr val="lt1"/>
+                </a:fontRef>
+              </p:style>
+              <p:txBody>
+                <a:bodyPr lIns="0" tIns="0" rIns="0" bIns="0" rtlCol="0" anchor="ctr"/>
+                <a:lstStyle/>
+                <a:p>
+                  <a:pPr algn="ctr"/>
+                  <a14:m>
+                    <m:oMathPara xmlns:m="http://schemas.openxmlformats.org/officeDocument/2006/math">
+                      <m:oMathParaPr>
+                        <m:jc m:val="centerGroup"/>
+                      </m:oMathParaPr>
+                      <m:oMath xmlns:m="http://schemas.openxmlformats.org/officeDocument/2006/math">
+                        <m:d>
+                          <m:dPr>
+                            <m:begChr m:val="‖"/>
+                            <m:endChr m:val="‖"/>
+                            <m:ctrlPr>
+                              <a:rPr lang="en-US" sz="1200" b="0" i="1" smtClean="0">
+                                <a:solidFill>
+                                  <a:schemeClr val="tx1"/>
+                                </a:solidFill>
+                                <a:latin typeface="Cambria Math" panose="02040503050406030204" pitchFamily="18" charset="0"/>
+                                <a:ea typeface="CMU Sans Serif" panose="02000603000000000000" pitchFamily="2" charset="0"/>
+                                <a:cs typeface="CMU Sans Serif" panose="02000603000000000000" pitchFamily="2" charset="0"/>
+                              </a:rPr>
+                            </m:ctrlPr>
+                          </m:dPr>
+                          <m:e>
+                            <m:r>
+                              <a:rPr lang="en-US" sz="1200" b="0" i="1" smtClean="0">
+                                <a:solidFill>
+                                  <a:schemeClr val="tx1"/>
+                                </a:solidFill>
+                                <a:latin typeface="Cambria Math" panose="02040503050406030204" pitchFamily="18" charset="0"/>
+                                <a:ea typeface="CMU Sans Serif" panose="02000603000000000000" pitchFamily="2" charset="0"/>
+                                <a:cs typeface="CMU Sans Serif" panose="02000603000000000000" pitchFamily="2" charset="0"/>
+                              </a:rPr>
+                              <m:t>𝑓</m:t>
+                            </m:r>
+                            <m:d>
+                              <m:dPr>
+                                <m:ctrlPr>
+                                  <a:rPr lang="en-US" sz="1200" b="0" i="1" smtClean="0">
+                                    <a:solidFill>
+                                      <a:schemeClr val="tx1"/>
+                                    </a:solidFill>
+                                    <a:latin typeface="Cambria Math" panose="02040503050406030204" pitchFamily="18" charset="0"/>
+                                    <a:ea typeface="CMU Sans Serif" panose="02000603000000000000" pitchFamily="2" charset="0"/>
+                                    <a:cs typeface="CMU Sans Serif" panose="02000603000000000000" pitchFamily="2" charset="0"/>
+                                  </a:rPr>
+                                </m:ctrlPr>
+                              </m:dPr>
+                              <m:e>
+                                <m:sSub>
+                                  <m:sSubPr>
+                                    <m:ctrlPr>
+                                      <a:rPr lang="en-US" sz="1200" b="1" i="1" smtClean="0">
+                                        <a:solidFill>
+                                          <a:srgbClr val="C00000"/>
+                                        </a:solidFill>
+                                        <a:latin typeface="Cambria Math" panose="02040503050406030204" pitchFamily="18" charset="0"/>
+                                        <a:ea typeface="CMU Sans Serif" panose="02000603000000000000" pitchFamily="2" charset="0"/>
+                                        <a:cs typeface="CMU Sans Serif" panose="02000603000000000000" pitchFamily="2" charset="0"/>
+                                      </a:rPr>
+                                    </m:ctrlPr>
+                                  </m:sSubPr>
+                                  <m:e>
+                                    <m:r>
+                                      <a:rPr lang="en-US" sz="1200" b="1" i="1" smtClean="0">
+                                        <a:solidFill>
+                                          <a:srgbClr val="C00000"/>
+                                        </a:solidFill>
+                                        <a:latin typeface="Cambria Math" panose="02040503050406030204" pitchFamily="18" charset="0"/>
+                                        <a:ea typeface="CMU Sans Serif" panose="02000603000000000000" pitchFamily="2" charset="0"/>
+                                        <a:cs typeface="CMU Sans Serif" panose="02000603000000000000" pitchFamily="2" charset="0"/>
+                                      </a:rPr>
+                                      <m:t>𝜽</m:t>
+                                    </m:r>
+                                  </m:e>
+                                  <m:sub>
+                                    <m:r>
+                                      <a:rPr lang="en-US" sz="1200" b="1" i="1" smtClean="0">
+                                        <a:solidFill>
+                                          <a:srgbClr val="C00000"/>
+                                        </a:solidFill>
+                                        <a:latin typeface="Cambria Math" panose="02040503050406030204" pitchFamily="18" charset="0"/>
+                                        <a:ea typeface="CMU Sans Serif" panose="02000603000000000000" pitchFamily="2" charset="0"/>
+                                        <a:cs typeface="CMU Sans Serif" panose="02000603000000000000" pitchFamily="2" charset="0"/>
+                                      </a:rPr>
+                                      <m:t>𝑴</m:t>
+                                    </m:r>
+                                  </m:sub>
+                                </m:sSub>
+                                <m:r>
+                                  <a:rPr lang="en-US" sz="1200" b="1" i="1" smtClean="0">
+                                    <a:solidFill>
+                                      <a:schemeClr val="tx1"/>
+                                    </a:solidFill>
+                                    <a:latin typeface="Cambria Math" panose="02040503050406030204" pitchFamily="18" charset="0"/>
+                                    <a:ea typeface="CMU Sans Serif" panose="02000603000000000000" pitchFamily="2" charset="0"/>
+                                    <a:cs typeface="CMU Sans Serif" panose="02000603000000000000" pitchFamily="2" charset="0"/>
+                                  </a:rPr>
+                                  <m:t>,</m:t>
+                                </m:r>
+                                <m:r>
+                                  <a:rPr lang="en-US" sz="1200" b="0" i="1" smtClean="0">
+                                    <a:solidFill>
+                                      <a:schemeClr val="tx1"/>
+                                    </a:solidFill>
+                                    <a:latin typeface="Cambria Math" panose="02040503050406030204" pitchFamily="18" charset="0"/>
+                                    <a:ea typeface="CMU Sans Serif" panose="02000603000000000000" pitchFamily="2" charset="0"/>
+                                    <a:cs typeface="CMU Sans Serif" panose="02000603000000000000" pitchFamily="2" charset="0"/>
+                                  </a:rPr>
+                                  <m:t>𝑥</m:t>
+                                </m:r>
+                                <m:d>
+                                  <m:dPr>
+                                    <m:ctrlPr>
+                                      <a:rPr lang="en-US" sz="1200" b="0" i="1" smtClean="0">
+                                        <a:solidFill>
+                                          <a:schemeClr val="tx1"/>
+                                        </a:solidFill>
+                                        <a:latin typeface="Cambria Math" panose="02040503050406030204" pitchFamily="18" charset="0"/>
+                                        <a:ea typeface="CMU Sans Serif" panose="02000603000000000000" pitchFamily="2" charset="0"/>
+                                        <a:cs typeface="CMU Sans Serif" panose="02000603000000000000" pitchFamily="2" charset="0"/>
+                                      </a:rPr>
+                                    </m:ctrlPr>
+                                  </m:dPr>
+                                  <m:e>
+                                    <m:sSub>
+                                      <m:sSubPr>
+                                        <m:ctrlPr>
+                                          <a:rPr lang="en-US" sz="1200" b="1" i="1" smtClean="0">
+                                            <a:solidFill>
+                                              <a:schemeClr val="accent5"/>
+                                            </a:solidFill>
+                                            <a:latin typeface="Cambria Math" panose="02040503050406030204" pitchFamily="18" charset="0"/>
+                                            <a:ea typeface="CMU Sans Serif" panose="02000603000000000000" pitchFamily="2" charset="0"/>
+                                            <a:cs typeface="CMU Sans Serif" panose="02000603000000000000" pitchFamily="2" charset="0"/>
+                                          </a:rPr>
+                                        </m:ctrlPr>
+                                      </m:sSubPr>
+                                      <m:e>
+                                        <m:r>
+                                          <a:rPr lang="en-US" sz="1200" b="1" i="1" smtClean="0">
+                                            <a:solidFill>
+                                              <a:schemeClr val="accent5"/>
+                                            </a:solidFill>
+                                            <a:latin typeface="Cambria Math" panose="02040503050406030204" pitchFamily="18" charset="0"/>
+                                            <a:ea typeface="CMU Sans Serif" panose="02000603000000000000" pitchFamily="2" charset="0"/>
+                                            <a:cs typeface="CMU Sans Serif" panose="02000603000000000000" pitchFamily="2" charset="0"/>
+                                          </a:rPr>
+                                          <m:t>𝜽</m:t>
+                                        </m:r>
+                                      </m:e>
+                                      <m:sub>
+                                        <m:r>
+                                          <a:rPr lang="en-US" sz="1200" b="1" i="1" smtClean="0">
+                                            <a:solidFill>
+                                              <a:schemeClr val="accent5"/>
+                                            </a:solidFill>
+                                            <a:latin typeface="Cambria Math" panose="02040503050406030204" pitchFamily="18" charset="0"/>
+                                            <a:ea typeface="CMU Sans Serif" panose="02000603000000000000" pitchFamily="2" charset="0"/>
+                                            <a:cs typeface="CMU Sans Serif" panose="02000603000000000000" pitchFamily="2" charset="0"/>
+                                          </a:rPr>
+                                          <m:t>𝑵𝑵</m:t>
+                                        </m:r>
+                                      </m:sub>
+                                    </m:sSub>
+                                    <m:r>
+                                      <a:rPr lang="en-US" sz="1200" b="0" i="1" smtClean="0">
+                                        <a:solidFill>
+                                          <a:schemeClr val="tx1"/>
+                                        </a:solidFill>
+                                        <a:latin typeface="Cambria Math" panose="02040503050406030204" pitchFamily="18" charset="0"/>
+                                        <a:ea typeface="CMU Sans Serif" panose="02000603000000000000" pitchFamily="2" charset="0"/>
+                                        <a:cs typeface="CMU Sans Serif" panose="02000603000000000000" pitchFamily="2" charset="0"/>
+                                      </a:rPr>
+                                      <m:t>,</m:t>
+                                    </m:r>
+                                    <m:r>
+                                      <a:rPr lang="en-US" sz="1200" b="0" i="1" smtClean="0">
+                                        <a:solidFill>
+                                          <a:schemeClr val="tx1"/>
+                                        </a:solidFill>
+                                        <a:latin typeface="Cambria Math" panose="02040503050406030204" pitchFamily="18" charset="0"/>
+                                        <a:ea typeface="CMU Sans Serif" panose="02000603000000000000" pitchFamily="2" charset="0"/>
+                                        <a:cs typeface="CMU Sans Serif" panose="02000603000000000000" pitchFamily="2" charset="0"/>
+                                      </a:rPr>
+                                      <m:t>𝑡</m:t>
+                                    </m:r>
+                                  </m:e>
+                                </m:d>
+                              </m:e>
+                            </m:d>
+                            <m:r>
+                              <a:rPr lang="en-US" sz="1200" b="0" i="1" smtClean="0">
+                                <a:solidFill>
+                                  <a:schemeClr val="tx1"/>
+                                </a:solidFill>
+                                <a:latin typeface="Cambria Math" panose="02040503050406030204" pitchFamily="18" charset="0"/>
+                                <a:ea typeface="CMU Sans Serif" panose="02000603000000000000" pitchFamily="2" charset="0"/>
+                                <a:cs typeface="CMU Sans Serif" panose="02000603000000000000" pitchFamily="2" charset="0"/>
+                              </a:rPr>
+                              <m:t>−</m:t>
+                            </m:r>
+                            <m:acc>
+                              <m:accPr>
+                                <m:chr m:val="̇"/>
+                                <m:ctrlPr>
+                                  <a:rPr lang="en-US" sz="1200" b="0" i="1" smtClean="0">
+                                    <a:solidFill>
+                                      <a:schemeClr val="tx1"/>
+                                    </a:solidFill>
+                                    <a:latin typeface="Cambria Math" panose="02040503050406030204" pitchFamily="18" charset="0"/>
+                                    <a:ea typeface="CMU Sans Serif" panose="02000603000000000000" pitchFamily="2" charset="0"/>
+                                    <a:cs typeface="CMU Sans Serif" panose="02000603000000000000" pitchFamily="2" charset="0"/>
+                                  </a:rPr>
+                                </m:ctrlPr>
+                              </m:accPr>
+                              <m:e>
+                                <m:r>
+                                  <a:rPr lang="en-US" sz="1200" b="0" i="1" smtClean="0">
+                                    <a:solidFill>
+                                      <a:schemeClr val="tx1"/>
+                                    </a:solidFill>
+                                    <a:latin typeface="Cambria Math" panose="02040503050406030204" pitchFamily="18" charset="0"/>
+                                    <a:ea typeface="CMU Sans Serif" panose="02000603000000000000" pitchFamily="2" charset="0"/>
+                                    <a:cs typeface="CMU Sans Serif" panose="02000603000000000000" pitchFamily="2" charset="0"/>
+                                  </a:rPr>
+                                  <m:t>𝑥</m:t>
+                                </m:r>
+                              </m:e>
+                            </m:acc>
+                            <m:d>
+                              <m:dPr>
+                                <m:ctrlPr>
+                                  <a:rPr lang="en-US" sz="1200" b="0" i="1" smtClean="0">
+                                    <a:solidFill>
+                                      <a:schemeClr val="tx1"/>
+                                    </a:solidFill>
+                                    <a:latin typeface="Cambria Math" panose="02040503050406030204" pitchFamily="18" charset="0"/>
+                                    <a:ea typeface="CMU Sans Serif" panose="02000603000000000000" pitchFamily="2" charset="0"/>
+                                    <a:cs typeface="CMU Sans Serif" panose="02000603000000000000" pitchFamily="2" charset="0"/>
+                                  </a:rPr>
+                                </m:ctrlPr>
+                              </m:dPr>
+                              <m:e>
+                                <m:sSub>
+                                  <m:sSubPr>
+                                    <m:ctrlPr>
+                                      <a:rPr lang="en-US" sz="1200" b="1" i="1" smtClean="0">
+                                        <a:solidFill>
+                                          <a:schemeClr val="accent5"/>
+                                        </a:solidFill>
+                                        <a:latin typeface="Cambria Math" panose="02040503050406030204" pitchFamily="18" charset="0"/>
+                                        <a:ea typeface="CMU Sans Serif" panose="02000603000000000000" pitchFamily="2" charset="0"/>
+                                        <a:cs typeface="CMU Sans Serif" panose="02000603000000000000" pitchFamily="2" charset="0"/>
+                                      </a:rPr>
+                                    </m:ctrlPr>
+                                  </m:sSubPr>
+                                  <m:e>
+                                    <m:r>
+                                      <a:rPr lang="en-US" sz="1200" b="1" i="1" smtClean="0">
+                                        <a:solidFill>
+                                          <a:schemeClr val="accent5"/>
+                                        </a:solidFill>
+                                        <a:latin typeface="Cambria Math" panose="02040503050406030204" pitchFamily="18" charset="0"/>
+                                        <a:ea typeface="CMU Sans Serif" panose="02000603000000000000" pitchFamily="2" charset="0"/>
+                                        <a:cs typeface="CMU Sans Serif" panose="02000603000000000000" pitchFamily="2" charset="0"/>
+                                      </a:rPr>
+                                      <m:t>𝜽</m:t>
+                                    </m:r>
+                                  </m:e>
+                                  <m:sub>
+                                    <m:r>
+                                      <a:rPr lang="en-US" sz="1200" b="1" i="1" smtClean="0">
+                                        <a:solidFill>
+                                          <a:schemeClr val="accent5"/>
+                                        </a:solidFill>
+                                        <a:latin typeface="Cambria Math" panose="02040503050406030204" pitchFamily="18" charset="0"/>
+                                        <a:ea typeface="CMU Sans Serif" panose="02000603000000000000" pitchFamily="2" charset="0"/>
+                                        <a:cs typeface="CMU Sans Serif" panose="02000603000000000000" pitchFamily="2" charset="0"/>
+                                      </a:rPr>
+                                      <m:t>𝑵𝑵</m:t>
+                                    </m:r>
+                                  </m:sub>
+                                </m:sSub>
+                                <m:r>
+                                  <a:rPr lang="en-US" sz="1200" b="0" i="1" smtClean="0">
+                                    <a:solidFill>
+                                      <a:schemeClr val="tx1"/>
+                                    </a:solidFill>
+                                    <a:latin typeface="Cambria Math" panose="02040503050406030204" pitchFamily="18" charset="0"/>
+                                    <a:ea typeface="CMU Sans Serif" panose="02000603000000000000" pitchFamily="2" charset="0"/>
+                                    <a:cs typeface="CMU Sans Serif" panose="02000603000000000000" pitchFamily="2" charset="0"/>
+                                  </a:rPr>
+                                  <m:t>,</m:t>
+                                </m:r>
+                                <m:r>
+                                  <a:rPr lang="en-US" sz="1200" b="0" i="1" smtClean="0">
+                                    <a:solidFill>
+                                      <a:schemeClr val="tx1"/>
+                                    </a:solidFill>
+                                    <a:latin typeface="Cambria Math" panose="02040503050406030204" pitchFamily="18" charset="0"/>
+                                    <a:ea typeface="CMU Sans Serif" panose="02000603000000000000" pitchFamily="2" charset="0"/>
+                                    <a:cs typeface="CMU Sans Serif" panose="02000603000000000000" pitchFamily="2" charset="0"/>
+                                  </a:rPr>
+                                  <m:t>𝑡</m:t>
+                                </m:r>
+                              </m:e>
+                            </m:d>
+                          </m:e>
+                        </m:d>
+                      </m:oMath>
+                    </m:oMathPara>
+                  </a14:m>
+                  <a:endParaRPr lang="en-US" sz="1050" i="1" dirty="0">
+                    <a:solidFill>
+                      <a:schemeClr val="tx1"/>
+                    </a:solidFill>
+                    <a:latin typeface="CMU Sans Serif" panose="02000603000000000000" pitchFamily="2" charset="0"/>
+                    <a:ea typeface="CMU Sans Serif" panose="02000603000000000000" pitchFamily="2" charset="0"/>
+                    <a:cs typeface="CMU Sans Serif" panose="02000603000000000000" pitchFamily="2" charset="0"/>
+                  </a:endParaRPr>
+                </a:p>
+              </p:txBody>
+            </p:sp>
+          </mc:Choice>
+          <mc:Fallback>
+            <p:sp>
+              <p:nvSpPr>
+                <p:cNvPr id="14" name="Rounded Rectangle 13"/>
+                <p:cNvSpPr>
+                  <a:spLocks noRot="1" noChangeAspect="1" noMove="1" noResize="1" noEditPoints="1" noAdjustHandles="1" noChangeArrowheads="1" noChangeShapeType="1" noTextEdit="1"/>
+                </p:cNvSpPr>
+                <p:nvPr/>
+              </p:nvSpPr>
+              <p:spPr>
+                <a:xfrm>
+                  <a:off x="4884636" y="3094669"/>
+                  <a:ext cx="2076334" cy="530865"/>
+                </a:xfrm>
+                <a:prstGeom prst="roundRect">
+                  <a:avLst>
+                    <a:gd name="adj" fmla="val 5847"/>
+                  </a:avLst>
+                </a:prstGeom>
+                <a:blipFill>
+                  <a:blip r:embed="rId12"/>
+                  <a:stretch>
+                    <a:fillRect/>
+                  </a:stretch>
+                </a:blipFill>
+                <a:ln w="6350">
+                  <a:noFill/>
+                  <a:prstDash val="sysDot"/>
+                </a:ln>
+              </p:spPr>
+              <p:txBody>
+                <a:bodyPr/>
+                <a:lstStyle/>
+                <a:p>
+                  <a:r>
+                    <a:rPr lang="en-US">
+                      <a:noFill/>
+                    </a:rPr>
+                    <a:t> </a:t>
+                  </a:r>
+                </a:p>
+              </p:txBody>
+            </p:sp>
+          </mc:Fallback>
+        </mc:AlternateContent>
+        <mc:AlternateContent xmlns:mc="http://schemas.openxmlformats.org/markup-compatibility/2006">
+          <mc:Choice xmlns:a14="http://schemas.microsoft.com/office/drawing/2010/main" Requires="a14">
+            <p:sp>
+              <p:nvSpPr>
+                <p:cNvPr id="16" name="Rounded Rectangle 15"/>
+                <p:cNvSpPr/>
+                <p:nvPr/>
+              </p:nvSpPr>
+              <p:spPr>
+                <a:xfrm>
+                  <a:off x="4858270" y="1352366"/>
+                  <a:ext cx="2076334" cy="530865"/>
+                </a:xfrm>
+                <a:prstGeom prst="roundRect">
+                  <a:avLst>
+                    <a:gd name="adj" fmla="val 5847"/>
+                  </a:avLst>
+                </a:prstGeom>
+                <a:noFill/>
+                <a:ln w="6350">
+                  <a:noFill/>
+                  <a:prstDash val="sysDot"/>
+                </a:ln>
+              </p:spPr>
+              <p:style>
+                <a:lnRef idx="2">
+                  <a:schemeClr val="accent1">
+                    <a:shade val="50000"/>
+                  </a:schemeClr>
+                </a:lnRef>
+                <a:fillRef idx="1">
+                  <a:schemeClr val="accent1"/>
+                </a:fillRef>
+                <a:effectRef idx="0">
+                  <a:schemeClr val="accent1"/>
+                </a:effectRef>
+                <a:fontRef idx="minor">
+                  <a:schemeClr val="lt1"/>
+                </a:fontRef>
+              </p:style>
+              <p:txBody>
+                <a:bodyPr lIns="0" tIns="0" rIns="0" bIns="0" rtlCol="0" anchor="ctr"/>
+                <a:lstStyle/>
+                <a:p>
+                  <a:pPr algn="ctr"/>
+                  <a14:m>
+                    <m:oMathPara xmlns:m="http://schemas.openxmlformats.org/officeDocument/2006/math">
+                      <m:oMathParaPr>
+                        <m:jc m:val="centerGroup"/>
+                      </m:oMathParaPr>
+                      <m:oMath xmlns:m="http://schemas.openxmlformats.org/officeDocument/2006/math">
+                        <m:acc>
+                          <m:accPr>
+                            <m:chr m:val="̃"/>
+                            <m:ctrlPr>
+                              <a:rPr lang="en-US" sz="1200" i="1" smtClean="0">
+                                <a:solidFill>
+                                  <a:schemeClr val="tx1"/>
+                                </a:solidFill>
+                                <a:latin typeface="Cambria Math" panose="02040503050406030204" pitchFamily="18" charset="0"/>
+                                <a:ea typeface="CMU Sans Serif" panose="02000603000000000000" pitchFamily="2" charset="0"/>
+                                <a:cs typeface="CMU Sans Serif" panose="02000603000000000000" pitchFamily="2" charset="0"/>
+                              </a:rPr>
+                            </m:ctrlPr>
+                          </m:accPr>
+                          <m:e>
+                            <m:r>
+                              <a:rPr lang="en-US" sz="1200" i="1" smtClean="0">
+                                <a:solidFill>
+                                  <a:schemeClr val="tx1"/>
+                                </a:solidFill>
+                                <a:latin typeface="Cambria Math" panose="02040503050406030204" pitchFamily="18" charset="0"/>
+                                <a:ea typeface="CMU Sans Serif" panose="02000603000000000000" pitchFamily="2" charset="0"/>
+                                <a:cs typeface="CMU Sans Serif" panose="02000603000000000000" pitchFamily="2" charset="0"/>
+                              </a:rPr>
+                              <m:t>𝑥</m:t>
+                            </m:r>
+                          </m:e>
+                        </m:acc>
+                      </m:oMath>
+                    </m:oMathPara>
+                  </a14:m>
+                  <a:endParaRPr lang="en-US" sz="1100" i="1" dirty="0">
+                    <a:solidFill>
+                      <a:schemeClr val="tx1"/>
+                    </a:solidFill>
+                    <a:latin typeface="CMU Sans Serif" panose="02000603000000000000" pitchFamily="2" charset="0"/>
+                    <a:ea typeface="CMU Sans Serif" panose="02000603000000000000" pitchFamily="2" charset="0"/>
+                    <a:cs typeface="CMU Sans Serif" panose="02000603000000000000" pitchFamily="2" charset="0"/>
+                  </a:endParaRPr>
+                </a:p>
+              </p:txBody>
+            </p:sp>
+          </mc:Choice>
+          <mc:Fallback>
+            <p:sp>
+              <p:nvSpPr>
+                <p:cNvPr id="16" name="Rounded Rectangle 15"/>
+                <p:cNvSpPr>
+                  <a:spLocks noRot="1" noChangeAspect="1" noMove="1" noResize="1" noEditPoints="1" noAdjustHandles="1" noChangeArrowheads="1" noChangeShapeType="1" noTextEdit="1"/>
+                </p:cNvSpPr>
+                <p:nvPr/>
+              </p:nvSpPr>
+              <p:spPr>
+                <a:xfrm>
+                  <a:off x="4858270" y="1352366"/>
+                  <a:ext cx="2076334" cy="530865"/>
+                </a:xfrm>
+                <a:prstGeom prst="roundRect">
+                  <a:avLst>
+                    <a:gd name="adj" fmla="val 5847"/>
+                  </a:avLst>
+                </a:prstGeom>
+                <a:blipFill>
+                  <a:blip r:embed="rId13"/>
+                  <a:stretch>
+                    <a:fillRect/>
+                  </a:stretch>
+                </a:blipFill>
+                <a:ln w="6350">
+                  <a:noFill/>
+                  <a:prstDash val="sysDot"/>
+                </a:ln>
+              </p:spPr>
+              <p:txBody>
+                <a:bodyPr/>
+                <a:lstStyle/>
+                <a:p>
+                  <a:r>
+                    <a:rPr lang="en-US">
+                      <a:noFill/>
+                    </a:rPr>
+                    <a:t> </a:t>
+                  </a:r>
+                </a:p>
+              </p:txBody>
+            </p:sp>
+          </mc:Fallback>
+        </mc:AlternateContent>
+        <p:cxnSp>
+          <p:nvCxnSpPr>
+            <p:cNvPr id="18" name="Curved Connector 17"/>
+            <p:cNvCxnSpPr>
+              <a:stCxn id="10" idx="3"/>
+            </p:cNvCxnSpPr>
+            <p:nvPr/>
+          </p:nvCxnSpPr>
+          <p:spPr>
+            <a:xfrm flipV="1">
+              <a:off x="4867675" y="1616421"/>
+              <a:ext cx="603374" cy="1377"/>
+            </a:xfrm>
+            <a:prstGeom prst="curvedConnector3">
+              <a:avLst/>
+            </a:prstGeom>
+            <a:ln>
+              <a:solidFill>
+                <a:schemeClr val="tx1"/>
+              </a:solidFill>
+              <a:prstDash val="sysDot"/>
+              <a:tailEnd type="triangle"/>
+            </a:ln>
+          </p:spPr>
+          <p:style>
+            <a:lnRef idx="1">
+              <a:schemeClr val="accent1"/>
+            </a:lnRef>
+            <a:fillRef idx="0">
+              <a:schemeClr val="accent1"/>
+            </a:fillRef>
+            <a:effectRef idx="0">
+              <a:schemeClr val="accent1"/>
+            </a:effectRef>
+            <a:fontRef idx="minor">
+              <a:schemeClr val="tx1"/>
+            </a:fontRef>
+          </p:style>
+        </p:cxnSp>
+        <p:cxnSp>
+          <p:nvCxnSpPr>
+            <p:cNvPr id="25" name="Straight Connector 24"/>
+            <p:cNvCxnSpPr>
+              <a:stCxn id="12" idx="0"/>
+              <a:endCxn id="8" idx="1"/>
+            </p:cNvCxnSpPr>
+            <p:nvPr/>
+          </p:nvCxnSpPr>
+          <p:spPr>
+            <a:xfrm>
+              <a:off x="3385122" y="2488950"/>
+              <a:ext cx="268880" cy="0"/>
+            </a:xfrm>
+            <a:prstGeom prst="line">
+              <a:avLst/>
+            </a:prstGeom>
+            <a:ln>
+              <a:solidFill>
+                <a:schemeClr val="tx1"/>
+              </a:solidFill>
+            </a:ln>
+          </p:spPr>
+          <p:style>
+            <a:lnRef idx="1">
+              <a:schemeClr val="accent1"/>
+            </a:lnRef>
+            <a:fillRef idx="0">
+              <a:schemeClr val="accent1"/>
+            </a:fillRef>
+            <a:effectRef idx="0">
+              <a:schemeClr val="accent1"/>
+            </a:effectRef>
+            <a:fontRef idx="minor">
+              <a:schemeClr val="tx1"/>
+            </a:fontRef>
+          </p:style>
+        </p:cxnSp>
+        <p:cxnSp>
+          <p:nvCxnSpPr>
+            <p:cNvPr id="30" name="Straight Connector 29"/>
+            <p:cNvCxnSpPr>
+              <a:stCxn id="8" idx="3"/>
+            </p:cNvCxnSpPr>
+            <p:nvPr/>
+          </p:nvCxnSpPr>
+          <p:spPr>
+            <a:xfrm>
+              <a:off x="4700923" y="2488950"/>
+              <a:ext cx="565843" cy="0"/>
+            </a:xfrm>
+            <a:prstGeom prst="line">
+              <a:avLst/>
+            </a:prstGeom>
+            <a:ln>
+              <a:tailEnd type="triangle"/>
+            </a:ln>
+          </p:spPr>
+          <p:style>
+            <a:lnRef idx="1">
+              <a:schemeClr val="dk1"/>
+            </a:lnRef>
+            <a:fillRef idx="0">
+              <a:schemeClr val="dk1"/>
+            </a:fillRef>
+            <a:effectRef idx="0">
+              <a:schemeClr val="dk1"/>
+            </a:effectRef>
+            <a:fontRef idx="minor">
+              <a:schemeClr val="tx1"/>
+            </a:fontRef>
+          </p:style>
+        </p:cxnSp>
+        <p:sp>
+          <p:nvSpPr>
+            <p:cNvPr id="32" name="Rectangle 31"/>
+            <p:cNvSpPr/>
+            <p:nvPr/>
+          </p:nvSpPr>
+          <p:spPr>
+            <a:xfrm>
+              <a:off x="5219882" y="3501205"/>
+              <a:ext cx="1422133" cy="261610"/>
+            </a:xfrm>
+            <a:prstGeom prst="rect">
+              <a:avLst/>
+            </a:prstGeom>
+          </p:spPr>
+          <p:txBody>
+            <a:bodyPr wrap="none" lIns="0" rIns="0">
+              <a:spAutoFit/>
+            </a:bodyPr>
+            <a:lstStyle/>
+            <a:p>
+              <a:r>
+                <a:rPr lang="en-US" sz="1100" dirty="0" smtClean="0">
+                  <a:latin typeface="CMU Sans Serif" panose="02000603000000000000" pitchFamily="2" charset="0"/>
+                  <a:ea typeface="CMU Sans Serif" panose="02000603000000000000" pitchFamily="2" charset="0"/>
+                  <a:cs typeface="CMU Sans Serif" panose="02000603000000000000" pitchFamily="2" charset="0"/>
+                </a:rPr>
+                <a:t>ODE Objective Function</a:t>
+              </a:r>
+            </a:p>
+          </p:txBody>
+        </p:sp>
+        <p:sp>
+          <p:nvSpPr>
+            <p:cNvPr id="33" name="Rectangle 32"/>
+            <p:cNvSpPr/>
+            <p:nvPr/>
+          </p:nvSpPr>
+          <p:spPr>
+            <a:xfrm>
+              <a:off x="5219134" y="2631431"/>
+              <a:ext cx="1423704" cy="261610"/>
+            </a:xfrm>
+            <a:prstGeom prst="rect">
+              <a:avLst/>
+            </a:prstGeom>
+          </p:spPr>
+          <p:txBody>
+            <a:bodyPr wrap="none" lIns="0" rIns="0">
+              <a:spAutoFit/>
+            </a:bodyPr>
+            <a:lstStyle/>
+            <a:p>
+              <a:r>
+                <a:rPr lang="en-US" sz="1100" dirty="0" smtClean="0">
+                  <a:latin typeface="CMU Sans Serif" panose="02000603000000000000" pitchFamily="2" charset="0"/>
+                  <a:ea typeface="CMU Sans Serif" panose="02000603000000000000" pitchFamily="2" charset="0"/>
+                  <a:cs typeface="CMU Sans Serif" panose="02000603000000000000" pitchFamily="2" charset="0"/>
+                </a:rPr>
+                <a:t>ANN Objective Function</a:t>
+              </a:r>
+              <a:endParaRPr lang="en-US" sz="1100" dirty="0">
+                <a:latin typeface="CMU Sans Serif" panose="02000603000000000000" pitchFamily="2" charset="0"/>
+                <a:ea typeface="CMU Sans Serif" panose="02000603000000000000" pitchFamily="2" charset="0"/>
+                <a:cs typeface="CMU Sans Serif" panose="02000603000000000000" pitchFamily="2" charset="0"/>
+              </a:endParaRPr>
+            </a:p>
+          </p:txBody>
+        </p:sp>
+        <p:sp>
+          <p:nvSpPr>
+            <p:cNvPr id="34" name="Rectangle 33"/>
+            <p:cNvSpPr/>
+            <p:nvPr/>
+          </p:nvSpPr>
+          <p:spPr>
+            <a:xfrm>
+              <a:off x="5761873" y="1712516"/>
+              <a:ext cx="282855" cy="261610"/>
+            </a:xfrm>
+            <a:prstGeom prst="rect">
+              <a:avLst/>
+            </a:prstGeom>
+          </p:spPr>
+          <p:txBody>
+            <a:bodyPr wrap="none" lIns="0" rIns="0">
+              <a:spAutoFit/>
+            </a:bodyPr>
+            <a:lstStyle/>
+            <a:p>
+              <a:r>
+                <a:rPr lang="en-US" sz="1100" dirty="0" smtClean="0">
+                  <a:latin typeface="CMU Sans Serif" panose="02000603000000000000" pitchFamily="2" charset="0"/>
+                  <a:ea typeface="CMU Sans Serif" panose="02000603000000000000" pitchFamily="2" charset="0"/>
+                  <a:cs typeface="CMU Sans Serif" panose="02000603000000000000" pitchFamily="2" charset="0"/>
+                </a:rPr>
+                <a:t>Data</a:t>
+              </a:r>
+              <a:endParaRPr lang="en-US" sz="1100" dirty="0">
+                <a:latin typeface="CMU Sans Serif" panose="02000603000000000000" pitchFamily="2" charset="0"/>
+                <a:ea typeface="CMU Sans Serif" panose="02000603000000000000" pitchFamily="2" charset="0"/>
+                <a:cs typeface="CMU Sans Serif" panose="02000603000000000000" pitchFamily="2" charset="0"/>
+              </a:endParaRPr>
+            </a:p>
+          </p:txBody>
+        </p:sp>
+        <p:cxnSp>
+          <p:nvCxnSpPr>
+            <p:cNvPr id="36" name="Curved Connector 35"/>
+            <p:cNvCxnSpPr>
+              <a:stCxn id="5" idx="3"/>
+              <a:endCxn id="10" idx="1"/>
+            </p:cNvCxnSpPr>
+            <p:nvPr/>
+          </p:nvCxnSpPr>
+          <p:spPr>
+            <a:xfrm>
+              <a:off x="3283007" y="1616421"/>
+              <a:ext cx="352157" cy="1377"/>
+            </a:xfrm>
+            <a:prstGeom prst="curvedConnector3">
+              <a:avLst/>
+            </a:prstGeom>
+            <a:ln>
+              <a:solidFill>
+                <a:schemeClr val="tx1"/>
+              </a:solidFill>
+              <a:prstDash val="sysDot"/>
+              <a:tailEnd type="triangle"/>
+            </a:ln>
+          </p:spPr>
+          <p:style>
+            <a:lnRef idx="1">
+              <a:schemeClr val="accent1"/>
+            </a:lnRef>
+            <a:fillRef idx="0">
+              <a:schemeClr val="accent1"/>
+            </a:fillRef>
+            <a:effectRef idx="0">
+              <a:schemeClr val="accent1"/>
+            </a:effectRef>
+            <a:fontRef idx="minor">
+              <a:schemeClr val="tx1"/>
+            </a:fontRef>
+          </p:style>
+        </p:cxnSp>
+        <p:sp>
+          <p:nvSpPr>
+            <p:cNvPr id="40" name="Rounded Rectangle 39"/>
+            <p:cNvSpPr/>
+            <p:nvPr/>
+          </p:nvSpPr>
+          <p:spPr>
+            <a:xfrm>
+              <a:off x="3359667" y="3778263"/>
+              <a:ext cx="2497939" cy="583952"/>
+            </a:xfrm>
+            <a:prstGeom prst="roundRect">
+              <a:avLst>
+                <a:gd name="adj" fmla="val 5847"/>
+              </a:avLst>
+            </a:prstGeom>
+            <a:noFill/>
+            <a:ln w="6350">
+              <a:noFill/>
+              <a:prstDash val="sysDot"/>
+            </a:ln>
+          </p:spPr>
+          <p:style>
+            <a:lnRef idx="2">
+              <a:schemeClr val="accent1">
+                <a:shade val="50000"/>
+              </a:schemeClr>
+            </a:lnRef>
+            <a:fillRef idx="1">
+              <a:schemeClr val="accent1"/>
+            </a:fillRef>
+            <a:effectRef idx="0">
+              <a:schemeClr val="accent1"/>
+            </a:effectRef>
+            <a:fontRef idx="minor">
+              <a:schemeClr val="lt1"/>
+            </a:fontRef>
+          </p:style>
+          <p:txBody>
+            <a:bodyPr lIns="0" tIns="0" rIns="0" bIns="0" rtlCol="0" anchor="ctr"/>
+            <a:lstStyle/>
+            <a:p>
+              <a:pPr algn="ctr"/>
+              <a:endParaRPr lang="en-US" sz="1200" i="1" dirty="0">
+                <a:solidFill>
+                  <a:schemeClr val="tx1"/>
+                </a:solidFill>
+                <a:latin typeface="CMU Sans Serif" panose="02000603000000000000" pitchFamily="2" charset="0"/>
+                <a:ea typeface="CMU Sans Serif" panose="02000603000000000000" pitchFamily="2" charset="0"/>
+                <a:cs typeface="CMU Sans Serif" panose="02000603000000000000" pitchFamily="2" charset="0"/>
+              </a:endParaRPr>
+            </a:p>
+          </p:txBody>
+        </p:sp>
+        <p:sp>
+          <p:nvSpPr>
+            <p:cNvPr id="43" name="Hexagon 42"/>
+            <p:cNvSpPr/>
+            <p:nvPr/>
+          </p:nvSpPr>
+          <p:spPr>
+            <a:xfrm>
+              <a:off x="2133490" y="3896353"/>
+              <a:ext cx="1210116" cy="530352"/>
+            </a:xfrm>
+            <a:prstGeom prst="hexagon">
+              <a:avLst/>
+            </a:prstGeom>
+            <a:solidFill>
+              <a:schemeClr val="tx1">
+                <a:lumMod val="65000"/>
+                <a:lumOff val="35000"/>
+              </a:schemeClr>
+            </a:solidFill>
+            <a:ln w="9525">
+              <a:noFill/>
+              <a:prstDash val="sysDash"/>
+            </a:ln>
+          </p:spPr>
+          <p:style>
+            <a:lnRef idx="2">
+              <a:schemeClr val="accent1">
+                <a:shade val="50000"/>
+              </a:schemeClr>
+            </a:lnRef>
+            <a:fillRef idx="1">
+              <a:schemeClr val="accent1"/>
+            </a:fillRef>
+            <a:effectRef idx="0">
+              <a:schemeClr val="accent1"/>
+            </a:effectRef>
+            <a:fontRef idx="minor">
+              <a:schemeClr val="lt1"/>
+            </a:fontRef>
+          </p:style>
+          <p:txBody>
+            <a:bodyPr lIns="0" rIns="0" rtlCol="0" anchor="ctr"/>
+            <a:lstStyle/>
+            <a:p>
+              <a:pPr algn="ctr"/>
+              <a:r>
+                <a:rPr lang="en-US" sz="1200" dirty="0" smtClean="0">
+                  <a:solidFill>
+                    <a:schemeClr val="bg1"/>
+                  </a:solidFill>
+                  <a:latin typeface="CMU Sans Serif" panose="02000603000000000000" pitchFamily="2" charset="0"/>
+                  <a:ea typeface="CMU Sans Serif" panose="02000603000000000000" pitchFamily="2" charset="0"/>
+                  <a:cs typeface="CMU Sans Serif" panose="02000603000000000000" pitchFamily="2" charset="0"/>
+                </a:rPr>
+                <a:t>Automatic</a:t>
+              </a:r>
+              <a:br>
+                <a:rPr lang="en-US" sz="1200" dirty="0" smtClean="0">
+                  <a:solidFill>
+                    <a:schemeClr val="bg1"/>
+                  </a:solidFill>
+                  <a:latin typeface="CMU Sans Serif" panose="02000603000000000000" pitchFamily="2" charset="0"/>
+                  <a:ea typeface="CMU Sans Serif" panose="02000603000000000000" pitchFamily="2" charset="0"/>
+                  <a:cs typeface="CMU Sans Serif" panose="02000603000000000000" pitchFamily="2" charset="0"/>
+                </a:rPr>
+              </a:br>
+              <a:r>
+                <a:rPr lang="en-US" sz="1200" dirty="0" smtClean="0">
+                  <a:solidFill>
+                    <a:schemeClr val="bg1"/>
+                  </a:solidFill>
+                  <a:latin typeface="CMU Sans Serif" panose="02000603000000000000" pitchFamily="2" charset="0"/>
+                  <a:ea typeface="CMU Sans Serif" panose="02000603000000000000" pitchFamily="2" charset="0"/>
+                  <a:cs typeface="CMU Sans Serif" panose="02000603000000000000" pitchFamily="2" charset="0"/>
+                </a:rPr>
+                <a:t>Differentiation</a:t>
+              </a:r>
+              <a:endParaRPr lang="en-US" sz="1200" dirty="0">
+                <a:solidFill>
+                  <a:schemeClr val="bg1"/>
+                </a:solidFill>
+                <a:latin typeface="CMU Sans Serif" panose="02000603000000000000" pitchFamily="2" charset="0"/>
+                <a:ea typeface="CMU Sans Serif" panose="02000603000000000000" pitchFamily="2" charset="0"/>
+                <a:cs typeface="CMU Sans Serif" panose="02000603000000000000" pitchFamily="2" charset="0"/>
+              </a:endParaRPr>
+            </a:p>
+          </p:txBody>
+        </p:sp>
+        <p:cxnSp>
+          <p:nvCxnSpPr>
+            <p:cNvPr id="45" name="Straight Arrow Connector 44"/>
+            <p:cNvCxnSpPr/>
+            <p:nvPr/>
+          </p:nvCxnSpPr>
+          <p:spPr>
+            <a:xfrm flipH="1">
+              <a:off x="3333926" y="4153868"/>
+              <a:ext cx="310396" cy="0"/>
+            </a:xfrm>
+            <a:prstGeom prst="straightConnector1">
+              <a:avLst/>
+            </a:prstGeom>
+            <a:ln w="6350">
+              <a:solidFill>
+                <a:schemeClr val="tx1"/>
+              </a:solidFill>
+              <a:prstDash val="sysDash"/>
+              <a:headEnd type="triangle"/>
+              <a:tailEnd type="triangle"/>
+            </a:ln>
+          </p:spPr>
+          <p:style>
+            <a:lnRef idx="1">
+              <a:schemeClr val="dk1"/>
+            </a:lnRef>
+            <a:fillRef idx="0">
+              <a:schemeClr val="dk1"/>
+            </a:fillRef>
+            <a:effectRef idx="0">
+              <a:schemeClr val="dk1"/>
+            </a:effectRef>
+            <a:fontRef idx="minor">
+              <a:schemeClr val="tx1"/>
+            </a:fontRef>
+          </p:style>
+        </p:cxnSp>
+        <p:cxnSp>
+          <p:nvCxnSpPr>
+            <p:cNvPr id="47" name="Straight Arrow Connector 46"/>
+            <p:cNvCxnSpPr/>
+            <p:nvPr/>
+          </p:nvCxnSpPr>
+          <p:spPr>
+            <a:xfrm flipH="1">
+              <a:off x="2739852" y="4426705"/>
+              <a:ext cx="5264" cy="929685"/>
+            </a:xfrm>
+            <a:prstGeom prst="straightConnector1">
+              <a:avLst/>
+            </a:prstGeom>
+            <a:ln w="9525">
+              <a:solidFill>
+                <a:schemeClr val="tx1"/>
+              </a:solidFill>
+              <a:prstDash val="sysDash"/>
+              <a:tailEnd type="none"/>
+            </a:ln>
+          </p:spPr>
+          <p:style>
+            <a:lnRef idx="1">
+              <a:schemeClr val="dk1"/>
+            </a:lnRef>
+            <a:fillRef idx="0">
+              <a:schemeClr val="dk1"/>
+            </a:fillRef>
+            <a:effectRef idx="0">
+              <a:schemeClr val="dk1"/>
+            </a:effectRef>
+            <a:fontRef idx="minor">
+              <a:schemeClr val="tx1"/>
+            </a:fontRef>
+          </p:style>
+        </p:cxnSp>
+        <p:grpSp>
+          <p:nvGrpSpPr>
+            <p:cNvPr id="150" name="Group 149"/>
+            <p:cNvGrpSpPr/>
+            <p:nvPr/>
+          </p:nvGrpSpPr>
+          <p:grpSpPr>
+            <a:xfrm>
+              <a:off x="3235051" y="4671367"/>
+              <a:ext cx="2053869" cy="1132905"/>
+              <a:chOff x="3216177" y="4671367"/>
+              <a:chExt cx="2259256" cy="1132905"/>
+            </a:xfrm>
+          </p:grpSpPr>
+          <mc:AlternateContent xmlns:mc="http://schemas.openxmlformats.org/markup-compatibility/2006">
+            <mc:Choice xmlns:a14="http://schemas.microsoft.com/office/drawing/2010/main" Requires="a14">
+              <p:sp>
+                <p:nvSpPr>
+                  <p:cNvPr id="85" name="Rectangle 84"/>
+                  <p:cNvSpPr/>
+                  <p:nvPr/>
+                </p:nvSpPr>
+                <p:spPr>
+                  <a:xfrm flipH="1">
+                    <a:off x="5079611" y="5402507"/>
+                    <a:ext cx="193284" cy="276999"/>
+                  </a:xfrm>
+                  <a:prstGeom prst="rect">
+                    <a:avLst/>
+                  </a:prstGeom>
+                </p:spPr>
+                <p:txBody>
+                  <a:bodyPr wrap="none" lIns="0" rIns="0">
+                    <a:spAutoFit/>
+                  </a:bodyPr>
+                  <a:lstStyle/>
+                  <a:p>
+                    <a14:m>
+                      <m:oMathPara xmlns:m="http://schemas.openxmlformats.org/officeDocument/2006/math">
+                        <m:oMathParaPr>
+                          <m:jc m:val="centerGroup"/>
+                        </m:oMathParaPr>
+                        <m:oMath xmlns:m="http://schemas.openxmlformats.org/officeDocument/2006/math">
+                          <m:r>
+                            <a:rPr lang="en-US" sz="1200" b="1" i="1" dirty="0" smtClean="0">
+                              <a:solidFill>
+                                <a:srgbClr val="C00000"/>
+                              </a:solidFill>
+                              <a:latin typeface="Cambria Math" panose="02040503050406030204" pitchFamily="18" charset="0"/>
+                              <a:ea typeface="CMU Sans Serif" panose="02000603000000000000" pitchFamily="2" charset="0"/>
+                              <a:cs typeface="CMU Sans Serif" panose="02000603000000000000" pitchFamily="2" charset="0"/>
+                            </a:rPr>
+                            <m:t>𝑴</m:t>
+                          </m:r>
+                        </m:oMath>
+                      </m:oMathPara>
+                    </a14:m>
+                    <a:endParaRPr lang="en-US" sz="1200" b="1" dirty="0">
+                      <a:solidFill>
+                        <a:srgbClr val="C00000"/>
+                      </a:solidFill>
+                      <a:latin typeface="CMU Sans Serif" panose="02000603000000000000" pitchFamily="2" charset="0"/>
+                      <a:ea typeface="CMU Sans Serif" panose="02000603000000000000" pitchFamily="2" charset="0"/>
+                      <a:cs typeface="CMU Sans Serif" panose="02000603000000000000" pitchFamily="2" charset="0"/>
+                    </a:endParaRPr>
+                  </a:p>
+                </p:txBody>
+              </p:sp>
+            </mc:Choice>
+            <mc:Fallback>
+              <p:sp>
+                <p:nvSpPr>
+                  <p:cNvPr id="85" name="Rectangle 84"/>
+                  <p:cNvSpPr>
+                    <a:spLocks noRot="1" noChangeAspect="1" noMove="1" noResize="1" noEditPoints="1" noAdjustHandles="1" noChangeArrowheads="1" noChangeShapeType="1" noTextEdit="1"/>
+                  </p:cNvSpPr>
+                  <p:nvPr/>
+                </p:nvSpPr>
+                <p:spPr>
+                  <a:xfrm flipH="1">
+                    <a:off x="5079611" y="5402507"/>
+                    <a:ext cx="193284" cy="276999"/>
+                  </a:xfrm>
+                  <a:prstGeom prst="rect">
+                    <a:avLst/>
+                  </a:prstGeom>
+                  <a:blipFill>
+                    <a:blip r:embed="rId14"/>
+                    <a:stretch>
+                      <a:fillRect l="-21429" r="-25000"/>
+                    </a:stretch>
+                  </a:blipFill>
+                </p:spPr>
+                <p:txBody>
+                  <a:bodyPr/>
+                  <a:lstStyle/>
+                  <a:p>
+                    <a:r>
+                      <a:rPr lang="en-US">
+                        <a:noFill/>
+                      </a:rPr>
+                      <a:t> </a:t>
+                    </a:r>
+                  </a:p>
+                </p:txBody>
+              </p:sp>
+            </mc:Fallback>
+          </mc:AlternateContent>
+          <mc:AlternateContent xmlns:mc="http://schemas.openxmlformats.org/markup-compatibility/2006">
+            <mc:Choice xmlns:a14="http://schemas.microsoft.com/office/drawing/2010/main" Requires="a14">
+              <p:sp>
+                <p:nvSpPr>
+                  <p:cNvPr id="50" name="Rounded Rectangle 49"/>
+                  <p:cNvSpPr/>
+                  <p:nvPr/>
+                </p:nvSpPr>
+                <p:spPr>
+                  <a:xfrm>
+                    <a:off x="3216177" y="4772947"/>
+                    <a:ext cx="2259256" cy="1031325"/>
+                  </a:xfrm>
+                  <a:prstGeom prst="roundRect">
+                    <a:avLst>
+                      <a:gd name="adj" fmla="val 5847"/>
+                    </a:avLst>
+                  </a:prstGeom>
+                  <a:noFill/>
+                  <a:ln w="6350">
+                    <a:noFill/>
+                    <a:prstDash val="sysDot"/>
+                  </a:ln>
+                </p:spPr>
+                <p:style>
+                  <a:lnRef idx="2">
+                    <a:schemeClr val="accent1">
+                      <a:shade val="50000"/>
+                    </a:schemeClr>
+                  </a:lnRef>
+                  <a:fillRef idx="1">
+                    <a:schemeClr val="accent1"/>
+                  </a:fillRef>
+                  <a:effectRef idx="0">
+                    <a:schemeClr val="accent1"/>
+                  </a:effectRef>
+                  <a:fontRef idx="minor">
+                    <a:schemeClr val="lt1"/>
+                  </a:fontRef>
+                </p:style>
+                <p:txBody>
+                  <a:bodyPr lIns="0" tIns="0" rIns="0" bIns="0" rtlCol="0" anchor="ctr"/>
+                  <a:lstStyle/>
+                  <a:p>
+                    <a:pPr algn="ctr">
+                      <a:lnSpc>
+                        <a:spcPct val="150000"/>
+                      </a:lnSpc>
+                      <a:spcBef>
+                        <a:spcPts val="600"/>
+                      </a:spcBef>
+                      <a:spcAft>
+                        <a:spcPts val="600"/>
+                      </a:spcAft>
+                    </a:pPr>
+                    <a14:m>
+                      <m:oMathPara xmlns:m="http://schemas.openxmlformats.org/officeDocument/2006/math">
+                        <m:oMathParaPr>
+                          <m:jc m:val="centerGroup"/>
+                        </m:oMathParaPr>
+                        <m:oMath xmlns:m="http://schemas.openxmlformats.org/officeDocument/2006/math">
+                          <m:r>
+                            <a:rPr lang="en-US" sz="1200" i="1" smtClean="0">
+                              <a:solidFill>
+                                <a:schemeClr val="tx1"/>
+                              </a:solidFill>
+                              <a:latin typeface="Cambria Math" panose="02040503050406030204" pitchFamily="18" charset="0"/>
+                              <a:ea typeface="CMU Sans Serif" panose="02000603000000000000" pitchFamily="2" charset="0"/>
+                              <a:cs typeface="CMU Sans Serif" panose="02000603000000000000" pitchFamily="2" charset="0"/>
+                            </a:rPr>
+                            <m:t>𝑥</m:t>
+                          </m:r>
+                          <m:d>
+                            <m:dPr>
+                              <m:ctrlPr>
+                                <a:rPr lang="en-US" sz="1200" b="0" i="1" smtClean="0">
+                                  <a:solidFill>
+                                    <a:schemeClr val="tx1"/>
+                                  </a:solidFill>
+                                  <a:latin typeface="Cambria Math" panose="02040503050406030204" pitchFamily="18" charset="0"/>
+                                  <a:ea typeface="CMU Sans Serif" panose="02000603000000000000" pitchFamily="2" charset="0"/>
+                                  <a:cs typeface="CMU Sans Serif" panose="02000603000000000000" pitchFamily="2" charset="0"/>
+                                </a:rPr>
+                              </m:ctrlPr>
+                            </m:dPr>
+                            <m:e>
+                              <m:sSub>
+                                <m:sSubPr>
+                                  <m:ctrlPr>
+                                    <a:rPr lang="en-US" sz="1200" b="1" i="1" smtClean="0">
+                                      <a:solidFill>
+                                        <a:schemeClr val="accent5"/>
+                                      </a:solidFill>
+                                      <a:latin typeface="Cambria Math" panose="02040503050406030204" pitchFamily="18" charset="0"/>
+                                      <a:ea typeface="CMU Sans Serif" panose="02000603000000000000" pitchFamily="2" charset="0"/>
+                                      <a:cs typeface="CMU Sans Serif" panose="02000603000000000000" pitchFamily="2" charset="0"/>
+                                    </a:rPr>
+                                  </m:ctrlPr>
+                                </m:sSubPr>
+                                <m:e>
+                                  <m:r>
+                                    <a:rPr lang="en-US" sz="1200" b="1" i="1">
+                                      <a:solidFill>
+                                        <a:schemeClr val="accent5"/>
+                                      </a:solidFill>
+                                      <a:latin typeface="Cambria Math" panose="02040503050406030204" pitchFamily="18" charset="0"/>
+                                      <a:ea typeface="CMU Sans Serif" panose="02000603000000000000" pitchFamily="2" charset="0"/>
+                                      <a:cs typeface="CMU Sans Serif" panose="02000603000000000000" pitchFamily="2" charset="0"/>
+                                    </a:rPr>
+                                    <m:t>𝜽</m:t>
+                                  </m:r>
+                                </m:e>
+                                <m:sub>
+                                  <m:r>
+                                    <a:rPr lang="en-US" sz="1200" b="1" i="1">
+                                      <a:solidFill>
+                                        <a:schemeClr val="accent5"/>
+                                      </a:solidFill>
+                                      <a:latin typeface="Cambria Math" panose="02040503050406030204" pitchFamily="18" charset="0"/>
+                                      <a:ea typeface="CMU Sans Serif" panose="02000603000000000000" pitchFamily="2" charset="0"/>
+                                      <a:cs typeface="CMU Sans Serif" panose="02000603000000000000" pitchFamily="2" charset="0"/>
+                                    </a:rPr>
+                                    <m:t>𝑵𝑵</m:t>
+                                  </m:r>
+                                </m:sub>
+                              </m:sSub>
+                              <m:r>
+                                <a:rPr lang="en-US" sz="1200" i="1">
+                                  <a:solidFill>
+                                    <a:schemeClr val="tx1"/>
+                                  </a:solidFill>
+                                  <a:latin typeface="Cambria Math" panose="02040503050406030204" pitchFamily="18" charset="0"/>
+                                  <a:ea typeface="CMU Sans Serif" panose="02000603000000000000" pitchFamily="2" charset="0"/>
+                                  <a:cs typeface="CMU Sans Serif" panose="02000603000000000000" pitchFamily="2" charset="0"/>
+                                </a:rPr>
+                                <m:t>,</m:t>
+                              </m:r>
+                              <m:r>
+                                <a:rPr lang="en-US" sz="1200" i="1">
+                                  <a:solidFill>
+                                    <a:schemeClr val="tx1"/>
+                                  </a:solidFill>
+                                  <a:latin typeface="Cambria Math" panose="02040503050406030204" pitchFamily="18" charset="0"/>
+                                  <a:ea typeface="CMU Sans Serif" panose="02000603000000000000" pitchFamily="2" charset="0"/>
+                                  <a:cs typeface="CMU Sans Serif" panose="02000603000000000000" pitchFamily="2" charset="0"/>
+                                </a:rPr>
+                                <m:t>𝑡</m:t>
+                              </m:r>
+                            </m:e>
+                          </m:d>
+                          <m:r>
+                            <a:rPr lang="en-US" sz="1200" b="0" i="1" smtClean="0">
+                              <a:solidFill>
+                                <a:schemeClr val="tx1"/>
+                              </a:solidFill>
+                              <a:latin typeface="Cambria Math" panose="02040503050406030204" pitchFamily="18" charset="0"/>
+                              <a:ea typeface="CMU Sans Serif" panose="02000603000000000000" pitchFamily="2" charset="0"/>
+                              <a:cs typeface="CMU Sans Serif" panose="02000603000000000000" pitchFamily="2" charset="0"/>
+                            </a:rPr>
+                            <m:t>→</m:t>
+                          </m:r>
+                          <m:sSub>
+                            <m:sSubPr>
+                              <m:ctrlPr>
+                                <a:rPr lang="en-US" sz="1200" b="0" i="1" smtClean="0">
+                                  <a:solidFill>
+                                    <a:schemeClr val="tx1"/>
+                                  </a:solidFill>
+                                  <a:latin typeface="Cambria Math" panose="02040503050406030204" pitchFamily="18" charset="0"/>
+                                  <a:ea typeface="CMU Sans Serif" panose="02000603000000000000" pitchFamily="2" charset="0"/>
+                                  <a:cs typeface="CMU Sans Serif" panose="02000603000000000000" pitchFamily="2" charset="0"/>
+                                </a:rPr>
+                              </m:ctrlPr>
+                            </m:sSubPr>
+                            <m:e>
+                              <m:r>
+                                <a:rPr lang="en-US" sz="1200" i="1" smtClean="0">
+                                  <a:solidFill>
+                                    <a:schemeClr val="tx1"/>
+                                  </a:solidFill>
+                                  <a:latin typeface="Cambria Math" panose="02040503050406030204" pitchFamily="18" charset="0"/>
+                                  <a:ea typeface="CMU Sans Serif" panose="02000603000000000000" pitchFamily="2" charset="0"/>
+                                  <a:cs typeface="CMU Sans Serif" panose="02000603000000000000" pitchFamily="2" charset="0"/>
+                                </a:rPr>
+                                <m:t>𝑥</m:t>
+                              </m:r>
+                            </m:e>
+                            <m:sub>
+                              <m:r>
+                                <a:rPr lang="en-US" sz="1200" b="0" i="1" smtClean="0">
+                                  <a:solidFill>
+                                    <a:schemeClr val="tx1"/>
+                                  </a:solidFill>
+                                  <a:latin typeface="Cambria Math" panose="02040503050406030204" pitchFamily="18" charset="0"/>
+                                  <a:ea typeface="CMU Sans Serif" panose="02000603000000000000" pitchFamily="2" charset="0"/>
+                                  <a:cs typeface="CMU Sans Serif" panose="02000603000000000000" pitchFamily="2" charset="0"/>
+                                </a:rPr>
+                                <m:t>𝑡</m:t>
+                              </m:r>
+                            </m:sub>
+                          </m:sSub>
+                          <m:r>
+                            <a:rPr lang="en-US" sz="1200" b="0" i="1" smtClean="0">
+                              <a:solidFill>
+                                <a:schemeClr val="tx1"/>
+                              </a:solidFill>
+                              <a:latin typeface="Cambria Math" panose="02040503050406030204" pitchFamily="18" charset="0"/>
+                              <a:ea typeface="CMU Sans Serif" panose="02000603000000000000" pitchFamily="2" charset="0"/>
+                              <a:cs typeface="CMU Sans Serif" panose="02000603000000000000" pitchFamily="2" charset="0"/>
+                            </a:rPr>
+                            <m:t>=</m:t>
+                          </m:r>
+                          <m:acc>
+                            <m:accPr>
+                              <m:chr m:val="̇"/>
+                              <m:ctrlPr>
+                                <a:rPr lang="en-US" sz="1200" b="0" i="1" smtClean="0">
+                                  <a:solidFill>
+                                    <a:schemeClr val="tx1"/>
+                                  </a:solidFill>
+                                  <a:latin typeface="Cambria Math" panose="02040503050406030204" pitchFamily="18" charset="0"/>
+                                  <a:ea typeface="CMU Sans Serif" panose="02000603000000000000" pitchFamily="2" charset="0"/>
+                                  <a:cs typeface="CMU Sans Serif" panose="02000603000000000000" pitchFamily="2" charset="0"/>
+                                </a:rPr>
+                              </m:ctrlPr>
+                            </m:accPr>
+                            <m:e>
+                              <m:r>
+                                <a:rPr lang="en-US" sz="1200" b="0" i="1" smtClean="0">
+                                  <a:solidFill>
+                                    <a:schemeClr val="tx1"/>
+                                  </a:solidFill>
+                                  <a:latin typeface="Cambria Math" panose="02040503050406030204" pitchFamily="18" charset="0"/>
+                                  <a:ea typeface="CMU Sans Serif" panose="02000603000000000000" pitchFamily="2" charset="0"/>
+                                  <a:cs typeface="CMU Sans Serif" panose="02000603000000000000" pitchFamily="2" charset="0"/>
+                                </a:rPr>
+                                <m:t>𝑥</m:t>
+                              </m:r>
+                            </m:e>
+                          </m:acc>
+                          <m:d>
+                            <m:dPr>
+                              <m:ctrlPr>
+                                <a:rPr lang="en-US" sz="1200" b="0" i="1" smtClean="0">
+                                  <a:solidFill>
+                                    <a:schemeClr val="tx1"/>
+                                  </a:solidFill>
+                                  <a:latin typeface="Cambria Math" panose="02040503050406030204" pitchFamily="18" charset="0"/>
+                                  <a:ea typeface="CMU Sans Serif" panose="02000603000000000000" pitchFamily="2" charset="0"/>
+                                  <a:cs typeface="CMU Sans Serif" panose="02000603000000000000" pitchFamily="2" charset="0"/>
+                                </a:rPr>
+                              </m:ctrlPr>
+                            </m:dPr>
+                            <m:e>
+                              <m:sSub>
+                                <m:sSubPr>
+                                  <m:ctrlPr>
+                                    <a:rPr lang="en-US" sz="1200" b="1" i="1" smtClean="0">
+                                      <a:solidFill>
+                                        <a:schemeClr val="accent5"/>
+                                      </a:solidFill>
+                                      <a:latin typeface="Cambria Math" panose="02040503050406030204" pitchFamily="18" charset="0"/>
+                                      <a:ea typeface="CMU Sans Serif" panose="02000603000000000000" pitchFamily="2" charset="0"/>
+                                      <a:cs typeface="CMU Sans Serif" panose="02000603000000000000" pitchFamily="2" charset="0"/>
+                                    </a:rPr>
+                                  </m:ctrlPr>
+                                </m:sSubPr>
+                                <m:e>
+                                  <m:r>
+                                    <a:rPr lang="en-US" sz="1200" b="1" i="1">
+                                      <a:solidFill>
+                                        <a:schemeClr val="accent5"/>
+                                      </a:solidFill>
+                                      <a:latin typeface="Cambria Math" panose="02040503050406030204" pitchFamily="18" charset="0"/>
+                                      <a:ea typeface="CMU Sans Serif" panose="02000603000000000000" pitchFamily="2" charset="0"/>
+                                      <a:cs typeface="CMU Sans Serif" panose="02000603000000000000" pitchFamily="2" charset="0"/>
+                                    </a:rPr>
+                                    <m:t>𝜽</m:t>
+                                  </m:r>
+                                </m:e>
+                                <m:sub>
+                                  <m:r>
+                                    <a:rPr lang="en-US" sz="1200" b="1" i="1">
+                                      <a:solidFill>
+                                        <a:schemeClr val="accent5"/>
+                                      </a:solidFill>
+                                      <a:latin typeface="Cambria Math" panose="02040503050406030204" pitchFamily="18" charset="0"/>
+                                      <a:ea typeface="CMU Sans Serif" panose="02000603000000000000" pitchFamily="2" charset="0"/>
+                                      <a:cs typeface="CMU Sans Serif" panose="02000603000000000000" pitchFamily="2" charset="0"/>
+                                    </a:rPr>
+                                    <m:t>𝑵𝑵</m:t>
+                                  </m:r>
+                                </m:sub>
+                              </m:sSub>
+                              <m:r>
+                                <a:rPr lang="en-US" sz="1200" i="1">
+                                  <a:solidFill>
+                                    <a:schemeClr val="tx1"/>
+                                  </a:solidFill>
+                                  <a:latin typeface="Cambria Math" panose="02040503050406030204" pitchFamily="18" charset="0"/>
+                                  <a:ea typeface="CMU Sans Serif" panose="02000603000000000000" pitchFamily="2" charset="0"/>
+                                  <a:cs typeface="CMU Sans Serif" panose="02000603000000000000" pitchFamily="2" charset="0"/>
+                                </a:rPr>
+                                <m:t>,</m:t>
+                              </m:r>
+                              <m:r>
+                                <a:rPr lang="en-US" sz="1200" i="1">
+                                  <a:solidFill>
+                                    <a:schemeClr val="tx1"/>
+                                  </a:solidFill>
+                                  <a:latin typeface="Cambria Math" panose="02040503050406030204" pitchFamily="18" charset="0"/>
+                                  <a:ea typeface="CMU Sans Serif" panose="02000603000000000000" pitchFamily="2" charset="0"/>
+                                  <a:cs typeface="CMU Sans Serif" panose="02000603000000000000" pitchFamily="2" charset="0"/>
+                                </a:rPr>
+                                <m:t>𝑡</m:t>
+                              </m:r>
+                            </m:e>
+                          </m:d>
+                        </m:oMath>
+                      </m:oMathPara>
+                    </a14:m>
+                    <a:endParaRPr lang="en-US" sz="1200" i="1" dirty="0" smtClean="0">
+                      <a:solidFill>
+                        <a:schemeClr val="tx1"/>
+                      </a:solidFill>
+                      <a:latin typeface="CMU Sans Serif" panose="02000603000000000000" pitchFamily="2" charset="0"/>
+                      <a:ea typeface="CMU Sans Serif" panose="02000603000000000000" pitchFamily="2" charset="0"/>
+                      <a:cs typeface="CMU Sans Serif" panose="02000603000000000000" pitchFamily="2" charset="0"/>
+                    </a:endParaRPr>
+                  </a:p>
+                  <a:p>
+                    <a:pPr algn="ctr">
+                      <a:lnSpc>
+                        <a:spcPct val="150000"/>
+                      </a:lnSpc>
+                      <a:spcBef>
+                        <a:spcPts val="600"/>
+                      </a:spcBef>
+                      <a:spcAft>
+                        <a:spcPts val="600"/>
+                      </a:spcAft>
+                    </a:pPr>
+                    <a14:m>
+                      <m:oMathPara xmlns:m="http://schemas.openxmlformats.org/officeDocument/2006/math">
+                        <m:oMathParaPr>
+                          <m:jc m:val="centerGroup"/>
+                        </m:oMathParaPr>
+                        <m:oMath xmlns:m="http://schemas.openxmlformats.org/officeDocument/2006/math">
+                          <m:sSub>
+                            <m:sSubPr>
+                              <m:ctrlPr>
+                                <a:rPr lang="en-US" sz="1200" b="0" i="1" smtClean="0">
+                                  <a:solidFill>
+                                    <a:schemeClr val="tx1"/>
+                                  </a:solidFill>
+                                  <a:latin typeface="Cambria Math" panose="02040503050406030204" pitchFamily="18" charset="0"/>
+                                  <a:ea typeface="CMU Sans Serif" panose="02000603000000000000" pitchFamily="2" charset="0"/>
+                                  <a:cs typeface="CMU Sans Serif" panose="02000603000000000000" pitchFamily="2" charset="0"/>
+                                </a:rPr>
+                              </m:ctrlPr>
+                            </m:sSubPr>
+                            <m:e>
+                              <m:r>
+                                <a:rPr lang="en-US" sz="1200" b="0" i="1" smtClean="0">
+                                  <a:solidFill>
+                                    <a:schemeClr val="tx1"/>
+                                  </a:solidFill>
+                                  <a:latin typeface="Cambria Math" panose="02040503050406030204" pitchFamily="18" charset="0"/>
+                                  <a:ea typeface="CMU Sans Serif" panose="02000603000000000000" pitchFamily="2" charset="0"/>
+                                  <a:cs typeface="CMU Sans Serif" panose="02000603000000000000" pitchFamily="2" charset="0"/>
+                                </a:rPr>
+                                <m:t>ℒ</m:t>
+                              </m:r>
+                            </m:e>
+                            <m:sub>
+                              <m:sSub>
+                                <m:sSubPr>
+                                  <m:ctrlPr>
+                                    <a:rPr lang="en-US" sz="1200" b="1" i="1" smtClean="0">
+                                      <a:solidFill>
+                                        <a:schemeClr val="accent5"/>
+                                      </a:solidFill>
+                                      <a:latin typeface="Cambria Math" panose="02040503050406030204" pitchFamily="18" charset="0"/>
+                                      <a:ea typeface="CMU Sans Serif" panose="02000603000000000000" pitchFamily="2" charset="0"/>
+                                      <a:cs typeface="CMU Sans Serif" panose="02000603000000000000" pitchFamily="2" charset="0"/>
+                                    </a:rPr>
+                                  </m:ctrlPr>
+                                </m:sSubPr>
+                                <m:e>
+                                  <m:r>
+                                    <a:rPr lang="en-US" sz="1200" b="1" i="1">
+                                      <a:solidFill>
+                                        <a:schemeClr val="accent5"/>
+                                      </a:solidFill>
+                                      <a:latin typeface="Cambria Math" panose="02040503050406030204" pitchFamily="18" charset="0"/>
+                                      <a:ea typeface="CMU Sans Serif" panose="02000603000000000000" pitchFamily="2" charset="0"/>
+                                      <a:cs typeface="CMU Sans Serif" panose="02000603000000000000" pitchFamily="2" charset="0"/>
+                                    </a:rPr>
+                                    <m:t>𝜽</m:t>
+                                  </m:r>
+                                </m:e>
+                                <m:sub>
+                                  <m:r>
+                                    <a:rPr lang="en-US" sz="1200" b="1" i="1">
+                                      <a:solidFill>
+                                        <a:schemeClr val="accent5"/>
+                                      </a:solidFill>
+                                      <a:latin typeface="Cambria Math" panose="02040503050406030204" pitchFamily="18" charset="0"/>
+                                      <a:ea typeface="CMU Sans Serif" panose="02000603000000000000" pitchFamily="2" charset="0"/>
+                                      <a:cs typeface="CMU Sans Serif" panose="02000603000000000000" pitchFamily="2" charset="0"/>
+                                    </a:rPr>
+                                    <m:t>𝑵𝑵</m:t>
+                                  </m:r>
+                                </m:sub>
+                              </m:sSub>
+                            </m:sub>
+                          </m:sSub>
+                          <m:d>
+                            <m:dPr>
+                              <m:ctrlPr>
+                                <a:rPr lang="en-US" sz="1200" b="0" i="1" smtClean="0">
+                                  <a:solidFill>
+                                    <a:schemeClr val="tx1"/>
+                                  </a:solidFill>
+                                  <a:latin typeface="Cambria Math" panose="02040503050406030204" pitchFamily="18" charset="0"/>
+                                  <a:ea typeface="CMU Sans Serif" panose="02000603000000000000" pitchFamily="2" charset="0"/>
+                                  <a:cs typeface="CMU Sans Serif" panose="02000603000000000000" pitchFamily="2" charset="0"/>
+                                </a:rPr>
+                              </m:ctrlPr>
+                            </m:dPr>
+                            <m:e>
+                              <m:sSub>
+                                <m:sSubPr>
+                                  <m:ctrlPr>
+                                    <a:rPr lang="en-US" sz="1200" b="1" i="1" smtClean="0">
+                                      <a:solidFill>
+                                        <a:srgbClr val="C00000"/>
+                                      </a:solidFill>
+                                      <a:latin typeface="Cambria Math" panose="02040503050406030204" pitchFamily="18" charset="0"/>
+                                      <a:ea typeface="CMU Sans Serif" panose="02000603000000000000" pitchFamily="2" charset="0"/>
+                                      <a:cs typeface="CMU Sans Serif" panose="02000603000000000000" pitchFamily="2" charset="0"/>
+                                    </a:rPr>
+                                  </m:ctrlPr>
+                                </m:sSubPr>
+                                <m:e>
+                                  <m:r>
+                                    <a:rPr lang="en-US" sz="1200" b="1" i="1" smtClean="0">
+                                      <a:solidFill>
+                                        <a:srgbClr val="C00000"/>
+                                      </a:solidFill>
+                                      <a:latin typeface="Cambria Math" panose="02040503050406030204" pitchFamily="18" charset="0"/>
+                                      <a:ea typeface="CMU Sans Serif" panose="02000603000000000000" pitchFamily="2" charset="0"/>
+                                      <a:cs typeface="CMU Sans Serif" panose="02000603000000000000" pitchFamily="2" charset="0"/>
+                                    </a:rPr>
+                                    <m:t>𝜽</m:t>
+                                  </m:r>
+                                </m:e>
+                                <m:sub>
+                                  <m:r>
+                                    <a:rPr lang="en-US" sz="1200" b="1" i="1" smtClean="0">
+                                      <a:solidFill>
+                                        <a:srgbClr val="C00000"/>
+                                      </a:solidFill>
+                                      <a:latin typeface="Cambria Math" panose="02040503050406030204" pitchFamily="18" charset="0"/>
+                                      <a:ea typeface="CMU Sans Serif" panose="02000603000000000000" pitchFamily="2" charset="0"/>
+                                      <a:cs typeface="CMU Sans Serif" panose="02000603000000000000" pitchFamily="2" charset="0"/>
+                                    </a:rPr>
+                                    <m:t>𝑴</m:t>
+                                  </m:r>
+                                </m:sub>
+                              </m:sSub>
+                              <m:r>
+                                <a:rPr lang="en-US" sz="1200" b="0" i="1" smtClean="0">
+                                  <a:solidFill>
+                                    <a:schemeClr val="tx1"/>
+                                  </a:solidFill>
+                                  <a:latin typeface="Cambria Math" panose="02040503050406030204" pitchFamily="18" charset="0"/>
+                                  <a:ea typeface="CMU Sans Serif" panose="02000603000000000000" pitchFamily="2" charset="0"/>
+                                  <a:cs typeface="CMU Sans Serif" panose="02000603000000000000" pitchFamily="2" charset="0"/>
+                                </a:rPr>
+                                <m:t>,</m:t>
+                              </m:r>
+                              <m:sSub>
+                                <m:sSubPr>
+                                  <m:ctrlPr>
+                                    <a:rPr lang="en-US" sz="1200" b="1" i="1" smtClean="0">
+                                      <a:solidFill>
+                                        <a:schemeClr val="accent5"/>
+                                      </a:solidFill>
+                                      <a:latin typeface="Cambria Math" panose="02040503050406030204" pitchFamily="18" charset="0"/>
+                                      <a:ea typeface="CMU Sans Serif" panose="02000603000000000000" pitchFamily="2" charset="0"/>
+                                      <a:cs typeface="CMU Sans Serif" panose="02000603000000000000" pitchFamily="2" charset="0"/>
+                                    </a:rPr>
+                                  </m:ctrlPr>
+                                </m:sSubPr>
+                                <m:e>
+                                  <m:r>
+                                    <a:rPr lang="en-US" sz="1200" b="1" i="1">
+                                      <a:solidFill>
+                                        <a:schemeClr val="accent5"/>
+                                      </a:solidFill>
+                                      <a:latin typeface="Cambria Math" panose="02040503050406030204" pitchFamily="18" charset="0"/>
+                                      <a:ea typeface="CMU Sans Serif" panose="02000603000000000000" pitchFamily="2" charset="0"/>
+                                      <a:cs typeface="CMU Sans Serif" panose="02000603000000000000" pitchFamily="2" charset="0"/>
+                                    </a:rPr>
+                                    <m:t>𝜽</m:t>
+                                  </m:r>
+                                </m:e>
+                                <m:sub>
+                                  <m:r>
+                                    <a:rPr lang="en-US" sz="1200" b="1" i="1">
+                                      <a:solidFill>
+                                        <a:schemeClr val="accent5"/>
+                                      </a:solidFill>
+                                      <a:latin typeface="Cambria Math" panose="02040503050406030204" pitchFamily="18" charset="0"/>
+                                      <a:ea typeface="CMU Sans Serif" panose="02000603000000000000" pitchFamily="2" charset="0"/>
+                                      <a:cs typeface="CMU Sans Serif" panose="02000603000000000000" pitchFamily="2" charset="0"/>
+                                    </a:rPr>
+                                    <m:t>𝑵𝑵</m:t>
+                                  </m:r>
+                                </m:sub>
+                              </m:sSub>
+                            </m:e>
+                          </m:d>
+                        </m:oMath>
+                      </m:oMathPara>
+                    </a14:m>
+                    <a:endParaRPr lang="en-US" sz="1200" b="0" i="1" dirty="0" smtClean="0">
+                      <a:solidFill>
+                        <a:schemeClr val="tx1"/>
+                      </a:solidFill>
+                      <a:latin typeface="CMU Sans Serif" panose="02000603000000000000" pitchFamily="2" charset="0"/>
+                      <a:ea typeface="CMU Sans Serif" panose="02000603000000000000" pitchFamily="2" charset="0"/>
+                      <a:cs typeface="CMU Sans Serif" panose="02000603000000000000" pitchFamily="2" charset="0"/>
+                    </a:endParaRPr>
+                  </a:p>
+                  <a:p>
+                    <a:pPr algn="ctr">
+                      <a:lnSpc>
+                        <a:spcPct val="150000"/>
+                      </a:lnSpc>
+                      <a:spcBef>
+                        <a:spcPts val="600"/>
+                      </a:spcBef>
+                      <a:spcAft>
+                        <a:spcPts val="600"/>
+                      </a:spcAft>
+                    </a:pPr>
+                    <a14:m>
+                      <m:oMathPara xmlns:m="http://schemas.openxmlformats.org/officeDocument/2006/math">
+                        <m:oMathParaPr>
+                          <m:jc m:val="centerGroup"/>
+                        </m:oMathParaPr>
+                        <m:oMath xmlns:m="http://schemas.openxmlformats.org/officeDocument/2006/math">
+                          <m:sSub>
+                            <m:sSubPr>
+                              <m:ctrlPr>
+                                <a:rPr lang="en-US" sz="1200" b="0" i="1" smtClean="0">
+                                  <a:solidFill>
+                                    <a:schemeClr val="tx1"/>
+                                  </a:solidFill>
+                                  <a:latin typeface="Cambria Math" panose="02040503050406030204" pitchFamily="18" charset="0"/>
+                                  <a:ea typeface="CMU Sans Serif" panose="02000603000000000000" pitchFamily="2" charset="0"/>
+                                  <a:cs typeface="CMU Sans Serif" panose="02000603000000000000" pitchFamily="2" charset="0"/>
+                                </a:rPr>
+                              </m:ctrlPr>
+                            </m:sSubPr>
+                            <m:e>
+                              <m:r>
+                                <a:rPr lang="en-US" sz="1200" b="0" i="1" smtClean="0">
+                                  <a:solidFill>
+                                    <a:schemeClr val="tx1"/>
+                                  </a:solidFill>
+                                  <a:latin typeface="Cambria Math" panose="02040503050406030204" pitchFamily="18" charset="0"/>
+                                  <a:ea typeface="CMU Sans Serif" panose="02000603000000000000" pitchFamily="2" charset="0"/>
+                                  <a:cs typeface="CMU Sans Serif" panose="02000603000000000000" pitchFamily="2" charset="0"/>
+                                </a:rPr>
+                                <m:t>ℒ</m:t>
+                              </m:r>
+                            </m:e>
+                            <m:sub>
+                              <m:sSub>
+                                <m:sSubPr>
+                                  <m:ctrlPr>
+                                    <a:rPr lang="en-US" sz="1200" b="0" i="1" smtClean="0">
+                                      <a:solidFill>
+                                        <a:srgbClr val="C00000"/>
+                                      </a:solidFill>
+                                      <a:latin typeface="Cambria Math" panose="02040503050406030204" pitchFamily="18" charset="0"/>
+                                      <a:ea typeface="CMU Sans Serif" panose="02000603000000000000" pitchFamily="2" charset="0"/>
+                                      <a:cs typeface="CMU Sans Serif" panose="02000603000000000000" pitchFamily="2" charset="0"/>
+                                    </a:rPr>
+                                  </m:ctrlPr>
+                                </m:sSubPr>
+                                <m:e>
+                                  <m:r>
+                                    <a:rPr lang="en-US" sz="1200" i="1">
+                                      <a:solidFill>
+                                        <a:srgbClr val="C00000"/>
+                                      </a:solidFill>
+                                      <a:latin typeface="Cambria Math" panose="02040503050406030204" pitchFamily="18" charset="0"/>
+                                      <a:ea typeface="CMU Sans Serif" panose="02000603000000000000" pitchFamily="2" charset="0"/>
+                                      <a:cs typeface="CMU Sans Serif" panose="02000603000000000000" pitchFamily="2" charset="0"/>
+                                    </a:rPr>
+                                    <m:t>𝜽</m:t>
+                                  </m:r>
+                                </m:e>
+                                <m:sub>
+                                  <m:r>
+                                    <a:rPr lang="en-US" sz="1200" b="0" i="1" smtClean="0">
+                                      <a:solidFill>
+                                        <a:srgbClr val="C00000"/>
+                                      </a:solidFill>
+                                      <a:latin typeface="Cambria Math" panose="02040503050406030204" pitchFamily="18" charset="0"/>
+                                      <a:ea typeface="CMU Sans Serif" panose="02000603000000000000" pitchFamily="2" charset="0"/>
+                                      <a:cs typeface="CMU Sans Serif" panose="02000603000000000000" pitchFamily="2" charset="0"/>
+                                    </a:rPr>
+                                    <m:t>𝑀</m:t>
+                                  </m:r>
+                                </m:sub>
+                              </m:sSub>
+                            </m:sub>
+                          </m:sSub>
+                          <m:d>
+                            <m:dPr>
+                              <m:ctrlPr>
+                                <a:rPr lang="en-US" sz="1200" b="0" i="1" smtClean="0">
+                                  <a:solidFill>
+                                    <a:schemeClr val="tx1"/>
+                                  </a:solidFill>
+                                  <a:latin typeface="Cambria Math" panose="02040503050406030204" pitchFamily="18" charset="0"/>
+                                  <a:ea typeface="CMU Sans Serif" panose="02000603000000000000" pitchFamily="2" charset="0"/>
+                                  <a:cs typeface="CMU Sans Serif" panose="02000603000000000000" pitchFamily="2" charset="0"/>
+                                </a:rPr>
+                              </m:ctrlPr>
+                            </m:dPr>
+                            <m:e>
+                              <m:sSub>
+                                <m:sSubPr>
+                                  <m:ctrlPr>
+                                    <a:rPr lang="en-US" sz="1200" b="1" i="1" smtClean="0">
+                                      <a:solidFill>
+                                        <a:srgbClr val="C00000"/>
+                                      </a:solidFill>
+                                      <a:latin typeface="Cambria Math" panose="02040503050406030204" pitchFamily="18" charset="0"/>
+                                      <a:ea typeface="CMU Sans Serif" panose="02000603000000000000" pitchFamily="2" charset="0"/>
+                                      <a:cs typeface="CMU Sans Serif" panose="02000603000000000000" pitchFamily="2" charset="0"/>
+                                    </a:rPr>
+                                  </m:ctrlPr>
+                                </m:sSubPr>
+                                <m:e>
+                                  <m:r>
+                                    <a:rPr lang="en-US" sz="1200" b="1" i="1" smtClean="0">
+                                      <a:solidFill>
+                                        <a:srgbClr val="C00000"/>
+                                      </a:solidFill>
+                                      <a:latin typeface="Cambria Math" panose="02040503050406030204" pitchFamily="18" charset="0"/>
+                                      <a:ea typeface="CMU Sans Serif" panose="02000603000000000000" pitchFamily="2" charset="0"/>
+                                      <a:cs typeface="CMU Sans Serif" panose="02000603000000000000" pitchFamily="2" charset="0"/>
+                                    </a:rPr>
+                                    <m:t>𝜽</m:t>
+                                  </m:r>
+                                </m:e>
+                                <m:sub>
+                                  <m:r>
+                                    <a:rPr lang="en-US" sz="1200" b="1" i="1" smtClean="0">
+                                      <a:solidFill>
+                                        <a:srgbClr val="C00000"/>
+                                      </a:solidFill>
+                                      <a:latin typeface="Cambria Math" panose="02040503050406030204" pitchFamily="18" charset="0"/>
+                                      <a:ea typeface="CMU Sans Serif" panose="02000603000000000000" pitchFamily="2" charset="0"/>
+                                      <a:cs typeface="CMU Sans Serif" panose="02000603000000000000" pitchFamily="2" charset="0"/>
+                                    </a:rPr>
+                                    <m:t>𝑴</m:t>
+                                  </m:r>
+                                </m:sub>
+                              </m:sSub>
+                              <m:r>
+                                <a:rPr lang="en-US" sz="1200" b="0" i="1" smtClean="0">
+                                  <a:solidFill>
+                                    <a:schemeClr val="tx1"/>
+                                  </a:solidFill>
+                                  <a:latin typeface="Cambria Math" panose="02040503050406030204" pitchFamily="18" charset="0"/>
+                                  <a:ea typeface="CMU Sans Serif" panose="02000603000000000000" pitchFamily="2" charset="0"/>
+                                  <a:cs typeface="CMU Sans Serif" panose="02000603000000000000" pitchFamily="2" charset="0"/>
+                                </a:rPr>
+                                <m:t>,</m:t>
+                              </m:r>
+                              <m:sSub>
+                                <m:sSubPr>
+                                  <m:ctrlPr>
+                                    <a:rPr lang="en-US" sz="1200" b="1" i="1" smtClean="0">
+                                      <a:solidFill>
+                                        <a:schemeClr val="accent5"/>
+                                      </a:solidFill>
+                                      <a:latin typeface="Cambria Math" panose="02040503050406030204" pitchFamily="18" charset="0"/>
+                                      <a:ea typeface="CMU Sans Serif" panose="02000603000000000000" pitchFamily="2" charset="0"/>
+                                      <a:cs typeface="CMU Sans Serif" panose="02000603000000000000" pitchFamily="2" charset="0"/>
+                                    </a:rPr>
+                                  </m:ctrlPr>
+                                </m:sSubPr>
+                                <m:e>
+                                  <m:r>
+                                    <a:rPr lang="en-US" sz="1200" b="1" i="1">
+                                      <a:solidFill>
+                                        <a:schemeClr val="accent5"/>
+                                      </a:solidFill>
+                                      <a:latin typeface="Cambria Math" panose="02040503050406030204" pitchFamily="18" charset="0"/>
+                                      <a:ea typeface="CMU Sans Serif" panose="02000603000000000000" pitchFamily="2" charset="0"/>
+                                      <a:cs typeface="CMU Sans Serif" panose="02000603000000000000" pitchFamily="2" charset="0"/>
+                                    </a:rPr>
+                                    <m:t>𝜽</m:t>
+                                  </m:r>
+                                </m:e>
+                                <m:sub>
+                                  <m:r>
+                                    <a:rPr lang="en-US" sz="1200" b="1" i="1">
+                                      <a:solidFill>
+                                        <a:schemeClr val="accent5"/>
+                                      </a:solidFill>
+                                      <a:latin typeface="Cambria Math" panose="02040503050406030204" pitchFamily="18" charset="0"/>
+                                      <a:ea typeface="CMU Sans Serif" panose="02000603000000000000" pitchFamily="2" charset="0"/>
+                                      <a:cs typeface="CMU Sans Serif" panose="02000603000000000000" pitchFamily="2" charset="0"/>
+                                    </a:rPr>
+                                    <m:t>𝑵𝑵</m:t>
+                                  </m:r>
+                                </m:sub>
+                              </m:sSub>
+                            </m:e>
+                          </m:d>
+                        </m:oMath>
+                      </m:oMathPara>
+                    </a14:m>
+                    <a:endParaRPr lang="en-US" sz="1200" i="1" dirty="0">
+                      <a:solidFill>
+                        <a:schemeClr val="tx1"/>
+                      </a:solidFill>
+                      <a:latin typeface="CMU Sans Serif" panose="02000603000000000000" pitchFamily="2" charset="0"/>
+                      <a:ea typeface="CMU Sans Serif" panose="02000603000000000000" pitchFamily="2" charset="0"/>
+                      <a:cs typeface="CMU Sans Serif" panose="02000603000000000000" pitchFamily="2" charset="0"/>
+                    </a:endParaRPr>
+                  </a:p>
+                  <a:p>
+                    <a:pPr algn="ctr">
+                      <a:lnSpc>
+                        <a:spcPct val="150000"/>
+                      </a:lnSpc>
+                    </a:pPr>
+                    <a:endParaRPr lang="en-US" sz="1200" i="1" dirty="0">
+                      <a:solidFill>
+                        <a:schemeClr val="tx1"/>
+                      </a:solidFill>
+                      <a:latin typeface="CMU Sans Serif" panose="02000603000000000000" pitchFamily="2" charset="0"/>
+                      <a:ea typeface="CMU Sans Serif" panose="02000603000000000000" pitchFamily="2" charset="0"/>
+                      <a:cs typeface="CMU Sans Serif" panose="02000603000000000000" pitchFamily="2" charset="0"/>
+                    </a:endParaRPr>
+                  </a:p>
+                </p:txBody>
+              </p:sp>
+            </mc:Choice>
+            <mc:Fallback>
+              <p:sp>
+                <p:nvSpPr>
+                  <p:cNvPr id="50" name="Rounded Rectangle 49"/>
+                  <p:cNvSpPr>
+                    <a:spLocks noRot="1" noChangeAspect="1" noMove="1" noResize="1" noEditPoints="1" noAdjustHandles="1" noChangeArrowheads="1" noChangeShapeType="1" noTextEdit="1"/>
+                  </p:cNvSpPr>
+                  <p:nvPr/>
+                </p:nvSpPr>
+                <p:spPr>
+                  <a:xfrm>
+                    <a:off x="3216177" y="4772947"/>
+                    <a:ext cx="2259256" cy="1031325"/>
+                  </a:xfrm>
+                  <a:prstGeom prst="roundRect">
+                    <a:avLst>
+                      <a:gd name="adj" fmla="val 5847"/>
+                    </a:avLst>
+                  </a:prstGeom>
+                  <a:blipFill>
+                    <a:blip r:embed="rId15"/>
+                    <a:stretch>
+                      <a:fillRect t="-7692"/>
+                    </a:stretch>
+                  </a:blipFill>
+                  <a:ln w="6350">
+                    <a:noFill/>
+                    <a:prstDash val="sysDot"/>
+                  </a:ln>
+                </p:spPr>
+                <p:txBody>
+                  <a:bodyPr/>
+                  <a:lstStyle/>
+                  <a:p>
+                    <a:r>
+                      <a:rPr lang="en-US">
+                        <a:noFill/>
+                      </a:rPr>
+                      <a:t> </a:t>
+                    </a:r>
+                  </a:p>
+                </p:txBody>
+              </p:sp>
+            </mc:Fallback>
+          </mc:AlternateContent>
+          <p:sp>
+            <p:nvSpPr>
+              <p:cNvPr id="66" name="Rounded Rectangle 65"/>
+              <p:cNvSpPr/>
+              <p:nvPr/>
+            </p:nvSpPr>
+            <p:spPr>
+              <a:xfrm>
+                <a:off x="3220371" y="4671367"/>
+                <a:ext cx="2156759" cy="357137"/>
+              </a:xfrm>
+              <a:prstGeom prst="roundRect">
+                <a:avLst>
+                  <a:gd name="adj" fmla="val 1276"/>
+                </a:avLst>
+              </a:prstGeom>
+              <a:noFill/>
+              <a:ln w="9525">
+                <a:solidFill>
+                  <a:schemeClr val="tx1"/>
+                </a:solidFill>
+                <a:prstDash val="sysDot"/>
+              </a:ln>
+            </p:spPr>
+            <p:style>
+              <a:lnRef idx="2">
+                <a:schemeClr val="accent1">
+                  <a:shade val="50000"/>
+                </a:schemeClr>
+              </a:lnRef>
+              <a:fillRef idx="1">
+                <a:schemeClr val="accent1"/>
+              </a:fillRef>
+              <a:effectRef idx="0">
+                <a:schemeClr val="accent1"/>
+              </a:effectRef>
+              <a:fontRef idx="minor">
+                <a:schemeClr val="lt1"/>
+              </a:fontRef>
+            </p:style>
+            <p:txBody>
+              <a:bodyPr lIns="0" tIns="0" rIns="0" bIns="0" rtlCol="0" anchor="ctr"/>
+              <a:lstStyle/>
+              <a:p>
+                <a:pPr algn="ctr"/>
+                <a:endParaRPr lang="en-US" sz="1200" i="1" dirty="0">
+                  <a:solidFill>
+                    <a:schemeClr val="tx1"/>
+                  </a:solidFill>
+                  <a:latin typeface="CMU Sans Serif" panose="02000603000000000000" pitchFamily="2" charset="0"/>
+                  <a:ea typeface="CMU Sans Serif" panose="02000603000000000000" pitchFamily="2" charset="0"/>
+                  <a:cs typeface="CMU Sans Serif" panose="02000603000000000000" pitchFamily="2" charset="0"/>
+                </a:endParaRPr>
+              </a:p>
+            </p:txBody>
+          </p:sp>
+          <p:sp>
+            <p:nvSpPr>
+              <p:cNvPr id="67" name="Rounded Rectangle 66"/>
+              <p:cNvSpPr/>
+              <p:nvPr/>
+            </p:nvSpPr>
+            <p:spPr>
+              <a:xfrm>
+                <a:off x="3220371" y="5028505"/>
+                <a:ext cx="2156759" cy="613637"/>
+              </a:xfrm>
+              <a:prstGeom prst="roundRect">
+                <a:avLst>
+                  <a:gd name="adj" fmla="val 1276"/>
+                </a:avLst>
+              </a:prstGeom>
+              <a:noFill/>
+              <a:ln w="9525">
+                <a:solidFill>
+                  <a:schemeClr val="tx1"/>
+                </a:solidFill>
+                <a:prstDash val="sysDot"/>
+              </a:ln>
+            </p:spPr>
+            <p:style>
+              <a:lnRef idx="2">
+                <a:schemeClr val="accent1">
+                  <a:shade val="50000"/>
+                </a:schemeClr>
+              </a:lnRef>
+              <a:fillRef idx="1">
+                <a:schemeClr val="accent1"/>
+              </a:fillRef>
+              <a:effectRef idx="0">
+                <a:schemeClr val="accent1"/>
+              </a:effectRef>
+              <a:fontRef idx="minor">
+                <a:schemeClr val="lt1"/>
+              </a:fontRef>
+            </p:style>
+            <p:txBody>
+              <a:bodyPr lIns="0" tIns="0" rIns="0" bIns="0" rtlCol="0" anchor="ctr"/>
+              <a:lstStyle/>
+              <a:p>
+                <a:pPr algn="ctr"/>
+                <a:endParaRPr lang="en-US" sz="1200" i="1" dirty="0">
+                  <a:solidFill>
+                    <a:schemeClr val="tx1"/>
+                  </a:solidFill>
+                  <a:latin typeface="CMU Sans Serif" panose="02000603000000000000" pitchFamily="2" charset="0"/>
+                  <a:ea typeface="CMU Sans Serif" panose="02000603000000000000" pitchFamily="2" charset="0"/>
+                  <a:cs typeface="CMU Sans Serif" panose="02000603000000000000" pitchFamily="2" charset="0"/>
+                </a:endParaRPr>
+              </a:p>
+            </p:txBody>
+          </p:sp>
+        </p:grpSp>
+        <p:sp>
+          <p:nvSpPr>
+            <p:cNvPr id="69" name="Rounded Rectangle 68"/>
+            <p:cNvSpPr/>
+            <p:nvPr/>
+          </p:nvSpPr>
+          <p:spPr>
+            <a:xfrm>
+              <a:off x="5650855" y="5117094"/>
+              <a:ext cx="1043593" cy="436455"/>
+            </a:xfrm>
+            <a:prstGeom prst="roundRect">
+              <a:avLst>
+                <a:gd name="adj" fmla="val 50000"/>
+              </a:avLst>
+            </a:prstGeom>
+            <a:solidFill>
+              <a:schemeClr val="tx1"/>
+            </a:solidFill>
+            <a:ln w="9525">
+              <a:noFill/>
+              <a:prstDash val="sysDash"/>
+            </a:ln>
+          </p:spPr>
+          <p:style>
+            <a:lnRef idx="2">
+              <a:schemeClr val="accent1">
+                <a:shade val="50000"/>
+              </a:schemeClr>
+            </a:lnRef>
+            <a:fillRef idx="1">
+              <a:schemeClr val="accent1"/>
+            </a:fillRef>
+            <a:effectRef idx="0">
+              <a:schemeClr val="accent1"/>
+            </a:effectRef>
+            <a:fontRef idx="minor">
+              <a:schemeClr val="lt1"/>
+            </a:fontRef>
+          </p:style>
+          <p:txBody>
+            <a:bodyPr lIns="0" rIns="0" rtlCol="0" anchor="ctr"/>
+            <a:lstStyle/>
+            <a:p>
+              <a:pPr algn="ctr"/>
+              <a:r>
+                <a:rPr lang="en-US" sz="1200" dirty="0" smtClean="0">
+                  <a:solidFill>
+                    <a:schemeClr val="bg1"/>
+                  </a:solidFill>
+                  <a:latin typeface="CMU Sans Serif" panose="02000603000000000000" pitchFamily="2" charset="0"/>
+                  <a:ea typeface="CMU Sans Serif" panose="02000603000000000000" pitchFamily="2" charset="0"/>
+                  <a:cs typeface="CMU Sans Serif" panose="02000603000000000000" pitchFamily="2" charset="0"/>
+                </a:rPr>
+                <a:t>Optimization</a:t>
+              </a:r>
+              <a:endParaRPr lang="en-US" sz="1200" dirty="0">
+                <a:solidFill>
+                  <a:schemeClr val="bg1"/>
+                </a:solidFill>
+                <a:latin typeface="CMU Sans Serif" panose="02000603000000000000" pitchFamily="2" charset="0"/>
+                <a:ea typeface="CMU Sans Serif" panose="02000603000000000000" pitchFamily="2" charset="0"/>
+                <a:cs typeface="CMU Sans Serif" panose="02000603000000000000" pitchFamily="2" charset="0"/>
+              </a:endParaRPr>
+            </a:p>
+          </p:txBody>
+        </p:sp>
+        <p:cxnSp>
+          <p:nvCxnSpPr>
+            <p:cNvPr id="70" name="Straight Arrow Connector 69"/>
+            <p:cNvCxnSpPr>
+              <a:stCxn id="67" idx="3"/>
+              <a:endCxn id="69" idx="1"/>
+            </p:cNvCxnSpPr>
+            <p:nvPr/>
+          </p:nvCxnSpPr>
+          <p:spPr>
+            <a:xfrm flipV="1">
+              <a:off x="5199554" y="5335322"/>
+              <a:ext cx="451301" cy="2"/>
+            </a:xfrm>
+            <a:prstGeom prst="straightConnector1">
+              <a:avLst/>
+            </a:prstGeom>
+            <a:ln w="6350">
+              <a:solidFill>
+                <a:schemeClr val="tx1"/>
+              </a:solidFill>
+              <a:prstDash val="sysDash"/>
+              <a:tailEnd type="triangle"/>
+            </a:ln>
+          </p:spPr>
+          <p:style>
+            <a:lnRef idx="1">
+              <a:schemeClr val="dk1"/>
+            </a:lnRef>
+            <a:fillRef idx="0">
+              <a:schemeClr val="dk1"/>
+            </a:fillRef>
+            <a:effectRef idx="0">
+              <a:schemeClr val="dk1"/>
+            </a:effectRef>
+            <a:fontRef idx="minor">
+              <a:schemeClr val="tx1"/>
+            </a:fontRef>
+          </p:style>
+        </p:cxnSp>
+        <p:cxnSp>
+          <p:nvCxnSpPr>
+            <p:cNvPr id="72" name="Straight Arrow Connector 71"/>
+            <p:cNvCxnSpPr>
+              <a:stCxn id="69" idx="3"/>
+            </p:cNvCxnSpPr>
+            <p:nvPr/>
+          </p:nvCxnSpPr>
+          <p:spPr>
+            <a:xfrm>
+              <a:off x="6694448" y="5335322"/>
+              <a:ext cx="337672" cy="0"/>
+            </a:xfrm>
+            <a:prstGeom prst="straightConnector1">
+              <a:avLst/>
+            </a:prstGeom>
+            <a:ln w="6350">
+              <a:solidFill>
+                <a:schemeClr val="tx1"/>
+              </a:solidFill>
+              <a:prstDash val="sysDash"/>
+              <a:tailEnd type="triangle"/>
+            </a:ln>
+          </p:spPr>
+          <p:style>
+            <a:lnRef idx="1">
+              <a:schemeClr val="dk1"/>
+            </a:lnRef>
+            <a:fillRef idx="0">
+              <a:schemeClr val="dk1"/>
+            </a:fillRef>
+            <a:effectRef idx="0">
+              <a:schemeClr val="dk1"/>
+            </a:effectRef>
+            <a:fontRef idx="minor">
+              <a:schemeClr val="tx1"/>
+            </a:fontRef>
+          </p:style>
+        </p:cxnSp>
+        <p:sp>
+          <p:nvSpPr>
             <p:cNvPr id="106" name="Rectangle 105"/>
             <p:cNvSpPr/>
             <p:nvPr/>
           </p:nvSpPr>
           <p:spPr>
             <a:xfrm>
-              <a:off x="1593476" y="2986159"/>
-              <a:ext cx="934871" cy="276999"/>
+              <a:off x="2123163" y="2974617"/>
+              <a:ext cx="801422" cy="276999"/>
             </a:xfrm>
             <a:prstGeom prst="rect">
               <a:avLst/>
             </a:prstGeom>
           </p:spPr>
           <p:txBody>
-            <a:bodyPr wrap="none">
+            <a:bodyPr wrap="none" lIns="0" rIns="0">
               <a:spAutoFit/>
             </a:bodyPr>
             <a:lstStyle/>
             <a:p>
               <a:r>
-                <a:rPr lang="en-US" sz="1200" dirty="0" err="1" smtClean="0">
+                <a:rPr lang="en-US" sz="1200" b="1" dirty="0" err="1" smtClean="0">
                   <a:latin typeface="CMU Sans Serif" panose="02000603000000000000" pitchFamily="2" charset="0"/>
                   <a:ea typeface="CMU Sans Serif" panose="02000603000000000000" pitchFamily="2" charset="0"/>
                   <a:cs typeface="CMU Sans Serif" panose="02000603000000000000" pitchFamily="2" charset="0"/>
                 </a:rPr>
                 <a:t>TensorFlow</a:t>
               </a:r>
-              <a:endParaRPr lang="en-US" sz="1200" dirty="0" smtClean="0">
+              <a:endParaRPr lang="en-US" sz="1200" b="1" dirty="0" smtClean="0">
                 <a:latin typeface="CMU Sans Serif" panose="02000603000000000000" pitchFamily="2" charset="0"/>
                 <a:ea typeface="CMU Sans Serif" panose="02000603000000000000" pitchFamily="2" charset="0"/>
                 <a:cs typeface="CMU Sans Serif" panose="02000603000000000000" pitchFamily="2" charset="0"/>
@@ -9111,21 +9000,21 @@
           </p:nvSpPr>
           <p:spPr>
             <a:xfrm>
-              <a:off x="1769732" y="4445844"/>
-              <a:ext cx="461986" cy="276999"/>
+              <a:off x="2276175" y="4445844"/>
+              <a:ext cx="298570" cy="276999"/>
             </a:xfrm>
             <a:prstGeom prst="rect">
               <a:avLst/>
             </a:prstGeom>
           </p:spPr>
           <p:txBody>
-            <a:bodyPr wrap="none">
+            <a:bodyPr wrap="none" lIns="0" rIns="0">
               <a:spAutoFit/>
             </a:bodyPr>
             <a:lstStyle/>
             <a:p>
               <a:r>
-                <a:rPr lang="en-US" sz="1200" dirty="0" smtClean="0">
+                <a:rPr lang="en-US" sz="1200" b="1" dirty="0" smtClean="0">
                   <a:latin typeface="CMU Sans Serif" panose="02000603000000000000" pitchFamily="2" charset="0"/>
                   <a:ea typeface="CMU Sans Serif" panose="02000603000000000000" pitchFamily="2" charset="0"/>
                   <a:cs typeface="CMU Sans Serif" panose="02000603000000000000" pitchFamily="2" charset="0"/>
@@ -9143,8 +9032,149 @@
           </p:nvSpPr>
           <p:spPr>
             <a:xfrm>
-              <a:off x="6236850" y="5599878"/>
-              <a:ext cx="500458" cy="276999"/>
+              <a:off x="6495954" y="5533931"/>
+              <a:ext cx="336284" cy="276999"/>
+            </a:xfrm>
+            <a:prstGeom prst="rect">
+              <a:avLst/>
+            </a:prstGeom>
+          </p:spPr>
+          <p:txBody>
+            <a:bodyPr wrap="none" lIns="0" rIns="0">
+              <a:spAutoFit/>
+            </a:bodyPr>
+            <a:lstStyle/>
+            <a:p>
+              <a:r>
+                <a:rPr lang="en-US" sz="1200" b="1" dirty="0" err="1" smtClean="0">
+                  <a:latin typeface="CMU Sans Serif" panose="02000603000000000000" pitchFamily="2" charset="0"/>
+                  <a:ea typeface="CMU Sans Serif" panose="02000603000000000000" pitchFamily="2" charset="0"/>
+                  <a:cs typeface="CMU Sans Serif" panose="02000603000000000000" pitchFamily="2" charset="0"/>
+                </a:rPr>
+                <a:t>scipy</a:t>
+              </a:r>
+              <a:endParaRPr lang="en-US" sz="1200" b="1" dirty="0" smtClean="0">
+                <a:latin typeface="CMU Sans Serif" panose="02000603000000000000" pitchFamily="2" charset="0"/>
+                <a:ea typeface="CMU Sans Serif" panose="02000603000000000000" pitchFamily="2" charset="0"/>
+                <a:cs typeface="CMU Sans Serif" panose="02000603000000000000" pitchFamily="2" charset="0"/>
+              </a:endParaRPr>
+            </a:p>
+          </p:txBody>
+        </p:sp>
+        <p:sp>
+          <p:nvSpPr>
+            <p:cNvPr id="139" name="Rectangle 138"/>
+            <p:cNvSpPr/>
+            <p:nvPr/>
+          </p:nvSpPr>
+          <p:spPr>
+            <a:xfrm>
+              <a:off x="2254924" y="862631"/>
+              <a:ext cx="1046921" cy="528110"/>
+            </a:xfrm>
+            <a:prstGeom prst="rect">
+              <a:avLst/>
+            </a:prstGeom>
+            <a:solidFill>
+              <a:schemeClr val="bg1"/>
+            </a:solidFill>
+            <a:ln>
+              <a:noFill/>
+            </a:ln>
+          </p:spPr>
+          <p:style>
+            <a:lnRef idx="2">
+              <a:schemeClr val="accent1">
+                <a:shade val="50000"/>
+              </a:schemeClr>
+            </a:lnRef>
+            <a:fillRef idx="1">
+              <a:schemeClr val="accent1"/>
+            </a:fillRef>
+            <a:effectRef idx="0">
+              <a:schemeClr val="accent1"/>
+            </a:effectRef>
+            <a:fontRef idx="minor">
+              <a:schemeClr val="lt1"/>
+            </a:fontRef>
+          </p:style>
+          <p:txBody>
+            <a:bodyPr lIns="0" rIns="0" rtlCol="0" anchor="ctr"/>
+            <a:lstStyle/>
+            <a:p>
+              <a:pPr algn="ctr"/>
+              <a:r>
+                <a:rPr lang="en-US" sz="1200" i="1" dirty="0" smtClean="0">
+                  <a:solidFill>
+                    <a:schemeClr val="tx1"/>
+                  </a:solidFill>
+                  <a:latin typeface="CMU Sans Serif" panose="02000603000000000000" pitchFamily="2" charset="0"/>
+                  <a:ea typeface="CMU Sans Serif" panose="02000603000000000000" pitchFamily="2" charset="0"/>
+                  <a:cs typeface="CMU Sans Serif" panose="02000603000000000000" pitchFamily="2" charset="0"/>
+                </a:rPr>
+                <a:t>Artificial</a:t>
+              </a:r>
+              <a:endParaRPr lang="en-US" sz="1200" i="1" dirty="0">
+                <a:solidFill>
+                  <a:schemeClr val="tx1"/>
+                </a:solidFill>
+                <a:latin typeface="CMU Sans Serif" panose="02000603000000000000" pitchFamily="2" charset="0"/>
+                <a:ea typeface="CMU Sans Serif" panose="02000603000000000000" pitchFamily="2" charset="0"/>
+                <a:cs typeface="CMU Sans Serif" panose="02000603000000000000" pitchFamily="2" charset="0"/>
+              </a:endParaRPr>
+            </a:p>
+          </p:txBody>
+        </p:sp>
+        <p:cxnSp>
+          <p:nvCxnSpPr>
+            <p:cNvPr id="140" name="Curved Connector 139"/>
+            <p:cNvCxnSpPr>
+              <a:stCxn id="139" idx="3"/>
+              <a:endCxn id="10" idx="1"/>
+            </p:cNvCxnSpPr>
+            <p:nvPr/>
+          </p:nvCxnSpPr>
+          <p:spPr>
+            <a:xfrm>
+              <a:off x="3301844" y="1126686"/>
+              <a:ext cx="333319" cy="491112"/>
+            </a:xfrm>
+            <a:prstGeom prst="curvedConnector3">
+              <a:avLst/>
+            </a:prstGeom>
+            <a:ln>
+              <a:solidFill>
+                <a:schemeClr val="tx1"/>
+              </a:solidFill>
+              <a:prstDash val="sysDot"/>
+              <a:tailEnd type="triangle"/>
+            </a:ln>
+          </p:spPr>
+          <p:style>
+            <a:lnRef idx="1">
+              <a:schemeClr val="accent1"/>
+            </a:lnRef>
+            <a:fillRef idx="0">
+              <a:schemeClr val="accent1"/>
+            </a:fillRef>
+            <a:effectRef idx="0">
+              <a:schemeClr val="accent1"/>
+            </a:effectRef>
+            <a:fontRef idx="minor">
+              <a:schemeClr val="tx1"/>
+            </a:fontRef>
+          </p:style>
+        </p:cxnSp>
+        <p:sp>
+          <p:nvSpPr>
+            <p:cNvPr id="144" name="Rectangle 143"/>
+            <p:cNvSpPr/>
+            <p:nvPr/>
+          </p:nvSpPr>
+          <p:spPr>
+            <a:xfrm flipH="1">
+              <a:off x="8608526" y="3793338"/>
+              <a:ext cx="915636" cy="276999"/>
             </a:xfrm>
             <a:prstGeom prst="rect">
               <a:avLst/>
@@ -9156,15 +9186,16 @@
             </a:bodyPr>
             <a:lstStyle/>
             <a:p>
+              <a:pPr algn="ctr"/>
               <a:r>
-                <a:rPr lang="en-US" sz="1200" dirty="0" err="1" smtClean="0">
+                <a:rPr lang="en-US" sz="1200" b="1" dirty="0" smtClean="0">
                   <a:latin typeface="CMU Sans Serif" panose="02000603000000000000" pitchFamily="2" charset="0"/>
                   <a:ea typeface="CMU Sans Serif" panose="02000603000000000000" pitchFamily="2" charset="0"/>
                   <a:cs typeface="CMU Sans Serif" panose="02000603000000000000" pitchFamily="2" charset="0"/>
                 </a:rPr>
-                <a:t>scipy</a:t>
+                <a:t>NSGA-II ?</a:t>
               </a:r>
-              <a:endParaRPr lang="en-US" sz="1200" dirty="0" smtClean="0">
+              <a:endParaRPr lang="en-US" sz="1200" b="1" dirty="0">
                 <a:latin typeface="CMU Sans Serif" panose="02000603000000000000" pitchFamily="2" charset="0"/>
                 <a:ea typeface="CMU Sans Serif" panose="02000603000000000000" pitchFamily="2" charset="0"/>
                 <a:cs typeface="CMU Sans Serif" panose="02000603000000000000" pitchFamily="2" charset="0"/>
@@ -9172,6 +9203,43 @@
             </a:p>
           </p:txBody>
         </p:sp>
+        <p:cxnSp>
+          <p:nvCxnSpPr>
+            <p:cNvPr id="156" name="Straight Arrow Connector 155"/>
+            <p:cNvCxnSpPr/>
+            <p:nvPr/>
+          </p:nvCxnSpPr>
+          <p:spPr>
+            <a:xfrm flipV="1">
+              <a:off x="2738548" y="5335321"/>
+              <a:ext cx="500316" cy="3"/>
+            </a:xfrm>
+            <a:prstGeom prst="straightConnector1">
+              <a:avLst/>
+            </a:prstGeom>
+            <a:ln w="6350">
+              <a:solidFill>
+                <a:schemeClr val="tx1"/>
+              </a:solidFill>
+              <a:prstDash val="sysDash"/>
+              <a:tailEnd type="triangle"/>
+            </a:ln>
+          </p:spPr>
+          <p:style>
+            <a:lnRef idx="1">
+              <a:schemeClr val="dk1"/>
+            </a:lnRef>
+            <a:fillRef idx="0">
+              <a:schemeClr val="dk1"/>
+            </a:fillRef>
+            <a:effectRef idx="0">
+              <a:schemeClr val="dk1"/>
+            </a:effectRef>
+            <a:fontRef idx="minor">
+              <a:schemeClr val="tx1"/>
+            </a:fontRef>
+          </p:style>
+        </p:cxnSp>
       </p:grpSp>
     </p:spTree>
     <p:extLst>

--- a/presentations/code_diagram.pptx
+++ b/presentations/code_diagram.pptx
@@ -7753,14 +7753,14 @@
             <p:nvPr/>
           </p:nvCxnSpPr>
           <p:spPr>
-            <a:xfrm flipH="1">
-              <a:off x="2739852" y="4426705"/>
-              <a:ext cx="5264" cy="929685"/>
+            <a:xfrm>
+              <a:off x="2745116" y="4426705"/>
+              <a:ext cx="0" cy="908616"/>
             </a:xfrm>
             <a:prstGeom prst="straightConnector1">
               <a:avLst/>
             </a:prstGeom>
-            <a:ln w="9525">
+            <a:ln w="6350">
               <a:solidFill>
                 <a:schemeClr val="tx1"/>
               </a:solidFill>

--- a/presentations/code_diagram.pptx
+++ b/presentations/code_diagram.pptx
@@ -6,6 +6,7 @@
   </p:sldMasterIdLst>
   <p:sldIdLst>
     <p:sldId id="256" r:id="rId2"/>
+    <p:sldId id="257" r:id="rId3"/>
   </p:sldIdLst>
   <p:sldSz cx="12192000" cy="6858000"/>
   <p:notesSz cx="6858000" cy="9144000"/>
@@ -104,6 +105,11 @@
       </a:defRPr>
     </a:lvl9pPr>
   </p:defaultTextStyle>
+  <p:extLst>
+    <p:ext uri="{EFAFB233-063F-42B5-8137-9DF3F51BA10A}">
+      <p15:sldGuideLst xmlns:p15="http://schemas.microsoft.com/office/powerpoint/2012/main"/>
+    </p:ext>
+  </p:extLst>
 </p:presentation>
 </file>
 
@@ -149,10 +155,9 @@
           </a:lstStyle>
           <a:p>
             <a:r>
-              <a:rPr lang="en-US" smtClean="0"/>
+              <a:rPr lang="en-US"/>
               <a:t>Click to edit Master title style</a:t>
             </a:r>
-            <a:endParaRPr lang="en-US"/>
           </a:p>
         </p:txBody>
       </p:sp>
@@ -214,10 +219,9 @@
           </a:lstStyle>
           <a:p>
             <a:r>
-              <a:rPr lang="en-US" smtClean="0"/>
+              <a:rPr lang="en-US"/>
               <a:t>Click to edit Master subtitle style</a:t>
             </a:r>
-            <a:endParaRPr lang="en-US"/>
           </a:p>
         </p:txBody>
       </p:sp>
@@ -238,7 +242,7 @@
           <a:p>
             <a:fld id="{62BC7CE0-9F7F-40E9-8FE8-25A3751ED281}" type="datetimeFigureOut">
               <a:rPr lang="en-US" smtClean="0"/>
-              <a:t>6/19/2019</a:t>
+              <a:t>7/16/2019</a:t>
             </a:fld>
             <a:endParaRPr lang="en-US"/>
           </a:p>
@@ -332,10 +336,9 @@
           <a:lstStyle/>
           <a:p>
             <a:r>
-              <a:rPr lang="en-US" smtClean="0"/>
+              <a:rPr lang="en-US"/>
               <a:t>Click to edit Master title style</a:t>
             </a:r>
-            <a:endParaRPr lang="en-US"/>
           </a:p>
         </p:txBody>
       </p:sp>
@@ -356,38 +359,37 @@
           <a:p>
             <a:pPr lvl="0"/>
             <a:r>
-              <a:rPr lang="en-US" smtClean="0"/>
+              <a:rPr lang="en-US"/>
               <a:t>Edit Master text styles</a:t>
             </a:r>
           </a:p>
           <a:p>
             <a:pPr lvl="1"/>
             <a:r>
-              <a:rPr lang="en-US" smtClean="0"/>
+              <a:rPr lang="en-US"/>
               <a:t>Second level</a:t>
             </a:r>
           </a:p>
           <a:p>
             <a:pPr lvl="2"/>
             <a:r>
-              <a:rPr lang="en-US" smtClean="0"/>
+              <a:rPr lang="en-US"/>
               <a:t>Third level</a:t>
             </a:r>
           </a:p>
           <a:p>
             <a:pPr lvl="3"/>
             <a:r>
-              <a:rPr lang="en-US" smtClean="0"/>
+              <a:rPr lang="en-US"/>
               <a:t>Fourth level</a:t>
             </a:r>
           </a:p>
           <a:p>
             <a:pPr lvl="4"/>
             <a:r>
-              <a:rPr lang="en-US" smtClean="0"/>
+              <a:rPr lang="en-US"/>
               <a:t>Fifth level</a:t>
             </a:r>
-            <a:endParaRPr lang="en-US"/>
           </a:p>
         </p:txBody>
       </p:sp>
@@ -408,7 +410,7 @@
           <a:p>
             <a:fld id="{62BC7CE0-9F7F-40E9-8FE8-25A3751ED281}" type="datetimeFigureOut">
               <a:rPr lang="en-US" smtClean="0"/>
-              <a:t>6/19/2019</a:t>
+              <a:t>7/16/2019</a:t>
             </a:fld>
             <a:endParaRPr lang="en-US"/>
           </a:p>
@@ -507,10 +509,9 @@
           <a:lstStyle/>
           <a:p>
             <a:r>
-              <a:rPr lang="en-US" smtClean="0"/>
+              <a:rPr lang="en-US"/>
               <a:t>Click to edit Master title style</a:t>
             </a:r>
-            <a:endParaRPr lang="en-US"/>
           </a:p>
         </p:txBody>
       </p:sp>
@@ -536,38 +537,37 @@
           <a:p>
             <a:pPr lvl="0"/>
             <a:r>
-              <a:rPr lang="en-US" smtClean="0"/>
+              <a:rPr lang="en-US"/>
               <a:t>Edit Master text styles</a:t>
             </a:r>
           </a:p>
           <a:p>
             <a:pPr lvl="1"/>
             <a:r>
-              <a:rPr lang="en-US" smtClean="0"/>
+              <a:rPr lang="en-US"/>
               <a:t>Second level</a:t>
             </a:r>
           </a:p>
           <a:p>
             <a:pPr lvl="2"/>
             <a:r>
-              <a:rPr lang="en-US" smtClean="0"/>
+              <a:rPr lang="en-US"/>
               <a:t>Third level</a:t>
             </a:r>
           </a:p>
           <a:p>
             <a:pPr lvl="3"/>
             <a:r>
-              <a:rPr lang="en-US" smtClean="0"/>
+              <a:rPr lang="en-US"/>
               <a:t>Fourth level</a:t>
             </a:r>
           </a:p>
           <a:p>
             <a:pPr lvl="4"/>
             <a:r>
-              <a:rPr lang="en-US" smtClean="0"/>
+              <a:rPr lang="en-US"/>
               <a:t>Fifth level</a:t>
             </a:r>
-            <a:endParaRPr lang="en-US"/>
           </a:p>
         </p:txBody>
       </p:sp>
@@ -588,7 +588,7 @@
           <a:p>
             <a:fld id="{62BC7CE0-9F7F-40E9-8FE8-25A3751ED281}" type="datetimeFigureOut">
               <a:rPr lang="en-US" smtClean="0"/>
-              <a:t>6/19/2019</a:t>
+              <a:t>7/16/2019</a:t>
             </a:fld>
             <a:endParaRPr lang="en-US"/>
           </a:p>
@@ -682,10 +682,9 @@
           <a:lstStyle/>
           <a:p>
             <a:r>
-              <a:rPr lang="en-US" smtClean="0"/>
+              <a:rPr lang="en-US"/>
               <a:t>Click to edit Master title style</a:t>
             </a:r>
-            <a:endParaRPr lang="en-US"/>
           </a:p>
         </p:txBody>
       </p:sp>
@@ -706,38 +705,37 @@
           <a:p>
             <a:pPr lvl="0"/>
             <a:r>
-              <a:rPr lang="en-US" smtClean="0"/>
+              <a:rPr lang="en-US"/>
               <a:t>Edit Master text styles</a:t>
             </a:r>
           </a:p>
           <a:p>
             <a:pPr lvl="1"/>
             <a:r>
-              <a:rPr lang="en-US" smtClean="0"/>
+              <a:rPr lang="en-US"/>
               <a:t>Second level</a:t>
             </a:r>
           </a:p>
           <a:p>
             <a:pPr lvl="2"/>
             <a:r>
-              <a:rPr lang="en-US" smtClean="0"/>
+              <a:rPr lang="en-US"/>
               <a:t>Third level</a:t>
             </a:r>
           </a:p>
           <a:p>
             <a:pPr lvl="3"/>
             <a:r>
-              <a:rPr lang="en-US" smtClean="0"/>
+              <a:rPr lang="en-US"/>
               <a:t>Fourth level</a:t>
             </a:r>
           </a:p>
           <a:p>
             <a:pPr lvl="4"/>
             <a:r>
-              <a:rPr lang="en-US" smtClean="0"/>
+              <a:rPr lang="en-US"/>
               <a:t>Fifth level</a:t>
             </a:r>
-            <a:endParaRPr lang="en-US"/>
           </a:p>
         </p:txBody>
       </p:sp>
@@ -758,7 +756,7 @@
           <a:p>
             <a:fld id="{62BC7CE0-9F7F-40E9-8FE8-25A3751ED281}" type="datetimeFigureOut">
               <a:rPr lang="en-US" smtClean="0"/>
-              <a:t>6/19/2019</a:t>
+              <a:t>7/16/2019</a:t>
             </a:fld>
             <a:endParaRPr lang="en-US"/>
           </a:p>
@@ -861,10 +859,9 @@
           </a:lstStyle>
           <a:p>
             <a:r>
-              <a:rPr lang="en-US" smtClean="0"/>
+              <a:rPr lang="en-US"/>
               <a:t>Click to edit Master title style</a:t>
             </a:r>
-            <a:endParaRPr lang="en-US"/>
           </a:p>
         </p:txBody>
       </p:sp>
@@ -981,7 +978,7 @@
           <a:p>
             <a:pPr lvl="0"/>
             <a:r>
-              <a:rPr lang="en-US" smtClean="0"/>
+              <a:rPr lang="en-US"/>
               <a:t>Edit Master text styles</a:t>
             </a:r>
           </a:p>
@@ -1004,7 +1001,7 @@
           <a:p>
             <a:fld id="{62BC7CE0-9F7F-40E9-8FE8-25A3751ED281}" type="datetimeFigureOut">
               <a:rPr lang="en-US" smtClean="0"/>
-              <a:t>6/19/2019</a:t>
+              <a:t>7/16/2019</a:t>
             </a:fld>
             <a:endParaRPr lang="en-US"/>
           </a:p>
@@ -1098,10 +1095,9 @@
           <a:lstStyle/>
           <a:p>
             <a:r>
-              <a:rPr lang="en-US" smtClean="0"/>
+              <a:rPr lang="en-US"/>
               <a:t>Click to edit Master title style</a:t>
             </a:r>
-            <a:endParaRPr lang="en-US"/>
           </a:p>
         </p:txBody>
       </p:sp>
@@ -1127,38 +1123,37 @@
           <a:p>
             <a:pPr lvl="0"/>
             <a:r>
-              <a:rPr lang="en-US" smtClean="0"/>
+              <a:rPr lang="en-US"/>
               <a:t>Edit Master text styles</a:t>
             </a:r>
           </a:p>
           <a:p>
             <a:pPr lvl="1"/>
             <a:r>
-              <a:rPr lang="en-US" smtClean="0"/>
+              <a:rPr lang="en-US"/>
               <a:t>Second level</a:t>
             </a:r>
           </a:p>
           <a:p>
             <a:pPr lvl="2"/>
             <a:r>
-              <a:rPr lang="en-US" smtClean="0"/>
+              <a:rPr lang="en-US"/>
               <a:t>Third level</a:t>
             </a:r>
           </a:p>
           <a:p>
             <a:pPr lvl="3"/>
             <a:r>
-              <a:rPr lang="en-US" smtClean="0"/>
+              <a:rPr lang="en-US"/>
               <a:t>Fourth level</a:t>
             </a:r>
           </a:p>
           <a:p>
             <a:pPr lvl="4"/>
             <a:r>
-              <a:rPr lang="en-US" smtClean="0"/>
+              <a:rPr lang="en-US"/>
               <a:t>Fifth level</a:t>
             </a:r>
-            <a:endParaRPr lang="en-US"/>
           </a:p>
         </p:txBody>
       </p:sp>
@@ -1184,38 +1179,37 @@
           <a:p>
             <a:pPr lvl="0"/>
             <a:r>
-              <a:rPr lang="en-US" smtClean="0"/>
+              <a:rPr lang="en-US"/>
               <a:t>Edit Master text styles</a:t>
             </a:r>
           </a:p>
           <a:p>
             <a:pPr lvl="1"/>
             <a:r>
-              <a:rPr lang="en-US" smtClean="0"/>
+              <a:rPr lang="en-US"/>
               <a:t>Second level</a:t>
             </a:r>
           </a:p>
           <a:p>
             <a:pPr lvl="2"/>
             <a:r>
-              <a:rPr lang="en-US" smtClean="0"/>
+              <a:rPr lang="en-US"/>
               <a:t>Third level</a:t>
             </a:r>
           </a:p>
           <a:p>
             <a:pPr lvl="3"/>
             <a:r>
-              <a:rPr lang="en-US" smtClean="0"/>
+              <a:rPr lang="en-US"/>
               <a:t>Fourth level</a:t>
             </a:r>
           </a:p>
           <a:p>
             <a:pPr lvl="4"/>
             <a:r>
-              <a:rPr lang="en-US" smtClean="0"/>
+              <a:rPr lang="en-US"/>
               <a:t>Fifth level</a:t>
             </a:r>
-            <a:endParaRPr lang="en-US"/>
           </a:p>
         </p:txBody>
       </p:sp>
@@ -1236,7 +1230,7 @@
           <a:p>
             <a:fld id="{62BC7CE0-9F7F-40E9-8FE8-25A3751ED281}" type="datetimeFigureOut">
               <a:rPr lang="en-US" smtClean="0"/>
-              <a:t>6/19/2019</a:t>
+              <a:t>7/16/2019</a:t>
             </a:fld>
             <a:endParaRPr lang="en-US"/>
           </a:p>
@@ -1335,10 +1329,9 @@
           <a:lstStyle/>
           <a:p>
             <a:r>
-              <a:rPr lang="en-US" smtClean="0"/>
+              <a:rPr lang="en-US"/>
               <a:t>Click to edit Master title style</a:t>
             </a:r>
-            <a:endParaRPr lang="en-US"/>
           </a:p>
         </p:txBody>
       </p:sp>
@@ -1401,7 +1394,7 @@
           <a:p>
             <a:pPr lvl="0"/>
             <a:r>
-              <a:rPr lang="en-US" smtClean="0"/>
+              <a:rPr lang="en-US"/>
               <a:t>Edit Master text styles</a:t>
             </a:r>
           </a:p>
@@ -1429,38 +1422,37 @@
           <a:p>
             <a:pPr lvl="0"/>
             <a:r>
-              <a:rPr lang="en-US" smtClean="0"/>
+              <a:rPr lang="en-US"/>
               <a:t>Edit Master text styles</a:t>
             </a:r>
           </a:p>
           <a:p>
             <a:pPr lvl="1"/>
             <a:r>
-              <a:rPr lang="en-US" smtClean="0"/>
+              <a:rPr lang="en-US"/>
               <a:t>Second level</a:t>
             </a:r>
           </a:p>
           <a:p>
             <a:pPr lvl="2"/>
             <a:r>
-              <a:rPr lang="en-US" smtClean="0"/>
+              <a:rPr lang="en-US"/>
               <a:t>Third level</a:t>
             </a:r>
           </a:p>
           <a:p>
             <a:pPr lvl="3"/>
             <a:r>
-              <a:rPr lang="en-US" smtClean="0"/>
+              <a:rPr lang="en-US"/>
               <a:t>Fourth level</a:t>
             </a:r>
           </a:p>
           <a:p>
             <a:pPr lvl="4"/>
             <a:r>
-              <a:rPr lang="en-US" smtClean="0"/>
+              <a:rPr lang="en-US"/>
               <a:t>Fifth level</a:t>
             </a:r>
-            <a:endParaRPr lang="en-US"/>
           </a:p>
         </p:txBody>
       </p:sp>
@@ -1523,7 +1515,7 @@
           <a:p>
             <a:pPr lvl="0"/>
             <a:r>
-              <a:rPr lang="en-US" smtClean="0"/>
+              <a:rPr lang="en-US"/>
               <a:t>Edit Master text styles</a:t>
             </a:r>
           </a:p>
@@ -1551,38 +1543,37 @@
           <a:p>
             <a:pPr lvl="0"/>
             <a:r>
-              <a:rPr lang="en-US" smtClean="0"/>
+              <a:rPr lang="en-US"/>
               <a:t>Edit Master text styles</a:t>
             </a:r>
           </a:p>
           <a:p>
             <a:pPr lvl="1"/>
             <a:r>
-              <a:rPr lang="en-US" smtClean="0"/>
+              <a:rPr lang="en-US"/>
               <a:t>Second level</a:t>
             </a:r>
           </a:p>
           <a:p>
             <a:pPr lvl="2"/>
             <a:r>
-              <a:rPr lang="en-US" smtClean="0"/>
+              <a:rPr lang="en-US"/>
               <a:t>Third level</a:t>
             </a:r>
           </a:p>
           <a:p>
             <a:pPr lvl="3"/>
             <a:r>
-              <a:rPr lang="en-US" smtClean="0"/>
+              <a:rPr lang="en-US"/>
               <a:t>Fourth level</a:t>
             </a:r>
           </a:p>
           <a:p>
             <a:pPr lvl="4"/>
             <a:r>
-              <a:rPr lang="en-US" smtClean="0"/>
+              <a:rPr lang="en-US"/>
               <a:t>Fifth level</a:t>
             </a:r>
-            <a:endParaRPr lang="en-US"/>
           </a:p>
         </p:txBody>
       </p:sp>
@@ -1603,7 +1594,7 @@
           <a:p>
             <a:fld id="{62BC7CE0-9F7F-40E9-8FE8-25A3751ED281}" type="datetimeFigureOut">
               <a:rPr lang="en-US" smtClean="0"/>
-              <a:t>6/19/2019</a:t>
+              <a:t>7/16/2019</a:t>
             </a:fld>
             <a:endParaRPr lang="en-US"/>
           </a:p>
@@ -1697,10 +1688,9 @@
           <a:lstStyle/>
           <a:p>
             <a:r>
-              <a:rPr lang="en-US" smtClean="0"/>
+              <a:rPr lang="en-US"/>
               <a:t>Click to edit Master title style</a:t>
             </a:r>
-            <a:endParaRPr lang="en-US"/>
           </a:p>
         </p:txBody>
       </p:sp>
@@ -1721,7 +1711,7 @@
           <a:p>
             <a:fld id="{62BC7CE0-9F7F-40E9-8FE8-25A3751ED281}" type="datetimeFigureOut">
               <a:rPr lang="en-US" smtClean="0"/>
-              <a:t>6/19/2019</a:t>
+              <a:t>7/16/2019</a:t>
             </a:fld>
             <a:endParaRPr lang="en-US"/>
           </a:p>
@@ -1816,7 +1806,7 @@
           <a:p>
             <a:fld id="{62BC7CE0-9F7F-40E9-8FE8-25A3751ED281}" type="datetimeFigureOut">
               <a:rPr lang="en-US" smtClean="0"/>
-              <a:t>6/19/2019</a:t>
+              <a:t>7/16/2019</a:t>
             </a:fld>
             <a:endParaRPr lang="en-US"/>
           </a:p>
@@ -1919,10 +1909,9 @@
           </a:lstStyle>
           <a:p>
             <a:r>
-              <a:rPr lang="en-US" smtClean="0"/>
+              <a:rPr lang="en-US"/>
               <a:t>Click to edit Master title style</a:t>
             </a:r>
-            <a:endParaRPr lang="en-US"/>
           </a:p>
         </p:txBody>
       </p:sp>
@@ -1976,38 +1965,37 @@
           <a:p>
             <a:pPr lvl="0"/>
             <a:r>
-              <a:rPr lang="en-US" smtClean="0"/>
+              <a:rPr lang="en-US"/>
               <a:t>Edit Master text styles</a:t>
             </a:r>
           </a:p>
           <a:p>
             <a:pPr lvl="1"/>
             <a:r>
-              <a:rPr lang="en-US" smtClean="0"/>
+              <a:rPr lang="en-US"/>
               <a:t>Second level</a:t>
             </a:r>
           </a:p>
           <a:p>
             <a:pPr lvl="2"/>
             <a:r>
-              <a:rPr lang="en-US" smtClean="0"/>
+              <a:rPr lang="en-US"/>
               <a:t>Third level</a:t>
             </a:r>
           </a:p>
           <a:p>
             <a:pPr lvl="3"/>
             <a:r>
-              <a:rPr lang="en-US" smtClean="0"/>
+              <a:rPr lang="en-US"/>
               <a:t>Fourth level</a:t>
             </a:r>
           </a:p>
           <a:p>
             <a:pPr lvl="4"/>
             <a:r>
-              <a:rPr lang="en-US" smtClean="0"/>
+              <a:rPr lang="en-US"/>
               <a:t>Fifth level</a:t>
             </a:r>
-            <a:endParaRPr lang="en-US"/>
           </a:p>
         </p:txBody>
       </p:sp>
@@ -2070,7 +2058,7 @@
           <a:p>
             <a:pPr lvl="0"/>
             <a:r>
-              <a:rPr lang="en-US" smtClean="0"/>
+              <a:rPr lang="en-US"/>
               <a:t>Edit Master text styles</a:t>
             </a:r>
           </a:p>
@@ -2093,7 +2081,7 @@
           <a:p>
             <a:fld id="{62BC7CE0-9F7F-40E9-8FE8-25A3751ED281}" type="datetimeFigureOut">
               <a:rPr lang="en-US" smtClean="0"/>
-              <a:t>6/19/2019</a:t>
+              <a:t>7/16/2019</a:t>
             </a:fld>
             <a:endParaRPr lang="en-US"/>
           </a:p>
@@ -2196,10 +2184,9 @@
           </a:lstStyle>
           <a:p>
             <a:r>
-              <a:rPr lang="en-US" smtClean="0"/>
+              <a:rPr lang="en-US"/>
               <a:t>Click to edit Master title style</a:t>
             </a:r>
-            <a:endParaRPr lang="en-US"/>
           </a:p>
         </p:txBody>
       </p:sp>
@@ -2323,7 +2310,7 @@
           <a:p>
             <a:pPr lvl="0"/>
             <a:r>
-              <a:rPr lang="en-US" smtClean="0"/>
+              <a:rPr lang="en-US"/>
               <a:t>Edit Master text styles</a:t>
             </a:r>
           </a:p>
@@ -2346,7 +2333,7 @@
           <a:p>
             <a:fld id="{62BC7CE0-9F7F-40E9-8FE8-25A3751ED281}" type="datetimeFigureOut">
               <a:rPr lang="en-US" smtClean="0"/>
-              <a:t>6/19/2019</a:t>
+              <a:t>7/16/2019</a:t>
             </a:fld>
             <a:endParaRPr lang="en-US"/>
           </a:p>
@@ -2455,10 +2442,9 @@
           <a:lstStyle/>
           <a:p>
             <a:r>
-              <a:rPr lang="en-US" smtClean="0"/>
+              <a:rPr lang="en-US"/>
               <a:t>Click to edit Master title style</a:t>
             </a:r>
-            <a:endParaRPr lang="en-US"/>
           </a:p>
         </p:txBody>
       </p:sp>
@@ -2489,38 +2475,37 @@
           <a:p>
             <a:pPr lvl="0"/>
             <a:r>
-              <a:rPr lang="en-US" smtClean="0"/>
+              <a:rPr lang="en-US"/>
               <a:t>Edit Master text styles</a:t>
             </a:r>
           </a:p>
           <a:p>
             <a:pPr lvl="1"/>
             <a:r>
-              <a:rPr lang="en-US" smtClean="0"/>
+              <a:rPr lang="en-US"/>
               <a:t>Second level</a:t>
             </a:r>
           </a:p>
           <a:p>
             <a:pPr lvl="2"/>
             <a:r>
-              <a:rPr lang="en-US" smtClean="0"/>
+              <a:rPr lang="en-US"/>
               <a:t>Third level</a:t>
             </a:r>
           </a:p>
           <a:p>
             <a:pPr lvl="3"/>
             <a:r>
-              <a:rPr lang="en-US" smtClean="0"/>
+              <a:rPr lang="en-US"/>
               <a:t>Fourth level</a:t>
             </a:r>
           </a:p>
           <a:p>
             <a:pPr lvl="4"/>
             <a:r>
-              <a:rPr lang="en-US" smtClean="0"/>
+              <a:rPr lang="en-US"/>
               <a:t>Fifth level</a:t>
             </a:r>
-            <a:endParaRPr lang="en-US"/>
           </a:p>
         </p:txBody>
       </p:sp>
@@ -2559,7 +2544,7 @@
           <a:p>
             <a:fld id="{62BC7CE0-9F7F-40E9-8FE8-25A3751ED281}" type="datetimeFigureOut">
               <a:rPr lang="en-US" smtClean="0"/>
-              <a:t>6/19/2019</a:t>
+              <a:t>7/16/2019</a:t>
             </a:fld>
             <a:endParaRPr lang="en-US"/>
           </a:p>
@@ -3181,8 +3166,8 @@
             </a:p>
           </p:txBody>
         </p:sp>
-        <mc:AlternateContent xmlns:mc="http://schemas.openxmlformats.org/markup-compatibility/2006">
-          <mc:Choice xmlns:a14="http://schemas.microsoft.com/office/drawing/2010/main" Requires="a14">
+        <mc:AlternateContent xmlns:mc="http://schemas.openxmlformats.org/markup-compatibility/2006" xmlns:a14="http://schemas.microsoft.com/office/drawing/2010/main">
+          <mc:Choice Requires="a14">
             <p:sp>
               <p:nvSpPr>
                 <p:cNvPr id="9" name="Rectangle 8"/>
@@ -3228,7 +3213,7 @@
                 <a:p>
                   <a:pPr algn="ctr"/>
                   <a:r>
-                    <a:rPr lang="en-US" sz="1200" dirty="0" smtClean="0">
+                    <a:rPr lang="en-US" sz="1200" dirty="0">
                       <a:solidFill>
                         <a:schemeClr val="tx1"/>
                       </a:solidFill>
@@ -3239,7 +3224,7 @@
                     <a:t>Mechanism</a:t>
                   </a:r>
                   <a:br>
-                    <a:rPr lang="en-US" sz="1200" dirty="0" smtClean="0">
+                    <a:rPr lang="en-US" sz="1200" dirty="0">
                       <a:solidFill>
                         <a:schemeClr val="tx1"/>
                       </a:solidFill>
@@ -3249,7 +3234,7 @@
                     </a:rPr>
                   </a:br>
                   <a:r>
-                    <a:rPr lang="en-US" sz="1200" dirty="0" smtClean="0">
+                    <a:rPr lang="en-US" sz="1200" dirty="0">
                       <a:solidFill>
                         <a:schemeClr val="tx1"/>
                       </a:solidFill>
@@ -3372,7 +3357,7 @@
               </p:txBody>
             </p:sp>
           </mc:Choice>
-          <mc:Fallback>
+          <mc:Fallback xmlns="">
             <p:sp>
               <p:nvSpPr>
                 <p:cNvPr id="9" name="Rectangle 8"/>
@@ -3521,8 +3506,8 @@
             </a:fontRef>
           </p:style>
         </p:cxnSp>
-        <mc:AlternateContent xmlns:mc="http://schemas.openxmlformats.org/markup-compatibility/2006">
-          <mc:Choice xmlns:a14="http://schemas.microsoft.com/office/drawing/2010/main" Requires="a14">
+        <mc:AlternateContent xmlns:mc="http://schemas.openxmlformats.org/markup-compatibility/2006" xmlns:a14="http://schemas.microsoft.com/office/drawing/2010/main">
+          <mc:Choice Requires="a14">
             <p:sp>
               <p:nvSpPr>
                 <p:cNvPr id="38" name="Rectangle 37"/>
@@ -3544,6 +3529,7 @@
                 </a:bodyPr>
                 <a:lstStyle/>
                 <a:p>
+                  <a:pPr/>
                   <a14:m>
                     <m:oMathPara xmlns:m="http://schemas.openxmlformats.org/officeDocument/2006/math">
                       <m:oMathParaPr>
@@ -3576,7 +3562,7 @@
               </p:txBody>
             </p:sp>
           </mc:Choice>
-          <mc:Fallback>
+          <mc:Fallback xmlns="">
             <p:sp>
               <p:nvSpPr>
                 <p:cNvPr id="38" name="Rectangle 37"/>
@@ -3638,7 +3624,7 @@
             <a:p>
               <a:pPr algn="ctr"/>
               <a:r>
-                <a:rPr lang="en-US" sz="1200" dirty="0" smtClean="0">
+                <a:rPr lang="en-US" sz="1200" dirty="0">
                   <a:latin typeface="CMU Sans Serif" panose="02000603000000000000" pitchFamily="2" charset="0"/>
                   <a:ea typeface="CMU Sans Serif" panose="02000603000000000000" pitchFamily="2" charset="0"/>
                   <a:cs typeface="CMU Sans Serif" panose="02000603000000000000" pitchFamily="2" charset="0"/>
@@ -3646,30 +3632,25 @@
                 <a:t>Stoichiometric</a:t>
               </a:r>
               <a:br>
-                <a:rPr lang="en-US" sz="1200" dirty="0" smtClean="0">
+                <a:rPr lang="en-US" sz="1200" dirty="0">
                   <a:latin typeface="CMU Sans Serif" panose="02000603000000000000" pitchFamily="2" charset="0"/>
                   <a:ea typeface="CMU Sans Serif" panose="02000603000000000000" pitchFamily="2" charset="0"/>
                   <a:cs typeface="CMU Sans Serif" panose="02000603000000000000" pitchFamily="2" charset="0"/>
                 </a:rPr>
               </a:br>
               <a:r>
-                <a:rPr lang="en-US" sz="1200" dirty="0" smtClean="0">
+                <a:rPr lang="en-US" sz="1200" dirty="0">
                   <a:latin typeface="CMU Sans Serif" panose="02000603000000000000" pitchFamily="2" charset="0"/>
                   <a:ea typeface="CMU Sans Serif" panose="02000603000000000000" pitchFamily="2" charset="0"/>
                   <a:cs typeface="CMU Sans Serif" panose="02000603000000000000" pitchFamily="2" charset="0"/>
                 </a:rPr>
                 <a:t>Matrix</a:t>
               </a:r>
-              <a:endParaRPr lang="en-US" sz="1200" dirty="0">
-                <a:latin typeface="CMU Sans Serif" panose="02000603000000000000" pitchFamily="2" charset="0"/>
-                <a:ea typeface="CMU Sans Serif" panose="02000603000000000000" pitchFamily="2" charset="0"/>
-                <a:cs typeface="CMU Sans Serif" panose="02000603000000000000" pitchFamily="2" charset="0"/>
-              </a:endParaRPr>
             </a:p>
           </p:txBody>
         </p:sp>
-        <mc:AlternateContent xmlns:mc="http://schemas.openxmlformats.org/markup-compatibility/2006">
-          <mc:Choice xmlns:a14="http://schemas.microsoft.com/office/drawing/2010/main" Requires="a14">
+        <mc:AlternateContent xmlns:mc="http://schemas.openxmlformats.org/markup-compatibility/2006" xmlns:a14="http://schemas.microsoft.com/office/drawing/2010/main">
+          <mc:Choice Requires="a14">
             <p:sp>
               <p:nvSpPr>
                 <p:cNvPr id="86" name="Rectangle 85"/>
@@ -3691,6 +3672,7 @@
                 </a:bodyPr>
                 <a:lstStyle/>
                 <a:p>
+                  <a:pPr/>
                   <a14:m>
                     <m:oMathPara xmlns:m="http://schemas.openxmlformats.org/officeDocument/2006/math">
                       <m:oMathParaPr>
@@ -3723,7 +3705,7 @@
               </p:txBody>
             </p:sp>
           </mc:Choice>
-          <mc:Fallback>
+          <mc:Fallback xmlns="">
             <p:sp>
               <p:nvSpPr>
                 <p:cNvPr id="86" name="Rectangle 85"/>
@@ -3785,7 +3767,7 @@
             <a:p>
               <a:pPr algn="ctr"/>
               <a:r>
-                <a:rPr lang="en-US" sz="1200" dirty="0" smtClean="0">
+                <a:rPr lang="en-US" sz="1200" dirty="0">
                   <a:latin typeface="CMU Sans Serif" panose="02000603000000000000" pitchFamily="2" charset="0"/>
                   <a:ea typeface="CMU Sans Serif" panose="02000603000000000000" pitchFamily="2" charset="0"/>
                   <a:cs typeface="CMU Sans Serif" panose="02000603000000000000" pitchFamily="2" charset="0"/>
@@ -3793,30 +3775,25 @@
                 <a:t>Continuous</a:t>
               </a:r>
               <a:br>
-                <a:rPr lang="en-US" sz="1200" dirty="0" smtClean="0">
+                <a:rPr lang="en-US" sz="1200" dirty="0">
                   <a:latin typeface="CMU Sans Serif" panose="02000603000000000000" pitchFamily="2" charset="0"/>
                   <a:ea typeface="CMU Sans Serif" panose="02000603000000000000" pitchFamily="2" charset="0"/>
                   <a:cs typeface="CMU Sans Serif" panose="02000603000000000000" pitchFamily="2" charset="0"/>
                 </a:rPr>
               </a:br>
               <a:r>
-                <a:rPr lang="en-US" sz="1200" dirty="0" smtClean="0">
+                <a:rPr lang="en-US" sz="1200" dirty="0">
                   <a:latin typeface="CMU Sans Serif" panose="02000603000000000000" pitchFamily="2" charset="0"/>
                   <a:ea typeface="CMU Sans Serif" panose="02000603000000000000" pitchFamily="2" charset="0"/>
                   <a:cs typeface="CMU Sans Serif" panose="02000603000000000000" pitchFamily="2" charset="0"/>
                 </a:rPr>
                 <a:t>Improvement</a:t>
               </a:r>
-              <a:endParaRPr lang="en-US" sz="1200" dirty="0">
-                <a:latin typeface="CMU Sans Serif" panose="02000603000000000000" pitchFamily="2" charset="0"/>
-                <a:ea typeface="CMU Sans Serif" panose="02000603000000000000" pitchFamily="2" charset="0"/>
-                <a:cs typeface="CMU Sans Serif" panose="02000603000000000000" pitchFamily="2" charset="0"/>
-              </a:endParaRPr>
             </a:p>
           </p:txBody>
         </p:sp>
-        <mc:AlternateContent xmlns:mc="http://schemas.openxmlformats.org/markup-compatibility/2006">
-          <mc:Choice xmlns:a14="http://schemas.microsoft.com/office/drawing/2010/main" Requires="a14">
+        <mc:AlternateContent xmlns:mc="http://schemas.openxmlformats.org/markup-compatibility/2006" xmlns:a14="http://schemas.microsoft.com/office/drawing/2010/main">
+          <mc:Choice Requires="a14">
             <p:sp>
               <p:nvSpPr>
                 <p:cNvPr id="41" name="Rounded Rectangle 40"/>
@@ -4469,7 +4446,7 @@
               </p:txBody>
             </p:sp>
           </mc:Choice>
-          <mc:Fallback>
+          <mc:Fallback xmlns="">
             <p:sp>
               <p:nvSpPr>
                 <p:cNvPr id="41" name="Rounded Rectangle 40"/>
@@ -4536,7 +4513,7 @@
             <a:lstStyle/>
             <a:p>
               <a:r>
-                <a:rPr lang="en-US" sz="1100" dirty="0" smtClean="0">
+                <a:rPr lang="en-US" sz="1100" dirty="0">
                   <a:latin typeface="CMU Sans Serif" panose="02000603000000000000" pitchFamily="2" charset="0"/>
                   <a:ea typeface="CMU Sans Serif" panose="02000603000000000000" pitchFamily="2" charset="0"/>
                   <a:cs typeface="CMU Sans Serif" panose="02000603000000000000" pitchFamily="2" charset="0"/>
@@ -4568,7 +4545,7 @@
             <a:lstStyle/>
             <a:p>
               <a:r>
-                <a:rPr lang="en-US" sz="1100" dirty="0" smtClean="0">
+                <a:rPr lang="en-US" sz="1100" dirty="0">
                   <a:latin typeface="CMU Sans Serif" panose="02000603000000000000" pitchFamily="2" charset="0"/>
                   <a:ea typeface="CMU Sans Serif" panose="02000603000000000000" pitchFamily="2" charset="0"/>
                   <a:cs typeface="CMU Sans Serif" panose="02000603000000000000" pitchFamily="2" charset="0"/>
@@ -4576,14 +4553,14 @@
                 <a:t>Optimality</a:t>
               </a:r>
               <a:br>
-                <a:rPr lang="en-US" sz="1100" dirty="0" smtClean="0">
+                <a:rPr lang="en-US" sz="1100" dirty="0">
                   <a:latin typeface="CMU Sans Serif" panose="02000603000000000000" pitchFamily="2" charset="0"/>
                   <a:ea typeface="CMU Sans Serif" panose="02000603000000000000" pitchFamily="2" charset="0"/>
                   <a:cs typeface="CMU Sans Serif" panose="02000603000000000000" pitchFamily="2" charset="0"/>
                 </a:rPr>
               </a:br>
               <a:r>
-                <a:rPr lang="en-US" sz="1100" dirty="0" smtClean="0">
+                <a:rPr lang="en-US" sz="1100" dirty="0">
                   <a:latin typeface="CMU Sans Serif" panose="02000603000000000000" pitchFamily="2" charset="0"/>
                   <a:ea typeface="CMU Sans Serif" panose="02000603000000000000" pitchFamily="2" charset="0"/>
                   <a:cs typeface="CMU Sans Serif" panose="02000603000000000000" pitchFamily="2" charset="0"/>
@@ -4593,8 +4570,8 @@
             </a:p>
           </p:txBody>
         </p:sp>
-        <mc:AlternateContent xmlns:mc="http://schemas.openxmlformats.org/markup-compatibility/2006">
-          <mc:Choice xmlns:a14="http://schemas.microsoft.com/office/drawing/2010/main" Requires="a14">
+        <mc:AlternateContent xmlns:mc="http://schemas.openxmlformats.org/markup-compatibility/2006" xmlns:a14="http://schemas.microsoft.com/office/drawing/2010/main">
+          <mc:Choice Requires="a14">
             <p:sp>
               <p:nvSpPr>
                 <p:cNvPr id="73" name="Rectangle 72"/>
@@ -5028,7 +5005,7 @@
               </p:txBody>
             </p:sp>
           </mc:Choice>
-          <mc:Fallback>
+          <mc:Fallback xmlns="">
             <p:sp>
               <p:nvSpPr>
                 <p:cNvPr id="73" name="Rectangle 72"/>
@@ -5067,8 +5044,8 @@
             </p:sp>
           </mc:Fallback>
         </mc:AlternateContent>
-        <mc:AlternateContent xmlns:mc="http://schemas.openxmlformats.org/markup-compatibility/2006">
-          <mc:Choice xmlns:a14="http://schemas.microsoft.com/office/drawing/2010/main" Requires="a14">
+        <mc:AlternateContent xmlns:mc="http://schemas.openxmlformats.org/markup-compatibility/2006" xmlns:a14="http://schemas.microsoft.com/office/drawing/2010/main">
+          <mc:Choice Requires="a14">
             <p:sp>
               <p:nvSpPr>
                 <p:cNvPr id="78" name="Rectangle 77"/>
@@ -5090,6 +5067,7 @@
                 </a:bodyPr>
                 <a:lstStyle/>
                 <a:p>
+                  <a:pPr/>
                   <a14:m>
                     <m:oMathPara xmlns:m="http://schemas.openxmlformats.org/officeDocument/2006/math">
                       <m:oMathParaPr>
@@ -5222,7 +5200,7 @@
               </p:txBody>
             </p:sp>
           </mc:Choice>
-          <mc:Fallback>
+          <mc:Fallback xmlns="">
             <p:sp>
               <p:nvSpPr>
                 <p:cNvPr id="78" name="Rectangle 77"/>
@@ -5378,8 +5356,8 @@
             </a:fontRef>
           </p:style>
         </p:cxnSp>
-        <mc:AlternateContent xmlns:mc="http://schemas.openxmlformats.org/markup-compatibility/2006">
-          <mc:Choice xmlns:a14="http://schemas.microsoft.com/office/drawing/2010/main" Requires="a14">
+        <mc:AlternateContent xmlns:mc="http://schemas.openxmlformats.org/markup-compatibility/2006" xmlns:a14="http://schemas.microsoft.com/office/drawing/2010/main">
+          <mc:Choice Requires="a14">
             <p:sp>
               <p:nvSpPr>
                 <p:cNvPr id="92" name="Rounded Rectangle 91"/>
@@ -5588,7 +5566,7 @@
               </p:txBody>
             </p:sp>
           </mc:Choice>
-          <mc:Fallback>
+          <mc:Fallback xmlns="">
             <p:sp>
               <p:nvSpPr>
                 <p:cNvPr id="92" name="Rounded Rectangle 91"/>
@@ -5670,8 +5648,8 @@
             </a:fontRef>
           </p:style>
         </p:cxnSp>
-        <mc:AlternateContent xmlns:mc="http://schemas.openxmlformats.org/markup-compatibility/2006">
-          <mc:Choice xmlns:a14="http://schemas.microsoft.com/office/drawing/2010/main" Requires="a14">
+        <mc:AlternateContent xmlns:mc="http://schemas.openxmlformats.org/markup-compatibility/2006" xmlns:a14="http://schemas.microsoft.com/office/drawing/2010/main">
+          <mc:Choice Requires="a14">
             <p:sp>
               <p:nvSpPr>
                 <p:cNvPr id="102" name="Rectangle 101"/>
@@ -5693,6 +5671,7 @@
                 </a:bodyPr>
                 <a:lstStyle/>
                 <a:p>
+                  <a:pPr/>
                   <a14:m>
                     <m:oMathPara xmlns:m="http://schemas.openxmlformats.org/officeDocument/2006/math">
                       <m:oMathParaPr>
@@ -5847,7 +5826,7 @@
               </p:txBody>
             </p:sp>
           </mc:Choice>
-          <mc:Fallback>
+          <mc:Fallback xmlns="">
             <p:sp>
               <p:nvSpPr>
                 <p:cNvPr id="102" name="Rectangle 101"/>
@@ -5989,7 +5968,7 @@
             <a:p>
               <a:pPr algn="ctr"/>
               <a:r>
-                <a:rPr lang="en-US" sz="1200" dirty="0" smtClean="0">
+                <a:rPr lang="en-US" sz="1200" dirty="0">
                   <a:solidFill>
                     <a:schemeClr val="tx1"/>
                   </a:solidFill>
@@ -6000,7 +5979,7 @@
                 <a:t>Experimental</a:t>
               </a:r>
               <a:br>
-                <a:rPr lang="en-US" sz="1200" dirty="0" smtClean="0">
+                <a:rPr lang="en-US" sz="1200" dirty="0">
                   <a:solidFill>
                     <a:schemeClr val="tx1"/>
                   </a:solidFill>
@@ -6010,7 +5989,7 @@
                 </a:rPr>
               </a:br>
               <a:r>
-                <a:rPr lang="en-US" sz="1200" dirty="0" smtClean="0">
+                <a:rPr lang="en-US" sz="1200" dirty="0">
                   <a:solidFill>
                     <a:schemeClr val="tx1"/>
                   </a:solidFill>
@@ -6020,19 +5999,11 @@
                 </a:rPr>
                 <a:t>Data</a:t>
               </a:r>
-              <a:endParaRPr lang="en-US" sz="1200" dirty="0">
-                <a:solidFill>
-                  <a:schemeClr val="tx1"/>
-                </a:solidFill>
-                <a:latin typeface="CMU Sans Serif" panose="02000603000000000000" pitchFamily="2" charset="0"/>
-                <a:ea typeface="CMU Sans Serif" panose="02000603000000000000" pitchFamily="2" charset="0"/>
-                <a:cs typeface="CMU Sans Serif" panose="02000603000000000000" pitchFamily="2" charset="0"/>
-              </a:endParaRPr>
             </a:p>
           </p:txBody>
         </p:sp>
-        <mc:AlternateContent xmlns:mc="http://schemas.openxmlformats.org/markup-compatibility/2006">
-          <mc:Choice xmlns:a14="http://schemas.microsoft.com/office/drawing/2010/main" Requires="a14">
+        <mc:AlternateContent xmlns:mc="http://schemas.openxmlformats.org/markup-compatibility/2006" xmlns:a14="http://schemas.microsoft.com/office/drawing/2010/main">
+          <mc:Choice Requires="a14">
             <p:sp>
               <p:nvSpPr>
                 <p:cNvPr id="8" name="Rectangle 7"/>
@@ -6078,7 +6049,7 @@
                 <a:p>
                   <a:pPr algn="ctr"/>
                   <a:r>
-                    <a:rPr lang="en-US" sz="1200" dirty="0" smtClean="0">
+                    <a:rPr lang="en-US" sz="1200" dirty="0">
                       <a:solidFill>
                         <a:schemeClr val="tx1"/>
                       </a:solidFill>
@@ -6089,7 +6060,7 @@
                     <a:t>ANN</a:t>
                   </a:r>
                   <a:br>
-                    <a:rPr lang="en-US" sz="1200" dirty="0" smtClean="0">
+                    <a:rPr lang="en-US" sz="1200" dirty="0">
                       <a:solidFill>
                         <a:schemeClr val="tx1"/>
                       </a:solidFill>
@@ -6208,7 +6179,7 @@
               </p:txBody>
             </p:sp>
           </mc:Choice>
-          <mc:Fallback>
+          <mc:Fallback xmlns="">
             <p:sp>
               <p:nvSpPr>
                 <p:cNvPr id="8" name="Rectangle 7"/>
@@ -6252,8 +6223,8 @@
             </p:sp>
           </mc:Fallback>
         </mc:AlternateContent>
-        <mc:AlternateContent xmlns:mc="http://schemas.openxmlformats.org/markup-compatibility/2006">
-          <mc:Choice xmlns:a14="http://schemas.microsoft.com/office/drawing/2010/main" Requires="a14">
+        <mc:AlternateContent xmlns:mc="http://schemas.openxmlformats.org/markup-compatibility/2006" xmlns:a14="http://schemas.microsoft.com/office/drawing/2010/main">
+          <mc:Choice Requires="a14">
             <p:sp>
               <p:nvSpPr>
                 <p:cNvPr id="10" name="Pentagon 9"/>
@@ -6302,7 +6273,7 @@
                 <a:p>
                   <a:pPr algn="ctr"/>
                   <a:r>
-                    <a:rPr lang="en-US" sz="1200" dirty="0" smtClean="0">
+                    <a:rPr lang="en-US" sz="1200" dirty="0">
                       <a:solidFill>
                         <a:schemeClr val="tx1"/>
                       </a:solidFill>
@@ -6368,7 +6339,7 @@
               </p:txBody>
             </p:sp>
           </mc:Choice>
-          <mc:Fallback>
+          <mc:Fallback xmlns="">
             <p:sp>
               <p:nvSpPr>
                 <p:cNvPr id="10" name="Pentagon 9"/>
@@ -6498,8 +6469,8 @@
             </a:p>
           </p:txBody>
         </p:sp>
-        <mc:AlternateContent xmlns:mc="http://schemas.openxmlformats.org/markup-compatibility/2006">
-          <mc:Choice xmlns:a14="http://schemas.microsoft.com/office/drawing/2010/main" Requires="a14">
+        <mc:AlternateContent xmlns:mc="http://schemas.openxmlformats.org/markup-compatibility/2006" xmlns:a14="http://schemas.microsoft.com/office/drawing/2010/main">
+          <mc:Choice Requires="a14">
             <p:sp>
               <p:nvSpPr>
                 <p:cNvPr id="13" name="Rounded Rectangle 12"/>
@@ -6710,7 +6681,7 @@
               </p:txBody>
             </p:sp>
           </mc:Choice>
-          <mc:Fallback>
+          <mc:Fallback xmlns="">
             <p:sp>
               <p:nvSpPr>
                 <p:cNvPr id="13" name="Rounded Rectangle 12"/>
@@ -6755,8 +6726,8 @@
             </p:sp>
           </mc:Fallback>
         </mc:AlternateContent>
-        <mc:AlternateContent xmlns:mc="http://schemas.openxmlformats.org/markup-compatibility/2006">
-          <mc:Choice xmlns:a14="http://schemas.microsoft.com/office/drawing/2010/main" Requires="a14">
+        <mc:AlternateContent xmlns:mc="http://schemas.openxmlformats.org/markup-compatibility/2006" xmlns:a14="http://schemas.microsoft.com/office/drawing/2010/main">
+          <mc:Choice Requires="a14">
             <p:sp>
               <p:nvSpPr>
                 <p:cNvPr id="14" name="Rounded Rectangle 13"/>
@@ -7123,7 +7094,7 @@
               </p:txBody>
             </p:sp>
           </mc:Choice>
-          <mc:Fallback>
+          <mc:Fallback xmlns="">
             <p:sp>
               <p:nvSpPr>
                 <p:cNvPr id="14" name="Rounded Rectangle 13"/>
@@ -7168,8 +7139,8 @@
             </p:sp>
           </mc:Fallback>
         </mc:AlternateContent>
-        <mc:AlternateContent xmlns:mc="http://schemas.openxmlformats.org/markup-compatibility/2006">
-          <mc:Choice xmlns:a14="http://schemas.microsoft.com/office/drawing/2010/main" Requires="a14">
+        <mc:AlternateContent xmlns:mc="http://schemas.openxmlformats.org/markup-compatibility/2006" xmlns:a14="http://schemas.microsoft.com/office/drawing/2010/main">
+          <mc:Choice Requires="a14">
             <p:sp>
               <p:nvSpPr>
                 <p:cNvPr id="16" name="Rounded Rectangle 15"/>
@@ -7262,7 +7233,7 @@
               </p:txBody>
             </p:sp>
           </mc:Choice>
-          <mc:Fallback>
+          <mc:Fallback xmlns="">
             <p:sp>
               <p:nvSpPr>
                 <p:cNvPr id="16" name="Rounded Rectangle 15"/>
@@ -7441,7 +7412,7 @@
             <a:lstStyle/>
             <a:p>
               <a:r>
-                <a:rPr lang="en-US" sz="1100" dirty="0" smtClean="0">
+                <a:rPr lang="en-US" sz="1100" dirty="0">
                   <a:latin typeface="CMU Sans Serif" panose="02000603000000000000" pitchFamily="2" charset="0"/>
                   <a:ea typeface="CMU Sans Serif" panose="02000603000000000000" pitchFamily="2" charset="0"/>
                   <a:cs typeface="CMU Sans Serif" panose="02000603000000000000" pitchFamily="2" charset="0"/>
@@ -7473,18 +7444,13 @@
             <a:lstStyle/>
             <a:p>
               <a:r>
-                <a:rPr lang="en-US" sz="1100" dirty="0" smtClean="0">
+                <a:rPr lang="en-US" sz="1100" dirty="0">
                   <a:latin typeface="CMU Sans Serif" panose="02000603000000000000" pitchFamily="2" charset="0"/>
                   <a:ea typeface="CMU Sans Serif" panose="02000603000000000000" pitchFamily="2" charset="0"/>
                   <a:cs typeface="CMU Sans Serif" panose="02000603000000000000" pitchFamily="2" charset="0"/>
                 </a:rPr>
                 <a:t>ANN Objective Function</a:t>
               </a:r>
-              <a:endParaRPr lang="en-US" sz="1100" dirty="0">
-                <a:latin typeface="CMU Sans Serif" panose="02000603000000000000" pitchFamily="2" charset="0"/>
-                <a:ea typeface="CMU Sans Serif" panose="02000603000000000000" pitchFamily="2" charset="0"/>
-                <a:cs typeface="CMU Sans Serif" panose="02000603000000000000" pitchFamily="2" charset="0"/>
-              </a:endParaRPr>
             </a:p>
           </p:txBody>
         </p:sp>
@@ -7510,18 +7476,13 @@
             <a:lstStyle/>
             <a:p>
               <a:r>
-                <a:rPr lang="en-US" sz="1100" dirty="0" smtClean="0">
+                <a:rPr lang="en-US" sz="1100" dirty="0">
                   <a:latin typeface="CMU Sans Serif" panose="02000603000000000000" pitchFamily="2" charset="0"/>
                   <a:ea typeface="CMU Sans Serif" panose="02000603000000000000" pitchFamily="2" charset="0"/>
                   <a:cs typeface="CMU Sans Serif" panose="02000603000000000000" pitchFamily="2" charset="0"/>
                 </a:rPr>
                 <a:t>Data</a:t>
               </a:r>
-              <a:endParaRPr lang="en-US" sz="1100" dirty="0">
-                <a:latin typeface="CMU Sans Serif" panose="02000603000000000000" pitchFamily="2" charset="0"/>
-                <a:ea typeface="CMU Sans Serif" panose="02000603000000000000" pitchFamily="2" charset="0"/>
-                <a:cs typeface="CMU Sans Serif" panose="02000603000000000000" pitchFamily="2" charset="0"/>
-              </a:endParaRPr>
             </a:p>
           </p:txBody>
         </p:sp>
@@ -7666,7 +7627,7 @@
             <a:p>
               <a:pPr algn="ctr"/>
               <a:r>
-                <a:rPr lang="en-US" sz="1200" dirty="0" smtClean="0">
+                <a:rPr lang="en-US" sz="1200" dirty="0">
                   <a:solidFill>
                     <a:schemeClr val="bg1"/>
                   </a:solidFill>
@@ -7677,7 +7638,7 @@
                 <a:t>Automatic</a:t>
               </a:r>
               <a:br>
-                <a:rPr lang="en-US" sz="1200" dirty="0" smtClean="0">
+                <a:rPr lang="en-US" sz="1200" dirty="0">
                   <a:solidFill>
                     <a:schemeClr val="bg1"/>
                   </a:solidFill>
@@ -7687,7 +7648,7 @@
                 </a:rPr>
               </a:br>
               <a:r>
-                <a:rPr lang="en-US" sz="1200" dirty="0" smtClean="0">
+                <a:rPr lang="en-US" sz="1200" dirty="0">
                   <a:solidFill>
                     <a:schemeClr val="bg1"/>
                   </a:solidFill>
@@ -7697,14 +7658,6 @@
                 </a:rPr>
                 <a:t>Differentiation</a:t>
               </a:r>
-              <a:endParaRPr lang="en-US" sz="1200" dirty="0">
-                <a:solidFill>
-                  <a:schemeClr val="bg1"/>
-                </a:solidFill>
-                <a:latin typeface="CMU Sans Serif" panose="02000603000000000000" pitchFamily="2" charset="0"/>
-                <a:ea typeface="CMU Sans Serif" panose="02000603000000000000" pitchFamily="2" charset="0"/>
-                <a:cs typeface="CMU Sans Serif" panose="02000603000000000000" pitchFamily="2" charset="0"/>
-              </a:endParaRPr>
             </a:p>
           </p:txBody>
         </p:sp>
@@ -7797,8 +7750,8 @@
               <a:chExt cx="2259256" cy="1132905"/>
             </a:xfrm>
           </p:grpSpPr>
-          <mc:AlternateContent xmlns:mc="http://schemas.openxmlformats.org/markup-compatibility/2006">
-            <mc:Choice xmlns:a14="http://schemas.microsoft.com/office/drawing/2010/main" Requires="a14">
+          <mc:AlternateContent xmlns:mc="http://schemas.openxmlformats.org/markup-compatibility/2006" xmlns:a14="http://schemas.microsoft.com/office/drawing/2010/main">
+            <mc:Choice Requires="a14">
               <p:sp>
                 <p:nvSpPr>
                   <p:cNvPr id="85" name="Rectangle 84"/>
@@ -7820,6 +7773,7 @@
                   </a:bodyPr>
                   <a:lstStyle/>
                   <a:p>
+                    <a:pPr/>
                     <a14:m>
                       <m:oMathPara xmlns:m="http://schemas.openxmlformats.org/officeDocument/2006/math">
                         <m:oMathParaPr>
@@ -7852,7 +7806,7 @@
                 </p:txBody>
               </p:sp>
             </mc:Choice>
-            <mc:Fallback>
+            <mc:Fallback xmlns="">
               <p:sp>
                 <p:nvSpPr>
                   <p:cNvPr id="85" name="Rectangle 84"/>
@@ -7891,8 +7845,8 @@
               </p:sp>
             </mc:Fallback>
           </mc:AlternateContent>
-          <mc:AlternateContent xmlns:mc="http://schemas.openxmlformats.org/markup-compatibility/2006">
-            <mc:Choice xmlns:a14="http://schemas.microsoft.com/office/drawing/2010/main" Requires="a14">
+          <mc:AlternateContent xmlns:mc="http://schemas.openxmlformats.org/markup-compatibility/2006" xmlns:a14="http://schemas.microsoft.com/office/drawing/2010/main">
+            <mc:Choice Requires="a14">
               <p:sp>
                 <p:nvSpPr>
                   <p:cNvPr id="50" name="Rounded Rectangle 49"/>
@@ -8212,7 +8166,7 @@
                         </m:oMath>
                       </m:oMathPara>
                     </a14:m>
-                    <a:endParaRPr lang="en-US" sz="1200" i="1" dirty="0" smtClean="0">
+                    <a:endParaRPr lang="en-US" sz="1200" i="1" dirty="0">
                       <a:solidFill>
                         <a:schemeClr val="tx1"/>
                       </a:solidFill>
@@ -8418,7 +8372,7 @@
                         </m:oMath>
                       </m:oMathPara>
                     </a14:m>
-                    <a:endParaRPr lang="en-US" sz="1200" b="0" i="1" dirty="0" smtClean="0">
+                    <a:endParaRPr lang="en-US" sz="1200" b="0" i="1" dirty="0">
                       <a:solidFill>
                         <a:schemeClr val="tx1"/>
                       </a:solidFill>
@@ -8651,7 +8605,7 @@
                 </p:txBody>
               </p:sp>
             </mc:Choice>
-            <mc:Fallback>
+            <mc:Fallback xmlns="">
               <p:sp>
                 <p:nvSpPr>
                   <p:cNvPr id="50" name="Rounded Rectangle 49"/>
@@ -8855,7 +8809,7 @@
             <a:p>
               <a:pPr algn="ctr"/>
               <a:r>
-                <a:rPr lang="en-US" sz="1200" dirty="0" smtClean="0">
+                <a:rPr lang="en-US" sz="1200" dirty="0">
                   <a:solidFill>
                     <a:schemeClr val="bg1"/>
                   </a:solidFill>
@@ -8865,14 +8819,6 @@
                 </a:rPr>
                 <a:t>Optimization</a:t>
               </a:r>
-              <a:endParaRPr lang="en-US" sz="1200" dirty="0">
-                <a:solidFill>
-                  <a:schemeClr val="bg1"/>
-                </a:solidFill>
-                <a:latin typeface="CMU Sans Serif" panose="02000603000000000000" pitchFamily="2" charset="0"/>
-                <a:ea typeface="CMU Sans Serif" panose="02000603000000000000" pitchFamily="2" charset="0"/>
-                <a:cs typeface="CMU Sans Serif" panose="02000603000000000000" pitchFamily="2" charset="0"/>
-              </a:endParaRPr>
             </a:p>
           </p:txBody>
         </p:sp>
@@ -8977,14 +8923,14 @@
             <a:lstStyle/>
             <a:p>
               <a:r>
-                <a:rPr lang="en-US" sz="1200" b="1" dirty="0" err="1" smtClean="0">
+                <a:rPr lang="en-US" sz="1200" b="1" dirty="0" err="1">
                   <a:latin typeface="CMU Sans Serif" panose="02000603000000000000" pitchFamily="2" charset="0"/>
                   <a:ea typeface="CMU Sans Serif" panose="02000603000000000000" pitchFamily="2" charset="0"/>
                   <a:cs typeface="CMU Sans Serif" panose="02000603000000000000" pitchFamily="2" charset="0"/>
                 </a:rPr>
                 <a:t>TensorFlow</a:t>
               </a:r>
-              <a:endParaRPr lang="en-US" sz="1200" b="1" dirty="0" smtClean="0">
+              <a:endParaRPr lang="en-US" sz="1200" b="1" dirty="0">
                 <a:latin typeface="CMU Sans Serif" panose="02000603000000000000" pitchFamily="2" charset="0"/>
                 <a:ea typeface="CMU Sans Serif" panose="02000603000000000000" pitchFamily="2" charset="0"/>
                 <a:cs typeface="CMU Sans Serif" panose="02000603000000000000" pitchFamily="2" charset="0"/>
@@ -9014,7 +8960,7 @@
             <a:lstStyle/>
             <a:p>
               <a:r>
-                <a:rPr lang="en-US" sz="1200" b="1" dirty="0" smtClean="0">
+                <a:rPr lang="en-US" sz="1200" b="1" dirty="0">
                   <a:latin typeface="CMU Sans Serif" panose="02000603000000000000" pitchFamily="2" charset="0"/>
                   <a:ea typeface="CMU Sans Serif" panose="02000603000000000000" pitchFamily="2" charset="0"/>
                   <a:cs typeface="CMU Sans Serif" panose="02000603000000000000" pitchFamily="2" charset="0"/>
@@ -9046,14 +8992,14 @@
             <a:lstStyle/>
             <a:p>
               <a:r>
-                <a:rPr lang="en-US" sz="1200" b="1" dirty="0" err="1" smtClean="0">
+                <a:rPr lang="en-US" sz="1200" b="1" dirty="0" err="1">
                   <a:latin typeface="CMU Sans Serif" panose="02000603000000000000" pitchFamily="2" charset="0"/>
                   <a:ea typeface="CMU Sans Serif" panose="02000603000000000000" pitchFamily="2" charset="0"/>
                   <a:cs typeface="CMU Sans Serif" panose="02000603000000000000" pitchFamily="2" charset="0"/>
                 </a:rPr>
                 <a:t>scipy</a:t>
               </a:r>
-              <a:endParaRPr lang="en-US" sz="1200" b="1" dirty="0" smtClean="0">
+              <a:endParaRPr lang="en-US" sz="1200" b="1" dirty="0">
                 <a:latin typeface="CMU Sans Serif" panose="02000603000000000000" pitchFamily="2" charset="0"/>
                 <a:ea typeface="CMU Sans Serif" panose="02000603000000000000" pitchFamily="2" charset="0"/>
                 <a:cs typeface="CMU Sans Serif" panose="02000603000000000000" pitchFamily="2" charset="0"/>
@@ -9104,7 +9050,7 @@
             <a:p>
               <a:pPr algn="ctr"/>
               <a:r>
-                <a:rPr lang="en-US" sz="1200" i="1" dirty="0" smtClean="0">
+                <a:rPr lang="en-US" sz="1200" i="1" dirty="0">
                   <a:solidFill>
                     <a:schemeClr val="tx1"/>
                   </a:solidFill>
@@ -9114,14 +9060,6 @@
                 </a:rPr>
                 <a:t>Artificial</a:t>
               </a:r>
-              <a:endParaRPr lang="en-US" sz="1200" i="1" dirty="0">
-                <a:solidFill>
-                  <a:schemeClr val="tx1"/>
-                </a:solidFill>
-                <a:latin typeface="CMU Sans Serif" panose="02000603000000000000" pitchFamily="2" charset="0"/>
-                <a:ea typeface="CMU Sans Serif" panose="02000603000000000000" pitchFamily="2" charset="0"/>
-                <a:cs typeface="CMU Sans Serif" panose="02000603000000000000" pitchFamily="2" charset="0"/>
-              </a:endParaRPr>
             </a:p>
           </p:txBody>
         </p:sp>
@@ -9188,18 +9126,13 @@
             <a:p>
               <a:pPr algn="ctr"/>
               <a:r>
-                <a:rPr lang="en-US" sz="1200" b="1" dirty="0" smtClean="0">
+                <a:rPr lang="en-US" sz="1200" b="1" dirty="0">
                   <a:latin typeface="CMU Sans Serif" panose="02000603000000000000" pitchFamily="2" charset="0"/>
                   <a:ea typeface="CMU Sans Serif" panose="02000603000000000000" pitchFamily="2" charset="0"/>
                   <a:cs typeface="CMU Sans Serif" panose="02000603000000000000" pitchFamily="2" charset="0"/>
                 </a:rPr>
                 <a:t>NSGA-II ?</a:t>
               </a:r>
-              <a:endParaRPr lang="en-US" sz="1200" b="1" dirty="0">
-                <a:latin typeface="CMU Sans Serif" panose="02000603000000000000" pitchFamily="2" charset="0"/>
-                <a:ea typeface="CMU Sans Serif" panose="02000603000000000000" pitchFamily="2" charset="0"/>
-                <a:cs typeface="CMU Sans Serif" panose="02000603000000000000" pitchFamily="2" charset="0"/>
-              </a:endParaRPr>
             </a:p>
           </p:txBody>
         </p:sp>
@@ -9245,6 +9178,6353 @@
     <p:extLst>
       <p:ext uri="{BB962C8B-B14F-4D97-AF65-F5344CB8AC3E}">
         <p14:creationId xmlns:p14="http://schemas.microsoft.com/office/powerpoint/2010/main" val="3291742806"/>
+      </p:ext>
+    </p:extLst>
+  </p:cSld>
+  <p:clrMapOvr>
+    <a:masterClrMapping/>
+  </p:clrMapOvr>
+</p:sld>
+</file>
+
+<file path=ppt/slides/slide2.xml><?xml version="1.0" encoding="utf-8"?>
+<p:sld xmlns:a="http://schemas.openxmlformats.org/drawingml/2006/main" xmlns:r="http://schemas.openxmlformats.org/officeDocument/2006/relationships" xmlns:p="http://schemas.openxmlformats.org/presentationml/2006/main">
+  <p:cSld>
+    <p:spTree>
+      <p:nvGrpSpPr>
+        <p:cNvPr id="1" name=""/>
+        <p:cNvGrpSpPr/>
+        <p:nvPr/>
+      </p:nvGrpSpPr>
+      <p:grpSpPr>
+        <a:xfrm>
+          <a:off x="0" y="0"/>
+          <a:ext cx="0" cy="0"/>
+          <a:chOff x="0" y="0"/>
+          <a:chExt cx="0" cy="0"/>
+        </a:xfrm>
+      </p:grpSpPr>
+      <p:grpSp>
+        <p:nvGrpSpPr>
+          <p:cNvPr id="162" name="Group 161"/>
+          <p:cNvGrpSpPr/>
+          <p:nvPr/>
+        </p:nvGrpSpPr>
+        <p:grpSpPr>
+          <a:xfrm>
+            <a:off x="2072984" y="862631"/>
+            <a:ext cx="8570090" cy="4941641"/>
+            <a:chOff x="2072984" y="862631"/>
+            <a:chExt cx="8570090" cy="4941641"/>
+          </a:xfrm>
+        </p:grpSpPr>
+        <p:sp>
+          <p:nvSpPr>
+            <p:cNvPr id="94" name="Rounded Rectangle 93"/>
+            <p:cNvSpPr/>
+            <p:nvPr/>
+          </p:nvSpPr>
+          <p:spPr>
+            <a:xfrm>
+              <a:off x="7241226" y="2898710"/>
+              <a:ext cx="3032319" cy="876825"/>
+            </a:xfrm>
+            <a:prstGeom prst="roundRect">
+              <a:avLst>
+                <a:gd name="adj" fmla="val 3445"/>
+              </a:avLst>
+            </a:prstGeom>
+            <a:solidFill>
+              <a:srgbClr val="FF0000">
+                <a:alpha val="11000"/>
+              </a:srgbClr>
+            </a:solidFill>
+            <a:ln w="9525">
+              <a:noFill/>
+              <a:prstDash val="sysDot"/>
+            </a:ln>
+          </p:spPr>
+          <p:style>
+            <a:lnRef idx="2">
+              <a:schemeClr val="accent1">
+                <a:shade val="50000"/>
+              </a:schemeClr>
+            </a:lnRef>
+            <a:fillRef idx="1">
+              <a:schemeClr val="accent1"/>
+            </a:fillRef>
+            <a:effectRef idx="0">
+              <a:schemeClr val="accent1"/>
+            </a:effectRef>
+            <a:fontRef idx="minor">
+              <a:schemeClr val="lt1"/>
+            </a:fontRef>
+          </p:style>
+          <p:txBody>
+            <a:bodyPr lIns="0" tIns="0" rIns="0" bIns="0" rtlCol="0" anchor="ctr"/>
+            <a:lstStyle/>
+            <a:p>
+              <a:pPr algn="ctr"/>
+              <a:endParaRPr lang="en-US" sz="1200" i="1" dirty="0">
+                <a:solidFill>
+                  <a:schemeClr val="tx1"/>
+                </a:solidFill>
+                <a:latin typeface="CMU Sans Serif" panose="02000603000000000000" pitchFamily="2" charset="0"/>
+                <a:ea typeface="CMU Sans Serif" panose="02000603000000000000" pitchFamily="2" charset="0"/>
+                <a:cs typeface="CMU Sans Serif" panose="02000603000000000000" pitchFamily="2" charset="0"/>
+              </a:endParaRPr>
+            </a:p>
+          </p:txBody>
+        </p:sp>
+        <p:sp>
+          <p:nvSpPr>
+            <p:cNvPr id="87" name="Rounded Rectangle 86"/>
+            <p:cNvSpPr/>
+            <p:nvPr/>
+          </p:nvSpPr>
+          <p:spPr>
+            <a:xfrm>
+              <a:off x="7032120" y="4698263"/>
+              <a:ext cx="2235812" cy="1001045"/>
+            </a:xfrm>
+            <a:prstGeom prst="roundRect">
+              <a:avLst>
+                <a:gd name="adj" fmla="val 3445"/>
+              </a:avLst>
+            </a:prstGeom>
+            <a:solidFill>
+              <a:schemeClr val="accent3">
+                <a:lumMod val="20000"/>
+                <a:lumOff val="80000"/>
+              </a:schemeClr>
+            </a:solidFill>
+            <a:ln w="9525">
+              <a:noFill/>
+              <a:prstDash val="sysDot"/>
+            </a:ln>
+          </p:spPr>
+          <p:style>
+            <a:lnRef idx="2">
+              <a:schemeClr val="accent1">
+                <a:shade val="50000"/>
+              </a:schemeClr>
+            </a:lnRef>
+            <a:fillRef idx="1">
+              <a:schemeClr val="accent1"/>
+            </a:fillRef>
+            <a:effectRef idx="0">
+              <a:schemeClr val="accent1"/>
+            </a:effectRef>
+            <a:fontRef idx="minor">
+              <a:schemeClr val="lt1"/>
+            </a:fontRef>
+          </p:style>
+          <p:txBody>
+            <a:bodyPr lIns="0" tIns="0" rIns="0" bIns="0" rtlCol="0" anchor="ctr"/>
+            <a:lstStyle/>
+            <a:p>
+              <a:pPr algn="ctr"/>
+              <a:endParaRPr lang="en-US" sz="1200" i="1" dirty="0">
+                <a:solidFill>
+                  <a:schemeClr val="tx1"/>
+                </a:solidFill>
+                <a:latin typeface="CMU Sans Serif" panose="02000603000000000000" pitchFamily="2" charset="0"/>
+                <a:ea typeface="CMU Sans Serif" panose="02000603000000000000" pitchFamily="2" charset="0"/>
+                <a:cs typeface="CMU Sans Serif" panose="02000603000000000000" pitchFamily="2" charset="0"/>
+              </a:endParaRPr>
+            </a:p>
+          </p:txBody>
+        </p:sp>
+        <p:sp>
+          <p:nvSpPr>
+            <p:cNvPr id="6" name="Hexagon 5"/>
+            <p:cNvSpPr/>
+            <p:nvPr/>
+          </p:nvSpPr>
+          <p:spPr>
+            <a:xfrm flipH="1">
+              <a:off x="8964757" y="3113117"/>
+              <a:ext cx="1234440" cy="530352"/>
+            </a:xfrm>
+            <a:prstGeom prst="hexagon">
+              <a:avLst/>
+            </a:prstGeom>
+            <a:solidFill>
+              <a:schemeClr val="tx1">
+                <a:lumMod val="65000"/>
+                <a:lumOff val="35000"/>
+              </a:schemeClr>
+            </a:solidFill>
+            <a:ln w="9525">
+              <a:noFill/>
+              <a:prstDash val="sysDash"/>
+            </a:ln>
+          </p:spPr>
+          <p:style>
+            <a:lnRef idx="2">
+              <a:schemeClr val="accent1">
+                <a:shade val="50000"/>
+              </a:schemeClr>
+            </a:lnRef>
+            <a:fillRef idx="1">
+              <a:schemeClr val="accent1"/>
+            </a:fillRef>
+            <a:effectRef idx="0">
+              <a:schemeClr val="accent1"/>
+            </a:effectRef>
+            <a:fontRef idx="minor">
+              <a:schemeClr val="lt1"/>
+            </a:fontRef>
+          </p:style>
+          <p:txBody>
+            <a:bodyPr rot="0" spcFirstLastPara="0" vertOverflow="overflow" horzOverflow="overflow" vert="horz" wrap="square" lIns="0" tIns="45720" rIns="0" bIns="45720" numCol="1" spcCol="0" rtlCol="0" fromWordArt="0" anchor="ctr" anchorCtr="0" forceAA="0" compatLnSpc="1">
+              <a:prstTxWarp prst="textNoShape">
+                <a:avLst/>
+              </a:prstTxWarp>
+              <a:noAutofit/>
+            </a:bodyPr>
+            <a:lstStyle/>
+            <a:p>
+              <a:pPr algn="ctr"/>
+              <a:r>
+                <a:rPr lang="en-US" sz="1200" dirty="0">
+                  <a:solidFill>
+                    <a:schemeClr val="bg1"/>
+                  </a:solidFill>
+                  <a:latin typeface="CMU Sans Serif" panose="02000603000000000000" pitchFamily="2" charset="0"/>
+                  <a:ea typeface="CMU Sans Serif" panose="02000603000000000000" pitchFamily="2" charset="0"/>
+                  <a:cs typeface="CMU Sans Serif" panose="02000603000000000000" pitchFamily="2" charset="0"/>
+                </a:rPr>
+                <a:t>Mechanism</a:t>
+              </a:r>
+              <a:br>
+                <a:rPr lang="en-US" sz="1200" dirty="0">
+                  <a:solidFill>
+                    <a:schemeClr val="bg1"/>
+                  </a:solidFill>
+                  <a:latin typeface="CMU Sans Serif" panose="02000603000000000000" pitchFamily="2" charset="0"/>
+                  <a:ea typeface="CMU Sans Serif" panose="02000603000000000000" pitchFamily="2" charset="0"/>
+                  <a:cs typeface="CMU Sans Serif" panose="02000603000000000000" pitchFamily="2" charset="0"/>
+                </a:rPr>
+              </a:br>
+              <a:r>
+                <a:rPr lang="en-US" sz="1200" dirty="0">
+                  <a:solidFill>
+                    <a:schemeClr val="bg1"/>
+                  </a:solidFill>
+                  <a:latin typeface="CMU Sans Serif" panose="02000603000000000000" pitchFamily="2" charset="0"/>
+                  <a:ea typeface="CMU Sans Serif" panose="02000603000000000000" pitchFamily="2" charset="0"/>
+                  <a:cs typeface="CMU Sans Serif" panose="02000603000000000000" pitchFamily="2" charset="0"/>
+                </a:rPr>
+                <a:t>Generator</a:t>
+              </a:r>
+            </a:p>
+          </p:txBody>
+        </p:sp>
+        <mc:AlternateContent xmlns:mc="http://schemas.openxmlformats.org/markup-compatibility/2006" xmlns:a14="http://schemas.microsoft.com/office/drawing/2010/main">
+          <mc:Choice Requires="a14">
+            <p:sp>
+              <p:nvSpPr>
+                <p:cNvPr id="9" name="Rectangle 8"/>
+                <p:cNvSpPr/>
+                <p:nvPr/>
+              </p:nvSpPr>
+              <p:spPr>
+                <a:xfrm flipH="1">
+                  <a:off x="7356199" y="3087833"/>
+                  <a:ext cx="947631" cy="580921"/>
+                </a:xfrm>
+                <a:prstGeom prst="rect">
+                  <a:avLst/>
+                </a:prstGeom>
+                <a:solidFill>
+                  <a:schemeClr val="bg1"/>
+                </a:solidFill>
+                <a:ln w="9525">
+                  <a:solidFill>
+                    <a:schemeClr val="tx1"/>
+                  </a:solidFill>
+                </a:ln>
+              </p:spPr>
+              <p:style>
+                <a:lnRef idx="2">
+                  <a:schemeClr val="accent1">
+                    <a:shade val="50000"/>
+                  </a:schemeClr>
+                </a:lnRef>
+                <a:fillRef idx="1">
+                  <a:schemeClr val="accent1"/>
+                </a:fillRef>
+                <a:effectRef idx="0">
+                  <a:schemeClr val="accent1"/>
+                </a:effectRef>
+                <a:fontRef idx="minor">
+                  <a:schemeClr val="lt1"/>
+                </a:fontRef>
+              </p:style>
+              <p:txBody>
+                <a:bodyPr rtlCol="0" anchor="ctr"/>
+                <a:lstStyle/>
+                <a:p>
+                  <a:pPr algn="ctr"/>
+                  <a:r>
+                    <a:rPr lang="en-US" sz="1200" dirty="0">
+                      <a:solidFill>
+                        <a:schemeClr val="tx1"/>
+                      </a:solidFill>
+                      <a:latin typeface="CMU Sans Serif" panose="02000603000000000000" pitchFamily="2" charset="0"/>
+                      <a:ea typeface="CMU Sans Serif" panose="02000603000000000000" pitchFamily="2" charset="0"/>
+                      <a:cs typeface="CMU Sans Serif" panose="02000603000000000000" pitchFamily="2" charset="0"/>
+                    </a:rPr>
+                    <a:t>Mechanism</a:t>
+                  </a:r>
+                  <a:br>
+                    <a:rPr lang="en-US" sz="1200" dirty="0">
+                      <a:solidFill>
+                        <a:schemeClr val="tx1"/>
+                      </a:solidFill>
+                      <a:latin typeface="CMU Sans Serif" panose="02000603000000000000" pitchFamily="2" charset="0"/>
+                      <a:ea typeface="CMU Sans Serif" panose="02000603000000000000" pitchFamily="2" charset="0"/>
+                      <a:cs typeface="CMU Sans Serif" panose="02000603000000000000" pitchFamily="2" charset="0"/>
+                    </a:rPr>
+                  </a:br>
+                  <a:r>
+                    <a:rPr lang="en-US" sz="1200" dirty="0">
+                      <a:solidFill>
+                        <a:schemeClr val="tx1"/>
+                      </a:solidFill>
+                      <a:latin typeface="CMU Sans Serif" panose="02000603000000000000" pitchFamily="2" charset="0"/>
+                      <a:ea typeface="CMU Sans Serif" panose="02000603000000000000" pitchFamily="2" charset="0"/>
+                      <a:cs typeface="CMU Sans Serif" panose="02000603000000000000" pitchFamily="2" charset="0"/>
+                    </a:rPr>
+                    <a:t>Ensemble</a:t>
+                  </a:r>
+                </a:p>
+                <a:p>
+                  <a:pPr algn="ctr"/>
+                  <a14:m>
+                    <m:oMathPara xmlns:m="http://schemas.openxmlformats.org/officeDocument/2006/math">
+                      <m:oMathParaPr>
+                        <m:jc m:val="centerGroup"/>
+                      </m:oMathParaPr>
+                      <m:oMath xmlns:m="http://schemas.openxmlformats.org/officeDocument/2006/math">
+                        <m:r>
+                          <a:rPr lang="en-US" sz="1200" b="0" i="1" smtClean="0">
+                            <a:solidFill>
+                              <a:schemeClr val="tx1"/>
+                            </a:solidFill>
+                            <a:latin typeface="Cambria Math" panose="02040503050406030204" pitchFamily="18" charset="0"/>
+                            <a:ea typeface="CMU Sans Serif" panose="02000603000000000000" pitchFamily="2" charset="0"/>
+                            <a:cs typeface="CMU Sans Serif" panose="02000603000000000000" pitchFamily="2" charset="0"/>
+                          </a:rPr>
+                          <m:t>𝑓</m:t>
+                        </m:r>
+                        <m:d>
+                          <m:dPr>
+                            <m:ctrlPr>
+                              <a:rPr lang="en-US" sz="1200" b="0" i="1" smtClean="0">
+                                <a:solidFill>
+                                  <a:schemeClr val="tx1"/>
+                                </a:solidFill>
+                                <a:latin typeface="Cambria Math" panose="02040503050406030204" pitchFamily="18" charset="0"/>
+                                <a:ea typeface="CMU Sans Serif" panose="02000603000000000000" pitchFamily="2" charset="0"/>
+                                <a:cs typeface="CMU Sans Serif" panose="02000603000000000000" pitchFamily="2" charset="0"/>
+                              </a:rPr>
+                            </m:ctrlPr>
+                          </m:dPr>
+                          <m:e>
+                            <m:sSub>
+                              <m:sSubPr>
+                                <m:ctrlPr>
+                                  <a:rPr lang="en-US" sz="1200" b="1" i="1" smtClean="0">
+                                    <a:solidFill>
+                                      <a:srgbClr val="C00000"/>
+                                    </a:solidFill>
+                                    <a:latin typeface="Cambria Math" panose="02040503050406030204" pitchFamily="18" charset="0"/>
+                                    <a:ea typeface="CMU Sans Serif" panose="02000603000000000000" pitchFamily="2" charset="0"/>
+                                    <a:cs typeface="CMU Sans Serif" panose="02000603000000000000" pitchFamily="2" charset="0"/>
+                                  </a:rPr>
+                                </m:ctrlPr>
+                              </m:sSubPr>
+                              <m:e>
+                                <m:r>
+                                  <a:rPr lang="en-US" sz="1200" b="1" i="1" smtClean="0">
+                                    <a:solidFill>
+                                      <a:srgbClr val="C00000"/>
+                                    </a:solidFill>
+                                    <a:latin typeface="Cambria Math" panose="02040503050406030204" pitchFamily="18" charset="0"/>
+                                    <a:ea typeface="CMU Sans Serif" panose="02000603000000000000" pitchFamily="2" charset="0"/>
+                                    <a:cs typeface="CMU Sans Serif" panose="02000603000000000000" pitchFamily="2" charset="0"/>
+                                  </a:rPr>
+                                  <m:t>𝜽</m:t>
+                                </m:r>
+                              </m:e>
+                              <m:sub>
+                                <m:r>
+                                  <a:rPr lang="en-US" sz="1200" b="1" i="1" smtClean="0">
+                                    <a:solidFill>
+                                      <a:srgbClr val="C00000"/>
+                                    </a:solidFill>
+                                    <a:latin typeface="Cambria Math" panose="02040503050406030204" pitchFamily="18" charset="0"/>
+                                    <a:ea typeface="CMU Sans Serif" panose="02000603000000000000" pitchFamily="2" charset="0"/>
+                                    <a:cs typeface="CMU Sans Serif" panose="02000603000000000000" pitchFamily="2" charset="0"/>
+                                  </a:rPr>
+                                  <m:t>𝑴</m:t>
+                                </m:r>
+                              </m:sub>
+                            </m:sSub>
+                            <m:r>
+                              <a:rPr lang="en-US" sz="1200" i="1" smtClean="0">
+                                <a:solidFill>
+                                  <a:schemeClr val="tx1"/>
+                                </a:solidFill>
+                                <a:latin typeface="Cambria Math" panose="02040503050406030204" pitchFamily="18" charset="0"/>
+                                <a:ea typeface="CMU Sans Serif" panose="02000603000000000000" pitchFamily="2" charset="0"/>
+                                <a:cs typeface="CMU Sans Serif" panose="02000603000000000000" pitchFamily="2" charset="0"/>
+                              </a:rPr>
+                              <m:t>,</m:t>
+                            </m:r>
+                            <m:r>
+                              <a:rPr lang="en-US" sz="1200" i="1" smtClean="0">
+                                <a:solidFill>
+                                  <a:schemeClr val="tx1"/>
+                                </a:solidFill>
+                                <a:latin typeface="Cambria Math" panose="02040503050406030204" pitchFamily="18" charset="0"/>
+                                <a:ea typeface="CMU Sans Serif" panose="02000603000000000000" pitchFamily="2" charset="0"/>
+                                <a:cs typeface="CMU Sans Serif" panose="02000603000000000000" pitchFamily="2" charset="0"/>
+                              </a:rPr>
+                              <m:t>𝑥</m:t>
+                            </m:r>
+                          </m:e>
+                        </m:d>
+                      </m:oMath>
+                    </m:oMathPara>
+                  </a14:m>
+                  <a:endParaRPr lang="en-US" sz="1200" dirty="0">
+                    <a:solidFill>
+                      <a:schemeClr val="tx1"/>
+                    </a:solidFill>
+                    <a:latin typeface="CMU Sans Serif" panose="02000603000000000000" pitchFamily="2" charset="0"/>
+                    <a:ea typeface="CMU Sans Serif" panose="02000603000000000000" pitchFamily="2" charset="0"/>
+                    <a:cs typeface="CMU Sans Serif" panose="02000603000000000000" pitchFamily="2" charset="0"/>
+                  </a:endParaRPr>
+                </a:p>
+              </p:txBody>
+            </p:sp>
+          </mc:Choice>
+          <mc:Fallback xmlns="">
+            <p:sp>
+              <p:nvSpPr>
+                <p:cNvPr id="9" name="Rectangle 8"/>
+                <p:cNvSpPr>
+                  <a:spLocks noRot="1" noChangeAspect="1" noMove="1" noResize="1" noEditPoints="1" noAdjustHandles="1" noChangeArrowheads="1" noChangeShapeType="1" noTextEdit="1"/>
+                </p:cNvSpPr>
+                <p:nvPr/>
+              </p:nvSpPr>
+              <p:spPr>
+                <a:xfrm flipH="1">
+                  <a:off x="7356199" y="3087833"/>
+                  <a:ext cx="947631" cy="580921"/>
+                </a:xfrm>
+                <a:prstGeom prst="rect">
+                  <a:avLst/>
+                </a:prstGeom>
+                <a:blipFill>
+                  <a:blip r:embed="rId2"/>
+                  <a:stretch>
+                    <a:fillRect t="-6186" b="-5155"/>
+                  </a:stretch>
+                </a:blipFill>
+                <a:ln w="9525">
+                  <a:solidFill>
+                    <a:schemeClr val="tx1"/>
+                  </a:solidFill>
+                </a:ln>
+              </p:spPr>
+              <p:txBody>
+                <a:bodyPr/>
+                <a:lstStyle/>
+                <a:p>
+                  <a:r>
+                    <a:rPr lang="en-US">
+                      <a:noFill/>
+                    </a:rPr>
+                    <a:t> </a:t>
+                  </a:r>
+                </a:p>
+              </p:txBody>
+            </p:sp>
+          </mc:Fallback>
+        </mc:AlternateContent>
+        <p:cxnSp>
+          <p:nvCxnSpPr>
+            <p:cNvPr id="21" name="Straight Connector 20"/>
+            <p:cNvCxnSpPr>
+              <a:stCxn id="6" idx="0"/>
+            </p:cNvCxnSpPr>
+            <p:nvPr/>
+          </p:nvCxnSpPr>
+          <p:spPr>
+            <a:xfrm flipV="1">
+              <a:off x="8964757" y="3376779"/>
+              <a:ext cx="0" cy="1514"/>
+            </a:xfrm>
+            <a:prstGeom prst="line">
+              <a:avLst/>
+            </a:prstGeom>
+          </p:spPr>
+          <p:style>
+            <a:lnRef idx="1">
+              <a:schemeClr val="accent1"/>
+            </a:lnRef>
+            <a:fillRef idx="0">
+              <a:schemeClr val="accent1"/>
+            </a:fillRef>
+            <a:effectRef idx="0">
+              <a:schemeClr val="accent1"/>
+            </a:effectRef>
+            <a:fontRef idx="minor">
+              <a:schemeClr val="tx1"/>
+            </a:fontRef>
+          </p:style>
+        </p:cxnSp>
+        <p:cxnSp>
+          <p:nvCxnSpPr>
+            <p:cNvPr id="23" name="Straight Connector 22"/>
+            <p:cNvCxnSpPr>
+              <a:stCxn id="6" idx="0"/>
+              <a:endCxn id="9" idx="1"/>
+            </p:cNvCxnSpPr>
+            <p:nvPr/>
+          </p:nvCxnSpPr>
+          <p:spPr>
+            <a:xfrm flipH="1">
+              <a:off x="8303830" y="3378293"/>
+              <a:ext cx="660927" cy="1"/>
+            </a:xfrm>
+            <a:prstGeom prst="line">
+              <a:avLst/>
+            </a:prstGeom>
+            <a:ln>
+              <a:solidFill>
+                <a:schemeClr val="tx1"/>
+              </a:solidFill>
+            </a:ln>
+          </p:spPr>
+          <p:style>
+            <a:lnRef idx="1">
+              <a:schemeClr val="dk1"/>
+            </a:lnRef>
+            <a:fillRef idx="0">
+              <a:schemeClr val="dk1"/>
+            </a:fillRef>
+            <a:effectRef idx="0">
+              <a:schemeClr val="dk1"/>
+            </a:effectRef>
+            <a:fontRef idx="minor">
+              <a:schemeClr val="tx1"/>
+            </a:fontRef>
+          </p:style>
+        </p:cxnSp>
+        <p:cxnSp>
+          <p:nvCxnSpPr>
+            <p:cNvPr id="28" name="Straight Arrow Connector 27"/>
+            <p:cNvCxnSpPr>
+              <a:stCxn id="9" idx="3"/>
+            </p:cNvCxnSpPr>
+            <p:nvPr/>
+          </p:nvCxnSpPr>
+          <p:spPr>
+            <a:xfrm flipH="1" flipV="1">
+              <a:off x="6967027" y="3376780"/>
+              <a:ext cx="389172" cy="1514"/>
+            </a:xfrm>
+            <a:prstGeom prst="straightConnector1">
+              <a:avLst/>
+            </a:prstGeom>
+            <a:ln>
+              <a:tailEnd type="triangle"/>
+            </a:ln>
+          </p:spPr>
+          <p:style>
+            <a:lnRef idx="1">
+              <a:schemeClr val="dk1"/>
+            </a:lnRef>
+            <a:fillRef idx="0">
+              <a:schemeClr val="dk1"/>
+            </a:fillRef>
+            <a:effectRef idx="0">
+              <a:schemeClr val="dk1"/>
+            </a:effectRef>
+            <a:fontRef idx="minor">
+              <a:schemeClr val="tx1"/>
+            </a:fontRef>
+          </p:style>
+        </p:cxnSp>
+        <mc:AlternateContent xmlns:mc="http://schemas.openxmlformats.org/markup-compatibility/2006" xmlns:a14="http://schemas.microsoft.com/office/drawing/2010/main">
+          <mc:Choice Requires="a14">
+            <p:sp>
+              <p:nvSpPr>
+                <p:cNvPr id="38" name="Rectangle 37"/>
+                <p:cNvSpPr/>
+                <p:nvPr/>
+              </p:nvSpPr>
+              <p:spPr>
+                <a:xfrm flipH="1">
+                  <a:off x="8498481" y="3382683"/>
+                  <a:ext cx="381835" cy="276999"/>
+                </a:xfrm>
+                <a:prstGeom prst="rect">
+                  <a:avLst/>
+                </a:prstGeom>
+              </p:spPr>
+              <p:txBody>
+                <a:bodyPr wrap="none">
+                  <a:spAutoFit/>
+                </a:bodyPr>
+                <a:lstStyle/>
+                <a:p>
+                  <a:pPr/>
+                  <a14:m>
+                    <m:oMathPara xmlns:m="http://schemas.openxmlformats.org/officeDocument/2006/math">
+                      <m:oMathParaPr>
+                        <m:jc m:val="centerGroup"/>
+                      </m:oMathParaPr>
+                      <m:oMath xmlns:m="http://schemas.openxmlformats.org/officeDocument/2006/math">
+                        <m:r>
+                          <a:rPr lang="en-US" sz="1200" b="1" i="1" dirty="0" smtClean="0">
+                            <a:solidFill>
+                              <a:srgbClr val="C00000"/>
+                            </a:solidFill>
+                            <a:latin typeface="Cambria Math" panose="02040503050406030204" pitchFamily="18" charset="0"/>
+                            <a:ea typeface="CMU Sans Serif" panose="02000603000000000000" pitchFamily="2" charset="0"/>
+                            <a:cs typeface="CMU Sans Serif" panose="02000603000000000000" pitchFamily="2" charset="0"/>
+                          </a:rPr>
+                          <m:t>𝑴</m:t>
+                        </m:r>
+                      </m:oMath>
+                    </m:oMathPara>
+                  </a14:m>
+                  <a:endParaRPr lang="en-US" sz="1200" b="1" dirty="0">
+                    <a:solidFill>
+                      <a:srgbClr val="C00000"/>
+                    </a:solidFill>
+                    <a:latin typeface="CMU Sans Serif" panose="02000603000000000000" pitchFamily="2" charset="0"/>
+                    <a:ea typeface="CMU Sans Serif" panose="02000603000000000000" pitchFamily="2" charset="0"/>
+                    <a:cs typeface="CMU Sans Serif" panose="02000603000000000000" pitchFamily="2" charset="0"/>
+                  </a:endParaRPr>
+                </a:p>
+              </p:txBody>
+            </p:sp>
+          </mc:Choice>
+          <mc:Fallback xmlns="">
+            <p:sp>
+              <p:nvSpPr>
+                <p:cNvPr id="38" name="Rectangle 37"/>
+                <p:cNvSpPr>
+                  <a:spLocks noRot="1" noChangeAspect="1" noMove="1" noResize="1" noEditPoints="1" noAdjustHandles="1" noChangeArrowheads="1" noChangeShapeType="1" noTextEdit="1"/>
+                </p:cNvSpPr>
+                <p:nvPr/>
+              </p:nvSpPr>
+              <p:spPr>
+                <a:xfrm flipH="1">
+                  <a:off x="8498481" y="3382683"/>
+                  <a:ext cx="381835" cy="276999"/>
+                </a:xfrm>
+                <a:prstGeom prst="rect">
+                  <a:avLst/>
+                </a:prstGeom>
+                <a:blipFill>
+                  <a:blip r:embed="rId3"/>
+                  <a:stretch>
+                    <a:fillRect/>
+                  </a:stretch>
+                </a:blipFill>
+              </p:spPr>
+              <p:txBody>
+                <a:bodyPr/>
+                <a:lstStyle/>
+                <a:p>
+                  <a:r>
+                    <a:rPr lang="en-US">
+                      <a:noFill/>
+                    </a:rPr>
+                    <a:t> </a:t>
+                  </a:r>
+                </a:p>
+              </p:txBody>
+            </p:sp>
+          </mc:Fallback>
+        </mc:AlternateContent>
+        <p:sp>
+          <p:nvSpPr>
+            <p:cNvPr id="39" name="Rectangle 38"/>
+            <p:cNvSpPr/>
+            <p:nvPr/>
+          </p:nvSpPr>
+          <p:spPr>
+            <a:xfrm flipH="1">
+              <a:off x="8135400" y="2875586"/>
+              <a:ext cx="1107996" cy="461665"/>
+            </a:xfrm>
+            <a:prstGeom prst="rect">
+              <a:avLst/>
+            </a:prstGeom>
+          </p:spPr>
+          <p:txBody>
+            <a:bodyPr wrap="none">
+              <a:spAutoFit/>
+            </a:bodyPr>
+            <a:lstStyle/>
+            <a:p>
+              <a:pPr algn="ctr"/>
+              <a:r>
+                <a:rPr lang="en-US" sz="1200" dirty="0">
+                  <a:latin typeface="CMU Sans Serif" panose="02000603000000000000" pitchFamily="2" charset="0"/>
+                  <a:ea typeface="CMU Sans Serif" panose="02000603000000000000" pitchFamily="2" charset="0"/>
+                  <a:cs typeface="CMU Sans Serif" panose="02000603000000000000" pitchFamily="2" charset="0"/>
+                </a:rPr>
+                <a:t>Stoichiometric</a:t>
+              </a:r>
+              <a:br>
+                <a:rPr lang="en-US" sz="1200" dirty="0">
+                  <a:latin typeface="CMU Sans Serif" panose="02000603000000000000" pitchFamily="2" charset="0"/>
+                  <a:ea typeface="CMU Sans Serif" panose="02000603000000000000" pitchFamily="2" charset="0"/>
+                  <a:cs typeface="CMU Sans Serif" panose="02000603000000000000" pitchFamily="2" charset="0"/>
+                </a:rPr>
+              </a:br>
+              <a:r>
+                <a:rPr lang="en-US" sz="1200" dirty="0">
+                  <a:latin typeface="CMU Sans Serif" panose="02000603000000000000" pitchFamily="2" charset="0"/>
+                  <a:ea typeface="CMU Sans Serif" panose="02000603000000000000" pitchFamily="2" charset="0"/>
+                  <a:cs typeface="CMU Sans Serif" panose="02000603000000000000" pitchFamily="2" charset="0"/>
+                </a:rPr>
+                <a:t>Matrix</a:t>
+              </a:r>
+            </a:p>
+          </p:txBody>
+        </p:sp>
+        <mc:AlternateContent xmlns:mc="http://schemas.openxmlformats.org/markup-compatibility/2006" xmlns:a14="http://schemas.microsoft.com/office/drawing/2010/main">
+          <mc:Choice Requires="a14">
+            <p:sp>
+              <p:nvSpPr>
+                <p:cNvPr id="86" name="Rectangle 85"/>
+                <p:cNvSpPr/>
+                <p:nvPr/>
+              </p:nvSpPr>
+              <p:spPr>
+                <a:xfrm flipH="1">
+                  <a:off x="8974426" y="5453213"/>
+                  <a:ext cx="381835" cy="276999"/>
+                </a:xfrm>
+                <a:prstGeom prst="rect">
+                  <a:avLst/>
+                </a:prstGeom>
+              </p:spPr>
+              <p:txBody>
+                <a:bodyPr wrap="none">
+                  <a:spAutoFit/>
+                </a:bodyPr>
+                <a:lstStyle/>
+                <a:p>
+                  <a:pPr/>
+                  <a14:m>
+                    <m:oMathPara xmlns:m="http://schemas.openxmlformats.org/officeDocument/2006/math">
+                      <m:oMathParaPr>
+                        <m:jc m:val="centerGroup"/>
+                      </m:oMathParaPr>
+                      <m:oMath xmlns:m="http://schemas.openxmlformats.org/officeDocument/2006/math">
+                        <m:r>
+                          <a:rPr lang="en-US" sz="1200" b="1" i="1" dirty="0" smtClean="0">
+                            <a:solidFill>
+                              <a:srgbClr val="C00000"/>
+                            </a:solidFill>
+                            <a:latin typeface="Cambria Math" panose="02040503050406030204" pitchFamily="18" charset="0"/>
+                            <a:ea typeface="CMU Sans Serif" panose="02000603000000000000" pitchFamily="2" charset="0"/>
+                            <a:cs typeface="CMU Sans Serif" panose="02000603000000000000" pitchFamily="2" charset="0"/>
+                          </a:rPr>
+                          <m:t>𝑴</m:t>
+                        </m:r>
+                      </m:oMath>
+                    </m:oMathPara>
+                  </a14:m>
+                  <a:endParaRPr lang="en-US" sz="1200" b="1" dirty="0">
+                    <a:solidFill>
+                      <a:srgbClr val="C00000"/>
+                    </a:solidFill>
+                    <a:latin typeface="CMU Sans Serif" panose="02000603000000000000" pitchFamily="2" charset="0"/>
+                    <a:ea typeface="CMU Sans Serif" panose="02000603000000000000" pitchFamily="2" charset="0"/>
+                    <a:cs typeface="CMU Sans Serif" panose="02000603000000000000" pitchFamily="2" charset="0"/>
+                  </a:endParaRPr>
+                </a:p>
+              </p:txBody>
+            </p:sp>
+          </mc:Choice>
+          <mc:Fallback xmlns="">
+            <p:sp>
+              <p:nvSpPr>
+                <p:cNvPr id="86" name="Rectangle 85"/>
+                <p:cNvSpPr>
+                  <a:spLocks noRot="1" noChangeAspect="1" noMove="1" noResize="1" noEditPoints="1" noAdjustHandles="1" noChangeArrowheads="1" noChangeShapeType="1" noTextEdit="1"/>
+                </p:cNvSpPr>
+                <p:nvPr/>
+              </p:nvSpPr>
+              <p:spPr>
+                <a:xfrm flipH="1">
+                  <a:off x="8974426" y="5453213"/>
+                  <a:ext cx="381835" cy="276999"/>
+                </a:xfrm>
+                <a:prstGeom prst="rect">
+                  <a:avLst/>
+                </a:prstGeom>
+                <a:blipFill>
+                  <a:blip r:embed="rId3"/>
+                  <a:stretch>
+                    <a:fillRect/>
+                  </a:stretch>
+                </a:blipFill>
+              </p:spPr>
+              <p:txBody>
+                <a:bodyPr/>
+                <a:lstStyle/>
+                <a:p>
+                  <a:r>
+                    <a:rPr lang="en-US">
+                      <a:noFill/>
+                    </a:rPr>
+                    <a:t> </a:t>
+                  </a:r>
+                </a:p>
+              </p:txBody>
+            </p:sp>
+          </mc:Fallback>
+        </mc:AlternateContent>
+        <p:sp>
+          <p:nvSpPr>
+            <p:cNvPr id="96" name="Rectangle 95"/>
+            <p:cNvSpPr/>
+            <p:nvPr/>
+          </p:nvSpPr>
+          <p:spPr>
+            <a:xfrm flipH="1">
+              <a:off x="9547103" y="4518961"/>
+              <a:ext cx="1026243" cy="461665"/>
+            </a:xfrm>
+            <a:prstGeom prst="rect">
+              <a:avLst/>
+            </a:prstGeom>
+          </p:spPr>
+          <p:txBody>
+            <a:bodyPr wrap="none">
+              <a:spAutoFit/>
+            </a:bodyPr>
+            <a:lstStyle/>
+            <a:p>
+              <a:pPr algn="ctr"/>
+              <a:r>
+                <a:rPr lang="en-US" sz="1200" dirty="0">
+                  <a:latin typeface="CMU Sans Serif" panose="02000603000000000000" pitchFamily="2" charset="0"/>
+                  <a:ea typeface="CMU Sans Serif" panose="02000603000000000000" pitchFamily="2" charset="0"/>
+                  <a:cs typeface="CMU Sans Serif" panose="02000603000000000000" pitchFamily="2" charset="0"/>
+                </a:rPr>
+                <a:t>Continuous</a:t>
+              </a:r>
+              <a:br>
+                <a:rPr lang="en-US" sz="1200" dirty="0">
+                  <a:latin typeface="CMU Sans Serif" panose="02000603000000000000" pitchFamily="2" charset="0"/>
+                  <a:ea typeface="CMU Sans Serif" panose="02000603000000000000" pitchFamily="2" charset="0"/>
+                  <a:cs typeface="CMU Sans Serif" panose="02000603000000000000" pitchFamily="2" charset="0"/>
+                </a:rPr>
+              </a:br>
+              <a:r>
+                <a:rPr lang="en-US" sz="1200" dirty="0">
+                  <a:latin typeface="CMU Sans Serif" panose="02000603000000000000" pitchFamily="2" charset="0"/>
+                  <a:ea typeface="CMU Sans Serif" panose="02000603000000000000" pitchFamily="2" charset="0"/>
+                  <a:cs typeface="CMU Sans Serif" panose="02000603000000000000" pitchFamily="2" charset="0"/>
+                </a:rPr>
+                <a:t>Improvement</a:t>
+              </a:r>
+            </a:p>
+          </p:txBody>
+        </p:sp>
+        <mc:AlternateContent xmlns:mc="http://schemas.openxmlformats.org/markup-compatibility/2006" xmlns:a14="http://schemas.microsoft.com/office/drawing/2010/main">
+          <mc:Choice Requires="a14">
+            <p:sp>
+              <p:nvSpPr>
+                <p:cNvPr id="41" name="Rounded Rectangle 40"/>
+                <p:cNvSpPr/>
+                <p:nvPr/>
+              </p:nvSpPr>
+              <p:spPr>
+                <a:xfrm>
+                  <a:off x="3566201" y="3861892"/>
+                  <a:ext cx="4657573" cy="583952"/>
+                </a:xfrm>
+                <a:prstGeom prst="roundRect">
+                  <a:avLst>
+                    <a:gd name="adj" fmla="val 5847"/>
+                  </a:avLst>
+                </a:prstGeom>
+                <a:noFill/>
+                <a:ln w="6350">
+                  <a:noFill/>
+                  <a:prstDash val="sysDot"/>
+                </a:ln>
+              </p:spPr>
+              <p:style>
+                <a:lnRef idx="2">
+                  <a:schemeClr val="accent1">
+                    <a:shade val="50000"/>
+                  </a:schemeClr>
+                </a:lnRef>
+                <a:fillRef idx="1">
+                  <a:schemeClr val="accent1"/>
+                </a:fillRef>
+                <a:effectRef idx="0">
+                  <a:schemeClr val="accent1"/>
+                </a:effectRef>
+                <a:fontRef idx="minor">
+                  <a:schemeClr val="lt1"/>
+                </a:fontRef>
+              </p:style>
+              <p:txBody>
+                <a:bodyPr lIns="0" tIns="0" rIns="0" bIns="0" rtlCol="0" anchor="ctr"/>
+                <a:lstStyle/>
+                <a:p>
+                  <a:pPr algn="ctr"/>
+                  <a14:m>
+                    <m:oMathPara xmlns:m="http://schemas.openxmlformats.org/officeDocument/2006/math">
+                      <m:oMathParaPr>
+                        <m:jc m:val="centerGroup"/>
+                      </m:oMathParaPr>
+                      <m:oMath xmlns:m="http://schemas.openxmlformats.org/officeDocument/2006/math">
+                        <m:r>
+                          <a:rPr lang="en-US" sz="1200" b="0" i="1" smtClean="0">
+                            <a:solidFill>
+                              <a:schemeClr val="tx1"/>
+                            </a:solidFill>
+                            <a:latin typeface="Cambria Math" panose="02040503050406030204" pitchFamily="18" charset="0"/>
+                            <a:ea typeface="CMU Sans Serif" panose="02000603000000000000" pitchFamily="2" charset="0"/>
+                            <a:cs typeface="CMU Sans Serif" panose="02000603000000000000" pitchFamily="2" charset="0"/>
+                          </a:rPr>
+                          <m:t>ℒ</m:t>
+                        </m:r>
+                        <m:d>
+                          <m:dPr>
+                            <m:ctrlPr>
+                              <a:rPr lang="en-US" sz="1200" b="0" i="1" smtClean="0">
+                                <a:solidFill>
+                                  <a:schemeClr val="tx1"/>
+                                </a:solidFill>
+                                <a:latin typeface="Cambria Math" panose="02040503050406030204" pitchFamily="18" charset="0"/>
+                                <a:ea typeface="CMU Sans Serif" panose="02000603000000000000" pitchFamily="2" charset="0"/>
+                                <a:cs typeface="CMU Sans Serif" panose="02000603000000000000" pitchFamily="2" charset="0"/>
+                              </a:rPr>
+                            </m:ctrlPr>
+                          </m:dPr>
+                          <m:e>
+                            <m:sSub>
+                              <m:sSubPr>
+                                <m:ctrlPr>
+                                  <a:rPr lang="en-US" sz="1200" b="1" i="1" smtClean="0">
+                                    <a:solidFill>
+                                      <a:srgbClr val="C00000"/>
+                                    </a:solidFill>
+                                    <a:latin typeface="Cambria Math" panose="02040503050406030204" pitchFamily="18" charset="0"/>
+                                    <a:ea typeface="CMU Sans Serif" panose="02000603000000000000" pitchFamily="2" charset="0"/>
+                                    <a:cs typeface="CMU Sans Serif" panose="02000603000000000000" pitchFamily="2" charset="0"/>
+                                  </a:rPr>
+                                </m:ctrlPr>
+                              </m:sSubPr>
+                              <m:e>
+                                <m:r>
+                                  <a:rPr lang="en-US" sz="1200" b="1" i="1" smtClean="0">
+                                    <a:solidFill>
+                                      <a:srgbClr val="C00000"/>
+                                    </a:solidFill>
+                                    <a:latin typeface="Cambria Math" panose="02040503050406030204" pitchFamily="18" charset="0"/>
+                                    <a:ea typeface="CMU Sans Serif" panose="02000603000000000000" pitchFamily="2" charset="0"/>
+                                    <a:cs typeface="CMU Sans Serif" panose="02000603000000000000" pitchFamily="2" charset="0"/>
+                                  </a:rPr>
+                                  <m:t>𝜽</m:t>
+                                </m:r>
+                              </m:e>
+                              <m:sub>
+                                <m:r>
+                                  <a:rPr lang="en-US" sz="1200" b="1" i="1" smtClean="0">
+                                    <a:solidFill>
+                                      <a:srgbClr val="C00000"/>
+                                    </a:solidFill>
+                                    <a:latin typeface="Cambria Math" panose="02040503050406030204" pitchFamily="18" charset="0"/>
+                                    <a:ea typeface="CMU Sans Serif" panose="02000603000000000000" pitchFamily="2" charset="0"/>
+                                    <a:cs typeface="CMU Sans Serif" panose="02000603000000000000" pitchFamily="2" charset="0"/>
+                                  </a:rPr>
+                                  <m:t>𝑴</m:t>
+                                </m:r>
+                              </m:sub>
+                            </m:sSub>
+                            <m:r>
+                              <a:rPr lang="en-US" sz="1200" b="0" i="1" smtClean="0">
+                                <a:solidFill>
+                                  <a:schemeClr val="tx1"/>
+                                </a:solidFill>
+                                <a:latin typeface="Cambria Math" panose="02040503050406030204" pitchFamily="18" charset="0"/>
+                                <a:ea typeface="CMU Sans Serif" panose="02000603000000000000" pitchFamily="2" charset="0"/>
+                                <a:cs typeface="CMU Sans Serif" panose="02000603000000000000" pitchFamily="2" charset="0"/>
+                              </a:rPr>
+                              <m:t>,</m:t>
+                            </m:r>
+                            <m:sSub>
+                              <m:sSubPr>
+                                <m:ctrlPr>
+                                  <a:rPr lang="en-US" sz="1200" b="1" i="1" smtClean="0">
+                                    <a:solidFill>
+                                      <a:schemeClr val="accent5"/>
+                                    </a:solidFill>
+                                    <a:latin typeface="Cambria Math" panose="02040503050406030204" pitchFamily="18" charset="0"/>
+                                    <a:ea typeface="CMU Sans Serif" panose="02000603000000000000" pitchFamily="2" charset="0"/>
+                                    <a:cs typeface="CMU Sans Serif" panose="02000603000000000000" pitchFamily="2" charset="0"/>
+                                  </a:rPr>
+                                </m:ctrlPr>
+                              </m:sSubPr>
+                              <m:e>
+                                <m:r>
+                                  <a:rPr lang="en-US" sz="1200" b="1" i="1">
+                                    <a:solidFill>
+                                      <a:schemeClr val="accent5"/>
+                                    </a:solidFill>
+                                    <a:latin typeface="Cambria Math" panose="02040503050406030204" pitchFamily="18" charset="0"/>
+                                    <a:ea typeface="CMU Sans Serif" panose="02000603000000000000" pitchFamily="2" charset="0"/>
+                                    <a:cs typeface="CMU Sans Serif" panose="02000603000000000000" pitchFamily="2" charset="0"/>
+                                  </a:rPr>
+                                  <m:t>𝜽</m:t>
+                                </m:r>
+                              </m:e>
+                              <m:sub>
+                                <m:r>
+                                  <a:rPr lang="en-US" sz="1200" b="1" i="1">
+                                    <a:solidFill>
+                                      <a:schemeClr val="accent5"/>
+                                    </a:solidFill>
+                                    <a:latin typeface="Cambria Math" panose="02040503050406030204" pitchFamily="18" charset="0"/>
+                                    <a:ea typeface="CMU Sans Serif" panose="02000603000000000000" pitchFamily="2" charset="0"/>
+                                    <a:cs typeface="CMU Sans Serif" panose="02000603000000000000" pitchFamily="2" charset="0"/>
+                                  </a:rPr>
+                                  <m:t>𝑵𝑵</m:t>
+                                </m:r>
+                              </m:sub>
+                            </m:sSub>
+                          </m:e>
+                        </m:d>
+                        <m:r>
+                          <a:rPr lang="en-US" sz="1200" b="0" i="1" smtClean="0">
+                            <a:solidFill>
+                              <a:schemeClr val="tx1"/>
+                            </a:solidFill>
+                            <a:latin typeface="Cambria Math" panose="02040503050406030204" pitchFamily="18" charset="0"/>
+                            <a:ea typeface="CMU Sans Serif" panose="02000603000000000000" pitchFamily="2" charset="0"/>
+                            <a:cs typeface="CMU Sans Serif" panose="02000603000000000000" pitchFamily="2" charset="0"/>
+                          </a:rPr>
+                          <m:t>=</m:t>
+                        </m:r>
+                        <m:d>
+                          <m:dPr>
+                            <m:begChr m:val="‖"/>
+                            <m:endChr m:val="‖"/>
+                            <m:ctrlPr>
+                              <a:rPr lang="en-US" sz="1200" b="0" i="1" smtClean="0">
+                                <a:solidFill>
+                                  <a:schemeClr val="tx1"/>
+                                </a:solidFill>
+                                <a:latin typeface="Cambria Math" panose="02040503050406030204" pitchFamily="18" charset="0"/>
+                                <a:ea typeface="CMU Sans Serif" panose="02000603000000000000" pitchFamily="2" charset="0"/>
+                                <a:cs typeface="CMU Sans Serif" panose="02000603000000000000" pitchFamily="2" charset="0"/>
+                              </a:rPr>
+                            </m:ctrlPr>
+                          </m:dPr>
+                          <m:e>
+                            <m:r>
+                              <a:rPr lang="en-US" sz="1200" i="1" smtClean="0">
+                                <a:solidFill>
+                                  <a:schemeClr val="tx1"/>
+                                </a:solidFill>
+                                <a:latin typeface="Cambria Math" panose="02040503050406030204" pitchFamily="18" charset="0"/>
+                                <a:ea typeface="CMU Sans Serif" panose="02000603000000000000" pitchFamily="2" charset="0"/>
+                                <a:cs typeface="CMU Sans Serif" panose="02000603000000000000" pitchFamily="2" charset="0"/>
+                              </a:rPr>
+                              <m:t>𝑥</m:t>
+                            </m:r>
+                            <m:d>
+                              <m:dPr>
+                                <m:ctrlPr>
+                                  <a:rPr lang="en-US" sz="1200" b="0" i="1" smtClean="0">
+                                    <a:solidFill>
+                                      <a:schemeClr val="tx1"/>
+                                    </a:solidFill>
+                                    <a:latin typeface="Cambria Math" panose="02040503050406030204" pitchFamily="18" charset="0"/>
+                                    <a:ea typeface="CMU Sans Serif" panose="02000603000000000000" pitchFamily="2" charset="0"/>
+                                    <a:cs typeface="CMU Sans Serif" panose="02000603000000000000" pitchFamily="2" charset="0"/>
+                                  </a:rPr>
+                                </m:ctrlPr>
+                              </m:dPr>
+                              <m:e>
+                                <m:sSub>
+                                  <m:sSubPr>
+                                    <m:ctrlPr>
+                                      <a:rPr lang="en-US" sz="1200" b="1" i="1" smtClean="0">
+                                        <a:solidFill>
+                                          <a:schemeClr val="accent5"/>
+                                        </a:solidFill>
+                                        <a:latin typeface="Cambria Math" panose="02040503050406030204" pitchFamily="18" charset="0"/>
+                                        <a:ea typeface="CMU Sans Serif" panose="02000603000000000000" pitchFamily="2" charset="0"/>
+                                        <a:cs typeface="CMU Sans Serif" panose="02000603000000000000" pitchFamily="2" charset="0"/>
+                                      </a:rPr>
+                                    </m:ctrlPr>
+                                  </m:sSubPr>
+                                  <m:e>
+                                    <m:r>
+                                      <a:rPr lang="en-US" sz="1200" b="1" i="1">
+                                        <a:solidFill>
+                                          <a:schemeClr val="accent5"/>
+                                        </a:solidFill>
+                                        <a:latin typeface="Cambria Math" panose="02040503050406030204" pitchFamily="18" charset="0"/>
+                                        <a:ea typeface="CMU Sans Serif" panose="02000603000000000000" pitchFamily="2" charset="0"/>
+                                        <a:cs typeface="CMU Sans Serif" panose="02000603000000000000" pitchFamily="2" charset="0"/>
+                                      </a:rPr>
+                                      <m:t>𝜽</m:t>
+                                    </m:r>
+                                  </m:e>
+                                  <m:sub>
+                                    <m:r>
+                                      <a:rPr lang="en-US" sz="1200" b="1" i="1">
+                                        <a:solidFill>
+                                          <a:schemeClr val="accent5"/>
+                                        </a:solidFill>
+                                        <a:latin typeface="Cambria Math" panose="02040503050406030204" pitchFamily="18" charset="0"/>
+                                        <a:ea typeface="CMU Sans Serif" panose="02000603000000000000" pitchFamily="2" charset="0"/>
+                                        <a:cs typeface="CMU Sans Serif" panose="02000603000000000000" pitchFamily="2" charset="0"/>
+                                      </a:rPr>
+                                      <m:t>𝑵𝑵</m:t>
+                                    </m:r>
+                                  </m:sub>
+                                </m:sSub>
+                                <m:r>
+                                  <a:rPr lang="en-US" sz="1200" i="1">
+                                    <a:solidFill>
+                                      <a:schemeClr val="tx1"/>
+                                    </a:solidFill>
+                                    <a:latin typeface="Cambria Math" panose="02040503050406030204" pitchFamily="18" charset="0"/>
+                                    <a:ea typeface="CMU Sans Serif" panose="02000603000000000000" pitchFamily="2" charset="0"/>
+                                    <a:cs typeface="CMU Sans Serif" panose="02000603000000000000" pitchFamily="2" charset="0"/>
+                                  </a:rPr>
+                                  <m:t>,</m:t>
+                                </m:r>
+                                <m:r>
+                                  <a:rPr lang="en-US" sz="1200" i="1">
+                                    <a:solidFill>
+                                      <a:schemeClr val="tx1"/>
+                                    </a:solidFill>
+                                    <a:latin typeface="Cambria Math" panose="02040503050406030204" pitchFamily="18" charset="0"/>
+                                    <a:ea typeface="CMU Sans Serif" panose="02000603000000000000" pitchFamily="2" charset="0"/>
+                                    <a:cs typeface="CMU Sans Serif" panose="02000603000000000000" pitchFamily="2" charset="0"/>
+                                  </a:rPr>
+                                  <m:t>𝑡</m:t>
+                                </m:r>
+                              </m:e>
+                            </m:d>
+                            <m:r>
+                              <a:rPr lang="en-US" sz="1200" i="1">
+                                <a:solidFill>
+                                  <a:schemeClr val="tx1"/>
+                                </a:solidFill>
+                                <a:latin typeface="Cambria Math" panose="02040503050406030204" pitchFamily="18" charset="0"/>
+                                <a:ea typeface="CMU Sans Serif" panose="02000603000000000000" pitchFamily="2" charset="0"/>
+                                <a:cs typeface="CMU Sans Serif" panose="02000603000000000000" pitchFamily="2" charset="0"/>
+                              </a:rPr>
+                              <m:t>−</m:t>
+                            </m:r>
+                            <m:acc>
+                              <m:accPr>
+                                <m:chr m:val="̃"/>
+                                <m:ctrlPr>
+                                  <a:rPr lang="en-US" sz="1200" b="0" i="1">
+                                    <a:solidFill>
+                                      <a:schemeClr val="tx1"/>
+                                    </a:solidFill>
+                                    <a:latin typeface="Cambria Math" panose="02040503050406030204" pitchFamily="18" charset="0"/>
+                                    <a:ea typeface="CMU Sans Serif" panose="02000603000000000000" pitchFamily="2" charset="0"/>
+                                    <a:cs typeface="CMU Sans Serif" panose="02000603000000000000" pitchFamily="2" charset="0"/>
+                                  </a:rPr>
+                                </m:ctrlPr>
+                              </m:accPr>
+                              <m:e>
+                                <m:r>
+                                  <a:rPr lang="en-US" sz="1200" i="1">
+                                    <a:solidFill>
+                                      <a:schemeClr val="tx1"/>
+                                    </a:solidFill>
+                                    <a:latin typeface="Cambria Math" panose="02040503050406030204" pitchFamily="18" charset="0"/>
+                                    <a:ea typeface="CMU Sans Serif" panose="02000603000000000000" pitchFamily="2" charset="0"/>
+                                    <a:cs typeface="CMU Sans Serif" panose="02000603000000000000" pitchFamily="2" charset="0"/>
+                                  </a:rPr>
+                                  <m:t>𝑥</m:t>
+                                </m:r>
+                              </m:e>
+                            </m:acc>
+                          </m:e>
+                        </m:d>
+                        <m:r>
+                          <a:rPr lang="en-US" sz="1200" b="0" i="1" smtClean="0">
+                            <a:solidFill>
+                              <a:schemeClr val="tx1"/>
+                            </a:solidFill>
+                            <a:latin typeface="Cambria Math" panose="02040503050406030204" pitchFamily="18" charset="0"/>
+                            <a:ea typeface="CMU Sans Serif" panose="02000603000000000000" pitchFamily="2" charset="0"/>
+                            <a:cs typeface="CMU Sans Serif" panose="02000603000000000000" pitchFamily="2" charset="0"/>
+                          </a:rPr>
+                          <m:t>+</m:t>
+                        </m:r>
+                        <m:d>
+                          <m:dPr>
+                            <m:begChr m:val="‖"/>
+                            <m:endChr m:val="‖"/>
+                            <m:ctrlPr>
+                              <a:rPr lang="en-US" sz="1200" i="1" smtClean="0">
+                                <a:solidFill>
+                                  <a:schemeClr val="tx1"/>
+                                </a:solidFill>
+                                <a:latin typeface="Cambria Math" panose="02040503050406030204" pitchFamily="18" charset="0"/>
+                                <a:ea typeface="CMU Sans Serif" panose="02000603000000000000" pitchFamily="2" charset="0"/>
+                                <a:cs typeface="CMU Sans Serif" panose="02000603000000000000" pitchFamily="2" charset="0"/>
+                              </a:rPr>
+                            </m:ctrlPr>
+                          </m:dPr>
+                          <m:e>
+                            <m:r>
+                              <a:rPr lang="en-US" sz="1200" b="0" i="1" smtClean="0">
+                                <a:solidFill>
+                                  <a:schemeClr val="tx1"/>
+                                </a:solidFill>
+                                <a:latin typeface="Cambria Math" panose="02040503050406030204" pitchFamily="18" charset="0"/>
+                                <a:ea typeface="CMU Sans Serif" panose="02000603000000000000" pitchFamily="2" charset="0"/>
+                                <a:cs typeface="CMU Sans Serif" panose="02000603000000000000" pitchFamily="2" charset="0"/>
+                              </a:rPr>
+                              <m:t>𝑓</m:t>
+                            </m:r>
+                            <m:d>
+                              <m:dPr>
+                                <m:ctrlPr>
+                                  <a:rPr lang="en-US" sz="1200" b="0" i="1" smtClean="0">
+                                    <a:solidFill>
+                                      <a:schemeClr val="tx1"/>
+                                    </a:solidFill>
+                                    <a:latin typeface="Cambria Math" panose="02040503050406030204" pitchFamily="18" charset="0"/>
+                                    <a:ea typeface="CMU Sans Serif" panose="02000603000000000000" pitchFamily="2" charset="0"/>
+                                    <a:cs typeface="CMU Sans Serif" panose="02000603000000000000" pitchFamily="2" charset="0"/>
+                                  </a:rPr>
+                                </m:ctrlPr>
+                              </m:dPr>
+                              <m:e>
+                                <m:sSub>
+                                  <m:sSubPr>
+                                    <m:ctrlPr>
+                                      <a:rPr lang="en-US" sz="1200" b="1" i="1" smtClean="0">
+                                        <a:solidFill>
+                                          <a:srgbClr val="C00000"/>
+                                        </a:solidFill>
+                                        <a:latin typeface="Cambria Math" panose="02040503050406030204" pitchFamily="18" charset="0"/>
+                                        <a:ea typeface="CMU Sans Serif" panose="02000603000000000000" pitchFamily="2" charset="0"/>
+                                        <a:cs typeface="CMU Sans Serif" panose="02000603000000000000" pitchFamily="2" charset="0"/>
+                                      </a:rPr>
+                                    </m:ctrlPr>
+                                  </m:sSubPr>
+                                  <m:e>
+                                    <m:r>
+                                      <a:rPr lang="en-US" sz="1200" b="1" i="1" smtClean="0">
+                                        <a:solidFill>
+                                          <a:srgbClr val="C00000"/>
+                                        </a:solidFill>
+                                        <a:latin typeface="Cambria Math" panose="02040503050406030204" pitchFamily="18" charset="0"/>
+                                        <a:ea typeface="CMU Sans Serif" panose="02000603000000000000" pitchFamily="2" charset="0"/>
+                                        <a:cs typeface="CMU Sans Serif" panose="02000603000000000000" pitchFamily="2" charset="0"/>
+                                      </a:rPr>
+                                      <m:t>𝜽</m:t>
+                                    </m:r>
+                                  </m:e>
+                                  <m:sub>
+                                    <m:r>
+                                      <a:rPr lang="en-US" sz="1200" b="1" i="1" smtClean="0">
+                                        <a:solidFill>
+                                          <a:srgbClr val="C00000"/>
+                                        </a:solidFill>
+                                        <a:latin typeface="Cambria Math" panose="02040503050406030204" pitchFamily="18" charset="0"/>
+                                        <a:ea typeface="CMU Sans Serif" panose="02000603000000000000" pitchFamily="2" charset="0"/>
+                                        <a:cs typeface="CMU Sans Serif" panose="02000603000000000000" pitchFamily="2" charset="0"/>
+                                      </a:rPr>
+                                      <m:t>𝑴</m:t>
+                                    </m:r>
+                                  </m:sub>
+                                </m:sSub>
+                                <m:r>
+                                  <a:rPr lang="en-US" sz="1200" b="1" i="1" smtClean="0">
+                                    <a:solidFill>
+                                      <a:schemeClr val="tx1"/>
+                                    </a:solidFill>
+                                    <a:latin typeface="Cambria Math" panose="02040503050406030204" pitchFamily="18" charset="0"/>
+                                    <a:ea typeface="CMU Sans Serif" panose="02000603000000000000" pitchFamily="2" charset="0"/>
+                                    <a:cs typeface="CMU Sans Serif" panose="02000603000000000000" pitchFamily="2" charset="0"/>
+                                  </a:rPr>
+                                  <m:t>,</m:t>
+                                </m:r>
+                                <m:r>
+                                  <a:rPr lang="en-US" sz="1200" b="0" i="1" smtClean="0">
+                                    <a:solidFill>
+                                      <a:schemeClr val="tx1"/>
+                                    </a:solidFill>
+                                    <a:latin typeface="Cambria Math" panose="02040503050406030204" pitchFamily="18" charset="0"/>
+                                    <a:ea typeface="CMU Sans Serif" panose="02000603000000000000" pitchFamily="2" charset="0"/>
+                                    <a:cs typeface="CMU Sans Serif" panose="02000603000000000000" pitchFamily="2" charset="0"/>
+                                  </a:rPr>
+                                  <m:t>𝑥</m:t>
+                                </m:r>
+                                <m:d>
+                                  <m:dPr>
+                                    <m:ctrlPr>
+                                      <a:rPr lang="en-US" sz="1200" b="0" i="1" smtClean="0">
+                                        <a:solidFill>
+                                          <a:schemeClr val="tx1"/>
+                                        </a:solidFill>
+                                        <a:latin typeface="Cambria Math" panose="02040503050406030204" pitchFamily="18" charset="0"/>
+                                        <a:ea typeface="CMU Sans Serif" panose="02000603000000000000" pitchFamily="2" charset="0"/>
+                                        <a:cs typeface="CMU Sans Serif" panose="02000603000000000000" pitchFamily="2" charset="0"/>
+                                      </a:rPr>
+                                    </m:ctrlPr>
+                                  </m:dPr>
+                                  <m:e>
+                                    <m:sSub>
+                                      <m:sSubPr>
+                                        <m:ctrlPr>
+                                          <a:rPr lang="en-US" sz="1200" b="1" i="1" smtClean="0">
+                                            <a:solidFill>
+                                              <a:schemeClr val="accent5"/>
+                                            </a:solidFill>
+                                            <a:latin typeface="Cambria Math" panose="02040503050406030204" pitchFamily="18" charset="0"/>
+                                            <a:ea typeface="CMU Sans Serif" panose="02000603000000000000" pitchFamily="2" charset="0"/>
+                                            <a:cs typeface="CMU Sans Serif" panose="02000603000000000000" pitchFamily="2" charset="0"/>
+                                          </a:rPr>
+                                        </m:ctrlPr>
+                                      </m:sSubPr>
+                                      <m:e>
+                                        <m:r>
+                                          <a:rPr lang="en-US" sz="1200" b="1" i="1" smtClean="0">
+                                            <a:solidFill>
+                                              <a:schemeClr val="accent5"/>
+                                            </a:solidFill>
+                                            <a:latin typeface="Cambria Math" panose="02040503050406030204" pitchFamily="18" charset="0"/>
+                                            <a:ea typeface="CMU Sans Serif" panose="02000603000000000000" pitchFamily="2" charset="0"/>
+                                            <a:cs typeface="CMU Sans Serif" panose="02000603000000000000" pitchFamily="2" charset="0"/>
+                                          </a:rPr>
+                                          <m:t>𝜽</m:t>
+                                        </m:r>
+                                      </m:e>
+                                      <m:sub>
+                                        <m:r>
+                                          <a:rPr lang="en-US" sz="1200" b="1" i="1" smtClean="0">
+                                            <a:solidFill>
+                                              <a:schemeClr val="accent5"/>
+                                            </a:solidFill>
+                                            <a:latin typeface="Cambria Math" panose="02040503050406030204" pitchFamily="18" charset="0"/>
+                                            <a:ea typeface="CMU Sans Serif" panose="02000603000000000000" pitchFamily="2" charset="0"/>
+                                            <a:cs typeface="CMU Sans Serif" panose="02000603000000000000" pitchFamily="2" charset="0"/>
+                                          </a:rPr>
+                                          <m:t>𝑵𝑵</m:t>
+                                        </m:r>
+                                      </m:sub>
+                                    </m:sSub>
+                                    <m:r>
+                                      <a:rPr lang="en-US" sz="1200" b="0" i="1" smtClean="0">
+                                        <a:solidFill>
+                                          <a:schemeClr val="tx1"/>
+                                        </a:solidFill>
+                                        <a:latin typeface="Cambria Math" panose="02040503050406030204" pitchFamily="18" charset="0"/>
+                                        <a:ea typeface="CMU Sans Serif" panose="02000603000000000000" pitchFamily="2" charset="0"/>
+                                        <a:cs typeface="CMU Sans Serif" panose="02000603000000000000" pitchFamily="2" charset="0"/>
+                                      </a:rPr>
+                                      <m:t>,</m:t>
+                                    </m:r>
+                                    <m:r>
+                                      <a:rPr lang="en-US" sz="1200" b="0" i="1" smtClean="0">
+                                        <a:solidFill>
+                                          <a:schemeClr val="tx1"/>
+                                        </a:solidFill>
+                                        <a:latin typeface="Cambria Math" panose="02040503050406030204" pitchFamily="18" charset="0"/>
+                                        <a:ea typeface="CMU Sans Serif" panose="02000603000000000000" pitchFamily="2" charset="0"/>
+                                        <a:cs typeface="CMU Sans Serif" panose="02000603000000000000" pitchFamily="2" charset="0"/>
+                                      </a:rPr>
+                                      <m:t>𝑡</m:t>
+                                    </m:r>
+                                  </m:e>
+                                </m:d>
+                              </m:e>
+                            </m:d>
+                            <m:r>
+                              <a:rPr lang="en-US" sz="1200" b="0" i="1" smtClean="0">
+                                <a:solidFill>
+                                  <a:schemeClr val="tx1"/>
+                                </a:solidFill>
+                                <a:latin typeface="Cambria Math" panose="02040503050406030204" pitchFamily="18" charset="0"/>
+                                <a:ea typeface="CMU Sans Serif" panose="02000603000000000000" pitchFamily="2" charset="0"/>
+                                <a:cs typeface="CMU Sans Serif" panose="02000603000000000000" pitchFamily="2" charset="0"/>
+                              </a:rPr>
+                              <m:t>−</m:t>
+                            </m:r>
+                            <m:acc>
+                              <m:accPr>
+                                <m:chr m:val="̇"/>
+                                <m:ctrlPr>
+                                  <a:rPr lang="en-US" sz="1200" b="0" i="1" smtClean="0">
+                                    <a:solidFill>
+                                      <a:schemeClr val="tx1"/>
+                                    </a:solidFill>
+                                    <a:latin typeface="Cambria Math" panose="02040503050406030204" pitchFamily="18" charset="0"/>
+                                    <a:ea typeface="CMU Sans Serif" panose="02000603000000000000" pitchFamily="2" charset="0"/>
+                                    <a:cs typeface="CMU Sans Serif" panose="02000603000000000000" pitchFamily="2" charset="0"/>
+                                  </a:rPr>
+                                </m:ctrlPr>
+                              </m:accPr>
+                              <m:e>
+                                <m:r>
+                                  <a:rPr lang="en-US" sz="1200" b="0" i="1" smtClean="0">
+                                    <a:solidFill>
+                                      <a:schemeClr val="tx1"/>
+                                    </a:solidFill>
+                                    <a:latin typeface="Cambria Math" panose="02040503050406030204" pitchFamily="18" charset="0"/>
+                                    <a:ea typeface="CMU Sans Serif" panose="02000603000000000000" pitchFamily="2" charset="0"/>
+                                    <a:cs typeface="CMU Sans Serif" panose="02000603000000000000" pitchFamily="2" charset="0"/>
+                                  </a:rPr>
+                                  <m:t>𝑥</m:t>
+                                </m:r>
+                              </m:e>
+                            </m:acc>
+                            <m:d>
+                              <m:dPr>
+                                <m:ctrlPr>
+                                  <a:rPr lang="en-US" sz="1200" b="0" i="1" smtClean="0">
+                                    <a:solidFill>
+                                      <a:schemeClr val="tx1"/>
+                                    </a:solidFill>
+                                    <a:latin typeface="Cambria Math" panose="02040503050406030204" pitchFamily="18" charset="0"/>
+                                    <a:ea typeface="CMU Sans Serif" panose="02000603000000000000" pitchFamily="2" charset="0"/>
+                                    <a:cs typeface="CMU Sans Serif" panose="02000603000000000000" pitchFamily="2" charset="0"/>
+                                  </a:rPr>
+                                </m:ctrlPr>
+                              </m:dPr>
+                              <m:e>
+                                <m:sSub>
+                                  <m:sSubPr>
+                                    <m:ctrlPr>
+                                      <a:rPr lang="en-US" sz="1200" b="1" i="1" smtClean="0">
+                                        <a:solidFill>
+                                          <a:schemeClr val="accent5"/>
+                                        </a:solidFill>
+                                        <a:latin typeface="Cambria Math" panose="02040503050406030204" pitchFamily="18" charset="0"/>
+                                        <a:ea typeface="CMU Sans Serif" panose="02000603000000000000" pitchFamily="2" charset="0"/>
+                                        <a:cs typeface="CMU Sans Serif" panose="02000603000000000000" pitchFamily="2" charset="0"/>
+                                      </a:rPr>
+                                    </m:ctrlPr>
+                                  </m:sSubPr>
+                                  <m:e>
+                                    <m:r>
+                                      <a:rPr lang="en-US" sz="1200" b="1" i="1" smtClean="0">
+                                        <a:solidFill>
+                                          <a:schemeClr val="accent5"/>
+                                        </a:solidFill>
+                                        <a:latin typeface="Cambria Math" panose="02040503050406030204" pitchFamily="18" charset="0"/>
+                                        <a:ea typeface="CMU Sans Serif" panose="02000603000000000000" pitchFamily="2" charset="0"/>
+                                        <a:cs typeface="CMU Sans Serif" panose="02000603000000000000" pitchFamily="2" charset="0"/>
+                                      </a:rPr>
+                                      <m:t>𝜽</m:t>
+                                    </m:r>
+                                  </m:e>
+                                  <m:sub>
+                                    <m:r>
+                                      <a:rPr lang="en-US" sz="1200" b="1" i="1" smtClean="0">
+                                        <a:solidFill>
+                                          <a:schemeClr val="accent5"/>
+                                        </a:solidFill>
+                                        <a:latin typeface="Cambria Math" panose="02040503050406030204" pitchFamily="18" charset="0"/>
+                                        <a:ea typeface="CMU Sans Serif" panose="02000603000000000000" pitchFamily="2" charset="0"/>
+                                        <a:cs typeface="CMU Sans Serif" panose="02000603000000000000" pitchFamily="2" charset="0"/>
+                                      </a:rPr>
+                                      <m:t>𝑵𝑵</m:t>
+                                    </m:r>
+                                  </m:sub>
+                                </m:sSub>
+                                <m:r>
+                                  <a:rPr lang="en-US" sz="1200" b="0" i="1" smtClean="0">
+                                    <a:solidFill>
+                                      <a:schemeClr val="tx1"/>
+                                    </a:solidFill>
+                                    <a:latin typeface="Cambria Math" panose="02040503050406030204" pitchFamily="18" charset="0"/>
+                                    <a:ea typeface="CMU Sans Serif" panose="02000603000000000000" pitchFamily="2" charset="0"/>
+                                    <a:cs typeface="CMU Sans Serif" panose="02000603000000000000" pitchFamily="2" charset="0"/>
+                                  </a:rPr>
+                                  <m:t>,</m:t>
+                                </m:r>
+                                <m:r>
+                                  <a:rPr lang="en-US" sz="1200" b="0" i="1" smtClean="0">
+                                    <a:solidFill>
+                                      <a:schemeClr val="tx1"/>
+                                    </a:solidFill>
+                                    <a:latin typeface="Cambria Math" panose="02040503050406030204" pitchFamily="18" charset="0"/>
+                                    <a:ea typeface="CMU Sans Serif" panose="02000603000000000000" pitchFamily="2" charset="0"/>
+                                    <a:cs typeface="CMU Sans Serif" panose="02000603000000000000" pitchFamily="2" charset="0"/>
+                                  </a:rPr>
+                                  <m:t>𝑡</m:t>
+                                </m:r>
+                              </m:e>
+                            </m:d>
+                          </m:e>
+                        </m:d>
+                      </m:oMath>
+                    </m:oMathPara>
+                  </a14:m>
+                  <a:endParaRPr lang="en-US" sz="1200" i="1" dirty="0">
+                    <a:solidFill>
+                      <a:schemeClr val="tx1"/>
+                    </a:solidFill>
+                    <a:latin typeface="CMU Sans Serif" panose="02000603000000000000" pitchFamily="2" charset="0"/>
+                    <a:ea typeface="CMU Sans Serif" panose="02000603000000000000" pitchFamily="2" charset="0"/>
+                    <a:cs typeface="CMU Sans Serif" panose="02000603000000000000" pitchFamily="2" charset="0"/>
+                  </a:endParaRPr>
+                </a:p>
+              </p:txBody>
+            </p:sp>
+          </mc:Choice>
+          <mc:Fallback xmlns="">
+            <p:sp>
+              <p:nvSpPr>
+                <p:cNvPr id="41" name="Rounded Rectangle 40"/>
+                <p:cNvSpPr>
+                  <a:spLocks noRot="1" noChangeAspect="1" noMove="1" noResize="1" noEditPoints="1" noAdjustHandles="1" noChangeArrowheads="1" noChangeShapeType="1" noTextEdit="1"/>
+                </p:cNvSpPr>
+                <p:nvPr/>
+              </p:nvSpPr>
+              <p:spPr>
+                <a:xfrm>
+                  <a:off x="3566201" y="3861892"/>
+                  <a:ext cx="4657573" cy="583952"/>
+                </a:xfrm>
+                <a:prstGeom prst="roundRect">
+                  <a:avLst>
+                    <a:gd name="adj" fmla="val 5847"/>
+                  </a:avLst>
+                </a:prstGeom>
+                <a:blipFill>
+                  <a:blip r:embed="rId4"/>
+                  <a:stretch>
+                    <a:fillRect/>
+                  </a:stretch>
+                </a:blipFill>
+                <a:ln w="6350">
+                  <a:noFill/>
+                  <a:prstDash val="sysDot"/>
+                </a:ln>
+              </p:spPr>
+              <p:txBody>
+                <a:bodyPr/>
+                <a:lstStyle/>
+                <a:p>
+                  <a:r>
+                    <a:rPr lang="en-US">
+                      <a:noFill/>
+                    </a:rPr>
+                    <a:t> </a:t>
+                  </a:r>
+                </a:p>
+              </p:txBody>
+            </p:sp>
+          </mc:Fallback>
+        </mc:AlternateContent>
+        <p:sp>
+          <p:nvSpPr>
+            <p:cNvPr id="44" name="Rectangle 43"/>
+            <p:cNvSpPr/>
+            <p:nvPr/>
+          </p:nvSpPr>
+          <p:spPr>
+            <a:xfrm>
+              <a:off x="6913979" y="4288501"/>
+              <a:ext cx="1643399" cy="261610"/>
+            </a:xfrm>
+            <a:prstGeom prst="rect">
+              <a:avLst/>
+            </a:prstGeom>
+          </p:spPr>
+          <p:txBody>
+            <a:bodyPr wrap="none">
+              <a:spAutoFit/>
+            </a:bodyPr>
+            <a:lstStyle/>
+            <a:p>
+              <a:r>
+                <a:rPr lang="en-US" sz="1100" dirty="0">
+                  <a:latin typeface="CMU Sans Serif" panose="02000603000000000000" pitchFamily="2" charset="0"/>
+                  <a:ea typeface="CMU Sans Serif" panose="02000603000000000000" pitchFamily="2" charset="0"/>
+                  <a:cs typeface="CMU Sans Serif" panose="02000603000000000000" pitchFamily="2" charset="0"/>
+                </a:rPr>
+                <a:t>Combined Cost Function</a:t>
+              </a:r>
+            </a:p>
+          </p:txBody>
+        </p:sp>
+        <p:sp>
+          <p:nvSpPr>
+            <p:cNvPr id="51" name="Rectangle 50"/>
+            <p:cNvSpPr/>
+            <p:nvPr/>
+          </p:nvSpPr>
+          <p:spPr>
+            <a:xfrm>
+              <a:off x="8480163" y="5106077"/>
+              <a:ext cx="809837" cy="430887"/>
+            </a:xfrm>
+            <a:prstGeom prst="rect">
+              <a:avLst/>
+            </a:prstGeom>
+          </p:spPr>
+          <p:txBody>
+            <a:bodyPr wrap="none">
+              <a:spAutoFit/>
+            </a:bodyPr>
+            <a:lstStyle/>
+            <a:p>
+              <a:r>
+                <a:rPr lang="en-US" sz="1100" dirty="0">
+                  <a:latin typeface="CMU Sans Serif" panose="02000603000000000000" pitchFamily="2" charset="0"/>
+                  <a:ea typeface="CMU Sans Serif" panose="02000603000000000000" pitchFamily="2" charset="0"/>
+                  <a:cs typeface="CMU Sans Serif" panose="02000603000000000000" pitchFamily="2" charset="0"/>
+                </a:rPr>
+                <a:t>Optimality</a:t>
+              </a:r>
+              <a:br>
+                <a:rPr lang="en-US" sz="1100" dirty="0">
+                  <a:latin typeface="CMU Sans Serif" panose="02000603000000000000" pitchFamily="2" charset="0"/>
+                  <a:ea typeface="CMU Sans Serif" panose="02000603000000000000" pitchFamily="2" charset="0"/>
+                  <a:cs typeface="CMU Sans Serif" panose="02000603000000000000" pitchFamily="2" charset="0"/>
+                </a:rPr>
+              </a:br>
+              <a:r>
+                <a:rPr lang="en-US" sz="1100" dirty="0">
+                  <a:latin typeface="CMU Sans Serif" panose="02000603000000000000" pitchFamily="2" charset="0"/>
+                  <a:ea typeface="CMU Sans Serif" panose="02000603000000000000" pitchFamily="2" charset="0"/>
+                  <a:cs typeface="CMU Sans Serif" panose="02000603000000000000" pitchFamily="2" charset="0"/>
+                </a:rPr>
+                <a:t>Conditions</a:t>
+              </a:r>
+            </a:p>
+          </p:txBody>
+        </p:sp>
+        <mc:AlternateContent xmlns:mc="http://schemas.openxmlformats.org/markup-compatibility/2006" xmlns:a14="http://schemas.microsoft.com/office/drawing/2010/main">
+          <mc:Choice Requires="a14">
+            <p:sp>
+              <p:nvSpPr>
+                <p:cNvPr id="73" name="Rectangle 72"/>
+                <p:cNvSpPr/>
+                <p:nvPr/>
+              </p:nvSpPr>
+              <p:spPr>
+                <a:xfrm>
+                  <a:off x="6836228" y="4932428"/>
+                  <a:ext cx="1942374" cy="847924"/>
+                </a:xfrm>
+                <a:prstGeom prst="rect">
+                  <a:avLst/>
+                </a:prstGeom>
+              </p:spPr>
+              <p:txBody>
+                <a:bodyPr>
+                  <a:spAutoFit/>
+                </a:bodyPr>
+                <a:lstStyle/>
+                <a:p>
+                  <a:pPr algn="ctr">
+                    <a:lnSpc>
+                      <a:spcPct val="150000"/>
+                    </a:lnSpc>
+                    <a:spcBef>
+                      <a:spcPts val="600"/>
+                    </a:spcBef>
+                    <a:spcAft>
+                      <a:spcPts val="600"/>
+                    </a:spcAft>
+                  </a:pPr>
+                  <a14:m>
+                    <m:oMathPara xmlns:m="http://schemas.openxmlformats.org/officeDocument/2006/math">
+                      <m:oMathParaPr>
+                        <m:jc m:val="centerGroup"/>
+                      </m:oMathParaPr>
+                      <m:oMath xmlns:m="http://schemas.openxmlformats.org/officeDocument/2006/math">
+                        <m:sSub>
+                          <m:sSubPr>
+                            <m:ctrlPr>
+                              <a:rPr lang="en-US" sz="1200" i="1" smtClean="0">
+                                <a:latin typeface="Cambria Math" panose="02040503050406030204" pitchFamily="18" charset="0"/>
+                                <a:ea typeface="CMU Sans Serif" panose="02000603000000000000" pitchFamily="2" charset="0"/>
+                                <a:cs typeface="CMU Sans Serif" panose="02000603000000000000" pitchFamily="2" charset="0"/>
+                              </a:rPr>
+                            </m:ctrlPr>
+                          </m:sSubPr>
+                          <m:e>
+                            <m:r>
+                              <a:rPr lang="en-US" sz="1200" i="1" smtClean="0">
+                                <a:latin typeface="Cambria Math" panose="02040503050406030204" pitchFamily="18" charset="0"/>
+                                <a:ea typeface="CMU Sans Serif" panose="02000603000000000000" pitchFamily="2" charset="0"/>
+                                <a:cs typeface="CMU Sans Serif" panose="02000603000000000000" pitchFamily="2" charset="0"/>
+                              </a:rPr>
+                              <m:t>ℒ</m:t>
+                            </m:r>
+                          </m:e>
+                          <m:sub>
+                            <m:sSub>
+                              <m:sSubPr>
+                                <m:ctrlPr>
+                                  <a:rPr lang="en-US" sz="1200" b="1" i="1">
+                                    <a:solidFill>
+                                      <a:schemeClr val="accent5"/>
+                                    </a:solidFill>
+                                    <a:latin typeface="Cambria Math" panose="02040503050406030204" pitchFamily="18" charset="0"/>
+                                    <a:ea typeface="CMU Sans Serif" panose="02000603000000000000" pitchFamily="2" charset="0"/>
+                                    <a:cs typeface="CMU Sans Serif" panose="02000603000000000000" pitchFamily="2" charset="0"/>
+                                  </a:rPr>
+                                </m:ctrlPr>
+                              </m:sSubPr>
+                              <m:e>
+                                <m:r>
+                                  <a:rPr lang="en-US" sz="1200" b="1" i="1">
+                                    <a:solidFill>
+                                      <a:schemeClr val="accent5"/>
+                                    </a:solidFill>
+                                    <a:latin typeface="Cambria Math" panose="02040503050406030204" pitchFamily="18" charset="0"/>
+                                    <a:ea typeface="CMU Sans Serif" panose="02000603000000000000" pitchFamily="2" charset="0"/>
+                                    <a:cs typeface="CMU Sans Serif" panose="02000603000000000000" pitchFamily="2" charset="0"/>
+                                  </a:rPr>
+                                  <m:t>𝜽</m:t>
+                                </m:r>
+                              </m:e>
+                              <m:sub>
+                                <m:r>
+                                  <a:rPr lang="en-US" sz="1200" b="1" i="1">
+                                    <a:solidFill>
+                                      <a:schemeClr val="accent5"/>
+                                    </a:solidFill>
+                                    <a:latin typeface="Cambria Math" panose="02040503050406030204" pitchFamily="18" charset="0"/>
+                                    <a:ea typeface="CMU Sans Serif" panose="02000603000000000000" pitchFamily="2" charset="0"/>
+                                    <a:cs typeface="CMU Sans Serif" panose="02000603000000000000" pitchFamily="2" charset="0"/>
+                                  </a:rPr>
+                                  <m:t>𝑵𝑵</m:t>
+                                </m:r>
+                              </m:sub>
+                            </m:sSub>
+                          </m:sub>
+                        </m:sSub>
+                        <m:d>
+                          <m:dPr>
+                            <m:ctrlPr>
+                              <a:rPr lang="en-US" sz="1200" b="1" i="1" smtClean="0">
+                                <a:solidFill>
+                                  <a:schemeClr val="tx1"/>
+                                </a:solidFill>
+                                <a:latin typeface="Cambria Math" panose="02040503050406030204" pitchFamily="18" charset="0"/>
+                                <a:ea typeface="CMU Sans Serif" panose="02000603000000000000" pitchFamily="2" charset="0"/>
+                                <a:cs typeface="CMU Sans Serif" panose="02000603000000000000" pitchFamily="2" charset="0"/>
+                              </a:rPr>
+                            </m:ctrlPr>
+                          </m:dPr>
+                          <m:e>
+                            <m:sSub>
+                              <m:sSubPr>
+                                <m:ctrlPr>
+                                  <a:rPr lang="en-US" sz="1200" b="1" i="1" smtClean="0">
+                                    <a:solidFill>
+                                      <a:srgbClr val="C00000"/>
+                                    </a:solidFill>
+                                    <a:latin typeface="Cambria Math" panose="02040503050406030204" pitchFamily="18" charset="0"/>
+                                    <a:ea typeface="CMU Sans Serif" panose="02000603000000000000" pitchFamily="2" charset="0"/>
+                                    <a:cs typeface="CMU Sans Serif" panose="02000603000000000000" pitchFamily="2" charset="0"/>
+                                  </a:rPr>
+                                </m:ctrlPr>
+                              </m:sSubPr>
+                              <m:e>
+                                <m:r>
+                                  <a:rPr lang="en-US" sz="1200" b="1" i="1">
+                                    <a:solidFill>
+                                      <a:srgbClr val="C00000"/>
+                                    </a:solidFill>
+                                    <a:latin typeface="Cambria Math" panose="02040503050406030204" pitchFamily="18" charset="0"/>
+                                    <a:ea typeface="CMU Sans Serif" panose="02000603000000000000" pitchFamily="2" charset="0"/>
+                                    <a:cs typeface="CMU Sans Serif" panose="02000603000000000000" pitchFamily="2" charset="0"/>
+                                  </a:rPr>
+                                  <m:t>𝜽</m:t>
+                                </m:r>
+                              </m:e>
+                              <m:sub>
+                                <m:r>
+                                  <a:rPr lang="en-US" sz="1200" b="1" i="1">
+                                    <a:solidFill>
+                                      <a:srgbClr val="C00000"/>
+                                    </a:solidFill>
+                                    <a:latin typeface="Cambria Math" panose="02040503050406030204" pitchFamily="18" charset="0"/>
+                                    <a:ea typeface="CMU Sans Serif" panose="02000603000000000000" pitchFamily="2" charset="0"/>
+                                    <a:cs typeface="CMU Sans Serif" panose="02000603000000000000" pitchFamily="2" charset="0"/>
+                                  </a:rPr>
+                                  <m:t>𝑴</m:t>
+                                </m:r>
+                              </m:sub>
+                            </m:sSub>
+                            <m:r>
+                              <a:rPr lang="en-US" sz="1200" i="1">
+                                <a:latin typeface="Cambria Math" panose="02040503050406030204" pitchFamily="18" charset="0"/>
+                                <a:ea typeface="CMU Sans Serif" panose="02000603000000000000" pitchFamily="2" charset="0"/>
+                                <a:cs typeface="CMU Sans Serif" panose="02000603000000000000" pitchFamily="2" charset="0"/>
+                              </a:rPr>
+                              <m:t>,</m:t>
+                            </m:r>
+                            <m:sSub>
+                              <m:sSubPr>
+                                <m:ctrlPr>
+                                  <a:rPr lang="en-US" sz="1200" b="1" i="1">
+                                    <a:solidFill>
+                                      <a:schemeClr val="accent5"/>
+                                    </a:solidFill>
+                                    <a:latin typeface="Cambria Math" panose="02040503050406030204" pitchFamily="18" charset="0"/>
+                                    <a:ea typeface="CMU Sans Serif" panose="02000603000000000000" pitchFamily="2" charset="0"/>
+                                    <a:cs typeface="CMU Sans Serif" panose="02000603000000000000" pitchFamily="2" charset="0"/>
+                                  </a:rPr>
+                                </m:ctrlPr>
+                              </m:sSubPr>
+                              <m:e>
+                                <m:r>
+                                  <a:rPr lang="en-US" sz="1200" b="1" i="1">
+                                    <a:solidFill>
+                                      <a:schemeClr val="accent5"/>
+                                    </a:solidFill>
+                                    <a:latin typeface="Cambria Math" panose="02040503050406030204" pitchFamily="18" charset="0"/>
+                                    <a:ea typeface="CMU Sans Serif" panose="02000603000000000000" pitchFamily="2" charset="0"/>
+                                    <a:cs typeface="CMU Sans Serif" panose="02000603000000000000" pitchFamily="2" charset="0"/>
+                                  </a:rPr>
+                                  <m:t>𝜽</m:t>
+                                </m:r>
+                              </m:e>
+                              <m:sub>
+                                <m:r>
+                                  <a:rPr lang="en-US" sz="1200" b="1" i="1">
+                                    <a:solidFill>
+                                      <a:schemeClr val="accent5"/>
+                                    </a:solidFill>
+                                    <a:latin typeface="Cambria Math" panose="02040503050406030204" pitchFamily="18" charset="0"/>
+                                    <a:ea typeface="CMU Sans Serif" panose="02000603000000000000" pitchFamily="2" charset="0"/>
+                                    <a:cs typeface="CMU Sans Serif" panose="02000603000000000000" pitchFamily="2" charset="0"/>
+                                  </a:rPr>
+                                  <m:t>𝑵𝑵</m:t>
+                                </m:r>
+                              </m:sub>
+                            </m:sSub>
+                          </m:e>
+                        </m:d>
+                        <m:r>
+                          <a:rPr lang="en-US" sz="1200" b="0" i="1" smtClean="0">
+                            <a:solidFill>
+                              <a:schemeClr val="tx1"/>
+                            </a:solidFill>
+                            <a:latin typeface="Cambria Math" panose="02040503050406030204" pitchFamily="18" charset="0"/>
+                            <a:ea typeface="CMU Sans Serif" panose="02000603000000000000" pitchFamily="2" charset="0"/>
+                            <a:cs typeface="CMU Sans Serif" panose="02000603000000000000" pitchFamily="2" charset="0"/>
+                          </a:rPr>
+                          <m:t>=0</m:t>
+                        </m:r>
+                      </m:oMath>
+                    </m:oMathPara>
+                  </a14:m>
+                  <a:endParaRPr lang="en-US" sz="1200" i="1" dirty="0">
+                    <a:latin typeface="CMU Sans Serif" panose="02000603000000000000" pitchFamily="2" charset="0"/>
+                    <a:ea typeface="CMU Sans Serif" panose="02000603000000000000" pitchFamily="2" charset="0"/>
+                    <a:cs typeface="CMU Sans Serif" panose="02000603000000000000" pitchFamily="2" charset="0"/>
+                  </a:endParaRPr>
+                </a:p>
+                <a:p>
+                  <a:pPr algn="ctr">
+                    <a:lnSpc>
+                      <a:spcPct val="150000"/>
+                    </a:lnSpc>
+                    <a:spcBef>
+                      <a:spcPts val="600"/>
+                    </a:spcBef>
+                    <a:spcAft>
+                      <a:spcPts val="600"/>
+                    </a:spcAft>
+                  </a:pPr>
+                  <a14:m>
+                    <m:oMathPara xmlns:m="http://schemas.openxmlformats.org/officeDocument/2006/math">
+                      <m:oMathParaPr>
+                        <m:jc m:val="centerGroup"/>
+                      </m:oMathParaPr>
+                      <m:oMath xmlns:m="http://schemas.openxmlformats.org/officeDocument/2006/math">
+                        <m:sSub>
+                          <m:sSubPr>
+                            <m:ctrlPr>
+                              <a:rPr lang="en-US" sz="1200" i="1" smtClean="0">
+                                <a:latin typeface="Cambria Math" panose="02040503050406030204" pitchFamily="18" charset="0"/>
+                                <a:ea typeface="CMU Sans Serif" panose="02000603000000000000" pitchFamily="2" charset="0"/>
+                                <a:cs typeface="CMU Sans Serif" panose="02000603000000000000" pitchFamily="2" charset="0"/>
+                              </a:rPr>
+                            </m:ctrlPr>
+                          </m:sSubPr>
+                          <m:e>
+                            <m:r>
+                              <a:rPr lang="en-US" sz="1200" i="1" smtClean="0">
+                                <a:latin typeface="Cambria Math" panose="02040503050406030204" pitchFamily="18" charset="0"/>
+                                <a:ea typeface="CMU Sans Serif" panose="02000603000000000000" pitchFamily="2" charset="0"/>
+                                <a:cs typeface="CMU Sans Serif" panose="02000603000000000000" pitchFamily="2" charset="0"/>
+                              </a:rPr>
+                              <m:t>ℒ</m:t>
+                            </m:r>
+                          </m:e>
+                          <m:sub>
+                            <m:sSub>
+                              <m:sSubPr>
+                                <m:ctrlPr>
+                                  <a:rPr lang="en-US" sz="1200" i="1">
+                                    <a:solidFill>
+                                      <a:srgbClr val="C00000"/>
+                                    </a:solidFill>
+                                    <a:latin typeface="Cambria Math" panose="02040503050406030204" pitchFamily="18" charset="0"/>
+                                    <a:ea typeface="CMU Sans Serif" panose="02000603000000000000" pitchFamily="2" charset="0"/>
+                                    <a:cs typeface="CMU Sans Serif" panose="02000603000000000000" pitchFamily="2" charset="0"/>
+                                  </a:rPr>
+                                </m:ctrlPr>
+                              </m:sSubPr>
+                              <m:e>
+                                <m:r>
+                                  <a:rPr lang="en-US" sz="1200" i="1">
+                                    <a:solidFill>
+                                      <a:srgbClr val="C00000"/>
+                                    </a:solidFill>
+                                    <a:latin typeface="Cambria Math" panose="02040503050406030204" pitchFamily="18" charset="0"/>
+                                    <a:ea typeface="CMU Sans Serif" panose="02000603000000000000" pitchFamily="2" charset="0"/>
+                                    <a:cs typeface="CMU Sans Serif" panose="02000603000000000000" pitchFamily="2" charset="0"/>
+                                  </a:rPr>
+                                  <m:t>𝜽</m:t>
+                                </m:r>
+                              </m:e>
+                              <m:sub>
+                                <m:r>
+                                  <a:rPr lang="en-US" sz="1200" i="1">
+                                    <a:solidFill>
+                                      <a:srgbClr val="C00000"/>
+                                    </a:solidFill>
+                                    <a:latin typeface="Cambria Math" panose="02040503050406030204" pitchFamily="18" charset="0"/>
+                                    <a:ea typeface="CMU Sans Serif" panose="02000603000000000000" pitchFamily="2" charset="0"/>
+                                    <a:cs typeface="CMU Sans Serif" panose="02000603000000000000" pitchFamily="2" charset="0"/>
+                                  </a:rPr>
+                                  <m:t>𝑀</m:t>
+                                </m:r>
+                              </m:sub>
+                            </m:sSub>
+                          </m:sub>
+                        </m:sSub>
+                        <m:d>
+                          <m:dPr>
+                            <m:ctrlPr>
+                              <a:rPr lang="en-US" sz="1200" i="1" smtClean="0">
+                                <a:solidFill>
+                                  <a:schemeClr val="tx1"/>
+                                </a:solidFill>
+                                <a:latin typeface="Cambria Math" panose="02040503050406030204" pitchFamily="18" charset="0"/>
+                                <a:ea typeface="CMU Sans Serif" panose="02000603000000000000" pitchFamily="2" charset="0"/>
+                                <a:cs typeface="CMU Sans Serif" panose="02000603000000000000" pitchFamily="2" charset="0"/>
+                              </a:rPr>
+                            </m:ctrlPr>
+                          </m:dPr>
+                          <m:e>
+                            <m:sSub>
+                              <m:sSubPr>
+                                <m:ctrlPr>
+                                  <a:rPr lang="en-US" sz="1200" b="1" i="1" smtClean="0">
+                                    <a:solidFill>
+                                      <a:srgbClr val="C00000"/>
+                                    </a:solidFill>
+                                    <a:latin typeface="Cambria Math" panose="02040503050406030204" pitchFamily="18" charset="0"/>
+                                    <a:ea typeface="CMU Sans Serif" panose="02000603000000000000" pitchFamily="2" charset="0"/>
+                                    <a:cs typeface="CMU Sans Serif" panose="02000603000000000000" pitchFamily="2" charset="0"/>
+                                  </a:rPr>
+                                </m:ctrlPr>
+                              </m:sSubPr>
+                              <m:e>
+                                <m:r>
+                                  <a:rPr lang="en-US" sz="1200" b="1" i="1">
+                                    <a:solidFill>
+                                      <a:srgbClr val="C00000"/>
+                                    </a:solidFill>
+                                    <a:latin typeface="Cambria Math" panose="02040503050406030204" pitchFamily="18" charset="0"/>
+                                    <a:ea typeface="CMU Sans Serif" panose="02000603000000000000" pitchFamily="2" charset="0"/>
+                                    <a:cs typeface="CMU Sans Serif" panose="02000603000000000000" pitchFamily="2" charset="0"/>
+                                  </a:rPr>
+                                  <m:t>𝜽</m:t>
+                                </m:r>
+                              </m:e>
+                              <m:sub>
+                                <m:r>
+                                  <a:rPr lang="en-US" sz="1200" b="1" i="1">
+                                    <a:solidFill>
+                                      <a:srgbClr val="C00000"/>
+                                    </a:solidFill>
+                                    <a:latin typeface="Cambria Math" panose="02040503050406030204" pitchFamily="18" charset="0"/>
+                                    <a:ea typeface="CMU Sans Serif" panose="02000603000000000000" pitchFamily="2" charset="0"/>
+                                    <a:cs typeface="CMU Sans Serif" panose="02000603000000000000" pitchFamily="2" charset="0"/>
+                                  </a:rPr>
+                                  <m:t>𝑴</m:t>
+                                </m:r>
+                              </m:sub>
+                            </m:sSub>
+                            <m:r>
+                              <a:rPr lang="en-US" sz="1200" i="1">
+                                <a:latin typeface="Cambria Math" panose="02040503050406030204" pitchFamily="18" charset="0"/>
+                                <a:ea typeface="CMU Sans Serif" panose="02000603000000000000" pitchFamily="2" charset="0"/>
+                                <a:cs typeface="CMU Sans Serif" panose="02000603000000000000" pitchFamily="2" charset="0"/>
+                              </a:rPr>
+                              <m:t>,</m:t>
+                            </m:r>
+                            <m:sSub>
+                              <m:sSubPr>
+                                <m:ctrlPr>
+                                  <a:rPr lang="en-US" sz="1200" b="1" i="1">
+                                    <a:solidFill>
+                                      <a:schemeClr val="accent5"/>
+                                    </a:solidFill>
+                                    <a:latin typeface="Cambria Math" panose="02040503050406030204" pitchFamily="18" charset="0"/>
+                                    <a:ea typeface="CMU Sans Serif" panose="02000603000000000000" pitchFamily="2" charset="0"/>
+                                    <a:cs typeface="CMU Sans Serif" panose="02000603000000000000" pitchFamily="2" charset="0"/>
+                                  </a:rPr>
+                                </m:ctrlPr>
+                              </m:sSubPr>
+                              <m:e>
+                                <m:r>
+                                  <a:rPr lang="en-US" sz="1200" b="1" i="1">
+                                    <a:solidFill>
+                                      <a:schemeClr val="accent5"/>
+                                    </a:solidFill>
+                                    <a:latin typeface="Cambria Math" panose="02040503050406030204" pitchFamily="18" charset="0"/>
+                                    <a:ea typeface="CMU Sans Serif" panose="02000603000000000000" pitchFamily="2" charset="0"/>
+                                    <a:cs typeface="CMU Sans Serif" panose="02000603000000000000" pitchFamily="2" charset="0"/>
+                                  </a:rPr>
+                                  <m:t>𝜽</m:t>
+                                </m:r>
+                              </m:e>
+                              <m:sub>
+                                <m:r>
+                                  <a:rPr lang="en-US" sz="1200" b="1" i="1">
+                                    <a:solidFill>
+                                      <a:schemeClr val="accent5"/>
+                                    </a:solidFill>
+                                    <a:latin typeface="Cambria Math" panose="02040503050406030204" pitchFamily="18" charset="0"/>
+                                    <a:ea typeface="CMU Sans Serif" panose="02000603000000000000" pitchFamily="2" charset="0"/>
+                                    <a:cs typeface="CMU Sans Serif" panose="02000603000000000000" pitchFamily="2" charset="0"/>
+                                  </a:rPr>
+                                  <m:t>𝑵𝑵</m:t>
+                                </m:r>
+                              </m:sub>
+                            </m:sSub>
+                          </m:e>
+                        </m:d>
+                        <m:r>
+                          <a:rPr lang="en-US" sz="1200" b="0" i="1" smtClean="0">
+                            <a:solidFill>
+                              <a:schemeClr val="tx1"/>
+                            </a:solidFill>
+                            <a:latin typeface="Cambria Math" panose="02040503050406030204" pitchFamily="18" charset="0"/>
+                            <a:ea typeface="CMU Sans Serif" panose="02000603000000000000" pitchFamily="2" charset="0"/>
+                            <a:cs typeface="CMU Sans Serif" panose="02000603000000000000" pitchFamily="2" charset="0"/>
+                          </a:rPr>
+                          <m:t>=0</m:t>
+                        </m:r>
+                      </m:oMath>
+                    </m:oMathPara>
+                  </a14:m>
+                  <a:endParaRPr lang="en-US" sz="1200" dirty="0">
+                    <a:latin typeface="CMU Sans Serif" panose="02000603000000000000" pitchFamily="2" charset="0"/>
+                    <a:ea typeface="CMU Sans Serif" panose="02000603000000000000" pitchFamily="2" charset="0"/>
+                    <a:cs typeface="CMU Sans Serif" panose="02000603000000000000" pitchFamily="2" charset="0"/>
+                  </a:endParaRPr>
+                </a:p>
+              </p:txBody>
+            </p:sp>
+          </mc:Choice>
+          <mc:Fallback xmlns="">
+            <p:sp>
+              <p:nvSpPr>
+                <p:cNvPr id="73" name="Rectangle 72"/>
+                <p:cNvSpPr>
+                  <a:spLocks noRot="1" noChangeAspect="1" noMove="1" noResize="1" noEditPoints="1" noAdjustHandles="1" noChangeArrowheads="1" noChangeShapeType="1" noTextEdit="1"/>
+                </p:cNvSpPr>
+                <p:nvPr/>
+              </p:nvSpPr>
+              <p:spPr>
+                <a:xfrm>
+                  <a:off x="6836228" y="4932428"/>
+                  <a:ext cx="1942374" cy="847924"/>
+                </a:xfrm>
+                <a:prstGeom prst="rect">
+                  <a:avLst/>
+                </a:prstGeom>
+                <a:blipFill>
+                  <a:blip r:embed="rId5"/>
+                  <a:stretch>
+                    <a:fillRect/>
+                  </a:stretch>
+                </a:blipFill>
+              </p:spPr>
+              <p:txBody>
+                <a:bodyPr/>
+                <a:lstStyle/>
+                <a:p>
+                  <a:r>
+                    <a:rPr lang="en-US">
+                      <a:noFill/>
+                    </a:rPr>
+                    <a:t> </a:t>
+                  </a:r>
+                </a:p>
+              </p:txBody>
+            </p:sp>
+          </mc:Fallback>
+        </mc:AlternateContent>
+        <mc:AlternateContent xmlns:mc="http://schemas.openxmlformats.org/markup-compatibility/2006" xmlns:a14="http://schemas.microsoft.com/office/drawing/2010/main">
+          <mc:Choice Requires="a14">
+            <p:sp>
+              <p:nvSpPr>
+                <p:cNvPr id="78" name="Rectangle 77"/>
+                <p:cNvSpPr/>
+                <p:nvPr/>
+              </p:nvSpPr>
+              <p:spPr>
+                <a:xfrm>
+                  <a:off x="7843465" y="4706905"/>
+                  <a:ext cx="869084" cy="307777"/>
+                </a:xfrm>
+                <a:prstGeom prst="rect">
+                  <a:avLst/>
+                </a:prstGeom>
+              </p:spPr>
+              <p:txBody>
+                <a:bodyPr wrap="none">
+                  <a:spAutoFit/>
+                </a:bodyPr>
+                <a:lstStyle/>
+                <a:p>
+                  <a:pPr/>
+                  <a14:m>
+                    <m:oMathPara xmlns:m="http://schemas.openxmlformats.org/officeDocument/2006/math">
+                      <m:oMathParaPr>
+                        <m:jc m:val="centerGroup"/>
+                      </m:oMathParaPr>
+                      <m:oMath xmlns:m="http://schemas.openxmlformats.org/officeDocument/2006/math">
+                        <m:sSubSup>
+                          <m:sSubSupPr>
+                            <m:ctrlPr>
+                              <a:rPr lang="en-US" sz="1400" b="0" i="1" smtClean="0">
+                                <a:solidFill>
+                                  <a:srgbClr val="C00000"/>
+                                </a:solidFill>
+                                <a:latin typeface="Cambria Math" panose="02040503050406030204" pitchFamily="18" charset="0"/>
+                                <a:ea typeface="CMU Sans Serif" panose="02000603000000000000" pitchFamily="2" charset="0"/>
+                                <a:cs typeface="CMU Sans Serif" panose="02000603000000000000" pitchFamily="2" charset="0"/>
+                              </a:rPr>
+                            </m:ctrlPr>
+                          </m:sSubSupPr>
+                          <m:e>
+                            <m:r>
+                              <a:rPr lang="en-US" sz="1400" b="1" i="1" smtClean="0">
+                                <a:solidFill>
+                                  <a:srgbClr val="C00000"/>
+                                </a:solidFill>
+                                <a:latin typeface="Cambria Math" panose="02040503050406030204" pitchFamily="18" charset="0"/>
+                                <a:ea typeface="CMU Sans Serif" panose="02000603000000000000" pitchFamily="2" charset="0"/>
+                                <a:cs typeface="CMU Sans Serif" panose="02000603000000000000" pitchFamily="2" charset="0"/>
+                              </a:rPr>
+                              <m:t>𝜽</m:t>
+                            </m:r>
+                          </m:e>
+                          <m:sub>
+                            <m:r>
+                              <a:rPr lang="en-US" sz="1400" b="1" i="1">
+                                <a:solidFill>
+                                  <a:srgbClr val="C00000"/>
+                                </a:solidFill>
+                                <a:latin typeface="Cambria Math" panose="02040503050406030204" pitchFamily="18" charset="0"/>
+                                <a:ea typeface="CMU Sans Serif" panose="02000603000000000000" pitchFamily="2" charset="0"/>
+                                <a:cs typeface="CMU Sans Serif" panose="02000603000000000000" pitchFamily="2" charset="0"/>
+                              </a:rPr>
+                              <m:t>𝑴</m:t>
+                            </m:r>
+                          </m:sub>
+                          <m:sup>
+                            <m:r>
+                              <a:rPr lang="en-US" sz="1400" b="0" i="1" smtClean="0">
+                                <a:solidFill>
+                                  <a:srgbClr val="C00000"/>
+                                </a:solidFill>
+                                <a:latin typeface="Cambria Math" panose="02040503050406030204" pitchFamily="18" charset="0"/>
+                                <a:ea typeface="CMU Sans Serif" panose="02000603000000000000" pitchFamily="2" charset="0"/>
+                                <a:cs typeface="CMU Sans Serif" panose="02000603000000000000" pitchFamily="2" charset="0"/>
+                              </a:rPr>
+                              <m:t>∗</m:t>
+                            </m:r>
+                          </m:sup>
+                        </m:sSubSup>
+                        <m:r>
+                          <a:rPr lang="en-US" sz="1400" i="1">
+                            <a:latin typeface="Cambria Math" panose="02040503050406030204" pitchFamily="18" charset="0"/>
+                            <a:ea typeface="CMU Sans Serif" panose="02000603000000000000" pitchFamily="2" charset="0"/>
+                            <a:cs typeface="CMU Sans Serif" panose="02000603000000000000" pitchFamily="2" charset="0"/>
+                          </a:rPr>
+                          <m:t>,</m:t>
+                        </m:r>
+                        <m:sSubSup>
+                          <m:sSubSupPr>
+                            <m:ctrlPr>
+                              <a:rPr lang="en-US" sz="1400" b="1" i="1" smtClean="0">
+                                <a:solidFill>
+                                  <a:schemeClr val="accent5"/>
+                                </a:solidFill>
+                                <a:latin typeface="Cambria Math" panose="02040503050406030204" pitchFamily="18" charset="0"/>
+                                <a:ea typeface="CMU Sans Serif" panose="02000603000000000000" pitchFamily="2" charset="0"/>
+                                <a:cs typeface="CMU Sans Serif" panose="02000603000000000000" pitchFamily="2" charset="0"/>
+                              </a:rPr>
+                            </m:ctrlPr>
+                          </m:sSubSupPr>
+                          <m:e>
+                            <m:r>
+                              <a:rPr lang="en-US" sz="1400" b="1" i="1">
+                                <a:solidFill>
+                                  <a:schemeClr val="accent5"/>
+                                </a:solidFill>
+                                <a:latin typeface="Cambria Math" panose="02040503050406030204" pitchFamily="18" charset="0"/>
+                                <a:ea typeface="CMU Sans Serif" panose="02000603000000000000" pitchFamily="2" charset="0"/>
+                                <a:cs typeface="CMU Sans Serif" panose="02000603000000000000" pitchFamily="2" charset="0"/>
+                              </a:rPr>
+                              <m:t>𝜽</m:t>
+                            </m:r>
+                          </m:e>
+                          <m:sub>
+                            <m:r>
+                              <a:rPr lang="en-US" sz="1400" b="1" i="1">
+                                <a:solidFill>
+                                  <a:schemeClr val="accent5"/>
+                                </a:solidFill>
+                                <a:latin typeface="Cambria Math" panose="02040503050406030204" pitchFamily="18" charset="0"/>
+                                <a:ea typeface="CMU Sans Serif" panose="02000603000000000000" pitchFamily="2" charset="0"/>
+                                <a:cs typeface="CMU Sans Serif" panose="02000603000000000000" pitchFamily="2" charset="0"/>
+                              </a:rPr>
+                              <m:t>𝑵𝑵</m:t>
+                            </m:r>
+                          </m:sub>
+                          <m:sup>
+                            <m:r>
+                              <a:rPr lang="en-US" sz="1400" b="1" i="1" smtClean="0">
+                                <a:solidFill>
+                                  <a:schemeClr val="accent5"/>
+                                </a:solidFill>
+                                <a:latin typeface="Cambria Math" panose="02040503050406030204" pitchFamily="18" charset="0"/>
+                                <a:ea typeface="CMU Sans Serif" panose="02000603000000000000" pitchFamily="2" charset="0"/>
+                                <a:cs typeface="CMU Sans Serif" panose="02000603000000000000" pitchFamily="2" charset="0"/>
+                              </a:rPr>
+                              <m:t>∗</m:t>
+                            </m:r>
+                          </m:sup>
+                        </m:sSubSup>
+                      </m:oMath>
+                    </m:oMathPara>
+                  </a14:m>
+                  <a:endParaRPr lang="en-US" sz="1100" dirty="0">
+                    <a:latin typeface="CMU Sans Serif" panose="02000603000000000000" pitchFamily="2" charset="0"/>
+                    <a:ea typeface="CMU Sans Serif" panose="02000603000000000000" pitchFamily="2" charset="0"/>
+                    <a:cs typeface="CMU Sans Serif" panose="02000603000000000000" pitchFamily="2" charset="0"/>
+                  </a:endParaRPr>
+                </a:p>
+              </p:txBody>
+            </p:sp>
+          </mc:Choice>
+          <mc:Fallback xmlns="">
+            <p:sp>
+              <p:nvSpPr>
+                <p:cNvPr id="78" name="Rectangle 77"/>
+                <p:cNvSpPr>
+                  <a:spLocks noRot="1" noChangeAspect="1" noMove="1" noResize="1" noEditPoints="1" noAdjustHandles="1" noChangeArrowheads="1" noChangeShapeType="1" noTextEdit="1"/>
+                </p:cNvSpPr>
+                <p:nvPr/>
+              </p:nvSpPr>
+              <p:spPr>
+                <a:xfrm>
+                  <a:off x="7843465" y="4706905"/>
+                  <a:ext cx="869084" cy="307777"/>
+                </a:xfrm>
+                <a:prstGeom prst="rect">
+                  <a:avLst/>
+                </a:prstGeom>
+                <a:blipFill>
+                  <a:blip r:embed="rId6"/>
+                  <a:stretch>
+                    <a:fillRect/>
+                  </a:stretch>
+                </a:blipFill>
+              </p:spPr>
+              <p:txBody>
+                <a:bodyPr/>
+                <a:lstStyle/>
+                <a:p>
+                  <a:r>
+                    <a:rPr lang="en-US">
+                      <a:noFill/>
+                    </a:rPr>
+                    <a:t> </a:t>
+                  </a:r>
+                </a:p>
+              </p:txBody>
+            </p:sp>
+          </mc:Fallback>
+        </mc:AlternateContent>
+        <p:sp>
+          <p:nvSpPr>
+            <p:cNvPr id="83" name="Right Brace 82"/>
+            <p:cNvSpPr/>
+            <p:nvPr/>
+          </p:nvSpPr>
+          <p:spPr>
+            <a:xfrm>
+              <a:off x="8457303" y="5115912"/>
+              <a:ext cx="45719" cy="411216"/>
+            </a:xfrm>
+            <a:prstGeom prst="rightBrace">
+              <a:avLst/>
+            </a:prstGeom>
+            <a:ln w="3175"/>
+          </p:spPr>
+          <p:style>
+            <a:lnRef idx="1">
+              <a:schemeClr val="dk1"/>
+            </a:lnRef>
+            <a:fillRef idx="0">
+              <a:schemeClr val="dk1"/>
+            </a:fillRef>
+            <a:effectRef idx="0">
+              <a:schemeClr val="dk1"/>
+            </a:effectRef>
+            <a:fontRef idx="minor">
+              <a:schemeClr val="tx1"/>
+            </a:fontRef>
+          </p:style>
+          <p:txBody>
+            <a:bodyPr rtlCol="0" anchor="ctr"/>
+            <a:lstStyle/>
+            <a:p>
+              <a:pPr algn="ctr"/>
+              <a:endParaRPr lang="en-US" sz="1200">
+                <a:latin typeface="CMU Sans Serif" panose="02000603000000000000" pitchFamily="2" charset="0"/>
+                <a:ea typeface="CMU Sans Serif" panose="02000603000000000000" pitchFamily="2" charset="0"/>
+                <a:cs typeface="CMU Sans Serif" panose="02000603000000000000" pitchFamily="2" charset="0"/>
+              </a:endParaRPr>
+            </a:p>
+          </p:txBody>
+        </p:sp>
+        <p:cxnSp>
+          <p:nvCxnSpPr>
+            <p:cNvPr id="89" name="Straight Arrow Connector 88"/>
+            <p:cNvCxnSpPr/>
+            <p:nvPr/>
+          </p:nvCxnSpPr>
+          <p:spPr>
+            <a:xfrm>
+              <a:off x="9267933" y="5184033"/>
+              <a:ext cx="286790" cy="1"/>
+            </a:xfrm>
+            <a:prstGeom prst="straightConnector1">
+              <a:avLst/>
+            </a:prstGeom>
+            <a:ln w="6350">
+              <a:solidFill>
+                <a:schemeClr val="tx1"/>
+              </a:solidFill>
+              <a:prstDash val="sysDash"/>
+              <a:tailEnd type="none"/>
+            </a:ln>
+          </p:spPr>
+          <p:style>
+            <a:lnRef idx="1">
+              <a:schemeClr val="dk1"/>
+            </a:lnRef>
+            <a:fillRef idx="0">
+              <a:schemeClr val="dk1"/>
+            </a:fillRef>
+            <a:effectRef idx="0">
+              <a:schemeClr val="dk1"/>
+            </a:effectRef>
+            <a:fontRef idx="minor">
+              <a:schemeClr val="tx1"/>
+            </a:fontRef>
+          </p:style>
+        </p:cxnSp>
+        <p:cxnSp>
+          <p:nvCxnSpPr>
+            <p:cNvPr id="90" name="Straight Arrow Connector 89"/>
+            <p:cNvCxnSpPr/>
+            <p:nvPr/>
+          </p:nvCxnSpPr>
+          <p:spPr>
+            <a:xfrm flipV="1">
+              <a:off x="9554723" y="3788983"/>
+              <a:ext cx="0" cy="1395051"/>
+            </a:xfrm>
+            <a:prstGeom prst="straightConnector1">
+              <a:avLst/>
+            </a:prstGeom>
+            <a:ln w="6350">
+              <a:solidFill>
+                <a:schemeClr val="tx1"/>
+              </a:solidFill>
+              <a:prstDash val="sysDash"/>
+              <a:tailEnd type="triangle"/>
+            </a:ln>
+          </p:spPr>
+          <p:style>
+            <a:lnRef idx="1">
+              <a:schemeClr val="dk1"/>
+            </a:lnRef>
+            <a:fillRef idx="0">
+              <a:schemeClr val="dk1"/>
+            </a:fillRef>
+            <a:effectRef idx="0">
+              <a:schemeClr val="dk1"/>
+            </a:effectRef>
+            <a:fontRef idx="minor">
+              <a:schemeClr val="tx1"/>
+            </a:fontRef>
+          </p:style>
+        </p:cxnSp>
+        <mc:AlternateContent xmlns:mc="http://schemas.openxmlformats.org/markup-compatibility/2006" xmlns:a14="http://schemas.microsoft.com/office/drawing/2010/main">
+          <mc:Choice Requires="a14">
+            <p:sp>
+              <p:nvSpPr>
+                <p:cNvPr id="92" name="Rounded Rectangle 91"/>
+                <p:cNvSpPr/>
+                <p:nvPr/>
+              </p:nvSpPr>
+              <p:spPr>
+                <a:xfrm>
+                  <a:off x="9555265" y="4168564"/>
+                  <a:ext cx="1013623" cy="398847"/>
+                </a:xfrm>
+                <a:prstGeom prst="roundRect">
+                  <a:avLst>
+                    <a:gd name="adj" fmla="val 5847"/>
+                  </a:avLst>
+                </a:prstGeom>
+                <a:noFill/>
+                <a:ln w="6350">
+                  <a:noFill/>
+                  <a:prstDash val="sysDot"/>
+                </a:ln>
+              </p:spPr>
+              <p:style>
+                <a:lnRef idx="2">
+                  <a:schemeClr val="accent1">
+                    <a:shade val="50000"/>
+                  </a:schemeClr>
+                </a:lnRef>
+                <a:fillRef idx="1">
+                  <a:schemeClr val="accent1"/>
+                </a:fillRef>
+                <a:effectRef idx="0">
+                  <a:schemeClr val="accent1"/>
+                </a:effectRef>
+                <a:fontRef idx="minor">
+                  <a:schemeClr val="lt1"/>
+                </a:fontRef>
+              </p:style>
+              <p:txBody>
+                <a:bodyPr lIns="0" tIns="0" rIns="0" bIns="0" rtlCol="0" anchor="ctr"/>
+                <a:lstStyle/>
+                <a:p>
+                  <a:pPr algn="ctr"/>
+                  <a14:m>
+                    <m:oMathPara xmlns:m="http://schemas.openxmlformats.org/officeDocument/2006/math">
+                      <m:oMathParaPr>
+                        <m:jc m:val="centerGroup"/>
+                      </m:oMathParaPr>
+                      <m:oMath xmlns:m="http://schemas.openxmlformats.org/officeDocument/2006/math">
+                        <m:r>
+                          <a:rPr lang="en-US" sz="1200" b="0" i="1" smtClean="0">
+                            <a:solidFill>
+                              <a:schemeClr val="tx1"/>
+                            </a:solidFill>
+                            <a:latin typeface="Cambria Math" panose="02040503050406030204" pitchFamily="18" charset="0"/>
+                            <a:ea typeface="CMU Sans Serif" panose="02000603000000000000" pitchFamily="2" charset="0"/>
+                            <a:cs typeface="CMU Sans Serif" panose="02000603000000000000" pitchFamily="2" charset="0"/>
+                          </a:rPr>
+                          <m:t>ℒ</m:t>
+                        </m:r>
+                        <m:d>
+                          <m:dPr>
+                            <m:ctrlPr>
+                              <a:rPr lang="en-US" sz="1200" b="0" i="1" smtClean="0">
+                                <a:solidFill>
+                                  <a:schemeClr val="tx1"/>
+                                </a:solidFill>
+                                <a:latin typeface="Cambria Math" panose="02040503050406030204" pitchFamily="18" charset="0"/>
+                                <a:ea typeface="CMU Sans Serif" panose="02000603000000000000" pitchFamily="2" charset="0"/>
+                                <a:cs typeface="CMU Sans Serif" panose="02000603000000000000" pitchFamily="2" charset="0"/>
+                              </a:rPr>
+                            </m:ctrlPr>
+                          </m:dPr>
+                          <m:e>
+                            <m:sSubSup>
+                              <m:sSubSupPr>
+                                <m:ctrlPr>
+                                  <a:rPr lang="en-US" sz="1200" b="1" i="1" smtClean="0">
+                                    <a:solidFill>
+                                      <a:srgbClr val="C00000"/>
+                                    </a:solidFill>
+                                    <a:latin typeface="Cambria Math" panose="02040503050406030204" pitchFamily="18" charset="0"/>
+                                    <a:ea typeface="CMU Sans Serif" panose="02000603000000000000" pitchFamily="2" charset="0"/>
+                                    <a:cs typeface="CMU Sans Serif" panose="02000603000000000000" pitchFamily="2" charset="0"/>
+                                  </a:rPr>
+                                </m:ctrlPr>
+                              </m:sSubSupPr>
+                              <m:e>
+                                <m:r>
+                                  <a:rPr lang="en-US" sz="1200" b="1" i="1" smtClean="0">
+                                    <a:solidFill>
+                                      <a:srgbClr val="C00000"/>
+                                    </a:solidFill>
+                                    <a:latin typeface="Cambria Math" panose="02040503050406030204" pitchFamily="18" charset="0"/>
+                                    <a:ea typeface="CMU Sans Serif" panose="02000603000000000000" pitchFamily="2" charset="0"/>
+                                    <a:cs typeface="CMU Sans Serif" panose="02000603000000000000" pitchFamily="2" charset="0"/>
+                                  </a:rPr>
+                                  <m:t>𝜽</m:t>
+                                </m:r>
+                              </m:e>
+                              <m:sub>
+                                <m:r>
+                                  <a:rPr lang="en-US" sz="1200" b="1" i="1" smtClean="0">
+                                    <a:solidFill>
+                                      <a:srgbClr val="C00000"/>
+                                    </a:solidFill>
+                                    <a:latin typeface="Cambria Math" panose="02040503050406030204" pitchFamily="18" charset="0"/>
+                                    <a:ea typeface="CMU Sans Serif" panose="02000603000000000000" pitchFamily="2" charset="0"/>
+                                    <a:cs typeface="CMU Sans Serif" panose="02000603000000000000" pitchFamily="2" charset="0"/>
+                                  </a:rPr>
+                                  <m:t>𝑴</m:t>
+                                </m:r>
+                              </m:sub>
+                              <m:sup>
+                                <m:r>
+                                  <a:rPr lang="en-US" sz="1200" b="1" i="1" smtClean="0">
+                                    <a:solidFill>
+                                      <a:srgbClr val="C00000"/>
+                                    </a:solidFill>
+                                    <a:latin typeface="Cambria Math" panose="02040503050406030204" pitchFamily="18" charset="0"/>
+                                    <a:ea typeface="CMU Sans Serif" panose="02000603000000000000" pitchFamily="2" charset="0"/>
+                                    <a:cs typeface="CMU Sans Serif" panose="02000603000000000000" pitchFamily="2" charset="0"/>
+                                  </a:rPr>
+                                  <m:t>∗</m:t>
+                                </m:r>
+                              </m:sup>
+                            </m:sSubSup>
+                            <m:r>
+                              <a:rPr lang="en-US" sz="1200" b="0" i="1" smtClean="0">
+                                <a:solidFill>
+                                  <a:schemeClr val="tx1"/>
+                                </a:solidFill>
+                                <a:latin typeface="Cambria Math" panose="02040503050406030204" pitchFamily="18" charset="0"/>
+                                <a:ea typeface="CMU Sans Serif" panose="02000603000000000000" pitchFamily="2" charset="0"/>
+                                <a:cs typeface="CMU Sans Serif" panose="02000603000000000000" pitchFamily="2" charset="0"/>
+                              </a:rPr>
+                              <m:t>,</m:t>
+                            </m:r>
+                            <m:sSubSup>
+                              <m:sSubSupPr>
+                                <m:ctrlPr>
+                                  <a:rPr lang="en-US" sz="1200" b="0" i="1" smtClean="0">
+                                    <a:solidFill>
+                                      <a:schemeClr val="accent5"/>
+                                    </a:solidFill>
+                                    <a:latin typeface="Cambria Math" panose="02040503050406030204" pitchFamily="18" charset="0"/>
+                                    <a:ea typeface="CMU Sans Serif" panose="02000603000000000000" pitchFamily="2" charset="0"/>
+                                    <a:cs typeface="CMU Sans Serif" panose="02000603000000000000" pitchFamily="2" charset="0"/>
+                                  </a:rPr>
+                                </m:ctrlPr>
+                              </m:sSubSupPr>
+                              <m:e>
+                                <m:r>
+                                  <a:rPr lang="en-US" sz="1200" b="1" i="1">
+                                    <a:solidFill>
+                                      <a:schemeClr val="accent5"/>
+                                    </a:solidFill>
+                                    <a:latin typeface="Cambria Math" panose="02040503050406030204" pitchFamily="18" charset="0"/>
+                                    <a:ea typeface="CMU Sans Serif" panose="02000603000000000000" pitchFamily="2" charset="0"/>
+                                    <a:cs typeface="CMU Sans Serif" panose="02000603000000000000" pitchFamily="2" charset="0"/>
+                                  </a:rPr>
+                                  <m:t>𝜽</m:t>
+                                </m:r>
+                              </m:e>
+                              <m:sub>
+                                <m:r>
+                                  <a:rPr lang="en-US" sz="1200" b="1" i="1">
+                                    <a:solidFill>
+                                      <a:schemeClr val="accent5"/>
+                                    </a:solidFill>
+                                    <a:latin typeface="Cambria Math" panose="02040503050406030204" pitchFamily="18" charset="0"/>
+                                    <a:ea typeface="CMU Sans Serif" panose="02000603000000000000" pitchFamily="2" charset="0"/>
+                                    <a:cs typeface="CMU Sans Serif" panose="02000603000000000000" pitchFamily="2" charset="0"/>
+                                  </a:rPr>
+                                  <m:t>𝑵𝑵</m:t>
+                                </m:r>
+                              </m:sub>
+                              <m:sup>
+                                <m:r>
+                                  <a:rPr lang="en-US" sz="1200" b="0" i="1" smtClean="0">
+                                    <a:solidFill>
+                                      <a:schemeClr val="accent5"/>
+                                    </a:solidFill>
+                                    <a:latin typeface="Cambria Math" panose="02040503050406030204" pitchFamily="18" charset="0"/>
+                                    <a:ea typeface="CMU Sans Serif" panose="02000603000000000000" pitchFamily="2" charset="0"/>
+                                    <a:cs typeface="CMU Sans Serif" panose="02000603000000000000" pitchFamily="2" charset="0"/>
+                                  </a:rPr>
+                                  <m:t>∗</m:t>
+                                </m:r>
+                              </m:sup>
+                            </m:sSubSup>
+                          </m:e>
+                        </m:d>
+                      </m:oMath>
+                    </m:oMathPara>
+                  </a14:m>
+                  <a:endParaRPr lang="en-US" sz="1200" i="1" dirty="0">
+                    <a:solidFill>
+                      <a:schemeClr val="tx1"/>
+                    </a:solidFill>
+                    <a:latin typeface="CMU Sans Serif" panose="02000603000000000000" pitchFamily="2" charset="0"/>
+                    <a:ea typeface="CMU Sans Serif" panose="02000603000000000000" pitchFamily="2" charset="0"/>
+                    <a:cs typeface="CMU Sans Serif" panose="02000603000000000000" pitchFamily="2" charset="0"/>
+                  </a:endParaRPr>
+                </a:p>
+              </p:txBody>
+            </p:sp>
+          </mc:Choice>
+          <mc:Fallback xmlns="">
+            <p:sp>
+              <p:nvSpPr>
+                <p:cNvPr id="92" name="Rounded Rectangle 91"/>
+                <p:cNvSpPr>
+                  <a:spLocks noRot="1" noChangeAspect="1" noMove="1" noResize="1" noEditPoints="1" noAdjustHandles="1" noChangeArrowheads="1" noChangeShapeType="1" noTextEdit="1"/>
+                </p:cNvSpPr>
+                <p:nvPr/>
+              </p:nvSpPr>
+              <p:spPr>
+                <a:xfrm>
+                  <a:off x="9555265" y="4168564"/>
+                  <a:ext cx="1013623" cy="398847"/>
+                </a:xfrm>
+                <a:prstGeom prst="roundRect">
+                  <a:avLst>
+                    <a:gd name="adj" fmla="val 5847"/>
+                  </a:avLst>
+                </a:prstGeom>
+                <a:blipFill>
+                  <a:blip r:embed="rId7"/>
+                  <a:stretch>
+                    <a:fillRect/>
+                  </a:stretch>
+                </a:blipFill>
+                <a:ln w="6350">
+                  <a:noFill/>
+                  <a:prstDash val="sysDot"/>
+                </a:ln>
+              </p:spPr>
+              <p:txBody>
+                <a:bodyPr/>
+                <a:lstStyle/>
+                <a:p>
+                  <a:r>
+                    <a:rPr lang="en-US">
+                      <a:noFill/>
+                    </a:rPr>
+                    <a:t> </a:t>
+                  </a:r>
+                </a:p>
+              </p:txBody>
+            </p:sp>
+          </mc:Fallback>
+        </mc:AlternateContent>
+        <p:cxnSp>
+          <p:nvCxnSpPr>
+            <p:cNvPr id="101" name="Straight Arrow Connector 100"/>
+            <p:cNvCxnSpPr/>
+            <p:nvPr/>
+          </p:nvCxnSpPr>
+          <p:spPr>
+            <a:xfrm flipV="1">
+              <a:off x="9267932" y="5453213"/>
+              <a:ext cx="314045" cy="2"/>
+            </a:xfrm>
+            <a:prstGeom prst="straightConnector1">
+              <a:avLst/>
+            </a:prstGeom>
+            <a:ln w="6350">
+              <a:solidFill>
+                <a:schemeClr val="tx1"/>
+              </a:solidFill>
+              <a:prstDash val="sysDash"/>
+              <a:tailEnd type="triangle"/>
+            </a:ln>
+          </p:spPr>
+          <p:style>
+            <a:lnRef idx="1">
+              <a:schemeClr val="dk1"/>
+            </a:lnRef>
+            <a:fillRef idx="0">
+              <a:schemeClr val="dk1"/>
+            </a:fillRef>
+            <a:effectRef idx="0">
+              <a:schemeClr val="dk1"/>
+            </a:effectRef>
+            <a:fontRef idx="minor">
+              <a:schemeClr val="tx1"/>
+            </a:fontRef>
+          </p:style>
+        </p:cxnSp>
+        <mc:AlternateContent xmlns:mc="http://schemas.openxmlformats.org/markup-compatibility/2006" xmlns:a14="http://schemas.microsoft.com/office/drawing/2010/main">
+          <mc:Choice Requires="a14">
+            <p:sp>
+              <p:nvSpPr>
+                <p:cNvPr id="102" name="Rectangle 101"/>
+                <p:cNvSpPr/>
+                <p:nvPr/>
+              </p:nvSpPr>
+              <p:spPr>
+                <a:xfrm>
+                  <a:off x="9552085" y="5319924"/>
+                  <a:ext cx="970137" cy="276999"/>
+                </a:xfrm>
+                <a:prstGeom prst="rect">
+                  <a:avLst/>
+                </a:prstGeom>
+              </p:spPr>
+              <p:txBody>
+                <a:bodyPr wrap="none">
+                  <a:spAutoFit/>
+                </a:bodyPr>
+                <a:lstStyle/>
+                <a:p>
+                  <a:pPr/>
+                  <a14:m>
+                    <m:oMathPara xmlns:m="http://schemas.openxmlformats.org/officeDocument/2006/math">
+                      <m:oMathParaPr>
+                        <m:jc m:val="centerGroup"/>
+                      </m:oMathParaPr>
+                      <m:oMath xmlns:m="http://schemas.openxmlformats.org/officeDocument/2006/math">
+                        <m:r>
+                          <a:rPr lang="en-US" sz="1200" b="1" i="1" smtClean="0">
+                            <a:solidFill>
+                              <a:srgbClr val="C00000"/>
+                            </a:solidFill>
+                            <a:latin typeface="Cambria Math" panose="02040503050406030204" pitchFamily="18" charset="0"/>
+                            <a:ea typeface="CMU Sans Serif" panose="02000603000000000000" pitchFamily="2" charset="0"/>
+                            <a:cs typeface="CMU Sans Serif" panose="02000603000000000000" pitchFamily="2" charset="0"/>
+                          </a:rPr>
+                          <m:t>𝑴</m:t>
+                        </m:r>
+                        <m:r>
+                          <a:rPr lang="en-US" sz="1200" b="0" i="1" smtClean="0">
+                            <a:solidFill>
+                              <a:schemeClr val="tx1"/>
+                            </a:solidFill>
+                            <a:latin typeface="Cambria Math" panose="02040503050406030204" pitchFamily="18" charset="0"/>
+                            <a:ea typeface="CMU Sans Serif" panose="02000603000000000000" pitchFamily="2" charset="0"/>
+                            <a:cs typeface="CMU Sans Serif" panose="02000603000000000000" pitchFamily="2" charset="0"/>
+                          </a:rPr>
+                          <m:t>,</m:t>
+                        </m:r>
+                        <m:sSubSup>
+                          <m:sSubSupPr>
+                            <m:ctrlPr>
+                              <a:rPr lang="en-US" sz="1200" b="1" i="1" smtClean="0">
+                                <a:solidFill>
+                                  <a:srgbClr val="C00000"/>
+                                </a:solidFill>
+                                <a:latin typeface="Cambria Math" panose="02040503050406030204" pitchFamily="18" charset="0"/>
+                                <a:ea typeface="CMU Sans Serif" panose="02000603000000000000" pitchFamily="2" charset="0"/>
+                                <a:cs typeface="CMU Sans Serif" panose="02000603000000000000" pitchFamily="2" charset="0"/>
+                              </a:rPr>
+                            </m:ctrlPr>
+                          </m:sSubSupPr>
+                          <m:e>
+                            <m:r>
+                              <a:rPr lang="en-US" sz="1200" b="1" i="1">
+                                <a:solidFill>
+                                  <a:srgbClr val="C00000"/>
+                                </a:solidFill>
+                                <a:latin typeface="Cambria Math" panose="02040503050406030204" pitchFamily="18" charset="0"/>
+                                <a:ea typeface="CMU Sans Serif" panose="02000603000000000000" pitchFamily="2" charset="0"/>
+                                <a:cs typeface="CMU Sans Serif" panose="02000603000000000000" pitchFamily="2" charset="0"/>
+                              </a:rPr>
+                              <m:t>𝜽</m:t>
+                            </m:r>
+                          </m:e>
+                          <m:sub>
+                            <m:r>
+                              <a:rPr lang="en-US" sz="1200" b="1" i="1">
+                                <a:solidFill>
+                                  <a:srgbClr val="C00000"/>
+                                </a:solidFill>
+                                <a:latin typeface="Cambria Math" panose="02040503050406030204" pitchFamily="18" charset="0"/>
+                                <a:ea typeface="CMU Sans Serif" panose="02000603000000000000" pitchFamily="2" charset="0"/>
+                                <a:cs typeface="CMU Sans Serif" panose="02000603000000000000" pitchFamily="2" charset="0"/>
+                              </a:rPr>
+                              <m:t>𝑴</m:t>
+                            </m:r>
+                          </m:sub>
+                          <m:sup>
+                            <m:r>
+                              <a:rPr lang="en-US" sz="1200" i="1">
+                                <a:solidFill>
+                                  <a:srgbClr val="C00000"/>
+                                </a:solidFill>
+                                <a:latin typeface="Cambria Math" panose="02040503050406030204" pitchFamily="18" charset="0"/>
+                                <a:ea typeface="CMU Sans Serif" panose="02000603000000000000" pitchFamily="2" charset="0"/>
+                                <a:cs typeface="CMU Sans Serif" panose="02000603000000000000" pitchFamily="2" charset="0"/>
+                              </a:rPr>
+                              <m:t>∗</m:t>
+                            </m:r>
+                          </m:sup>
+                        </m:sSubSup>
+                        <m:r>
+                          <a:rPr lang="en-US" sz="1200" i="1">
+                            <a:latin typeface="Cambria Math" panose="02040503050406030204" pitchFamily="18" charset="0"/>
+                            <a:ea typeface="CMU Sans Serif" panose="02000603000000000000" pitchFamily="2" charset="0"/>
+                            <a:cs typeface="CMU Sans Serif" panose="02000603000000000000" pitchFamily="2" charset="0"/>
+                          </a:rPr>
+                          <m:t>,</m:t>
+                        </m:r>
+                        <m:sSubSup>
+                          <m:sSubSupPr>
+                            <m:ctrlPr>
+                              <a:rPr lang="en-US" sz="1200" b="1" i="1">
+                                <a:solidFill>
+                                  <a:schemeClr val="accent5"/>
+                                </a:solidFill>
+                                <a:latin typeface="Cambria Math" panose="02040503050406030204" pitchFamily="18" charset="0"/>
+                                <a:ea typeface="CMU Sans Serif" panose="02000603000000000000" pitchFamily="2" charset="0"/>
+                                <a:cs typeface="CMU Sans Serif" panose="02000603000000000000" pitchFamily="2" charset="0"/>
+                              </a:rPr>
+                            </m:ctrlPr>
+                          </m:sSubSupPr>
+                          <m:e>
+                            <m:r>
+                              <a:rPr lang="en-US" sz="1200" b="1" i="1">
+                                <a:solidFill>
+                                  <a:schemeClr val="accent5"/>
+                                </a:solidFill>
+                                <a:latin typeface="Cambria Math" panose="02040503050406030204" pitchFamily="18" charset="0"/>
+                                <a:ea typeface="CMU Sans Serif" panose="02000603000000000000" pitchFamily="2" charset="0"/>
+                                <a:cs typeface="CMU Sans Serif" panose="02000603000000000000" pitchFamily="2" charset="0"/>
+                              </a:rPr>
+                              <m:t>𝜽</m:t>
+                            </m:r>
+                          </m:e>
+                          <m:sub>
+                            <m:r>
+                              <a:rPr lang="en-US" sz="1200" b="1" i="1">
+                                <a:solidFill>
+                                  <a:schemeClr val="accent5"/>
+                                </a:solidFill>
+                                <a:latin typeface="Cambria Math" panose="02040503050406030204" pitchFamily="18" charset="0"/>
+                                <a:ea typeface="CMU Sans Serif" panose="02000603000000000000" pitchFamily="2" charset="0"/>
+                                <a:cs typeface="CMU Sans Serif" panose="02000603000000000000" pitchFamily="2" charset="0"/>
+                              </a:rPr>
+                              <m:t>𝑵𝑵</m:t>
+                            </m:r>
+                          </m:sub>
+                          <m:sup>
+                            <m:r>
+                              <a:rPr lang="en-US" sz="1200" b="1" i="1">
+                                <a:solidFill>
+                                  <a:schemeClr val="accent5"/>
+                                </a:solidFill>
+                                <a:latin typeface="Cambria Math" panose="02040503050406030204" pitchFamily="18" charset="0"/>
+                                <a:ea typeface="CMU Sans Serif" panose="02000603000000000000" pitchFamily="2" charset="0"/>
+                                <a:cs typeface="CMU Sans Serif" panose="02000603000000000000" pitchFamily="2" charset="0"/>
+                              </a:rPr>
+                              <m:t>∗</m:t>
+                            </m:r>
+                          </m:sup>
+                        </m:sSubSup>
+                      </m:oMath>
+                    </m:oMathPara>
+                  </a14:m>
+                  <a:endParaRPr lang="en-US" sz="1200" dirty="0">
+                    <a:latin typeface="CMU Sans Serif" panose="02000603000000000000" pitchFamily="2" charset="0"/>
+                    <a:ea typeface="CMU Sans Serif" panose="02000603000000000000" pitchFamily="2" charset="0"/>
+                    <a:cs typeface="CMU Sans Serif" panose="02000603000000000000" pitchFamily="2" charset="0"/>
+                  </a:endParaRPr>
+                </a:p>
+              </p:txBody>
+            </p:sp>
+          </mc:Choice>
+          <mc:Fallback xmlns="">
+            <p:sp>
+              <p:nvSpPr>
+                <p:cNvPr id="102" name="Rectangle 101"/>
+                <p:cNvSpPr>
+                  <a:spLocks noRot="1" noChangeAspect="1" noMove="1" noResize="1" noEditPoints="1" noAdjustHandles="1" noChangeArrowheads="1" noChangeShapeType="1" noTextEdit="1"/>
+                </p:cNvSpPr>
+                <p:nvPr/>
+              </p:nvSpPr>
+              <p:spPr>
+                <a:xfrm>
+                  <a:off x="9552085" y="5319924"/>
+                  <a:ext cx="970137" cy="276999"/>
+                </a:xfrm>
+                <a:prstGeom prst="rect">
+                  <a:avLst/>
+                </a:prstGeom>
+                <a:blipFill>
+                  <a:blip r:embed="rId8"/>
+                  <a:stretch>
+                    <a:fillRect/>
+                  </a:stretch>
+                </a:blipFill>
+              </p:spPr>
+              <p:txBody>
+                <a:bodyPr/>
+                <a:lstStyle/>
+                <a:p>
+                  <a:r>
+                    <a:rPr lang="en-US">
+                      <a:noFill/>
+                    </a:rPr>
+                    <a:t> </a:t>
+                  </a:r>
+                </a:p>
+              </p:txBody>
+            </p:sp>
+          </mc:Fallback>
+        </mc:AlternateContent>
+        <p:sp>
+          <p:nvSpPr>
+            <p:cNvPr id="104" name="Rounded Rectangle 103"/>
+            <p:cNvSpPr/>
+            <p:nvPr/>
+          </p:nvSpPr>
+          <p:spPr>
+            <a:xfrm>
+              <a:off x="2123163" y="2054857"/>
+              <a:ext cx="2691779" cy="876825"/>
+            </a:xfrm>
+            <a:prstGeom prst="roundRect">
+              <a:avLst>
+                <a:gd name="adj" fmla="val 3445"/>
+              </a:avLst>
+            </a:prstGeom>
+            <a:solidFill>
+              <a:schemeClr val="accent5">
+                <a:lumMod val="20000"/>
+                <a:lumOff val="80000"/>
+                <a:alpha val="53000"/>
+              </a:schemeClr>
+            </a:solidFill>
+            <a:ln w="9525">
+              <a:noFill/>
+              <a:prstDash val="sysDot"/>
+            </a:ln>
+          </p:spPr>
+          <p:style>
+            <a:lnRef idx="2">
+              <a:schemeClr val="accent1">
+                <a:shade val="50000"/>
+              </a:schemeClr>
+            </a:lnRef>
+            <a:fillRef idx="1">
+              <a:schemeClr val="accent1"/>
+            </a:fillRef>
+            <a:effectRef idx="0">
+              <a:schemeClr val="accent1"/>
+            </a:effectRef>
+            <a:fontRef idx="minor">
+              <a:schemeClr val="lt1"/>
+            </a:fontRef>
+          </p:style>
+          <p:txBody>
+            <a:bodyPr lIns="0" tIns="0" rIns="0" bIns="0" rtlCol="0" anchor="ctr"/>
+            <a:lstStyle/>
+            <a:p>
+              <a:pPr algn="ctr"/>
+              <a:endParaRPr lang="en-US" sz="1200" i="1" dirty="0">
+                <a:solidFill>
+                  <a:schemeClr val="tx1"/>
+                </a:solidFill>
+                <a:latin typeface="CMU Sans Serif" panose="02000603000000000000" pitchFamily="2" charset="0"/>
+                <a:ea typeface="CMU Sans Serif" panose="02000603000000000000" pitchFamily="2" charset="0"/>
+                <a:cs typeface="CMU Sans Serif" panose="02000603000000000000" pitchFamily="2" charset="0"/>
+              </a:endParaRPr>
+            </a:p>
+          </p:txBody>
+        </p:sp>
+        <p:sp>
+          <p:nvSpPr>
+            <p:cNvPr id="5" name="Rectangle 4"/>
+            <p:cNvSpPr/>
+            <p:nvPr/>
+          </p:nvSpPr>
+          <p:spPr>
+            <a:xfrm>
+              <a:off x="2236086" y="1352366"/>
+              <a:ext cx="1046921" cy="528110"/>
+            </a:xfrm>
+            <a:prstGeom prst="rect">
+              <a:avLst/>
+            </a:prstGeom>
+            <a:solidFill>
+              <a:schemeClr val="bg1"/>
+            </a:solidFill>
+            <a:ln>
+              <a:noFill/>
+            </a:ln>
+          </p:spPr>
+          <p:style>
+            <a:lnRef idx="2">
+              <a:schemeClr val="accent1">
+                <a:shade val="50000"/>
+              </a:schemeClr>
+            </a:lnRef>
+            <a:fillRef idx="1">
+              <a:schemeClr val="accent1"/>
+            </a:fillRef>
+            <a:effectRef idx="0">
+              <a:schemeClr val="accent1"/>
+            </a:effectRef>
+            <a:fontRef idx="minor">
+              <a:schemeClr val="lt1"/>
+            </a:fontRef>
+          </p:style>
+          <p:txBody>
+            <a:bodyPr lIns="0" rIns="0" rtlCol="0" anchor="ctr"/>
+            <a:lstStyle/>
+            <a:p>
+              <a:pPr algn="ctr"/>
+              <a:r>
+                <a:rPr lang="en-US" sz="1200" dirty="0">
+                  <a:solidFill>
+                    <a:schemeClr val="tx1"/>
+                  </a:solidFill>
+                  <a:latin typeface="CMU Sans Serif" panose="02000603000000000000" pitchFamily="2" charset="0"/>
+                  <a:ea typeface="CMU Sans Serif" panose="02000603000000000000" pitchFamily="2" charset="0"/>
+                  <a:cs typeface="CMU Sans Serif" panose="02000603000000000000" pitchFamily="2" charset="0"/>
+                </a:rPr>
+                <a:t>Experimental</a:t>
+              </a:r>
+              <a:br>
+                <a:rPr lang="en-US" sz="1200" dirty="0">
+                  <a:solidFill>
+                    <a:schemeClr val="tx1"/>
+                  </a:solidFill>
+                  <a:latin typeface="CMU Sans Serif" panose="02000603000000000000" pitchFamily="2" charset="0"/>
+                  <a:ea typeface="CMU Sans Serif" panose="02000603000000000000" pitchFamily="2" charset="0"/>
+                  <a:cs typeface="CMU Sans Serif" panose="02000603000000000000" pitchFamily="2" charset="0"/>
+                </a:rPr>
+              </a:br>
+              <a:r>
+                <a:rPr lang="en-US" sz="1200" dirty="0">
+                  <a:solidFill>
+                    <a:schemeClr val="tx1"/>
+                  </a:solidFill>
+                  <a:latin typeface="CMU Sans Serif" panose="02000603000000000000" pitchFamily="2" charset="0"/>
+                  <a:ea typeface="CMU Sans Serif" panose="02000603000000000000" pitchFamily="2" charset="0"/>
+                  <a:cs typeface="CMU Sans Serif" panose="02000603000000000000" pitchFamily="2" charset="0"/>
+                </a:rPr>
+                <a:t>Data</a:t>
+              </a:r>
+            </a:p>
+          </p:txBody>
+        </p:sp>
+        <mc:AlternateContent xmlns:mc="http://schemas.openxmlformats.org/markup-compatibility/2006" xmlns:a14="http://schemas.microsoft.com/office/drawing/2010/main">
+          <mc:Choice Requires="a14">
+            <p:sp>
+              <p:nvSpPr>
+                <p:cNvPr id="8" name="Rectangle 7"/>
+                <p:cNvSpPr/>
+                <p:nvPr/>
+              </p:nvSpPr>
+              <p:spPr>
+                <a:xfrm>
+                  <a:off x="3654003" y="2224895"/>
+                  <a:ext cx="1046921" cy="528110"/>
+                </a:xfrm>
+                <a:prstGeom prst="rect">
+                  <a:avLst/>
+                </a:prstGeom>
+                <a:solidFill>
+                  <a:schemeClr val="bg1"/>
+                </a:solidFill>
+                <a:ln w="9525">
+                  <a:solidFill>
+                    <a:schemeClr val="tx1"/>
+                  </a:solidFill>
+                </a:ln>
+              </p:spPr>
+              <p:style>
+                <a:lnRef idx="2">
+                  <a:schemeClr val="accent1">
+                    <a:shade val="50000"/>
+                  </a:schemeClr>
+                </a:lnRef>
+                <a:fillRef idx="1">
+                  <a:schemeClr val="accent1"/>
+                </a:fillRef>
+                <a:effectRef idx="0">
+                  <a:schemeClr val="accent1"/>
+                </a:effectRef>
+                <a:fontRef idx="minor">
+                  <a:schemeClr val="lt1"/>
+                </a:fontRef>
+              </p:style>
+              <p:txBody>
+                <a:bodyPr lIns="0" rIns="0" rtlCol="0" anchor="ctr"/>
+                <a:lstStyle/>
+                <a:p>
+                  <a:pPr algn="ctr"/>
+                  <a:r>
+                    <a:rPr lang="en-US" sz="1200" dirty="0">
+                      <a:solidFill>
+                        <a:schemeClr val="tx1"/>
+                      </a:solidFill>
+                      <a:latin typeface="CMU Sans Serif" panose="02000603000000000000" pitchFamily="2" charset="0"/>
+                      <a:ea typeface="CMU Sans Serif" panose="02000603000000000000" pitchFamily="2" charset="0"/>
+                      <a:cs typeface="CMU Sans Serif" panose="02000603000000000000" pitchFamily="2" charset="0"/>
+                    </a:rPr>
+                    <a:t>ANN</a:t>
+                  </a:r>
+                  <a:br>
+                    <a:rPr lang="en-US" sz="1200" dirty="0">
+                      <a:solidFill>
+                        <a:schemeClr val="tx1"/>
+                      </a:solidFill>
+                      <a:latin typeface="CMU Sans Serif" panose="02000603000000000000" pitchFamily="2" charset="0"/>
+                      <a:ea typeface="CMU Sans Serif" panose="02000603000000000000" pitchFamily="2" charset="0"/>
+                      <a:cs typeface="CMU Sans Serif" panose="02000603000000000000" pitchFamily="2" charset="0"/>
+                    </a:rPr>
+                  </a:br>
+                  <a14:m>
+                    <m:oMathPara xmlns:m="http://schemas.openxmlformats.org/officeDocument/2006/math">
+                      <m:oMathParaPr>
+                        <m:jc m:val="centerGroup"/>
+                      </m:oMathParaPr>
+                      <m:oMath xmlns:m="http://schemas.openxmlformats.org/officeDocument/2006/math">
+                        <m:r>
+                          <a:rPr lang="en-US" sz="1200" b="0" i="1" smtClean="0">
+                            <a:solidFill>
+                              <a:schemeClr val="tx1"/>
+                            </a:solidFill>
+                            <a:latin typeface="Cambria Math" panose="02040503050406030204" pitchFamily="18" charset="0"/>
+                            <a:ea typeface="CMU Sans Serif" panose="02000603000000000000" pitchFamily="2" charset="0"/>
+                            <a:cs typeface="CMU Sans Serif" panose="02000603000000000000" pitchFamily="2" charset="0"/>
+                          </a:rPr>
+                          <m:t>𝑥</m:t>
+                        </m:r>
+                        <m:d>
+                          <m:dPr>
+                            <m:ctrlPr>
+                              <a:rPr lang="en-US" sz="1200" b="0" i="1" smtClean="0">
+                                <a:solidFill>
+                                  <a:schemeClr val="tx1"/>
+                                </a:solidFill>
+                                <a:latin typeface="Cambria Math" panose="02040503050406030204" pitchFamily="18" charset="0"/>
+                                <a:ea typeface="CMU Sans Serif" panose="02000603000000000000" pitchFamily="2" charset="0"/>
+                                <a:cs typeface="CMU Sans Serif" panose="02000603000000000000" pitchFamily="2" charset="0"/>
+                              </a:rPr>
+                            </m:ctrlPr>
+                          </m:dPr>
+                          <m:e>
+                            <m:sSub>
+                              <m:sSubPr>
+                                <m:ctrlPr>
+                                  <a:rPr lang="en-US" sz="1200" b="1" i="1" smtClean="0">
+                                    <a:solidFill>
+                                      <a:schemeClr val="accent5"/>
+                                    </a:solidFill>
+                                    <a:latin typeface="Cambria Math" panose="02040503050406030204" pitchFamily="18" charset="0"/>
+                                    <a:ea typeface="CMU Sans Serif" panose="02000603000000000000" pitchFamily="2" charset="0"/>
+                                    <a:cs typeface="CMU Sans Serif" panose="02000603000000000000" pitchFamily="2" charset="0"/>
+                                  </a:rPr>
+                                </m:ctrlPr>
+                              </m:sSubPr>
+                              <m:e>
+                                <m:r>
+                                  <a:rPr lang="en-US" sz="1200" b="1" i="1" smtClean="0">
+                                    <a:solidFill>
+                                      <a:schemeClr val="accent5"/>
+                                    </a:solidFill>
+                                    <a:latin typeface="Cambria Math" panose="02040503050406030204" pitchFamily="18" charset="0"/>
+                                    <a:ea typeface="CMU Sans Serif" panose="02000603000000000000" pitchFamily="2" charset="0"/>
+                                    <a:cs typeface="CMU Sans Serif" panose="02000603000000000000" pitchFamily="2" charset="0"/>
+                                  </a:rPr>
+                                  <m:t>𝜽</m:t>
+                                </m:r>
+                              </m:e>
+                              <m:sub>
+                                <m:r>
+                                  <a:rPr lang="en-US" sz="1200" b="1" i="1" smtClean="0">
+                                    <a:solidFill>
+                                      <a:schemeClr val="accent5"/>
+                                    </a:solidFill>
+                                    <a:latin typeface="Cambria Math" panose="02040503050406030204" pitchFamily="18" charset="0"/>
+                                    <a:ea typeface="CMU Sans Serif" panose="02000603000000000000" pitchFamily="2" charset="0"/>
+                                    <a:cs typeface="CMU Sans Serif" panose="02000603000000000000" pitchFamily="2" charset="0"/>
+                                  </a:rPr>
+                                  <m:t>𝑵𝑵</m:t>
+                                </m:r>
+                              </m:sub>
+                            </m:sSub>
+                            <m:r>
+                              <a:rPr lang="en-US" sz="1200" b="0" i="1" dirty="0" smtClean="0">
+                                <a:solidFill>
+                                  <a:schemeClr val="tx1"/>
+                                </a:solidFill>
+                                <a:latin typeface="Cambria Math" panose="02040503050406030204" pitchFamily="18" charset="0"/>
+                                <a:ea typeface="CMU Sans Serif" panose="02000603000000000000" pitchFamily="2" charset="0"/>
+                                <a:cs typeface="CMU Sans Serif" panose="02000603000000000000" pitchFamily="2" charset="0"/>
+                              </a:rPr>
+                              <m:t>,</m:t>
+                            </m:r>
+                            <m:r>
+                              <a:rPr lang="en-US" sz="1200" b="0" i="1" dirty="0" smtClean="0">
+                                <a:solidFill>
+                                  <a:schemeClr val="tx1"/>
+                                </a:solidFill>
+                                <a:latin typeface="Cambria Math" panose="02040503050406030204" pitchFamily="18" charset="0"/>
+                                <a:ea typeface="CMU Sans Serif" panose="02000603000000000000" pitchFamily="2" charset="0"/>
+                                <a:cs typeface="CMU Sans Serif" panose="02000603000000000000" pitchFamily="2" charset="0"/>
+                              </a:rPr>
+                              <m:t>𝑡</m:t>
+                            </m:r>
+                          </m:e>
+                        </m:d>
+                      </m:oMath>
+                    </m:oMathPara>
+                  </a14:m>
+                  <a:endParaRPr lang="en-US" sz="1200" dirty="0">
+                    <a:solidFill>
+                      <a:schemeClr val="tx1"/>
+                    </a:solidFill>
+                    <a:latin typeface="CMU Sans Serif" panose="02000603000000000000" pitchFamily="2" charset="0"/>
+                    <a:ea typeface="CMU Sans Serif" panose="02000603000000000000" pitchFamily="2" charset="0"/>
+                    <a:cs typeface="CMU Sans Serif" panose="02000603000000000000" pitchFamily="2" charset="0"/>
+                  </a:endParaRPr>
+                </a:p>
+              </p:txBody>
+            </p:sp>
+          </mc:Choice>
+          <mc:Fallback xmlns="">
+            <p:sp>
+              <p:nvSpPr>
+                <p:cNvPr id="8" name="Rectangle 7"/>
+                <p:cNvSpPr>
+                  <a:spLocks noRot="1" noChangeAspect="1" noMove="1" noResize="1" noEditPoints="1" noAdjustHandles="1" noChangeArrowheads="1" noChangeShapeType="1" noTextEdit="1"/>
+                </p:cNvSpPr>
+                <p:nvPr/>
+              </p:nvSpPr>
+              <p:spPr>
+                <a:xfrm>
+                  <a:off x="3654003" y="2224895"/>
+                  <a:ext cx="1046921" cy="528110"/>
+                </a:xfrm>
+                <a:prstGeom prst="rect">
+                  <a:avLst/>
+                </a:prstGeom>
+                <a:blipFill>
+                  <a:blip r:embed="rId9"/>
+                  <a:stretch>
+                    <a:fillRect/>
+                  </a:stretch>
+                </a:blipFill>
+                <a:ln w="9525">
+                  <a:solidFill>
+                    <a:schemeClr val="tx1"/>
+                  </a:solidFill>
+                </a:ln>
+              </p:spPr>
+              <p:txBody>
+                <a:bodyPr/>
+                <a:lstStyle/>
+                <a:p>
+                  <a:r>
+                    <a:rPr lang="en-US">
+                      <a:noFill/>
+                    </a:rPr>
+                    <a:t> </a:t>
+                  </a:r>
+                </a:p>
+              </p:txBody>
+            </p:sp>
+          </mc:Fallback>
+        </mc:AlternateContent>
+        <mc:AlternateContent xmlns:mc="http://schemas.openxmlformats.org/markup-compatibility/2006" xmlns:a14="http://schemas.microsoft.com/office/drawing/2010/main">
+          <mc:Choice Requires="a14">
+            <p:sp>
+              <p:nvSpPr>
+                <p:cNvPr id="10" name="Pentagon 9"/>
+                <p:cNvSpPr/>
+                <p:nvPr/>
+              </p:nvSpPr>
+              <p:spPr>
+                <a:xfrm>
+                  <a:off x="3635163" y="1353743"/>
+                  <a:ext cx="1232512" cy="528110"/>
+                </a:xfrm>
+                <a:prstGeom prst="homePlate">
+                  <a:avLst>
+                    <a:gd name="adj" fmla="val 41304"/>
+                  </a:avLst>
+                </a:prstGeom>
+                <a:solidFill>
+                  <a:schemeClr val="bg1">
+                    <a:lumMod val="65000"/>
+                    <a:alpha val="32000"/>
+                  </a:schemeClr>
+                </a:solidFill>
+                <a:ln w="6350">
+                  <a:noFill/>
+                </a:ln>
+              </p:spPr>
+              <p:style>
+                <a:lnRef idx="2">
+                  <a:schemeClr val="accent1">
+                    <a:shade val="50000"/>
+                  </a:schemeClr>
+                </a:lnRef>
+                <a:fillRef idx="1">
+                  <a:schemeClr val="accent1"/>
+                </a:fillRef>
+                <a:effectRef idx="0">
+                  <a:schemeClr val="accent1"/>
+                </a:effectRef>
+                <a:fontRef idx="minor">
+                  <a:schemeClr val="lt1"/>
+                </a:fontRef>
+              </p:style>
+              <p:txBody>
+                <a:bodyPr lIns="0" rIns="0" rtlCol="0" anchor="ctr"/>
+                <a:lstStyle/>
+                <a:p>
+                  <a:pPr algn="ctr"/>
+                  <a:r>
+                    <a:rPr lang="en-US" sz="1200" dirty="0">
+                      <a:solidFill>
+                        <a:schemeClr val="tx1"/>
+                      </a:solidFill>
+                      <a:latin typeface="CMU Sans Serif" panose="02000603000000000000" pitchFamily="2" charset="0"/>
+                      <a:ea typeface="CMU Sans Serif" panose="02000603000000000000" pitchFamily="2" charset="0"/>
+                      <a:cs typeface="CMU Sans Serif" panose="02000603000000000000" pitchFamily="2" charset="0"/>
+                    </a:rPr>
+                    <a:t>Preprocessing</a:t>
+                  </a:r>
+                </a:p>
+                <a:p>
+                  <a:pPr algn="ctr"/>
+                  <a14:m>
+                    <m:oMathPara xmlns:m="http://schemas.openxmlformats.org/officeDocument/2006/math">
+                      <m:oMathParaPr>
+                        <m:jc m:val="centerGroup"/>
+                      </m:oMathParaPr>
+                      <m:oMath xmlns:m="http://schemas.openxmlformats.org/officeDocument/2006/math">
+                        <m:r>
+                          <a:rPr lang="en-US" sz="1200" i="1" dirty="0" smtClean="0">
+                            <a:solidFill>
+                              <a:schemeClr val="tx1"/>
+                            </a:solidFill>
+                            <a:latin typeface="Cambria Math" panose="02040503050406030204" pitchFamily="18" charset="0"/>
+                          </a:rPr>
+                          <m:t>𝑓</m:t>
+                        </m:r>
+                        <m:d>
+                          <m:dPr>
+                            <m:ctrlPr>
+                              <a:rPr lang="en-US" sz="1200" i="1" dirty="0" smtClean="0">
+                                <a:solidFill>
+                                  <a:schemeClr val="tx1"/>
+                                </a:solidFill>
+                                <a:latin typeface="Cambria Math" panose="02040503050406030204" pitchFamily="18" charset="0"/>
+                              </a:rPr>
+                            </m:ctrlPr>
+                          </m:dPr>
+                          <m:e>
+                            <m:r>
+                              <a:rPr lang="en-US" sz="1200" i="1" dirty="0" smtClean="0">
+                                <a:solidFill>
+                                  <a:schemeClr val="tx1"/>
+                                </a:solidFill>
+                                <a:latin typeface="Cambria Math" panose="02040503050406030204" pitchFamily="18" charset="0"/>
+                              </a:rPr>
+                              <m:t> </m:t>
+                            </m:r>
+                          </m:e>
+                        </m:d>
+                      </m:oMath>
+                    </m:oMathPara>
+                  </a14:m>
+                  <a:endParaRPr lang="en-US" sz="1200" dirty="0">
+                    <a:solidFill>
+                      <a:schemeClr val="tx1"/>
+                    </a:solidFill>
+                    <a:latin typeface="CMU Sans Serif" panose="02000603000000000000" pitchFamily="2" charset="0"/>
+                    <a:ea typeface="CMU Sans Serif" panose="02000603000000000000" pitchFamily="2" charset="0"/>
+                    <a:cs typeface="CMU Sans Serif" panose="02000603000000000000" pitchFamily="2" charset="0"/>
+                  </a:endParaRPr>
+                </a:p>
+              </p:txBody>
+            </p:sp>
+          </mc:Choice>
+          <mc:Fallback xmlns="">
+            <p:sp>
+              <p:nvSpPr>
+                <p:cNvPr id="10" name="Pentagon 9"/>
+                <p:cNvSpPr>
+                  <a:spLocks noRot="1" noChangeAspect="1" noMove="1" noResize="1" noEditPoints="1" noAdjustHandles="1" noChangeArrowheads="1" noChangeShapeType="1" noTextEdit="1"/>
+                </p:cNvSpPr>
+                <p:nvPr/>
+              </p:nvSpPr>
+              <p:spPr>
+                <a:xfrm>
+                  <a:off x="3635163" y="1353743"/>
+                  <a:ext cx="1232512" cy="528110"/>
+                </a:xfrm>
+                <a:prstGeom prst="homePlate">
+                  <a:avLst>
+                    <a:gd name="adj" fmla="val 41304"/>
+                  </a:avLst>
+                </a:prstGeom>
+                <a:blipFill>
+                  <a:blip r:embed="rId10"/>
+                  <a:stretch>
+                    <a:fillRect/>
+                  </a:stretch>
+                </a:blipFill>
+                <a:ln w="6350">
+                  <a:noFill/>
+                </a:ln>
+              </p:spPr>
+              <p:txBody>
+                <a:bodyPr/>
+                <a:lstStyle/>
+                <a:p>
+                  <a:r>
+                    <a:rPr lang="en-US">
+                      <a:noFill/>
+                    </a:rPr>
+                    <a:t> </a:t>
+                  </a:r>
+                </a:p>
+              </p:txBody>
+            </p:sp>
+          </mc:Fallback>
+        </mc:AlternateContent>
+        <p:sp>
+          <p:nvSpPr>
+            <p:cNvPr id="12" name="Hexagon 11"/>
+            <p:cNvSpPr/>
+            <p:nvPr/>
+          </p:nvSpPr>
+          <p:spPr>
+            <a:xfrm>
+              <a:off x="2110972" y="2224895"/>
+              <a:ext cx="1334824" cy="528110"/>
+            </a:xfrm>
+            <a:prstGeom prst="hexagon">
+              <a:avLst/>
+            </a:prstGeom>
+            <a:solidFill>
+              <a:schemeClr val="tx1">
+                <a:lumMod val="65000"/>
+                <a:lumOff val="35000"/>
+              </a:schemeClr>
+            </a:solidFill>
+            <a:ln w="9525">
+              <a:noFill/>
+              <a:prstDash val="sysDash"/>
+            </a:ln>
+          </p:spPr>
+          <p:style>
+            <a:lnRef idx="2">
+              <a:schemeClr val="accent1">
+                <a:shade val="50000"/>
+              </a:schemeClr>
+            </a:lnRef>
+            <a:fillRef idx="1">
+              <a:schemeClr val="accent1"/>
+            </a:fillRef>
+            <a:effectRef idx="0">
+              <a:schemeClr val="accent1"/>
+            </a:effectRef>
+            <a:fontRef idx="minor">
+              <a:schemeClr val="lt1"/>
+            </a:fontRef>
+          </p:style>
+          <p:txBody>
+            <a:bodyPr rot="0" spcFirstLastPara="0" vertOverflow="overflow" horzOverflow="overflow" vert="horz" wrap="square" lIns="0" tIns="45720" rIns="0" bIns="45720" numCol="1" spcCol="0" rtlCol="0" fromWordArt="0" anchor="ctr" anchorCtr="0" forceAA="0" compatLnSpc="1">
+              <a:prstTxWarp prst="textNoShape">
+                <a:avLst/>
+              </a:prstTxWarp>
+              <a:noAutofit/>
+            </a:bodyPr>
+            <a:lstStyle/>
+            <a:p>
+              <a:pPr algn="ctr"/>
+              <a:r>
+                <a:rPr lang="en-US" sz="1200" dirty="0">
+                  <a:solidFill>
+                    <a:schemeClr val="bg1"/>
+                  </a:solidFill>
+                  <a:latin typeface="CMU Sans Serif" panose="02000603000000000000" pitchFamily="2" charset="0"/>
+                  <a:ea typeface="CMU Sans Serif" panose="02000603000000000000" pitchFamily="2" charset="0"/>
+                  <a:cs typeface="CMU Sans Serif" panose="02000603000000000000" pitchFamily="2" charset="0"/>
+                </a:rPr>
+                <a:t>ANN</a:t>
+              </a:r>
+              <a:br>
+                <a:rPr lang="en-US" sz="1200" dirty="0">
+                  <a:solidFill>
+                    <a:schemeClr val="bg1"/>
+                  </a:solidFill>
+                  <a:latin typeface="CMU Sans Serif" panose="02000603000000000000" pitchFamily="2" charset="0"/>
+                  <a:ea typeface="CMU Sans Serif" panose="02000603000000000000" pitchFamily="2" charset="0"/>
+                  <a:cs typeface="CMU Sans Serif" panose="02000603000000000000" pitchFamily="2" charset="0"/>
+                </a:rPr>
+              </a:br>
+              <a:r>
+                <a:rPr lang="en-US" sz="1200" dirty="0">
+                  <a:solidFill>
+                    <a:schemeClr val="bg1"/>
+                  </a:solidFill>
+                  <a:latin typeface="CMU Sans Serif" panose="02000603000000000000" pitchFamily="2" charset="0"/>
+                  <a:ea typeface="CMU Sans Serif" panose="02000603000000000000" pitchFamily="2" charset="0"/>
+                  <a:cs typeface="CMU Sans Serif" panose="02000603000000000000" pitchFamily="2" charset="0"/>
+                </a:rPr>
+                <a:t>Generator</a:t>
+              </a:r>
+            </a:p>
+          </p:txBody>
+        </p:sp>
+        <mc:AlternateContent xmlns:mc="http://schemas.openxmlformats.org/markup-compatibility/2006" xmlns:a14="http://schemas.microsoft.com/office/drawing/2010/main">
+          <mc:Choice Requires="a14">
+            <p:sp>
+              <p:nvSpPr>
+                <p:cNvPr id="13" name="Rounded Rectangle 12"/>
+                <p:cNvSpPr/>
+                <p:nvPr/>
+              </p:nvSpPr>
+              <p:spPr>
+                <a:xfrm>
+                  <a:off x="4858270" y="2222140"/>
+                  <a:ext cx="2076334" cy="530865"/>
+                </a:xfrm>
+                <a:prstGeom prst="roundRect">
+                  <a:avLst>
+                    <a:gd name="adj" fmla="val 5847"/>
+                  </a:avLst>
+                </a:prstGeom>
+                <a:noFill/>
+                <a:ln w="6350">
+                  <a:noFill/>
+                  <a:prstDash val="sysDot"/>
+                </a:ln>
+              </p:spPr>
+              <p:style>
+                <a:lnRef idx="2">
+                  <a:schemeClr val="accent1">
+                    <a:shade val="50000"/>
+                  </a:schemeClr>
+                </a:lnRef>
+                <a:fillRef idx="1">
+                  <a:schemeClr val="accent1"/>
+                </a:fillRef>
+                <a:effectRef idx="0">
+                  <a:schemeClr val="accent1"/>
+                </a:effectRef>
+                <a:fontRef idx="minor">
+                  <a:schemeClr val="lt1"/>
+                </a:fontRef>
+              </p:style>
+              <p:txBody>
+                <a:bodyPr lIns="0" tIns="0" rIns="0" bIns="0" rtlCol="0" anchor="ctr"/>
+                <a:lstStyle/>
+                <a:p>
+                  <a:pPr algn="ctr"/>
+                  <a14:m>
+                    <m:oMathPara xmlns:m="http://schemas.openxmlformats.org/officeDocument/2006/math">
+                      <m:oMathParaPr>
+                        <m:jc m:val="centerGroup"/>
+                      </m:oMathParaPr>
+                      <m:oMath xmlns:m="http://schemas.openxmlformats.org/officeDocument/2006/math">
+                        <m:d>
+                          <m:dPr>
+                            <m:begChr m:val="‖"/>
+                            <m:endChr m:val="‖"/>
+                            <m:ctrlPr>
+                              <a:rPr lang="en-US" sz="1200" i="1" smtClean="0">
+                                <a:solidFill>
+                                  <a:schemeClr val="tx1"/>
+                                </a:solidFill>
+                                <a:latin typeface="Cambria Math" panose="02040503050406030204" pitchFamily="18" charset="0"/>
+                                <a:ea typeface="CMU Sans Serif" panose="02000603000000000000" pitchFamily="2" charset="0"/>
+                                <a:cs typeface="CMU Sans Serif" panose="02000603000000000000" pitchFamily="2" charset="0"/>
+                              </a:rPr>
+                            </m:ctrlPr>
+                          </m:dPr>
+                          <m:e>
+                            <m:r>
+                              <a:rPr lang="en-US" sz="1200" i="1" smtClean="0">
+                                <a:solidFill>
+                                  <a:schemeClr val="tx1"/>
+                                </a:solidFill>
+                                <a:latin typeface="Cambria Math" panose="02040503050406030204" pitchFamily="18" charset="0"/>
+                                <a:ea typeface="CMU Sans Serif" panose="02000603000000000000" pitchFamily="2" charset="0"/>
+                                <a:cs typeface="CMU Sans Serif" panose="02000603000000000000" pitchFamily="2" charset="0"/>
+                              </a:rPr>
+                              <m:t>𝑥</m:t>
+                            </m:r>
+                            <m:d>
+                              <m:dPr>
+                                <m:ctrlPr>
+                                  <a:rPr lang="en-US" sz="1200" i="1">
+                                    <a:solidFill>
+                                      <a:schemeClr val="tx1"/>
+                                    </a:solidFill>
+                                    <a:latin typeface="Cambria Math" panose="02040503050406030204" pitchFamily="18" charset="0"/>
+                                    <a:ea typeface="CMU Sans Serif" panose="02000603000000000000" pitchFamily="2" charset="0"/>
+                                    <a:cs typeface="CMU Sans Serif" panose="02000603000000000000" pitchFamily="2" charset="0"/>
+                                  </a:rPr>
+                                </m:ctrlPr>
+                              </m:dPr>
+                              <m:e>
+                                <m:sSub>
+                                  <m:sSubPr>
+                                    <m:ctrlPr>
+                                      <a:rPr lang="en-US" sz="1200" b="1" i="1" smtClean="0">
+                                        <a:solidFill>
+                                          <a:schemeClr val="accent5"/>
+                                        </a:solidFill>
+                                        <a:latin typeface="Cambria Math" panose="02040503050406030204" pitchFamily="18" charset="0"/>
+                                        <a:ea typeface="CMU Sans Serif" panose="02000603000000000000" pitchFamily="2" charset="0"/>
+                                        <a:cs typeface="CMU Sans Serif" panose="02000603000000000000" pitchFamily="2" charset="0"/>
+                                      </a:rPr>
+                                    </m:ctrlPr>
+                                  </m:sSubPr>
+                                  <m:e>
+                                    <m:r>
+                                      <a:rPr lang="en-US" sz="1200" b="1" i="1">
+                                        <a:solidFill>
+                                          <a:schemeClr val="accent5"/>
+                                        </a:solidFill>
+                                        <a:latin typeface="Cambria Math" panose="02040503050406030204" pitchFamily="18" charset="0"/>
+                                        <a:ea typeface="CMU Sans Serif" panose="02000603000000000000" pitchFamily="2" charset="0"/>
+                                        <a:cs typeface="CMU Sans Serif" panose="02000603000000000000" pitchFamily="2" charset="0"/>
+                                      </a:rPr>
+                                      <m:t>𝜽</m:t>
+                                    </m:r>
+                                  </m:e>
+                                  <m:sub>
+                                    <m:r>
+                                      <a:rPr lang="en-US" sz="1200" b="1" i="1">
+                                        <a:solidFill>
+                                          <a:schemeClr val="accent5"/>
+                                        </a:solidFill>
+                                        <a:latin typeface="Cambria Math" panose="02040503050406030204" pitchFamily="18" charset="0"/>
+                                        <a:ea typeface="CMU Sans Serif" panose="02000603000000000000" pitchFamily="2" charset="0"/>
+                                        <a:cs typeface="CMU Sans Serif" panose="02000603000000000000" pitchFamily="2" charset="0"/>
+                                      </a:rPr>
+                                      <m:t>𝑵𝑵</m:t>
+                                    </m:r>
+                                  </m:sub>
+                                </m:sSub>
+                                <m:r>
+                                  <a:rPr lang="en-US" sz="1200" i="1">
+                                    <a:solidFill>
+                                      <a:schemeClr val="tx1"/>
+                                    </a:solidFill>
+                                    <a:latin typeface="Cambria Math" panose="02040503050406030204" pitchFamily="18" charset="0"/>
+                                    <a:ea typeface="CMU Sans Serif" panose="02000603000000000000" pitchFamily="2" charset="0"/>
+                                    <a:cs typeface="CMU Sans Serif" panose="02000603000000000000" pitchFamily="2" charset="0"/>
+                                  </a:rPr>
+                                  <m:t>,</m:t>
+                                </m:r>
+                                <m:r>
+                                  <a:rPr lang="en-US" sz="1200" i="1">
+                                    <a:solidFill>
+                                      <a:schemeClr val="tx1"/>
+                                    </a:solidFill>
+                                    <a:latin typeface="Cambria Math" panose="02040503050406030204" pitchFamily="18" charset="0"/>
+                                    <a:ea typeface="CMU Sans Serif" panose="02000603000000000000" pitchFamily="2" charset="0"/>
+                                    <a:cs typeface="CMU Sans Serif" panose="02000603000000000000" pitchFamily="2" charset="0"/>
+                                  </a:rPr>
+                                  <m:t>𝑡</m:t>
+                                </m:r>
+                              </m:e>
+                            </m:d>
+                            <m:r>
+                              <a:rPr lang="en-US" sz="1200" i="1">
+                                <a:solidFill>
+                                  <a:schemeClr val="tx1"/>
+                                </a:solidFill>
+                                <a:latin typeface="Cambria Math" panose="02040503050406030204" pitchFamily="18" charset="0"/>
+                                <a:ea typeface="CMU Sans Serif" panose="02000603000000000000" pitchFamily="2" charset="0"/>
+                                <a:cs typeface="CMU Sans Serif" panose="02000603000000000000" pitchFamily="2" charset="0"/>
+                              </a:rPr>
+                              <m:t>−</m:t>
+                            </m:r>
+                            <m:acc>
+                              <m:accPr>
+                                <m:chr m:val="̃"/>
+                                <m:ctrlPr>
+                                  <a:rPr lang="en-US" sz="1200" i="1">
+                                    <a:solidFill>
+                                      <a:schemeClr val="tx1"/>
+                                    </a:solidFill>
+                                    <a:latin typeface="Cambria Math" panose="02040503050406030204" pitchFamily="18" charset="0"/>
+                                    <a:ea typeface="CMU Sans Serif" panose="02000603000000000000" pitchFamily="2" charset="0"/>
+                                    <a:cs typeface="CMU Sans Serif" panose="02000603000000000000" pitchFamily="2" charset="0"/>
+                                  </a:rPr>
+                                </m:ctrlPr>
+                              </m:accPr>
+                              <m:e>
+                                <m:r>
+                                  <a:rPr lang="en-US" sz="1200" i="1">
+                                    <a:solidFill>
+                                      <a:schemeClr val="tx1"/>
+                                    </a:solidFill>
+                                    <a:latin typeface="Cambria Math" panose="02040503050406030204" pitchFamily="18" charset="0"/>
+                                    <a:ea typeface="CMU Sans Serif" panose="02000603000000000000" pitchFamily="2" charset="0"/>
+                                    <a:cs typeface="CMU Sans Serif" panose="02000603000000000000" pitchFamily="2" charset="0"/>
+                                  </a:rPr>
+                                  <m:t>𝑥</m:t>
+                                </m:r>
+                              </m:e>
+                            </m:acc>
+                          </m:e>
+                        </m:d>
+                      </m:oMath>
+                    </m:oMathPara>
+                  </a14:m>
+                  <a:endParaRPr lang="en-US" sz="1050" i="1" dirty="0">
+                    <a:solidFill>
+                      <a:schemeClr val="tx1"/>
+                    </a:solidFill>
+                    <a:latin typeface="CMU Sans Serif" panose="02000603000000000000" pitchFamily="2" charset="0"/>
+                    <a:ea typeface="CMU Sans Serif" panose="02000603000000000000" pitchFamily="2" charset="0"/>
+                    <a:cs typeface="CMU Sans Serif" panose="02000603000000000000" pitchFamily="2" charset="0"/>
+                  </a:endParaRPr>
+                </a:p>
+              </p:txBody>
+            </p:sp>
+          </mc:Choice>
+          <mc:Fallback xmlns="">
+            <p:sp>
+              <p:nvSpPr>
+                <p:cNvPr id="13" name="Rounded Rectangle 12"/>
+                <p:cNvSpPr>
+                  <a:spLocks noRot="1" noChangeAspect="1" noMove="1" noResize="1" noEditPoints="1" noAdjustHandles="1" noChangeArrowheads="1" noChangeShapeType="1" noTextEdit="1"/>
+                </p:cNvSpPr>
+                <p:nvPr/>
+              </p:nvSpPr>
+              <p:spPr>
+                <a:xfrm>
+                  <a:off x="4858270" y="2222140"/>
+                  <a:ext cx="2076334" cy="530865"/>
+                </a:xfrm>
+                <a:prstGeom prst="roundRect">
+                  <a:avLst>
+                    <a:gd name="adj" fmla="val 5847"/>
+                  </a:avLst>
+                </a:prstGeom>
+                <a:blipFill>
+                  <a:blip r:embed="rId11"/>
+                  <a:stretch>
+                    <a:fillRect/>
+                  </a:stretch>
+                </a:blipFill>
+                <a:ln w="6350">
+                  <a:noFill/>
+                  <a:prstDash val="sysDot"/>
+                </a:ln>
+              </p:spPr>
+              <p:txBody>
+                <a:bodyPr/>
+                <a:lstStyle/>
+                <a:p>
+                  <a:r>
+                    <a:rPr lang="en-US">
+                      <a:noFill/>
+                    </a:rPr>
+                    <a:t> </a:t>
+                  </a:r>
+                </a:p>
+              </p:txBody>
+            </p:sp>
+          </mc:Fallback>
+        </mc:AlternateContent>
+        <mc:AlternateContent xmlns:mc="http://schemas.openxmlformats.org/markup-compatibility/2006" xmlns:a14="http://schemas.microsoft.com/office/drawing/2010/main">
+          <mc:Choice Requires="a14">
+            <p:sp>
+              <p:nvSpPr>
+                <p:cNvPr id="14" name="Rounded Rectangle 13"/>
+                <p:cNvSpPr/>
+                <p:nvPr/>
+              </p:nvSpPr>
+              <p:spPr>
+                <a:xfrm>
+                  <a:off x="4884636" y="3094669"/>
+                  <a:ext cx="2076334" cy="530865"/>
+                </a:xfrm>
+                <a:prstGeom prst="roundRect">
+                  <a:avLst>
+                    <a:gd name="adj" fmla="val 5847"/>
+                  </a:avLst>
+                </a:prstGeom>
+                <a:noFill/>
+                <a:ln w="6350">
+                  <a:noFill/>
+                  <a:prstDash val="sysDot"/>
+                </a:ln>
+              </p:spPr>
+              <p:style>
+                <a:lnRef idx="2">
+                  <a:schemeClr val="accent1">
+                    <a:shade val="50000"/>
+                  </a:schemeClr>
+                </a:lnRef>
+                <a:fillRef idx="1">
+                  <a:schemeClr val="accent1"/>
+                </a:fillRef>
+                <a:effectRef idx="0">
+                  <a:schemeClr val="accent1"/>
+                </a:effectRef>
+                <a:fontRef idx="minor">
+                  <a:schemeClr val="lt1"/>
+                </a:fontRef>
+              </p:style>
+              <p:txBody>
+                <a:bodyPr lIns="0" tIns="0" rIns="0" bIns="0" rtlCol="0" anchor="ctr"/>
+                <a:lstStyle/>
+                <a:p>
+                  <a:pPr algn="ctr"/>
+                  <a14:m>
+                    <m:oMathPara xmlns:m="http://schemas.openxmlformats.org/officeDocument/2006/math">
+                      <m:oMathParaPr>
+                        <m:jc m:val="centerGroup"/>
+                      </m:oMathParaPr>
+                      <m:oMath xmlns:m="http://schemas.openxmlformats.org/officeDocument/2006/math">
+                        <m:d>
+                          <m:dPr>
+                            <m:begChr m:val="‖"/>
+                            <m:endChr m:val="‖"/>
+                            <m:ctrlPr>
+                              <a:rPr lang="en-US" sz="1200" b="0" i="1" smtClean="0">
+                                <a:solidFill>
+                                  <a:schemeClr val="tx1"/>
+                                </a:solidFill>
+                                <a:latin typeface="Cambria Math" panose="02040503050406030204" pitchFamily="18" charset="0"/>
+                                <a:ea typeface="CMU Sans Serif" panose="02000603000000000000" pitchFamily="2" charset="0"/>
+                                <a:cs typeface="CMU Sans Serif" panose="02000603000000000000" pitchFamily="2" charset="0"/>
+                              </a:rPr>
+                            </m:ctrlPr>
+                          </m:dPr>
+                          <m:e>
+                            <m:r>
+                              <a:rPr lang="en-US" sz="1200" b="0" i="1" smtClean="0">
+                                <a:solidFill>
+                                  <a:schemeClr val="tx1"/>
+                                </a:solidFill>
+                                <a:latin typeface="Cambria Math" panose="02040503050406030204" pitchFamily="18" charset="0"/>
+                                <a:ea typeface="CMU Sans Serif" panose="02000603000000000000" pitchFamily="2" charset="0"/>
+                                <a:cs typeface="CMU Sans Serif" panose="02000603000000000000" pitchFamily="2" charset="0"/>
+                              </a:rPr>
+                              <m:t>𝑓</m:t>
+                            </m:r>
+                            <m:d>
+                              <m:dPr>
+                                <m:ctrlPr>
+                                  <a:rPr lang="en-US" sz="1200" b="0" i="1" smtClean="0">
+                                    <a:solidFill>
+                                      <a:schemeClr val="tx1"/>
+                                    </a:solidFill>
+                                    <a:latin typeface="Cambria Math" panose="02040503050406030204" pitchFamily="18" charset="0"/>
+                                    <a:ea typeface="CMU Sans Serif" panose="02000603000000000000" pitchFamily="2" charset="0"/>
+                                    <a:cs typeface="CMU Sans Serif" panose="02000603000000000000" pitchFamily="2" charset="0"/>
+                                  </a:rPr>
+                                </m:ctrlPr>
+                              </m:dPr>
+                              <m:e>
+                                <m:sSub>
+                                  <m:sSubPr>
+                                    <m:ctrlPr>
+                                      <a:rPr lang="en-US" sz="1200" b="1" i="1" smtClean="0">
+                                        <a:solidFill>
+                                          <a:srgbClr val="C00000"/>
+                                        </a:solidFill>
+                                        <a:latin typeface="Cambria Math" panose="02040503050406030204" pitchFamily="18" charset="0"/>
+                                        <a:ea typeface="CMU Sans Serif" panose="02000603000000000000" pitchFamily="2" charset="0"/>
+                                        <a:cs typeface="CMU Sans Serif" panose="02000603000000000000" pitchFamily="2" charset="0"/>
+                                      </a:rPr>
+                                    </m:ctrlPr>
+                                  </m:sSubPr>
+                                  <m:e>
+                                    <m:r>
+                                      <a:rPr lang="en-US" sz="1200" b="1" i="1" smtClean="0">
+                                        <a:solidFill>
+                                          <a:srgbClr val="C00000"/>
+                                        </a:solidFill>
+                                        <a:latin typeface="Cambria Math" panose="02040503050406030204" pitchFamily="18" charset="0"/>
+                                        <a:ea typeface="CMU Sans Serif" panose="02000603000000000000" pitchFamily="2" charset="0"/>
+                                        <a:cs typeface="CMU Sans Serif" panose="02000603000000000000" pitchFamily="2" charset="0"/>
+                                      </a:rPr>
+                                      <m:t>𝜽</m:t>
+                                    </m:r>
+                                  </m:e>
+                                  <m:sub>
+                                    <m:r>
+                                      <a:rPr lang="en-US" sz="1200" b="1" i="1" smtClean="0">
+                                        <a:solidFill>
+                                          <a:srgbClr val="C00000"/>
+                                        </a:solidFill>
+                                        <a:latin typeface="Cambria Math" panose="02040503050406030204" pitchFamily="18" charset="0"/>
+                                        <a:ea typeface="CMU Sans Serif" panose="02000603000000000000" pitchFamily="2" charset="0"/>
+                                        <a:cs typeface="CMU Sans Serif" panose="02000603000000000000" pitchFamily="2" charset="0"/>
+                                      </a:rPr>
+                                      <m:t>𝑴</m:t>
+                                    </m:r>
+                                  </m:sub>
+                                </m:sSub>
+                                <m:r>
+                                  <a:rPr lang="en-US" sz="1200" b="1" i="1" smtClean="0">
+                                    <a:solidFill>
+                                      <a:schemeClr val="tx1"/>
+                                    </a:solidFill>
+                                    <a:latin typeface="Cambria Math" panose="02040503050406030204" pitchFamily="18" charset="0"/>
+                                    <a:ea typeface="CMU Sans Serif" panose="02000603000000000000" pitchFamily="2" charset="0"/>
+                                    <a:cs typeface="CMU Sans Serif" panose="02000603000000000000" pitchFamily="2" charset="0"/>
+                                  </a:rPr>
+                                  <m:t>,</m:t>
+                                </m:r>
+                                <m:r>
+                                  <a:rPr lang="en-US" sz="1200" b="0" i="1" smtClean="0">
+                                    <a:solidFill>
+                                      <a:schemeClr val="tx1"/>
+                                    </a:solidFill>
+                                    <a:latin typeface="Cambria Math" panose="02040503050406030204" pitchFamily="18" charset="0"/>
+                                    <a:ea typeface="CMU Sans Serif" panose="02000603000000000000" pitchFamily="2" charset="0"/>
+                                    <a:cs typeface="CMU Sans Serif" panose="02000603000000000000" pitchFamily="2" charset="0"/>
+                                  </a:rPr>
+                                  <m:t>𝑥</m:t>
+                                </m:r>
+                                <m:d>
+                                  <m:dPr>
+                                    <m:ctrlPr>
+                                      <a:rPr lang="en-US" sz="1200" b="0" i="1" smtClean="0">
+                                        <a:solidFill>
+                                          <a:schemeClr val="tx1"/>
+                                        </a:solidFill>
+                                        <a:latin typeface="Cambria Math" panose="02040503050406030204" pitchFamily="18" charset="0"/>
+                                        <a:ea typeface="CMU Sans Serif" panose="02000603000000000000" pitchFamily="2" charset="0"/>
+                                        <a:cs typeface="CMU Sans Serif" panose="02000603000000000000" pitchFamily="2" charset="0"/>
+                                      </a:rPr>
+                                    </m:ctrlPr>
+                                  </m:dPr>
+                                  <m:e>
+                                    <m:sSub>
+                                      <m:sSubPr>
+                                        <m:ctrlPr>
+                                          <a:rPr lang="en-US" sz="1200" b="1" i="1" smtClean="0">
+                                            <a:solidFill>
+                                              <a:schemeClr val="accent5"/>
+                                            </a:solidFill>
+                                            <a:latin typeface="Cambria Math" panose="02040503050406030204" pitchFamily="18" charset="0"/>
+                                            <a:ea typeface="CMU Sans Serif" panose="02000603000000000000" pitchFamily="2" charset="0"/>
+                                            <a:cs typeface="CMU Sans Serif" panose="02000603000000000000" pitchFamily="2" charset="0"/>
+                                          </a:rPr>
+                                        </m:ctrlPr>
+                                      </m:sSubPr>
+                                      <m:e>
+                                        <m:r>
+                                          <a:rPr lang="en-US" sz="1200" b="1" i="1" smtClean="0">
+                                            <a:solidFill>
+                                              <a:schemeClr val="accent5"/>
+                                            </a:solidFill>
+                                            <a:latin typeface="Cambria Math" panose="02040503050406030204" pitchFamily="18" charset="0"/>
+                                            <a:ea typeface="CMU Sans Serif" panose="02000603000000000000" pitchFamily="2" charset="0"/>
+                                            <a:cs typeface="CMU Sans Serif" panose="02000603000000000000" pitchFamily="2" charset="0"/>
+                                          </a:rPr>
+                                          <m:t>𝜽</m:t>
+                                        </m:r>
+                                      </m:e>
+                                      <m:sub>
+                                        <m:r>
+                                          <a:rPr lang="en-US" sz="1200" b="1" i="1" smtClean="0">
+                                            <a:solidFill>
+                                              <a:schemeClr val="accent5"/>
+                                            </a:solidFill>
+                                            <a:latin typeface="Cambria Math" panose="02040503050406030204" pitchFamily="18" charset="0"/>
+                                            <a:ea typeface="CMU Sans Serif" panose="02000603000000000000" pitchFamily="2" charset="0"/>
+                                            <a:cs typeface="CMU Sans Serif" panose="02000603000000000000" pitchFamily="2" charset="0"/>
+                                          </a:rPr>
+                                          <m:t>𝑵𝑵</m:t>
+                                        </m:r>
+                                      </m:sub>
+                                    </m:sSub>
+                                    <m:r>
+                                      <a:rPr lang="en-US" sz="1200" b="0" i="1" smtClean="0">
+                                        <a:solidFill>
+                                          <a:schemeClr val="tx1"/>
+                                        </a:solidFill>
+                                        <a:latin typeface="Cambria Math" panose="02040503050406030204" pitchFamily="18" charset="0"/>
+                                        <a:ea typeface="CMU Sans Serif" panose="02000603000000000000" pitchFamily="2" charset="0"/>
+                                        <a:cs typeface="CMU Sans Serif" panose="02000603000000000000" pitchFamily="2" charset="0"/>
+                                      </a:rPr>
+                                      <m:t>,</m:t>
+                                    </m:r>
+                                    <m:r>
+                                      <a:rPr lang="en-US" sz="1200" b="0" i="1" smtClean="0">
+                                        <a:solidFill>
+                                          <a:schemeClr val="tx1"/>
+                                        </a:solidFill>
+                                        <a:latin typeface="Cambria Math" panose="02040503050406030204" pitchFamily="18" charset="0"/>
+                                        <a:ea typeface="CMU Sans Serif" panose="02000603000000000000" pitchFamily="2" charset="0"/>
+                                        <a:cs typeface="CMU Sans Serif" panose="02000603000000000000" pitchFamily="2" charset="0"/>
+                                      </a:rPr>
+                                      <m:t>𝑡</m:t>
+                                    </m:r>
+                                  </m:e>
+                                </m:d>
+                              </m:e>
+                            </m:d>
+                            <m:r>
+                              <a:rPr lang="en-US" sz="1200" b="0" i="1" smtClean="0">
+                                <a:solidFill>
+                                  <a:schemeClr val="tx1"/>
+                                </a:solidFill>
+                                <a:latin typeface="Cambria Math" panose="02040503050406030204" pitchFamily="18" charset="0"/>
+                                <a:ea typeface="CMU Sans Serif" panose="02000603000000000000" pitchFamily="2" charset="0"/>
+                                <a:cs typeface="CMU Sans Serif" panose="02000603000000000000" pitchFamily="2" charset="0"/>
+                              </a:rPr>
+                              <m:t>−</m:t>
+                            </m:r>
+                            <m:acc>
+                              <m:accPr>
+                                <m:chr m:val="̇"/>
+                                <m:ctrlPr>
+                                  <a:rPr lang="en-US" sz="1200" b="0" i="1" smtClean="0">
+                                    <a:solidFill>
+                                      <a:schemeClr val="tx1"/>
+                                    </a:solidFill>
+                                    <a:latin typeface="Cambria Math" panose="02040503050406030204" pitchFamily="18" charset="0"/>
+                                    <a:ea typeface="CMU Sans Serif" panose="02000603000000000000" pitchFamily="2" charset="0"/>
+                                    <a:cs typeface="CMU Sans Serif" panose="02000603000000000000" pitchFamily="2" charset="0"/>
+                                  </a:rPr>
+                                </m:ctrlPr>
+                              </m:accPr>
+                              <m:e>
+                                <m:r>
+                                  <a:rPr lang="en-US" sz="1200" b="0" i="1" smtClean="0">
+                                    <a:solidFill>
+                                      <a:schemeClr val="tx1"/>
+                                    </a:solidFill>
+                                    <a:latin typeface="Cambria Math" panose="02040503050406030204" pitchFamily="18" charset="0"/>
+                                    <a:ea typeface="CMU Sans Serif" panose="02000603000000000000" pitchFamily="2" charset="0"/>
+                                    <a:cs typeface="CMU Sans Serif" panose="02000603000000000000" pitchFamily="2" charset="0"/>
+                                  </a:rPr>
+                                  <m:t>𝑥</m:t>
+                                </m:r>
+                              </m:e>
+                            </m:acc>
+                            <m:d>
+                              <m:dPr>
+                                <m:ctrlPr>
+                                  <a:rPr lang="en-US" sz="1200" b="0" i="1" smtClean="0">
+                                    <a:solidFill>
+                                      <a:schemeClr val="tx1"/>
+                                    </a:solidFill>
+                                    <a:latin typeface="Cambria Math" panose="02040503050406030204" pitchFamily="18" charset="0"/>
+                                    <a:ea typeface="CMU Sans Serif" panose="02000603000000000000" pitchFamily="2" charset="0"/>
+                                    <a:cs typeface="CMU Sans Serif" panose="02000603000000000000" pitchFamily="2" charset="0"/>
+                                  </a:rPr>
+                                </m:ctrlPr>
+                              </m:dPr>
+                              <m:e>
+                                <m:sSub>
+                                  <m:sSubPr>
+                                    <m:ctrlPr>
+                                      <a:rPr lang="en-US" sz="1200" b="1" i="1" smtClean="0">
+                                        <a:solidFill>
+                                          <a:schemeClr val="accent5"/>
+                                        </a:solidFill>
+                                        <a:latin typeface="Cambria Math" panose="02040503050406030204" pitchFamily="18" charset="0"/>
+                                        <a:ea typeface="CMU Sans Serif" panose="02000603000000000000" pitchFamily="2" charset="0"/>
+                                        <a:cs typeface="CMU Sans Serif" panose="02000603000000000000" pitchFamily="2" charset="0"/>
+                                      </a:rPr>
+                                    </m:ctrlPr>
+                                  </m:sSubPr>
+                                  <m:e>
+                                    <m:r>
+                                      <a:rPr lang="en-US" sz="1200" b="1" i="1" smtClean="0">
+                                        <a:solidFill>
+                                          <a:schemeClr val="accent5"/>
+                                        </a:solidFill>
+                                        <a:latin typeface="Cambria Math" panose="02040503050406030204" pitchFamily="18" charset="0"/>
+                                        <a:ea typeface="CMU Sans Serif" panose="02000603000000000000" pitchFamily="2" charset="0"/>
+                                        <a:cs typeface="CMU Sans Serif" panose="02000603000000000000" pitchFamily="2" charset="0"/>
+                                      </a:rPr>
+                                      <m:t>𝜽</m:t>
+                                    </m:r>
+                                  </m:e>
+                                  <m:sub>
+                                    <m:r>
+                                      <a:rPr lang="en-US" sz="1200" b="1" i="1" smtClean="0">
+                                        <a:solidFill>
+                                          <a:schemeClr val="accent5"/>
+                                        </a:solidFill>
+                                        <a:latin typeface="Cambria Math" panose="02040503050406030204" pitchFamily="18" charset="0"/>
+                                        <a:ea typeface="CMU Sans Serif" panose="02000603000000000000" pitchFamily="2" charset="0"/>
+                                        <a:cs typeface="CMU Sans Serif" panose="02000603000000000000" pitchFamily="2" charset="0"/>
+                                      </a:rPr>
+                                      <m:t>𝑵𝑵</m:t>
+                                    </m:r>
+                                  </m:sub>
+                                </m:sSub>
+                                <m:r>
+                                  <a:rPr lang="en-US" sz="1200" b="0" i="1" smtClean="0">
+                                    <a:solidFill>
+                                      <a:schemeClr val="tx1"/>
+                                    </a:solidFill>
+                                    <a:latin typeface="Cambria Math" panose="02040503050406030204" pitchFamily="18" charset="0"/>
+                                    <a:ea typeface="CMU Sans Serif" panose="02000603000000000000" pitchFamily="2" charset="0"/>
+                                    <a:cs typeface="CMU Sans Serif" panose="02000603000000000000" pitchFamily="2" charset="0"/>
+                                  </a:rPr>
+                                  <m:t>,</m:t>
+                                </m:r>
+                                <m:r>
+                                  <a:rPr lang="en-US" sz="1200" b="0" i="1" smtClean="0">
+                                    <a:solidFill>
+                                      <a:schemeClr val="tx1"/>
+                                    </a:solidFill>
+                                    <a:latin typeface="Cambria Math" panose="02040503050406030204" pitchFamily="18" charset="0"/>
+                                    <a:ea typeface="CMU Sans Serif" panose="02000603000000000000" pitchFamily="2" charset="0"/>
+                                    <a:cs typeface="CMU Sans Serif" panose="02000603000000000000" pitchFamily="2" charset="0"/>
+                                  </a:rPr>
+                                  <m:t>𝑡</m:t>
+                                </m:r>
+                              </m:e>
+                            </m:d>
+                          </m:e>
+                        </m:d>
+                      </m:oMath>
+                    </m:oMathPara>
+                  </a14:m>
+                  <a:endParaRPr lang="en-US" sz="1050" i="1" dirty="0">
+                    <a:solidFill>
+                      <a:schemeClr val="tx1"/>
+                    </a:solidFill>
+                    <a:latin typeface="CMU Sans Serif" panose="02000603000000000000" pitchFamily="2" charset="0"/>
+                    <a:ea typeface="CMU Sans Serif" panose="02000603000000000000" pitchFamily="2" charset="0"/>
+                    <a:cs typeface="CMU Sans Serif" panose="02000603000000000000" pitchFamily="2" charset="0"/>
+                  </a:endParaRPr>
+                </a:p>
+              </p:txBody>
+            </p:sp>
+          </mc:Choice>
+          <mc:Fallback xmlns="">
+            <p:sp>
+              <p:nvSpPr>
+                <p:cNvPr id="14" name="Rounded Rectangle 13"/>
+                <p:cNvSpPr>
+                  <a:spLocks noRot="1" noChangeAspect="1" noMove="1" noResize="1" noEditPoints="1" noAdjustHandles="1" noChangeArrowheads="1" noChangeShapeType="1" noTextEdit="1"/>
+                </p:cNvSpPr>
+                <p:nvPr/>
+              </p:nvSpPr>
+              <p:spPr>
+                <a:xfrm>
+                  <a:off x="4884636" y="3094669"/>
+                  <a:ext cx="2076334" cy="530865"/>
+                </a:xfrm>
+                <a:prstGeom prst="roundRect">
+                  <a:avLst>
+                    <a:gd name="adj" fmla="val 5847"/>
+                  </a:avLst>
+                </a:prstGeom>
+                <a:blipFill>
+                  <a:blip r:embed="rId12"/>
+                  <a:stretch>
+                    <a:fillRect/>
+                  </a:stretch>
+                </a:blipFill>
+                <a:ln w="6350">
+                  <a:noFill/>
+                  <a:prstDash val="sysDot"/>
+                </a:ln>
+              </p:spPr>
+              <p:txBody>
+                <a:bodyPr/>
+                <a:lstStyle/>
+                <a:p>
+                  <a:r>
+                    <a:rPr lang="en-US">
+                      <a:noFill/>
+                    </a:rPr>
+                    <a:t> </a:t>
+                  </a:r>
+                </a:p>
+              </p:txBody>
+            </p:sp>
+          </mc:Fallback>
+        </mc:AlternateContent>
+        <mc:AlternateContent xmlns:mc="http://schemas.openxmlformats.org/markup-compatibility/2006" xmlns:a14="http://schemas.microsoft.com/office/drawing/2010/main">
+          <mc:Choice Requires="a14">
+            <p:sp>
+              <p:nvSpPr>
+                <p:cNvPr id="16" name="Rounded Rectangle 15"/>
+                <p:cNvSpPr/>
+                <p:nvPr/>
+              </p:nvSpPr>
+              <p:spPr>
+                <a:xfrm>
+                  <a:off x="4858270" y="1352366"/>
+                  <a:ext cx="2076334" cy="530865"/>
+                </a:xfrm>
+                <a:prstGeom prst="roundRect">
+                  <a:avLst>
+                    <a:gd name="adj" fmla="val 5847"/>
+                  </a:avLst>
+                </a:prstGeom>
+                <a:noFill/>
+                <a:ln w="6350">
+                  <a:noFill/>
+                  <a:prstDash val="sysDot"/>
+                </a:ln>
+              </p:spPr>
+              <p:style>
+                <a:lnRef idx="2">
+                  <a:schemeClr val="accent1">
+                    <a:shade val="50000"/>
+                  </a:schemeClr>
+                </a:lnRef>
+                <a:fillRef idx="1">
+                  <a:schemeClr val="accent1"/>
+                </a:fillRef>
+                <a:effectRef idx="0">
+                  <a:schemeClr val="accent1"/>
+                </a:effectRef>
+                <a:fontRef idx="minor">
+                  <a:schemeClr val="lt1"/>
+                </a:fontRef>
+              </p:style>
+              <p:txBody>
+                <a:bodyPr lIns="0" tIns="0" rIns="0" bIns="0" rtlCol="0" anchor="ctr"/>
+                <a:lstStyle/>
+                <a:p>
+                  <a:pPr algn="ctr"/>
+                  <a14:m>
+                    <m:oMathPara xmlns:m="http://schemas.openxmlformats.org/officeDocument/2006/math">
+                      <m:oMathParaPr>
+                        <m:jc m:val="centerGroup"/>
+                      </m:oMathParaPr>
+                      <m:oMath xmlns:m="http://schemas.openxmlformats.org/officeDocument/2006/math">
+                        <m:acc>
+                          <m:accPr>
+                            <m:chr m:val="̃"/>
+                            <m:ctrlPr>
+                              <a:rPr lang="en-US" sz="1200" i="1" smtClean="0">
+                                <a:solidFill>
+                                  <a:schemeClr val="tx1"/>
+                                </a:solidFill>
+                                <a:latin typeface="Cambria Math" panose="02040503050406030204" pitchFamily="18" charset="0"/>
+                                <a:ea typeface="CMU Sans Serif" panose="02000603000000000000" pitchFamily="2" charset="0"/>
+                                <a:cs typeface="CMU Sans Serif" panose="02000603000000000000" pitchFamily="2" charset="0"/>
+                              </a:rPr>
+                            </m:ctrlPr>
+                          </m:accPr>
+                          <m:e>
+                            <m:r>
+                              <a:rPr lang="en-US" sz="1200" i="1" smtClean="0">
+                                <a:solidFill>
+                                  <a:schemeClr val="tx1"/>
+                                </a:solidFill>
+                                <a:latin typeface="Cambria Math" panose="02040503050406030204" pitchFamily="18" charset="0"/>
+                                <a:ea typeface="CMU Sans Serif" panose="02000603000000000000" pitchFamily="2" charset="0"/>
+                                <a:cs typeface="CMU Sans Serif" panose="02000603000000000000" pitchFamily="2" charset="0"/>
+                              </a:rPr>
+                              <m:t>𝑥</m:t>
+                            </m:r>
+                          </m:e>
+                        </m:acc>
+                      </m:oMath>
+                    </m:oMathPara>
+                  </a14:m>
+                  <a:endParaRPr lang="en-US" sz="1100" i="1" dirty="0">
+                    <a:solidFill>
+                      <a:schemeClr val="tx1"/>
+                    </a:solidFill>
+                    <a:latin typeface="CMU Sans Serif" panose="02000603000000000000" pitchFamily="2" charset="0"/>
+                    <a:ea typeface="CMU Sans Serif" panose="02000603000000000000" pitchFamily="2" charset="0"/>
+                    <a:cs typeface="CMU Sans Serif" panose="02000603000000000000" pitchFamily="2" charset="0"/>
+                  </a:endParaRPr>
+                </a:p>
+              </p:txBody>
+            </p:sp>
+          </mc:Choice>
+          <mc:Fallback xmlns="">
+            <p:sp>
+              <p:nvSpPr>
+                <p:cNvPr id="16" name="Rounded Rectangle 15"/>
+                <p:cNvSpPr>
+                  <a:spLocks noRot="1" noChangeAspect="1" noMove="1" noResize="1" noEditPoints="1" noAdjustHandles="1" noChangeArrowheads="1" noChangeShapeType="1" noTextEdit="1"/>
+                </p:cNvSpPr>
+                <p:nvPr/>
+              </p:nvSpPr>
+              <p:spPr>
+                <a:xfrm>
+                  <a:off x="4858270" y="1352366"/>
+                  <a:ext cx="2076334" cy="530865"/>
+                </a:xfrm>
+                <a:prstGeom prst="roundRect">
+                  <a:avLst>
+                    <a:gd name="adj" fmla="val 5847"/>
+                  </a:avLst>
+                </a:prstGeom>
+                <a:blipFill>
+                  <a:blip r:embed="rId13"/>
+                  <a:stretch>
+                    <a:fillRect/>
+                  </a:stretch>
+                </a:blipFill>
+                <a:ln w="6350">
+                  <a:noFill/>
+                  <a:prstDash val="sysDot"/>
+                </a:ln>
+              </p:spPr>
+              <p:txBody>
+                <a:bodyPr/>
+                <a:lstStyle/>
+                <a:p>
+                  <a:r>
+                    <a:rPr lang="en-US">
+                      <a:noFill/>
+                    </a:rPr>
+                    <a:t> </a:t>
+                  </a:r>
+                </a:p>
+              </p:txBody>
+            </p:sp>
+          </mc:Fallback>
+        </mc:AlternateContent>
+        <p:cxnSp>
+          <p:nvCxnSpPr>
+            <p:cNvPr id="18" name="Curved Connector 17"/>
+            <p:cNvCxnSpPr>
+              <a:stCxn id="10" idx="3"/>
+            </p:cNvCxnSpPr>
+            <p:nvPr/>
+          </p:nvCxnSpPr>
+          <p:spPr>
+            <a:xfrm flipV="1">
+              <a:off x="4867675" y="1616421"/>
+              <a:ext cx="603374" cy="1377"/>
+            </a:xfrm>
+            <a:prstGeom prst="curvedConnector3">
+              <a:avLst/>
+            </a:prstGeom>
+            <a:ln>
+              <a:solidFill>
+                <a:schemeClr val="tx1"/>
+              </a:solidFill>
+              <a:prstDash val="sysDot"/>
+              <a:tailEnd type="triangle"/>
+            </a:ln>
+          </p:spPr>
+          <p:style>
+            <a:lnRef idx="1">
+              <a:schemeClr val="accent1"/>
+            </a:lnRef>
+            <a:fillRef idx="0">
+              <a:schemeClr val="accent1"/>
+            </a:fillRef>
+            <a:effectRef idx="0">
+              <a:schemeClr val="accent1"/>
+            </a:effectRef>
+            <a:fontRef idx="minor">
+              <a:schemeClr val="tx1"/>
+            </a:fontRef>
+          </p:style>
+        </p:cxnSp>
+        <p:cxnSp>
+          <p:nvCxnSpPr>
+            <p:cNvPr id="25" name="Straight Connector 24"/>
+            <p:cNvCxnSpPr>
+              <a:stCxn id="12" idx="0"/>
+              <a:endCxn id="8" idx="1"/>
+            </p:cNvCxnSpPr>
+            <p:nvPr/>
+          </p:nvCxnSpPr>
+          <p:spPr>
+            <a:xfrm>
+              <a:off x="3445796" y="2488950"/>
+              <a:ext cx="208207" cy="0"/>
+            </a:xfrm>
+            <a:prstGeom prst="line">
+              <a:avLst/>
+            </a:prstGeom>
+            <a:ln>
+              <a:solidFill>
+                <a:schemeClr val="tx1"/>
+              </a:solidFill>
+            </a:ln>
+          </p:spPr>
+          <p:style>
+            <a:lnRef idx="1">
+              <a:schemeClr val="accent1"/>
+            </a:lnRef>
+            <a:fillRef idx="0">
+              <a:schemeClr val="accent1"/>
+            </a:fillRef>
+            <a:effectRef idx="0">
+              <a:schemeClr val="accent1"/>
+            </a:effectRef>
+            <a:fontRef idx="minor">
+              <a:schemeClr val="tx1"/>
+            </a:fontRef>
+          </p:style>
+        </p:cxnSp>
+        <p:cxnSp>
+          <p:nvCxnSpPr>
+            <p:cNvPr id="30" name="Straight Connector 29"/>
+            <p:cNvCxnSpPr>
+              <a:stCxn id="8" idx="3"/>
+            </p:cNvCxnSpPr>
+            <p:nvPr/>
+          </p:nvCxnSpPr>
+          <p:spPr>
+            <a:xfrm>
+              <a:off x="4700923" y="2488950"/>
+              <a:ext cx="565843" cy="0"/>
+            </a:xfrm>
+            <a:prstGeom prst="line">
+              <a:avLst/>
+            </a:prstGeom>
+            <a:ln>
+              <a:tailEnd type="triangle"/>
+            </a:ln>
+          </p:spPr>
+          <p:style>
+            <a:lnRef idx="1">
+              <a:schemeClr val="dk1"/>
+            </a:lnRef>
+            <a:fillRef idx="0">
+              <a:schemeClr val="dk1"/>
+            </a:fillRef>
+            <a:effectRef idx="0">
+              <a:schemeClr val="dk1"/>
+            </a:effectRef>
+            <a:fontRef idx="minor">
+              <a:schemeClr val="tx1"/>
+            </a:fontRef>
+          </p:style>
+        </p:cxnSp>
+        <p:sp>
+          <p:nvSpPr>
+            <p:cNvPr id="32" name="Rectangle 31"/>
+            <p:cNvSpPr/>
+            <p:nvPr/>
+          </p:nvSpPr>
+          <p:spPr>
+            <a:xfrm>
+              <a:off x="5219882" y="3501205"/>
+              <a:ext cx="1422133" cy="261610"/>
+            </a:xfrm>
+            <a:prstGeom prst="rect">
+              <a:avLst/>
+            </a:prstGeom>
+          </p:spPr>
+          <p:txBody>
+            <a:bodyPr wrap="none" lIns="0" rIns="0">
+              <a:spAutoFit/>
+            </a:bodyPr>
+            <a:lstStyle/>
+            <a:p>
+              <a:r>
+                <a:rPr lang="en-US" sz="1100" dirty="0">
+                  <a:latin typeface="CMU Sans Serif" panose="02000603000000000000" pitchFamily="2" charset="0"/>
+                  <a:ea typeface="CMU Sans Serif" panose="02000603000000000000" pitchFamily="2" charset="0"/>
+                  <a:cs typeface="CMU Sans Serif" panose="02000603000000000000" pitchFamily="2" charset="0"/>
+                </a:rPr>
+                <a:t>ODE Objective Function</a:t>
+              </a:r>
+            </a:p>
+          </p:txBody>
+        </p:sp>
+        <p:sp>
+          <p:nvSpPr>
+            <p:cNvPr id="33" name="Rectangle 32"/>
+            <p:cNvSpPr/>
+            <p:nvPr/>
+          </p:nvSpPr>
+          <p:spPr>
+            <a:xfrm>
+              <a:off x="5219134" y="2631431"/>
+              <a:ext cx="1423704" cy="261610"/>
+            </a:xfrm>
+            <a:prstGeom prst="rect">
+              <a:avLst/>
+            </a:prstGeom>
+          </p:spPr>
+          <p:txBody>
+            <a:bodyPr wrap="none" lIns="0" rIns="0">
+              <a:spAutoFit/>
+            </a:bodyPr>
+            <a:lstStyle/>
+            <a:p>
+              <a:r>
+                <a:rPr lang="en-US" sz="1100" dirty="0">
+                  <a:latin typeface="CMU Sans Serif" panose="02000603000000000000" pitchFamily="2" charset="0"/>
+                  <a:ea typeface="CMU Sans Serif" panose="02000603000000000000" pitchFamily="2" charset="0"/>
+                  <a:cs typeface="CMU Sans Serif" panose="02000603000000000000" pitchFamily="2" charset="0"/>
+                </a:rPr>
+                <a:t>ANN Objective Function</a:t>
+              </a:r>
+            </a:p>
+          </p:txBody>
+        </p:sp>
+        <p:sp>
+          <p:nvSpPr>
+            <p:cNvPr id="34" name="Rectangle 33"/>
+            <p:cNvSpPr/>
+            <p:nvPr/>
+          </p:nvSpPr>
+          <p:spPr>
+            <a:xfrm>
+              <a:off x="5761873" y="1712516"/>
+              <a:ext cx="282855" cy="261610"/>
+            </a:xfrm>
+            <a:prstGeom prst="rect">
+              <a:avLst/>
+            </a:prstGeom>
+          </p:spPr>
+          <p:txBody>
+            <a:bodyPr wrap="none" lIns="0" rIns="0">
+              <a:spAutoFit/>
+            </a:bodyPr>
+            <a:lstStyle/>
+            <a:p>
+              <a:r>
+                <a:rPr lang="en-US" sz="1100" dirty="0">
+                  <a:latin typeface="CMU Sans Serif" panose="02000603000000000000" pitchFamily="2" charset="0"/>
+                  <a:ea typeface="CMU Sans Serif" panose="02000603000000000000" pitchFamily="2" charset="0"/>
+                  <a:cs typeface="CMU Sans Serif" panose="02000603000000000000" pitchFamily="2" charset="0"/>
+                </a:rPr>
+                <a:t>Data</a:t>
+              </a:r>
+            </a:p>
+          </p:txBody>
+        </p:sp>
+        <p:cxnSp>
+          <p:nvCxnSpPr>
+            <p:cNvPr id="36" name="Curved Connector 35"/>
+            <p:cNvCxnSpPr>
+              <a:stCxn id="5" idx="3"/>
+              <a:endCxn id="10" idx="1"/>
+            </p:cNvCxnSpPr>
+            <p:nvPr/>
+          </p:nvCxnSpPr>
+          <p:spPr>
+            <a:xfrm>
+              <a:off x="3283007" y="1616421"/>
+              <a:ext cx="352157" cy="1377"/>
+            </a:xfrm>
+            <a:prstGeom prst="curvedConnector3">
+              <a:avLst/>
+            </a:prstGeom>
+            <a:ln>
+              <a:solidFill>
+                <a:schemeClr val="tx1"/>
+              </a:solidFill>
+              <a:prstDash val="sysDot"/>
+              <a:tailEnd type="triangle"/>
+            </a:ln>
+          </p:spPr>
+          <p:style>
+            <a:lnRef idx="1">
+              <a:schemeClr val="accent1"/>
+            </a:lnRef>
+            <a:fillRef idx="0">
+              <a:schemeClr val="accent1"/>
+            </a:fillRef>
+            <a:effectRef idx="0">
+              <a:schemeClr val="accent1"/>
+            </a:effectRef>
+            <a:fontRef idx="minor">
+              <a:schemeClr val="tx1"/>
+            </a:fontRef>
+          </p:style>
+        </p:cxnSp>
+        <p:sp>
+          <p:nvSpPr>
+            <p:cNvPr id="40" name="Rounded Rectangle 39"/>
+            <p:cNvSpPr/>
+            <p:nvPr/>
+          </p:nvSpPr>
+          <p:spPr>
+            <a:xfrm>
+              <a:off x="3359667" y="3778263"/>
+              <a:ext cx="2497939" cy="583952"/>
+            </a:xfrm>
+            <a:prstGeom prst="roundRect">
+              <a:avLst>
+                <a:gd name="adj" fmla="val 5847"/>
+              </a:avLst>
+            </a:prstGeom>
+            <a:noFill/>
+            <a:ln w="6350">
+              <a:noFill/>
+              <a:prstDash val="sysDot"/>
+            </a:ln>
+          </p:spPr>
+          <p:style>
+            <a:lnRef idx="2">
+              <a:schemeClr val="accent1">
+                <a:shade val="50000"/>
+              </a:schemeClr>
+            </a:lnRef>
+            <a:fillRef idx="1">
+              <a:schemeClr val="accent1"/>
+            </a:fillRef>
+            <a:effectRef idx="0">
+              <a:schemeClr val="accent1"/>
+            </a:effectRef>
+            <a:fontRef idx="minor">
+              <a:schemeClr val="lt1"/>
+            </a:fontRef>
+          </p:style>
+          <p:txBody>
+            <a:bodyPr lIns="0" tIns="0" rIns="0" bIns="0" rtlCol="0" anchor="ctr"/>
+            <a:lstStyle/>
+            <a:p>
+              <a:pPr algn="ctr"/>
+              <a:endParaRPr lang="en-US" sz="1200" i="1" dirty="0">
+                <a:solidFill>
+                  <a:schemeClr val="tx1"/>
+                </a:solidFill>
+                <a:latin typeface="CMU Sans Serif" panose="02000603000000000000" pitchFamily="2" charset="0"/>
+                <a:ea typeface="CMU Sans Serif" panose="02000603000000000000" pitchFamily="2" charset="0"/>
+                <a:cs typeface="CMU Sans Serif" panose="02000603000000000000" pitchFamily="2" charset="0"/>
+              </a:endParaRPr>
+            </a:p>
+          </p:txBody>
+        </p:sp>
+        <p:sp>
+          <p:nvSpPr>
+            <p:cNvPr id="43" name="Hexagon 42"/>
+            <p:cNvSpPr/>
+            <p:nvPr/>
+          </p:nvSpPr>
+          <p:spPr>
+            <a:xfrm>
+              <a:off x="2072984" y="3896353"/>
+              <a:ext cx="1331128" cy="530352"/>
+            </a:xfrm>
+            <a:prstGeom prst="hexagon">
+              <a:avLst/>
+            </a:prstGeom>
+            <a:solidFill>
+              <a:schemeClr val="tx1">
+                <a:lumMod val="65000"/>
+                <a:lumOff val="35000"/>
+              </a:schemeClr>
+            </a:solidFill>
+            <a:ln w="9525">
+              <a:noFill/>
+              <a:prstDash val="sysDash"/>
+            </a:ln>
+          </p:spPr>
+          <p:style>
+            <a:lnRef idx="2">
+              <a:schemeClr val="accent1">
+                <a:shade val="50000"/>
+              </a:schemeClr>
+            </a:lnRef>
+            <a:fillRef idx="1">
+              <a:schemeClr val="accent1"/>
+            </a:fillRef>
+            <a:effectRef idx="0">
+              <a:schemeClr val="accent1"/>
+            </a:effectRef>
+            <a:fontRef idx="minor">
+              <a:schemeClr val="lt1"/>
+            </a:fontRef>
+          </p:style>
+          <p:txBody>
+            <a:bodyPr lIns="0" rIns="0" rtlCol="0" anchor="ctr"/>
+            <a:lstStyle/>
+            <a:p>
+              <a:pPr algn="ctr"/>
+              <a:r>
+                <a:rPr lang="en-US" sz="1200" b="1" dirty="0">
+                  <a:solidFill>
+                    <a:schemeClr val="bg1"/>
+                  </a:solidFill>
+                  <a:latin typeface="CMU Sans Serif" panose="02000603000000000000" pitchFamily="2" charset="0"/>
+                  <a:ea typeface="CMU Sans Serif" panose="02000603000000000000" pitchFamily="2" charset="0"/>
+                  <a:cs typeface="CMU Sans Serif" panose="02000603000000000000" pitchFamily="2" charset="0"/>
+                </a:rPr>
+                <a:t>Automatic</a:t>
+              </a:r>
+              <a:br>
+                <a:rPr lang="en-US" sz="1200" b="1" dirty="0">
+                  <a:solidFill>
+                    <a:schemeClr val="bg1"/>
+                  </a:solidFill>
+                  <a:latin typeface="CMU Sans Serif" panose="02000603000000000000" pitchFamily="2" charset="0"/>
+                  <a:ea typeface="CMU Sans Serif" panose="02000603000000000000" pitchFamily="2" charset="0"/>
+                  <a:cs typeface="CMU Sans Serif" panose="02000603000000000000" pitchFamily="2" charset="0"/>
+                </a:rPr>
+              </a:br>
+              <a:r>
+                <a:rPr lang="en-US" sz="1200" b="1" dirty="0">
+                  <a:solidFill>
+                    <a:schemeClr val="bg1"/>
+                  </a:solidFill>
+                  <a:latin typeface="CMU Sans Serif" panose="02000603000000000000" pitchFamily="2" charset="0"/>
+                  <a:ea typeface="CMU Sans Serif" panose="02000603000000000000" pitchFamily="2" charset="0"/>
+                  <a:cs typeface="CMU Sans Serif" panose="02000603000000000000" pitchFamily="2" charset="0"/>
+                </a:rPr>
+                <a:t>Differentiation</a:t>
+              </a:r>
+            </a:p>
+          </p:txBody>
+        </p:sp>
+        <p:cxnSp>
+          <p:nvCxnSpPr>
+            <p:cNvPr id="45" name="Straight Arrow Connector 44"/>
+            <p:cNvCxnSpPr/>
+            <p:nvPr/>
+          </p:nvCxnSpPr>
+          <p:spPr>
+            <a:xfrm flipH="1">
+              <a:off x="3413828" y="4153868"/>
+              <a:ext cx="310396" cy="0"/>
+            </a:xfrm>
+            <a:prstGeom prst="straightConnector1">
+              <a:avLst/>
+            </a:prstGeom>
+            <a:ln w="6350">
+              <a:solidFill>
+                <a:schemeClr val="tx1"/>
+              </a:solidFill>
+              <a:prstDash val="sysDash"/>
+              <a:headEnd type="triangle"/>
+              <a:tailEnd type="triangle"/>
+            </a:ln>
+          </p:spPr>
+          <p:style>
+            <a:lnRef idx="1">
+              <a:schemeClr val="dk1"/>
+            </a:lnRef>
+            <a:fillRef idx="0">
+              <a:schemeClr val="dk1"/>
+            </a:fillRef>
+            <a:effectRef idx="0">
+              <a:schemeClr val="dk1"/>
+            </a:effectRef>
+            <a:fontRef idx="minor">
+              <a:schemeClr val="tx1"/>
+            </a:fontRef>
+          </p:style>
+        </p:cxnSp>
+        <p:cxnSp>
+          <p:nvCxnSpPr>
+            <p:cNvPr id="47" name="Straight Arrow Connector 46"/>
+            <p:cNvCxnSpPr/>
+            <p:nvPr/>
+          </p:nvCxnSpPr>
+          <p:spPr>
+            <a:xfrm>
+              <a:off x="2745116" y="4426705"/>
+              <a:ext cx="0" cy="908616"/>
+            </a:xfrm>
+            <a:prstGeom prst="straightConnector1">
+              <a:avLst/>
+            </a:prstGeom>
+            <a:ln w="6350">
+              <a:solidFill>
+                <a:schemeClr val="tx1"/>
+              </a:solidFill>
+              <a:prstDash val="sysDash"/>
+              <a:tailEnd type="none"/>
+            </a:ln>
+          </p:spPr>
+          <p:style>
+            <a:lnRef idx="1">
+              <a:schemeClr val="dk1"/>
+            </a:lnRef>
+            <a:fillRef idx="0">
+              <a:schemeClr val="dk1"/>
+            </a:fillRef>
+            <a:effectRef idx="0">
+              <a:schemeClr val="dk1"/>
+            </a:effectRef>
+            <a:fontRef idx="minor">
+              <a:schemeClr val="tx1"/>
+            </a:fontRef>
+          </p:style>
+        </p:cxnSp>
+        <p:grpSp>
+          <p:nvGrpSpPr>
+            <p:cNvPr id="150" name="Group 149"/>
+            <p:cNvGrpSpPr/>
+            <p:nvPr/>
+          </p:nvGrpSpPr>
+          <p:grpSpPr>
+            <a:xfrm>
+              <a:off x="3235051" y="4671367"/>
+              <a:ext cx="2053869" cy="1132905"/>
+              <a:chOff x="3216177" y="4671367"/>
+              <a:chExt cx="2259256" cy="1132905"/>
+            </a:xfrm>
+          </p:grpSpPr>
+          <mc:AlternateContent xmlns:mc="http://schemas.openxmlformats.org/markup-compatibility/2006" xmlns:a14="http://schemas.microsoft.com/office/drawing/2010/main">
+            <mc:Choice Requires="a14">
+              <p:sp>
+                <p:nvSpPr>
+                  <p:cNvPr id="85" name="Rectangle 84"/>
+                  <p:cNvSpPr/>
+                  <p:nvPr/>
+                </p:nvSpPr>
+                <p:spPr>
+                  <a:xfrm flipH="1">
+                    <a:off x="5079611" y="5402507"/>
+                    <a:ext cx="193284" cy="276999"/>
+                  </a:xfrm>
+                  <a:prstGeom prst="rect">
+                    <a:avLst/>
+                  </a:prstGeom>
+                </p:spPr>
+                <p:txBody>
+                  <a:bodyPr wrap="none" lIns="0" rIns="0">
+                    <a:spAutoFit/>
+                  </a:bodyPr>
+                  <a:lstStyle/>
+                  <a:p>
+                    <a:pPr/>
+                    <a14:m>
+                      <m:oMathPara xmlns:m="http://schemas.openxmlformats.org/officeDocument/2006/math">
+                        <m:oMathParaPr>
+                          <m:jc m:val="centerGroup"/>
+                        </m:oMathParaPr>
+                        <m:oMath xmlns:m="http://schemas.openxmlformats.org/officeDocument/2006/math">
+                          <m:r>
+                            <a:rPr lang="en-US" sz="1200" b="1" i="1" dirty="0" smtClean="0">
+                              <a:solidFill>
+                                <a:srgbClr val="C00000"/>
+                              </a:solidFill>
+                              <a:latin typeface="Cambria Math" panose="02040503050406030204" pitchFamily="18" charset="0"/>
+                              <a:ea typeface="CMU Sans Serif" panose="02000603000000000000" pitchFamily="2" charset="0"/>
+                              <a:cs typeface="CMU Sans Serif" panose="02000603000000000000" pitchFamily="2" charset="0"/>
+                            </a:rPr>
+                            <m:t>𝑴</m:t>
+                          </m:r>
+                        </m:oMath>
+                      </m:oMathPara>
+                    </a14:m>
+                    <a:endParaRPr lang="en-US" sz="1200" b="1" dirty="0">
+                      <a:solidFill>
+                        <a:srgbClr val="C00000"/>
+                      </a:solidFill>
+                      <a:latin typeface="CMU Sans Serif" panose="02000603000000000000" pitchFamily="2" charset="0"/>
+                      <a:ea typeface="CMU Sans Serif" panose="02000603000000000000" pitchFamily="2" charset="0"/>
+                      <a:cs typeface="CMU Sans Serif" panose="02000603000000000000" pitchFamily="2" charset="0"/>
+                    </a:endParaRPr>
+                  </a:p>
+                </p:txBody>
+              </p:sp>
+            </mc:Choice>
+            <mc:Fallback xmlns="">
+              <p:sp>
+                <p:nvSpPr>
+                  <p:cNvPr id="85" name="Rectangle 84"/>
+                  <p:cNvSpPr>
+                    <a:spLocks noRot="1" noChangeAspect="1" noMove="1" noResize="1" noEditPoints="1" noAdjustHandles="1" noChangeArrowheads="1" noChangeShapeType="1" noTextEdit="1"/>
+                  </p:cNvSpPr>
+                  <p:nvPr/>
+                </p:nvSpPr>
+                <p:spPr>
+                  <a:xfrm flipH="1">
+                    <a:off x="5079611" y="5402507"/>
+                    <a:ext cx="193284" cy="276999"/>
+                  </a:xfrm>
+                  <a:prstGeom prst="rect">
+                    <a:avLst/>
+                  </a:prstGeom>
+                  <a:blipFill>
+                    <a:blip r:embed="rId14"/>
+                    <a:stretch>
+                      <a:fillRect l="-21429" r="-25000"/>
+                    </a:stretch>
+                  </a:blipFill>
+                </p:spPr>
+                <p:txBody>
+                  <a:bodyPr/>
+                  <a:lstStyle/>
+                  <a:p>
+                    <a:r>
+                      <a:rPr lang="en-US">
+                        <a:noFill/>
+                      </a:rPr>
+                      <a:t> </a:t>
+                    </a:r>
+                  </a:p>
+                </p:txBody>
+              </p:sp>
+            </mc:Fallback>
+          </mc:AlternateContent>
+          <mc:AlternateContent xmlns:mc="http://schemas.openxmlformats.org/markup-compatibility/2006" xmlns:a14="http://schemas.microsoft.com/office/drawing/2010/main">
+            <mc:Choice Requires="a14">
+              <p:sp>
+                <p:nvSpPr>
+                  <p:cNvPr id="50" name="Rounded Rectangle 49"/>
+                  <p:cNvSpPr/>
+                  <p:nvPr/>
+                </p:nvSpPr>
+                <p:spPr>
+                  <a:xfrm>
+                    <a:off x="3216177" y="4772947"/>
+                    <a:ext cx="2259256" cy="1031325"/>
+                  </a:xfrm>
+                  <a:prstGeom prst="roundRect">
+                    <a:avLst>
+                      <a:gd name="adj" fmla="val 5847"/>
+                    </a:avLst>
+                  </a:prstGeom>
+                  <a:noFill/>
+                  <a:ln w="6350">
+                    <a:noFill/>
+                    <a:prstDash val="sysDot"/>
+                  </a:ln>
+                </p:spPr>
+                <p:style>
+                  <a:lnRef idx="2">
+                    <a:schemeClr val="accent1">
+                      <a:shade val="50000"/>
+                    </a:schemeClr>
+                  </a:lnRef>
+                  <a:fillRef idx="1">
+                    <a:schemeClr val="accent1"/>
+                  </a:fillRef>
+                  <a:effectRef idx="0">
+                    <a:schemeClr val="accent1"/>
+                  </a:effectRef>
+                  <a:fontRef idx="minor">
+                    <a:schemeClr val="lt1"/>
+                  </a:fontRef>
+                </p:style>
+                <p:txBody>
+                  <a:bodyPr lIns="0" tIns="0" rIns="0" bIns="0" rtlCol="0" anchor="ctr"/>
+                  <a:lstStyle/>
+                  <a:p>
+                    <a:pPr algn="ctr">
+                      <a:lnSpc>
+                        <a:spcPct val="150000"/>
+                      </a:lnSpc>
+                      <a:spcBef>
+                        <a:spcPts val="600"/>
+                      </a:spcBef>
+                      <a:spcAft>
+                        <a:spcPts val="600"/>
+                      </a:spcAft>
+                    </a:pPr>
+                    <a14:m>
+                      <m:oMathPara xmlns:m="http://schemas.openxmlformats.org/officeDocument/2006/math">
+                        <m:oMathParaPr>
+                          <m:jc m:val="centerGroup"/>
+                        </m:oMathParaPr>
+                        <m:oMath xmlns:m="http://schemas.openxmlformats.org/officeDocument/2006/math">
+                          <m:r>
+                            <a:rPr lang="en-US" sz="1200" i="1" smtClean="0">
+                              <a:solidFill>
+                                <a:schemeClr val="tx1"/>
+                              </a:solidFill>
+                              <a:latin typeface="Cambria Math" panose="02040503050406030204" pitchFamily="18" charset="0"/>
+                              <a:ea typeface="CMU Sans Serif" panose="02000603000000000000" pitchFamily="2" charset="0"/>
+                              <a:cs typeface="CMU Sans Serif" panose="02000603000000000000" pitchFamily="2" charset="0"/>
+                            </a:rPr>
+                            <m:t>𝑥</m:t>
+                          </m:r>
+                          <m:d>
+                            <m:dPr>
+                              <m:ctrlPr>
+                                <a:rPr lang="en-US" sz="1200" b="0" i="1" smtClean="0">
+                                  <a:solidFill>
+                                    <a:schemeClr val="tx1"/>
+                                  </a:solidFill>
+                                  <a:latin typeface="Cambria Math" panose="02040503050406030204" pitchFamily="18" charset="0"/>
+                                  <a:ea typeface="CMU Sans Serif" panose="02000603000000000000" pitchFamily="2" charset="0"/>
+                                  <a:cs typeface="CMU Sans Serif" panose="02000603000000000000" pitchFamily="2" charset="0"/>
+                                </a:rPr>
+                              </m:ctrlPr>
+                            </m:dPr>
+                            <m:e>
+                              <m:sSub>
+                                <m:sSubPr>
+                                  <m:ctrlPr>
+                                    <a:rPr lang="en-US" sz="1200" b="1" i="1" smtClean="0">
+                                      <a:solidFill>
+                                        <a:schemeClr val="accent5"/>
+                                      </a:solidFill>
+                                      <a:latin typeface="Cambria Math" panose="02040503050406030204" pitchFamily="18" charset="0"/>
+                                      <a:ea typeface="CMU Sans Serif" panose="02000603000000000000" pitchFamily="2" charset="0"/>
+                                      <a:cs typeface="CMU Sans Serif" panose="02000603000000000000" pitchFamily="2" charset="0"/>
+                                    </a:rPr>
+                                  </m:ctrlPr>
+                                </m:sSubPr>
+                                <m:e>
+                                  <m:r>
+                                    <a:rPr lang="en-US" sz="1200" b="1" i="1">
+                                      <a:solidFill>
+                                        <a:schemeClr val="accent5"/>
+                                      </a:solidFill>
+                                      <a:latin typeface="Cambria Math" panose="02040503050406030204" pitchFamily="18" charset="0"/>
+                                      <a:ea typeface="CMU Sans Serif" panose="02000603000000000000" pitchFamily="2" charset="0"/>
+                                      <a:cs typeface="CMU Sans Serif" panose="02000603000000000000" pitchFamily="2" charset="0"/>
+                                    </a:rPr>
+                                    <m:t>𝜽</m:t>
+                                  </m:r>
+                                </m:e>
+                                <m:sub>
+                                  <m:r>
+                                    <a:rPr lang="en-US" sz="1200" b="1" i="1">
+                                      <a:solidFill>
+                                        <a:schemeClr val="accent5"/>
+                                      </a:solidFill>
+                                      <a:latin typeface="Cambria Math" panose="02040503050406030204" pitchFamily="18" charset="0"/>
+                                      <a:ea typeface="CMU Sans Serif" panose="02000603000000000000" pitchFamily="2" charset="0"/>
+                                      <a:cs typeface="CMU Sans Serif" panose="02000603000000000000" pitchFamily="2" charset="0"/>
+                                    </a:rPr>
+                                    <m:t>𝑵𝑵</m:t>
+                                  </m:r>
+                                </m:sub>
+                              </m:sSub>
+                              <m:r>
+                                <a:rPr lang="en-US" sz="1200" i="1">
+                                  <a:solidFill>
+                                    <a:schemeClr val="tx1"/>
+                                  </a:solidFill>
+                                  <a:latin typeface="Cambria Math" panose="02040503050406030204" pitchFamily="18" charset="0"/>
+                                  <a:ea typeface="CMU Sans Serif" panose="02000603000000000000" pitchFamily="2" charset="0"/>
+                                  <a:cs typeface="CMU Sans Serif" panose="02000603000000000000" pitchFamily="2" charset="0"/>
+                                </a:rPr>
+                                <m:t>,</m:t>
+                              </m:r>
+                              <m:r>
+                                <a:rPr lang="en-US" sz="1200" i="1">
+                                  <a:solidFill>
+                                    <a:schemeClr val="tx1"/>
+                                  </a:solidFill>
+                                  <a:latin typeface="Cambria Math" panose="02040503050406030204" pitchFamily="18" charset="0"/>
+                                  <a:ea typeface="CMU Sans Serif" panose="02000603000000000000" pitchFamily="2" charset="0"/>
+                                  <a:cs typeface="CMU Sans Serif" panose="02000603000000000000" pitchFamily="2" charset="0"/>
+                                </a:rPr>
+                                <m:t>𝑡</m:t>
+                              </m:r>
+                            </m:e>
+                          </m:d>
+                          <m:r>
+                            <a:rPr lang="en-US" sz="1200" b="0" i="1" smtClean="0">
+                              <a:solidFill>
+                                <a:schemeClr val="tx1"/>
+                              </a:solidFill>
+                              <a:latin typeface="Cambria Math" panose="02040503050406030204" pitchFamily="18" charset="0"/>
+                              <a:ea typeface="CMU Sans Serif" panose="02000603000000000000" pitchFamily="2" charset="0"/>
+                              <a:cs typeface="CMU Sans Serif" panose="02000603000000000000" pitchFamily="2" charset="0"/>
+                            </a:rPr>
+                            <m:t>→</m:t>
+                          </m:r>
+                          <m:sSub>
+                            <m:sSubPr>
+                              <m:ctrlPr>
+                                <a:rPr lang="en-US" sz="1200" b="0" i="1" smtClean="0">
+                                  <a:solidFill>
+                                    <a:schemeClr val="tx1"/>
+                                  </a:solidFill>
+                                  <a:latin typeface="Cambria Math" panose="02040503050406030204" pitchFamily="18" charset="0"/>
+                                  <a:ea typeface="CMU Sans Serif" panose="02000603000000000000" pitchFamily="2" charset="0"/>
+                                  <a:cs typeface="CMU Sans Serif" panose="02000603000000000000" pitchFamily="2" charset="0"/>
+                                </a:rPr>
+                              </m:ctrlPr>
+                            </m:sSubPr>
+                            <m:e>
+                              <m:r>
+                                <a:rPr lang="en-US" sz="1200" i="1" smtClean="0">
+                                  <a:solidFill>
+                                    <a:schemeClr val="tx1"/>
+                                  </a:solidFill>
+                                  <a:latin typeface="Cambria Math" panose="02040503050406030204" pitchFamily="18" charset="0"/>
+                                  <a:ea typeface="CMU Sans Serif" panose="02000603000000000000" pitchFamily="2" charset="0"/>
+                                  <a:cs typeface="CMU Sans Serif" panose="02000603000000000000" pitchFamily="2" charset="0"/>
+                                </a:rPr>
+                                <m:t>𝑥</m:t>
+                              </m:r>
+                            </m:e>
+                            <m:sub>
+                              <m:r>
+                                <a:rPr lang="en-US" sz="1200" b="0" i="1" smtClean="0">
+                                  <a:solidFill>
+                                    <a:schemeClr val="tx1"/>
+                                  </a:solidFill>
+                                  <a:latin typeface="Cambria Math" panose="02040503050406030204" pitchFamily="18" charset="0"/>
+                                  <a:ea typeface="CMU Sans Serif" panose="02000603000000000000" pitchFamily="2" charset="0"/>
+                                  <a:cs typeface="CMU Sans Serif" panose="02000603000000000000" pitchFamily="2" charset="0"/>
+                                </a:rPr>
+                                <m:t>𝑡</m:t>
+                              </m:r>
+                            </m:sub>
+                          </m:sSub>
+                          <m:r>
+                            <a:rPr lang="en-US" sz="1200" b="0" i="1" smtClean="0">
+                              <a:solidFill>
+                                <a:schemeClr val="tx1"/>
+                              </a:solidFill>
+                              <a:latin typeface="Cambria Math" panose="02040503050406030204" pitchFamily="18" charset="0"/>
+                              <a:ea typeface="CMU Sans Serif" panose="02000603000000000000" pitchFamily="2" charset="0"/>
+                              <a:cs typeface="CMU Sans Serif" panose="02000603000000000000" pitchFamily="2" charset="0"/>
+                            </a:rPr>
+                            <m:t>=</m:t>
+                          </m:r>
+                          <m:acc>
+                            <m:accPr>
+                              <m:chr m:val="̇"/>
+                              <m:ctrlPr>
+                                <a:rPr lang="en-US" sz="1200" b="0" i="1" smtClean="0">
+                                  <a:solidFill>
+                                    <a:schemeClr val="tx1"/>
+                                  </a:solidFill>
+                                  <a:latin typeface="Cambria Math" panose="02040503050406030204" pitchFamily="18" charset="0"/>
+                                  <a:ea typeface="CMU Sans Serif" panose="02000603000000000000" pitchFamily="2" charset="0"/>
+                                  <a:cs typeface="CMU Sans Serif" panose="02000603000000000000" pitchFamily="2" charset="0"/>
+                                </a:rPr>
+                              </m:ctrlPr>
+                            </m:accPr>
+                            <m:e>
+                              <m:r>
+                                <a:rPr lang="en-US" sz="1200" b="0" i="1" smtClean="0">
+                                  <a:solidFill>
+                                    <a:schemeClr val="tx1"/>
+                                  </a:solidFill>
+                                  <a:latin typeface="Cambria Math" panose="02040503050406030204" pitchFamily="18" charset="0"/>
+                                  <a:ea typeface="CMU Sans Serif" panose="02000603000000000000" pitchFamily="2" charset="0"/>
+                                  <a:cs typeface="CMU Sans Serif" panose="02000603000000000000" pitchFamily="2" charset="0"/>
+                                </a:rPr>
+                                <m:t>𝑥</m:t>
+                              </m:r>
+                            </m:e>
+                          </m:acc>
+                          <m:d>
+                            <m:dPr>
+                              <m:ctrlPr>
+                                <a:rPr lang="en-US" sz="1200" b="0" i="1" smtClean="0">
+                                  <a:solidFill>
+                                    <a:schemeClr val="tx1"/>
+                                  </a:solidFill>
+                                  <a:latin typeface="Cambria Math" panose="02040503050406030204" pitchFamily="18" charset="0"/>
+                                  <a:ea typeface="CMU Sans Serif" panose="02000603000000000000" pitchFamily="2" charset="0"/>
+                                  <a:cs typeface="CMU Sans Serif" panose="02000603000000000000" pitchFamily="2" charset="0"/>
+                                </a:rPr>
+                              </m:ctrlPr>
+                            </m:dPr>
+                            <m:e>
+                              <m:sSub>
+                                <m:sSubPr>
+                                  <m:ctrlPr>
+                                    <a:rPr lang="en-US" sz="1200" b="1" i="1" smtClean="0">
+                                      <a:solidFill>
+                                        <a:schemeClr val="accent5"/>
+                                      </a:solidFill>
+                                      <a:latin typeface="Cambria Math" panose="02040503050406030204" pitchFamily="18" charset="0"/>
+                                      <a:ea typeface="CMU Sans Serif" panose="02000603000000000000" pitchFamily="2" charset="0"/>
+                                      <a:cs typeface="CMU Sans Serif" panose="02000603000000000000" pitchFamily="2" charset="0"/>
+                                    </a:rPr>
+                                  </m:ctrlPr>
+                                </m:sSubPr>
+                                <m:e>
+                                  <m:r>
+                                    <a:rPr lang="en-US" sz="1200" b="1" i="1">
+                                      <a:solidFill>
+                                        <a:schemeClr val="accent5"/>
+                                      </a:solidFill>
+                                      <a:latin typeface="Cambria Math" panose="02040503050406030204" pitchFamily="18" charset="0"/>
+                                      <a:ea typeface="CMU Sans Serif" panose="02000603000000000000" pitchFamily="2" charset="0"/>
+                                      <a:cs typeface="CMU Sans Serif" panose="02000603000000000000" pitchFamily="2" charset="0"/>
+                                    </a:rPr>
+                                    <m:t>𝜽</m:t>
+                                  </m:r>
+                                </m:e>
+                                <m:sub>
+                                  <m:r>
+                                    <a:rPr lang="en-US" sz="1200" b="1" i="1">
+                                      <a:solidFill>
+                                        <a:schemeClr val="accent5"/>
+                                      </a:solidFill>
+                                      <a:latin typeface="Cambria Math" panose="02040503050406030204" pitchFamily="18" charset="0"/>
+                                      <a:ea typeface="CMU Sans Serif" panose="02000603000000000000" pitchFamily="2" charset="0"/>
+                                      <a:cs typeface="CMU Sans Serif" panose="02000603000000000000" pitchFamily="2" charset="0"/>
+                                    </a:rPr>
+                                    <m:t>𝑵𝑵</m:t>
+                                  </m:r>
+                                </m:sub>
+                              </m:sSub>
+                              <m:r>
+                                <a:rPr lang="en-US" sz="1200" i="1">
+                                  <a:solidFill>
+                                    <a:schemeClr val="tx1"/>
+                                  </a:solidFill>
+                                  <a:latin typeface="Cambria Math" panose="02040503050406030204" pitchFamily="18" charset="0"/>
+                                  <a:ea typeface="CMU Sans Serif" panose="02000603000000000000" pitchFamily="2" charset="0"/>
+                                  <a:cs typeface="CMU Sans Serif" panose="02000603000000000000" pitchFamily="2" charset="0"/>
+                                </a:rPr>
+                                <m:t>,</m:t>
+                              </m:r>
+                              <m:r>
+                                <a:rPr lang="en-US" sz="1200" i="1">
+                                  <a:solidFill>
+                                    <a:schemeClr val="tx1"/>
+                                  </a:solidFill>
+                                  <a:latin typeface="Cambria Math" panose="02040503050406030204" pitchFamily="18" charset="0"/>
+                                  <a:ea typeface="CMU Sans Serif" panose="02000603000000000000" pitchFamily="2" charset="0"/>
+                                  <a:cs typeface="CMU Sans Serif" panose="02000603000000000000" pitchFamily="2" charset="0"/>
+                                </a:rPr>
+                                <m:t>𝑡</m:t>
+                              </m:r>
+                            </m:e>
+                          </m:d>
+                        </m:oMath>
+                      </m:oMathPara>
+                    </a14:m>
+                    <a:endParaRPr lang="en-US" sz="1200" i="1" dirty="0">
+                      <a:solidFill>
+                        <a:schemeClr val="tx1"/>
+                      </a:solidFill>
+                      <a:latin typeface="CMU Sans Serif" panose="02000603000000000000" pitchFamily="2" charset="0"/>
+                      <a:ea typeface="CMU Sans Serif" panose="02000603000000000000" pitchFamily="2" charset="0"/>
+                      <a:cs typeface="CMU Sans Serif" panose="02000603000000000000" pitchFamily="2" charset="0"/>
+                    </a:endParaRPr>
+                  </a:p>
+                  <a:p>
+                    <a:pPr algn="ctr">
+                      <a:lnSpc>
+                        <a:spcPct val="150000"/>
+                      </a:lnSpc>
+                      <a:spcBef>
+                        <a:spcPts val="600"/>
+                      </a:spcBef>
+                      <a:spcAft>
+                        <a:spcPts val="600"/>
+                      </a:spcAft>
+                    </a:pPr>
+                    <a14:m>
+                      <m:oMathPara xmlns:m="http://schemas.openxmlformats.org/officeDocument/2006/math">
+                        <m:oMathParaPr>
+                          <m:jc m:val="centerGroup"/>
+                        </m:oMathParaPr>
+                        <m:oMath xmlns:m="http://schemas.openxmlformats.org/officeDocument/2006/math">
+                          <m:sSub>
+                            <m:sSubPr>
+                              <m:ctrlPr>
+                                <a:rPr lang="en-US" sz="1200" b="0" i="1" smtClean="0">
+                                  <a:solidFill>
+                                    <a:schemeClr val="tx1"/>
+                                  </a:solidFill>
+                                  <a:latin typeface="Cambria Math" panose="02040503050406030204" pitchFamily="18" charset="0"/>
+                                  <a:ea typeface="CMU Sans Serif" panose="02000603000000000000" pitchFamily="2" charset="0"/>
+                                  <a:cs typeface="CMU Sans Serif" panose="02000603000000000000" pitchFamily="2" charset="0"/>
+                                </a:rPr>
+                              </m:ctrlPr>
+                            </m:sSubPr>
+                            <m:e>
+                              <m:r>
+                                <a:rPr lang="en-US" sz="1200" b="0" i="1" smtClean="0">
+                                  <a:solidFill>
+                                    <a:schemeClr val="tx1"/>
+                                  </a:solidFill>
+                                  <a:latin typeface="Cambria Math" panose="02040503050406030204" pitchFamily="18" charset="0"/>
+                                  <a:ea typeface="CMU Sans Serif" panose="02000603000000000000" pitchFamily="2" charset="0"/>
+                                  <a:cs typeface="CMU Sans Serif" panose="02000603000000000000" pitchFamily="2" charset="0"/>
+                                </a:rPr>
+                                <m:t>ℒ</m:t>
+                              </m:r>
+                            </m:e>
+                            <m:sub>
+                              <m:sSub>
+                                <m:sSubPr>
+                                  <m:ctrlPr>
+                                    <a:rPr lang="en-US" sz="1200" b="1" i="1" smtClean="0">
+                                      <a:solidFill>
+                                        <a:schemeClr val="accent5"/>
+                                      </a:solidFill>
+                                      <a:latin typeface="Cambria Math" panose="02040503050406030204" pitchFamily="18" charset="0"/>
+                                      <a:ea typeface="CMU Sans Serif" panose="02000603000000000000" pitchFamily="2" charset="0"/>
+                                      <a:cs typeface="CMU Sans Serif" panose="02000603000000000000" pitchFamily="2" charset="0"/>
+                                    </a:rPr>
+                                  </m:ctrlPr>
+                                </m:sSubPr>
+                                <m:e>
+                                  <m:r>
+                                    <a:rPr lang="en-US" sz="1200" b="1" i="1">
+                                      <a:solidFill>
+                                        <a:schemeClr val="accent5"/>
+                                      </a:solidFill>
+                                      <a:latin typeface="Cambria Math" panose="02040503050406030204" pitchFamily="18" charset="0"/>
+                                      <a:ea typeface="CMU Sans Serif" panose="02000603000000000000" pitchFamily="2" charset="0"/>
+                                      <a:cs typeface="CMU Sans Serif" panose="02000603000000000000" pitchFamily="2" charset="0"/>
+                                    </a:rPr>
+                                    <m:t>𝜽</m:t>
+                                  </m:r>
+                                </m:e>
+                                <m:sub>
+                                  <m:r>
+                                    <a:rPr lang="en-US" sz="1200" b="1" i="1">
+                                      <a:solidFill>
+                                        <a:schemeClr val="accent5"/>
+                                      </a:solidFill>
+                                      <a:latin typeface="Cambria Math" panose="02040503050406030204" pitchFamily="18" charset="0"/>
+                                      <a:ea typeface="CMU Sans Serif" panose="02000603000000000000" pitchFamily="2" charset="0"/>
+                                      <a:cs typeface="CMU Sans Serif" panose="02000603000000000000" pitchFamily="2" charset="0"/>
+                                    </a:rPr>
+                                    <m:t>𝑵𝑵</m:t>
+                                  </m:r>
+                                </m:sub>
+                              </m:sSub>
+                            </m:sub>
+                          </m:sSub>
+                          <m:d>
+                            <m:dPr>
+                              <m:ctrlPr>
+                                <a:rPr lang="en-US" sz="1200" b="0" i="1" smtClean="0">
+                                  <a:solidFill>
+                                    <a:schemeClr val="tx1"/>
+                                  </a:solidFill>
+                                  <a:latin typeface="Cambria Math" panose="02040503050406030204" pitchFamily="18" charset="0"/>
+                                  <a:ea typeface="CMU Sans Serif" panose="02000603000000000000" pitchFamily="2" charset="0"/>
+                                  <a:cs typeface="CMU Sans Serif" panose="02000603000000000000" pitchFamily="2" charset="0"/>
+                                </a:rPr>
+                              </m:ctrlPr>
+                            </m:dPr>
+                            <m:e>
+                              <m:sSub>
+                                <m:sSubPr>
+                                  <m:ctrlPr>
+                                    <a:rPr lang="en-US" sz="1200" b="1" i="1" smtClean="0">
+                                      <a:solidFill>
+                                        <a:srgbClr val="C00000"/>
+                                      </a:solidFill>
+                                      <a:latin typeface="Cambria Math" panose="02040503050406030204" pitchFamily="18" charset="0"/>
+                                      <a:ea typeface="CMU Sans Serif" panose="02000603000000000000" pitchFamily="2" charset="0"/>
+                                      <a:cs typeface="CMU Sans Serif" panose="02000603000000000000" pitchFamily="2" charset="0"/>
+                                    </a:rPr>
+                                  </m:ctrlPr>
+                                </m:sSubPr>
+                                <m:e>
+                                  <m:r>
+                                    <a:rPr lang="en-US" sz="1200" b="1" i="1" smtClean="0">
+                                      <a:solidFill>
+                                        <a:srgbClr val="C00000"/>
+                                      </a:solidFill>
+                                      <a:latin typeface="Cambria Math" panose="02040503050406030204" pitchFamily="18" charset="0"/>
+                                      <a:ea typeface="CMU Sans Serif" panose="02000603000000000000" pitchFamily="2" charset="0"/>
+                                      <a:cs typeface="CMU Sans Serif" panose="02000603000000000000" pitchFamily="2" charset="0"/>
+                                    </a:rPr>
+                                    <m:t>𝜽</m:t>
+                                  </m:r>
+                                </m:e>
+                                <m:sub>
+                                  <m:r>
+                                    <a:rPr lang="en-US" sz="1200" b="1" i="1" smtClean="0">
+                                      <a:solidFill>
+                                        <a:srgbClr val="C00000"/>
+                                      </a:solidFill>
+                                      <a:latin typeface="Cambria Math" panose="02040503050406030204" pitchFamily="18" charset="0"/>
+                                      <a:ea typeface="CMU Sans Serif" panose="02000603000000000000" pitchFamily="2" charset="0"/>
+                                      <a:cs typeface="CMU Sans Serif" panose="02000603000000000000" pitchFamily="2" charset="0"/>
+                                    </a:rPr>
+                                    <m:t>𝑴</m:t>
+                                  </m:r>
+                                </m:sub>
+                              </m:sSub>
+                              <m:r>
+                                <a:rPr lang="en-US" sz="1200" b="0" i="1" smtClean="0">
+                                  <a:solidFill>
+                                    <a:schemeClr val="tx1"/>
+                                  </a:solidFill>
+                                  <a:latin typeface="Cambria Math" panose="02040503050406030204" pitchFamily="18" charset="0"/>
+                                  <a:ea typeface="CMU Sans Serif" panose="02000603000000000000" pitchFamily="2" charset="0"/>
+                                  <a:cs typeface="CMU Sans Serif" panose="02000603000000000000" pitchFamily="2" charset="0"/>
+                                </a:rPr>
+                                <m:t>,</m:t>
+                              </m:r>
+                              <m:sSub>
+                                <m:sSubPr>
+                                  <m:ctrlPr>
+                                    <a:rPr lang="en-US" sz="1200" b="1" i="1" smtClean="0">
+                                      <a:solidFill>
+                                        <a:schemeClr val="accent5"/>
+                                      </a:solidFill>
+                                      <a:latin typeface="Cambria Math" panose="02040503050406030204" pitchFamily="18" charset="0"/>
+                                      <a:ea typeface="CMU Sans Serif" panose="02000603000000000000" pitchFamily="2" charset="0"/>
+                                      <a:cs typeface="CMU Sans Serif" panose="02000603000000000000" pitchFamily="2" charset="0"/>
+                                    </a:rPr>
+                                  </m:ctrlPr>
+                                </m:sSubPr>
+                                <m:e>
+                                  <m:r>
+                                    <a:rPr lang="en-US" sz="1200" b="1" i="1">
+                                      <a:solidFill>
+                                        <a:schemeClr val="accent5"/>
+                                      </a:solidFill>
+                                      <a:latin typeface="Cambria Math" panose="02040503050406030204" pitchFamily="18" charset="0"/>
+                                      <a:ea typeface="CMU Sans Serif" panose="02000603000000000000" pitchFamily="2" charset="0"/>
+                                      <a:cs typeface="CMU Sans Serif" panose="02000603000000000000" pitchFamily="2" charset="0"/>
+                                    </a:rPr>
+                                    <m:t>𝜽</m:t>
+                                  </m:r>
+                                </m:e>
+                                <m:sub>
+                                  <m:r>
+                                    <a:rPr lang="en-US" sz="1200" b="1" i="1">
+                                      <a:solidFill>
+                                        <a:schemeClr val="accent5"/>
+                                      </a:solidFill>
+                                      <a:latin typeface="Cambria Math" panose="02040503050406030204" pitchFamily="18" charset="0"/>
+                                      <a:ea typeface="CMU Sans Serif" panose="02000603000000000000" pitchFamily="2" charset="0"/>
+                                      <a:cs typeface="CMU Sans Serif" panose="02000603000000000000" pitchFamily="2" charset="0"/>
+                                    </a:rPr>
+                                    <m:t>𝑵𝑵</m:t>
+                                  </m:r>
+                                </m:sub>
+                              </m:sSub>
+                            </m:e>
+                          </m:d>
+                        </m:oMath>
+                      </m:oMathPara>
+                    </a14:m>
+                    <a:endParaRPr lang="en-US" sz="1200" b="0" i="1" dirty="0">
+                      <a:solidFill>
+                        <a:schemeClr val="tx1"/>
+                      </a:solidFill>
+                      <a:latin typeface="CMU Sans Serif" panose="02000603000000000000" pitchFamily="2" charset="0"/>
+                      <a:ea typeface="CMU Sans Serif" panose="02000603000000000000" pitchFamily="2" charset="0"/>
+                      <a:cs typeface="CMU Sans Serif" panose="02000603000000000000" pitchFamily="2" charset="0"/>
+                    </a:endParaRPr>
+                  </a:p>
+                  <a:p>
+                    <a:pPr algn="ctr">
+                      <a:lnSpc>
+                        <a:spcPct val="150000"/>
+                      </a:lnSpc>
+                      <a:spcBef>
+                        <a:spcPts val="600"/>
+                      </a:spcBef>
+                      <a:spcAft>
+                        <a:spcPts val="600"/>
+                      </a:spcAft>
+                    </a:pPr>
+                    <a14:m>
+                      <m:oMathPara xmlns:m="http://schemas.openxmlformats.org/officeDocument/2006/math">
+                        <m:oMathParaPr>
+                          <m:jc m:val="centerGroup"/>
+                        </m:oMathParaPr>
+                        <m:oMath xmlns:m="http://schemas.openxmlformats.org/officeDocument/2006/math">
+                          <m:sSub>
+                            <m:sSubPr>
+                              <m:ctrlPr>
+                                <a:rPr lang="en-US" sz="1200" b="0" i="1" smtClean="0">
+                                  <a:solidFill>
+                                    <a:schemeClr val="tx1"/>
+                                  </a:solidFill>
+                                  <a:latin typeface="Cambria Math" panose="02040503050406030204" pitchFamily="18" charset="0"/>
+                                  <a:ea typeface="CMU Sans Serif" panose="02000603000000000000" pitchFamily="2" charset="0"/>
+                                  <a:cs typeface="CMU Sans Serif" panose="02000603000000000000" pitchFamily="2" charset="0"/>
+                                </a:rPr>
+                              </m:ctrlPr>
+                            </m:sSubPr>
+                            <m:e>
+                              <m:r>
+                                <a:rPr lang="en-US" sz="1200" b="0" i="1" smtClean="0">
+                                  <a:solidFill>
+                                    <a:schemeClr val="tx1"/>
+                                  </a:solidFill>
+                                  <a:latin typeface="Cambria Math" panose="02040503050406030204" pitchFamily="18" charset="0"/>
+                                  <a:ea typeface="CMU Sans Serif" panose="02000603000000000000" pitchFamily="2" charset="0"/>
+                                  <a:cs typeface="CMU Sans Serif" panose="02000603000000000000" pitchFamily="2" charset="0"/>
+                                </a:rPr>
+                                <m:t>ℒ</m:t>
+                              </m:r>
+                            </m:e>
+                            <m:sub>
+                              <m:sSub>
+                                <m:sSubPr>
+                                  <m:ctrlPr>
+                                    <a:rPr lang="en-US" sz="1200" b="0" i="1" smtClean="0">
+                                      <a:solidFill>
+                                        <a:srgbClr val="C00000"/>
+                                      </a:solidFill>
+                                      <a:latin typeface="Cambria Math" panose="02040503050406030204" pitchFamily="18" charset="0"/>
+                                      <a:ea typeface="CMU Sans Serif" panose="02000603000000000000" pitchFamily="2" charset="0"/>
+                                      <a:cs typeface="CMU Sans Serif" panose="02000603000000000000" pitchFamily="2" charset="0"/>
+                                    </a:rPr>
+                                  </m:ctrlPr>
+                                </m:sSubPr>
+                                <m:e>
+                                  <m:r>
+                                    <a:rPr lang="en-US" sz="1200" i="1">
+                                      <a:solidFill>
+                                        <a:srgbClr val="C00000"/>
+                                      </a:solidFill>
+                                      <a:latin typeface="Cambria Math" panose="02040503050406030204" pitchFamily="18" charset="0"/>
+                                      <a:ea typeface="CMU Sans Serif" panose="02000603000000000000" pitchFamily="2" charset="0"/>
+                                      <a:cs typeface="CMU Sans Serif" panose="02000603000000000000" pitchFamily="2" charset="0"/>
+                                    </a:rPr>
+                                    <m:t>𝜽</m:t>
+                                  </m:r>
+                                </m:e>
+                                <m:sub>
+                                  <m:r>
+                                    <a:rPr lang="en-US" sz="1200" b="0" i="1" smtClean="0">
+                                      <a:solidFill>
+                                        <a:srgbClr val="C00000"/>
+                                      </a:solidFill>
+                                      <a:latin typeface="Cambria Math" panose="02040503050406030204" pitchFamily="18" charset="0"/>
+                                      <a:ea typeface="CMU Sans Serif" panose="02000603000000000000" pitchFamily="2" charset="0"/>
+                                      <a:cs typeface="CMU Sans Serif" panose="02000603000000000000" pitchFamily="2" charset="0"/>
+                                    </a:rPr>
+                                    <m:t>𝑀</m:t>
+                                  </m:r>
+                                </m:sub>
+                              </m:sSub>
+                            </m:sub>
+                          </m:sSub>
+                          <m:d>
+                            <m:dPr>
+                              <m:ctrlPr>
+                                <a:rPr lang="en-US" sz="1200" b="0" i="1" smtClean="0">
+                                  <a:solidFill>
+                                    <a:schemeClr val="tx1"/>
+                                  </a:solidFill>
+                                  <a:latin typeface="Cambria Math" panose="02040503050406030204" pitchFamily="18" charset="0"/>
+                                  <a:ea typeface="CMU Sans Serif" panose="02000603000000000000" pitchFamily="2" charset="0"/>
+                                  <a:cs typeface="CMU Sans Serif" panose="02000603000000000000" pitchFamily="2" charset="0"/>
+                                </a:rPr>
+                              </m:ctrlPr>
+                            </m:dPr>
+                            <m:e>
+                              <m:sSub>
+                                <m:sSubPr>
+                                  <m:ctrlPr>
+                                    <a:rPr lang="en-US" sz="1200" b="1" i="1" smtClean="0">
+                                      <a:solidFill>
+                                        <a:srgbClr val="C00000"/>
+                                      </a:solidFill>
+                                      <a:latin typeface="Cambria Math" panose="02040503050406030204" pitchFamily="18" charset="0"/>
+                                      <a:ea typeface="CMU Sans Serif" panose="02000603000000000000" pitchFamily="2" charset="0"/>
+                                      <a:cs typeface="CMU Sans Serif" panose="02000603000000000000" pitchFamily="2" charset="0"/>
+                                    </a:rPr>
+                                  </m:ctrlPr>
+                                </m:sSubPr>
+                                <m:e>
+                                  <m:r>
+                                    <a:rPr lang="en-US" sz="1200" b="1" i="1" smtClean="0">
+                                      <a:solidFill>
+                                        <a:srgbClr val="C00000"/>
+                                      </a:solidFill>
+                                      <a:latin typeface="Cambria Math" panose="02040503050406030204" pitchFamily="18" charset="0"/>
+                                      <a:ea typeface="CMU Sans Serif" panose="02000603000000000000" pitchFamily="2" charset="0"/>
+                                      <a:cs typeface="CMU Sans Serif" panose="02000603000000000000" pitchFamily="2" charset="0"/>
+                                    </a:rPr>
+                                    <m:t>𝜽</m:t>
+                                  </m:r>
+                                </m:e>
+                                <m:sub>
+                                  <m:r>
+                                    <a:rPr lang="en-US" sz="1200" b="1" i="1" smtClean="0">
+                                      <a:solidFill>
+                                        <a:srgbClr val="C00000"/>
+                                      </a:solidFill>
+                                      <a:latin typeface="Cambria Math" panose="02040503050406030204" pitchFamily="18" charset="0"/>
+                                      <a:ea typeface="CMU Sans Serif" panose="02000603000000000000" pitchFamily="2" charset="0"/>
+                                      <a:cs typeface="CMU Sans Serif" panose="02000603000000000000" pitchFamily="2" charset="0"/>
+                                    </a:rPr>
+                                    <m:t>𝑴</m:t>
+                                  </m:r>
+                                </m:sub>
+                              </m:sSub>
+                              <m:r>
+                                <a:rPr lang="en-US" sz="1200" b="0" i="1" smtClean="0">
+                                  <a:solidFill>
+                                    <a:schemeClr val="tx1"/>
+                                  </a:solidFill>
+                                  <a:latin typeface="Cambria Math" panose="02040503050406030204" pitchFamily="18" charset="0"/>
+                                  <a:ea typeface="CMU Sans Serif" panose="02000603000000000000" pitchFamily="2" charset="0"/>
+                                  <a:cs typeface="CMU Sans Serif" panose="02000603000000000000" pitchFamily="2" charset="0"/>
+                                </a:rPr>
+                                <m:t>,</m:t>
+                              </m:r>
+                              <m:sSub>
+                                <m:sSubPr>
+                                  <m:ctrlPr>
+                                    <a:rPr lang="en-US" sz="1200" b="1" i="1" smtClean="0">
+                                      <a:solidFill>
+                                        <a:schemeClr val="accent5"/>
+                                      </a:solidFill>
+                                      <a:latin typeface="Cambria Math" panose="02040503050406030204" pitchFamily="18" charset="0"/>
+                                      <a:ea typeface="CMU Sans Serif" panose="02000603000000000000" pitchFamily="2" charset="0"/>
+                                      <a:cs typeface="CMU Sans Serif" panose="02000603000000000000" pitchFamily="2" charset="0"/>
+                                    </a:rPr>
+                                  </m:ctrlPr>
+                                </m:sSubPr>
+                                <m:e>
+                                  <m:r>
+                                    <a:rPr lang="en-US" sz="1200" b="1" i="1">
+                                      <a:solidFill>
+                                        <a:schemeClr val="accent5"/>
+                                      </a:solidFill>
+                                      <a:latin typeface="Cambria Math" panose="02040503050406030204" pitchFamily="18" charset="0"/>
+                                      <a:ea typeface="CMU Sans Serif" panose="02000603000000000000" pitchFamily="2" charset="0"/>
+                                      <a:cs typeface="CMU Sans Serif" panose="02000603000000000000" pitchFamily="2" charset="0"/>
+                                    </a:rPr>
+                                    <m:t>𝜽</m:t>
+                                  </m:r>
+                                </m:e>
+                                <m:sub>
+                                  <m:r>
+                                    <a:rPr lang="en-US" sz="1200" b="1" i="1">
+                                      <a:solidFill>
+                                        <a:schemeClr val="accent5"/>
+                                      </a:solidFill>
+                                      <a:latin typeface="Cambria Math" panose="02040503050406030204" pitchFamily="18" charset="0"/>
+                                      <a:ea typeface="CMU Sans Serif" panose="02000603000000000000" pitchFamily="2" charset="0"/>
+                                      <a:cs typeface="CMU Sans Serif" panose="02000603000000000000" pitchFamily="2" charset="0"/>
+                                    </a:rPr>
+                                    <m:t>𝑵𝑵</m:t>
+                                  </m:r>
+                                </m:sub>
+                              </m:sSub>
+                            </m:e>
+                          </m:d>
+                        </m:oMath>
+                      </m:oMathPara>
+                    </a14:m>
+                    <a:endParaRPr lang="en-US" sz="1200" i="1" dirty="0">
+                      <a:solidFill>
+                        <a:schemeClr val="tx1"/>
+                      </a:solidFill>
+                      <a:latin typeface="CMU Sans Serif" panose="02000603000000000000" pitchFamily="2" charset="0"/>
+                      <a:ea typeface="CMU Sans Serif" panose="02000603000000000000" pitchFamily="2" charset="0"/>
+                      <a:cs typeface="CMU Sans Serif" panose="02000603000000000000" pitchFamily="2" charset="0"/>
+                    </a:endParaRPr>
+                  </a:p>
+                  <a:p>
+                    <a:pPr algn="ctr">
+                      <a:lnSpc>
+                        <a:spcPct val="150000"/>
+                      </a:lnSpc>
+                    </a:pPr>
+                    <a:endParaRPr lang="en-US" sz="1200" i="1" dirty="0">
+                      <a:solidFill>
+                        <a:schemeClr val="tx1"/>
+                      </a:solidFill>
+                      <a:latin typeface="CMU Sans Serif" panose="02000603000000000000" pitchFamily="2" charset="0"/>
+                      <a:ea typeface="CMU Sans Serif" panose="02000603000000000000" pitchFamily="2" charset="0"/>
+                      <a:cs typeface="CMU Sans Serif" panose="02000603000000000000" pitchFamily="2" charset="0"/>
+                    </a:endParaRPr>
+                  </a:p>
+                </p:txBody>
+              </p:sp>
+            </mc:Choice>
+            <mc:Fallback xmlns="">
+              <p:sp>
+                <p:nvSpPr>
+                  <p:cNvPr id="50" name="Rounded Rectangle 49"/>
+                  <p:cNvSpPr>
+                    <a:spLocks noRot="1" noChangeAspect="1" noMove="1" noResize="1" noEditPoints="1" noAdjustHandles="1" noChangeArrowheads="1" noChangeShapeType="1" noTextEdit="1"/>
+                  </p:cNvSpPr>
+                  <p:nvPr/>
+                </p:nvSpPr>
+                <p:spPr>
+                  <a:xfrm>
+                    <a:off x="3216177" y="4772947"/>
+                    <a:ext cx="2259256" cy="1031325"/>
+                  </a:xfrm>
+                  <a:prstGeom prst="roundRect">
+                    <a:avLst>
+                      <a:gd name="adj" fmla="val 5847"/>
+                    </a:avLst>
+                  </a:prstGeom>
+                  <a:blipFill>
+                    <a:blip r:embed="rId15"/>
+                    <a:stretch>
+                      <a:fillRect t="-7692"/>
+                    </a:stretch>
+                  </a:blipFill>
+                  <a:ln w="6350">
+                    <a:noFill/>
+                    <a:prstDash val="sysDot"/>
+                  </a:ln>
+                </p:spPr>
+                <p:txBody>
+                  <a:bodyPr/>
+                  <a:lstStyle/>
+                  <a:p>
+                    <a:r>
+                      <a:rPr lang="en-US">
+                        <a:noFill/>
+                      </a:rPr>
+                      <a:t> </a:t>
+                    </a:r>
+                  </a:p>
+                </p:txBody>
+              </p:sp>
+            </mc:Fallback>
+          </mc:AlternateContent>
+          <p:sp>
+            <p:nvSpPr>
+              <p:cNvPr id="66" name="Rounded Rectangle 65"/>
+              <p:cNvSpPr/>
+              <p:nvPr/>
+            </p:nvSpPr>
+            <p:spPr>
+              <a:xfrm>
+                <a:off x="3220371" y="4671367"/>
+                <a:ext cx="2156759" cy="357137"/>
+              </a:xfrm>
+              <a:prstGeom prst="roundRect">
+                <a:avLst>
+                  <a:gd name="adj" fmla="val 1276"/>
+                </a:avLst>
+              </a:prstGeom>
+              <a:noFill/>
+              <a:ln w="9525">
+                <a:solidFill>
+                  <a:schemeClr val="tx1"/>
+                </a:solidFill>
+                <a:prstDash val="sysDot"/>
+              </a:ln>
+            </p:spPr>
+            <p:style>
+              <a:lnRef idx="2">
+                <a:schemeClr val="accent1">
+                  <a:shade val="50000"/>
+                </a:schemeClr>
+              </a:lnRef>
+              <a:fillRef idx="1">
+                <a:schemeClr val="accent1"/>
+              </a:fillRef>
+              <a:effectRef idx="0">
+                <a:schemeClr val="accent1"/>
+              </a:effectRef>
+              <a:fontRef idx="minor">
+                <a:schemeClr val="lt1"/>
+              </a:fontRef>
+            </p:style>
+            <p:txBody>
+              <a:bodyPr lIns="0" tIns="0" rIns="0" bIns="0" rtlCol="0" anchor="ctr"/>
+              <a:lstStyle/>
+              <a:p>
+                <a:pPr algn="ctr"/>
+                <a:endParaRPr lang="en-US" sz="1200" i="1" dirty="0">
+                  <a:solidFill>
+                    <a:schemeClr val="tx1"/>
+                  </a:solidFill>
+                  <a:latin typeface="CMU Sans Serif" panose="02000603000000000000" pitchFamily="2" charset="0"/>
+                  <a:ea typeface="CMU Sans Serif" panose="02000603000000000000" pitchFamily="2" charset="0"/>
+                  <a:cs typeface="CMU Sans Serif" panose="02000603000000000000" pitchFamily="2" charset="0"/>
+                </a:endParaRPr>
+              </a:p>
+            </p:txBody>
+          </p:sp>
+          <p:sp>
+            <p:nvSpPr>
+              <p:cNvPr id="67" name="Rounded Rectangle 66"/>
+              <p:cNvSpPr/>
+              <p:nvPr/>
+            </p:nvSpPr>
+            <p:spPr>
+              <a:xfrm>
+                <a:off x="3220371" y="5028505"/>
+                <a:ext cx="2156759" cy="613637"/>
+              </a:xfrm>
+              <a:prstGeom prst="roundRect">
+                <a:avLst>
+                  <a:gd name="adj" fmla="val 1276"/>
+                </a:avLst>
+              </a:prstGeom>
+              <a:noFill/>
+              <a:ln w="9525">
+                <a:solidFill>
+                  <a:schemeClr val="tx1"/>
+                </a:solidFill>
+                <a:prstDash val="sysDot"/>
+              </a:ln>
+            </p:spPr>
+            <p:style>
+              <a:lnRef idx="2">
+                <a:schemeClr val="accent1">
+                  <a:shade val="50000"/>
+                </a:schemeClr>
+              </a:lnRef>
+              <a:fillRef idx="1">
+                <a:schemeClr val="accent1"/>
+              </a:fillRef>
+              <a:effectRef idx="0">
+                <a:schemeClr val="accent1"/>
+              </a:effectRef>
+              <a:fontRef idx="minor">
+                <a:schemeClr val="lt1"/>
+              </a:fontRef>
+            </p:style>
+            <p:txBody>
+              <a:bodyPr lIns="0" tIns="0" rIns="0" bIns="0" rtlCol="0" anchor="ctr"/>
+              <a:lstStyle/>
+              <a:p>
+                <a:pPr algn="ctr"/>
+                <a:endParaRPr lang="en-US" sz="1200" i="1" dirty="0">
+                  <a:solidFill>
+                    <a:schemeClr val="tx1"/>
+                  </a:solidFill>
+                  <a:latin typeface="CMU Sans Serif" panose="02000603000000000000" pitchFamily="2" charset="0"/>
+                  <a:ea typeface="CMU Sans Serif" panose="02000603000000000000" pitchFamily="2" charset="0"/>
+                  <a:cs typeface="CMU Sans Serif" panose="02000603000000000000" pitchFamily="2" charset="0"/>
+                </a:endParaRPr>
+              </a:p>
+            </p:txBody>
+          </p:sp>
+        </p:grpSp>
+        <p:sp>
+          <p:nvSpPr>
+            <p:cNvPr id="69" name="Rounded Rectangle 68"/>
+            <p:cNvSpPr/>
+            <p:nvPr/>
+          </p:nvSpPr>
+          <p:spPr>
+            <a:xfrm>
+              <a:off x="5650855" y="5117094"/>
+              <a:ext cx="1043593" cy="436455"/>
+            </a:xfrm>
+            <a:prstGeom prst="roundRect">
+              <a:avLst>
+                <a:gd name="adj" fmla="val 50000"/>
+              </a:avLst>
+            </a:prstGeom>
+            <a:solidFill>
+              <a:schemeClr val="tx1"/>
+            </a:solidFill>
+            <a:ln w="9525">
+              <a:noFill/>
+              <a:prstDash val="sysDash"/>
+            </a:ln>
+          </p:spPr>
+          <p:style>
+            <a:lnRef idx="2">
+              <a:schemeClr val="accent1">
+                <a:shade val="50000"/>
+              </a:schemeClr>
+            </a:lnRef>
+            <a:fillRef idx="1">
+              <a:schemeClr val="accent1"/>
+            </a:fillRef>
+            <a:effectRef idx="0">
+              <a:schemeClr val="accent1"/>
+            </a:effectRef>
+            <a:fontRef idx="minor">
+              <a:schemeClr val="lt1"/>
+            </a:fontRef>
+          </p:style>
+          <p:txBody>
+            <a:bodyPr lIns="0" rIns="0" rtlCol="0" anchor="ctr"/>
+            <a:lstStyle/>
+            <a:p>
+              <a:pPr algn="ctr"/>
+              <a:r>
+                <a:rPr lang="en-US" sz="1200" dirty="0">
+                  <a:solidFill>
+                    <a:schemeClr val="bg1"/>
+                  </a:solidFill>
+                  <a:latin typeface="CMU Sans Serif" panose="02000603000000000000" pitchFamily="2" charset="0"/>
+                  <a:ea typeface="CMU Sans Serif" panose="02000603000000000000" pitchFamily="2" charset="0"/>
+                  <a:cs typeface="CMU Sans Serif" panose="02000603000000000000" pitchFamily="2" charset="0"/>
+                </a:rPr>
+                <a:t>Optimization</a:t>
+              </a:r>
+            </a:p>
+          </p:txBody>
+        </p:sp>
+        <p:cxnSp>
+          <p:nvCxnSpPr>
+            <p:cNvPr id="70" name="Straight Arrow Connector 69"/>
+            <p:cNvCxnSpPr>
+              <a:stCxn id="67" idx="3"/>
+              <a:endCxn id="69" idx="1"/>
+            </p:cNvCxnSpPr>
+            <p:nvPr/>
+          </p:nvCxnSpPr>
+          <p:spPr>
+            <a:xfrm flipV="1">
+              <a:off x="5199554" y="5335322"/>
+              <a:ext cx="451301" cy="2"/>
+            </a:xfrm>
+            <a:prstGeom prst="straightConnector1">
+              <a:avLst/>
+            </a:prstGeom>
+            <a:ln w="6350">
+              <a:solidFill>
+                <a:schemeClr val="tx1"/>
+              </a:solidFill>
+              <a:prstDash val="sysDash"/>
+              <a:tailEnd type="triangle"/>
+            </a:ln>
+          </p:spPr>
+          <p:style>
+            <a:lnRef idx="1">
+              <a:schemeClr val="dk1"/>
+            </a:lnRef>
+            <a:fillRef idx="0">
+              <a:schemeClr val="dk1"/>
+            </a:fillRef>
+            <a:effectRef idx="0">
+              <a:schemeClr val="dk1"/>
+            </a:effectRef>
+            <a:fontRef idx="minor">
+              <a:schemeClr val="tx1"/>
+            </a:fontRef>
+          </p:style>
+        </p:cxnSp>
+        <p:cxnSp>
+          <p:nvCxnSpPr>
+            <p:cNvPr id="72" name="Straight Arrow Connector 71"/>
+            <p:cNvCxnSpPr>
+              <a:stCxn id="69" idx="3"/>
+            </p:cNvCxnSpPr>
+            <p:nvPr/>
+          </p:nvCxnSpPr>
+          <p:spPr>
+            <a:xfrm>
+              <a:off x="6694448" y="5335322"/>
+              <a:ext cx="337672" cy="0"/>
+            </a:xfrm>
+            <a:prstGeom prst="straightConnector1">
+              <a:avLst/>
+            </a:prstGeom>
+            <a:ln w="6350">
+              <a:solidFill>
+                <a:schemeClr val="tx1"/>
+              </a:solidFill>
+              <a:prstDash val="sysDash"/>
+              <a:tailEnd type="triangle"/>
+            </a:ln>
+          </p:spPr>
+          <p:style>
+            <a:lnRef idx="1">
+              <a:schemeClr val="dk1"/>
+            </a:lnRef>
+            <a:fillRef idx="0">
+              <a:schemeClr val="dk1"/>
+            </a:fillRef>
+            <a:effectRef idx="0">
+              <a:schemeClr val="dk1"/>
+            </a:effectRef>
+            <a:fontRef idx="minor">
+              <a:schemeClr val="tx1"/>
+            </a:fontRef>
+          </p:style>
+        </p:cxnSp>
+        <p:sp>
+          <p:nvSpPr>
+            <p:cNvPr id="107" name="Rectangle 106"/>
+            <p:cNvSpPr/>
+            <p:nvPr/>
+          </p:nvSpPr>
+          <p:spPr>
+            <a:xfrm>
+              <a:off x="8223774" y="1625078"/>
+              <a:ext cx="1895840" cy="461665"/>
+            </a:xfrm>
+            <a:prstGeom prst="rect">
+              <a:avLst/>
+            </a:prstGeom>
+          </p:spPr>
+          <p:txBody>
+            <a:bodyPr wrap="none" lIns="0" rIns="0">
+              <a:spAutoFit/>
+            </a:bodyPr>
+            <a:lstStyle/>
+            <a:p>
+              <a:pPr algn="r"/>
+              <a:r>
+                <a:rPr lang="en-US" sz="1200" b="1" dirty="0">
+                  <a:latin typeface="CMU Sans Serif" panose="02000603000000000000" pitchFamily="2" charset="0"/>
+                  <a:ea typeface="CMU Sans Serif" panose="02000603000000000000" pitchFamily="2" charset="0"/>
+                  <a:cs typeface="CMU Sans Serif" panose="02000603000000000000" pitchFamily="2" charset="0"/>
+                </a:rPr>
+                <a:t>JAX: XLA + </a:t>
+              </a:r>
+              <a:r>
+                <a:rPr lang="en-US" sz="1200" b="1" dirty="0" err="1">
+                  <a:latin typeface="CMU Sans Serif" panose="02000603000000000000" pitchFamily="2" charset="0"/>
+                  <a:ea typeface="CMU Sans Serif" panose="02000603000000000000" pitchFamily="2" charset="0"/>
+                  <a:cs typeface="CMU Sans Serif" panose="02000603000000000000" pitchFamily="2" charset="0"/>
+                </a:rPr>
+                <a:t>Autograd</a:t>
+              </a:r>
+              <a:endParaRPr lang="en-US" sz="1200" b="1" dirty="0">
+                <a:latin typeface="CMU Sans Serif" panose="02000603000000000000" pitchFamily="2" charset="0"/>
+                <a:ea typeface="CMU Sans Serif" panose="02000603000000000000" pitchFamily="2" charset="0"/>
+                <a:cs typeface="CMU Sans Serif" panose="02000603000000000000" pitchFamily="2" charset="0"/>
+              </a:endParaRPr>
+            </a:p>
+            <a:p>
+              <a:pPr algn="r"/>
+              <a:r>
+                <a:rPr lang="en-US" sz="1200" dirty="0">
+                  <a:hlinkClick r:id="rId16"/>
+                </a:rPr>
+                <a:t>https://github.com/google/jax</a:t>
+              </a:r>
+              <a:endParaRPr lang="en-US" sz="1200" b="1" dirty="0">
+                <a:latin typeface="CMU Sans Serif" panose="02000603000000000000" pitchFamily="2" charset="0"/>
+                <a:ea typeface="CMU Sans Serif" panose="02000603000000000000" pitchFamily="2" charset="0"/>
+                <a:cs typeface="CMU Sans Serif" panose="02000603000000000000" pitchFamily="2" charset="0"/>
+              </a:endParaRPr>
+            </a:p>
+          </p:txBody>
+        </p:sp>
+        <p:sp>
+          <p:nvSpPr>
+            <p:cNvPr id="139" name="Rectangle 138"/>
+            <p:cNvSpPr/>
+            <p:nvPr/>
+          </p:nvSpPr>
+          <p:spPr>
+            <a:xfrm>
+              <a:off x="2254924" y="862631"/>
+              <a:ext cx="1046921" cy="528110"/>
+            </a:xfrm>
+            <a:prstGeom prst="rect">
+              <a:avLst/>
+            </a:prstGeom>
+            <a:solidFill>
+              <a:schemeClr val="bg1"/>
+            </a:solidFill>
+            <a:ln>
+              <a:noFill/>
+            </a:ln>
+          </p:spPr>
+          <p:style>
+            <a:lnRef idx="2">
+              <a:schemeClr val="accent1">
+                <a:shade val="50000"/>
+              </a:schemeClr>
+            </a:lnRef>
+            <a:fillRef idx="1">
+              <a:schemeClr val="accent1"/>
+            </a:fillRef>
+            <a:effectRef idx="0">
+              <a:schemeClr val="accent1"/>
+            </a:effectRef>
+            <a:fontRef idx="minor">
+              <a:schemeClr val="lt1"/>
+            </a:fontRef>
+          </p:style>
+          <p:txBody>
+            <a:bodyPr lIns="0" rIns="0" rtlCol="0" anchor="ctr"/>
+            <a:lstStyle/>
+            <a:p>
+              <a:pPr algn="ctr"/>
+              <a:r>
+                <a:rPr lang="en-US" sz="1200" i="1" dirty="0">
+                  <a:solidFill>
+                    <a:schemeClr val="tx1"/>
+                  </a:solidFill>
+                  <a:latin typeface="CMU Sans Serif" panose="02000603000000000000" pitchFamily="2" charset="0"/>
+                  <a:ea typeface="CMU Sans Serif" panose="02000603000000000000" pitchFamily="2" charset="0"/>
+                  <a:cs typeface="CMU Sans Serif" panose="02000603000000000000" pitchFamily="2" charset="0"/>
+                </a:rPr>
+                <a:t>Artificial</a:t>
+              </a:r>
+            </a:p>
+          </p:txBody>
+        </p:sp>
+        <p:cxnSp>
+          <p:nvCxnSpPr>
+            <p:cNvPr id="140" name="Curved Connector 139"/>
+            <p:cNvCxnSpPr>
+              <a:stCxn id="139" idx="3"/>
+              <a:endCxn id="10" idx="1"/>
+            </p:cNvCxnSpPr>
+            <p:nvPr/>
+          </p:nvCxnSpPr>
+          <p:spPr>
+            <a:xfrm>
+              <a:off x="3301844" y="1126686"/>
+              <a:ext cx="333319" cy="491112"/>
+            </a:xfrm>
+            <a:prstGeom prst="curvedConnector3">
+              <a:avLst/>
+            </a:prstGeom>
+            <a:ln>
+              <a:solidFill>
+                <a:schemeClr val="tx1"/>
+              </a:solidFill>
+              <a:prstDash val="sysDot"/>
+              <a:tailEnd type="triangle"/>
+            </a:ln>
+          </p:spPr>
+          <p:style>
+            <a:lnRef idx="1">
+              <a:schemeClr val="accent1"/>
+            </a:lnRef>
+            <a:fillRef idx="0">
+              <a:schemeClr val="accent1"/>
+            </a:fillRef>
+            <a:effectRef idx="0">
+              <a:schemeClr val="accent1"/>
+            </a:effectRef>
+            <a:fontRef idx="minor">
+              <a:schemeClr val="tx1"/>
+            </a:fontRef>
+          </p:style>
+        </p:cxnSp>
+        <p:cxnSp>
+          <p:nvCxnSpPr>
+            <p:cNvPr id="156" name="Straight Arrow Connector 155"/>
+            <p:cNvCxnSpPr/>
+            <p:nvPr/>
+          </p:nvCxnSpPr>
+          <p:spPr>
+            <a:xfrm flipV="1">
+              <a:off x="2738548" y="5335321"/>
+              <a:ext cx="500316" cy="3"/>
+            </a:xfrm>
+            <a:prstGeom prst="straightConnector1">
+              <a:avLst/>
+            </a:prstGeom>
+            <a:ln w="6350">
+              <a:solidFill>
+                <a:schemeClr val="tx1"/>
+              </a:solidFill>
+              <a:prstDash val="sysDash"/>
+              <a:tailEnd type="triangle"/>
+            </a:ln>
+          </p:spPr>
+          <p:style>
+            <a:lnRef idx="1">
+              <a:schemeClr val="dk1"/>
+            </a:lnRef>
+            <a:fillRef idx="0">
+              <a:schemeClr val="dk1"/>
+            </a:fillRef>
+            <a:effectRef idx="0">
+              <a:schemeClr val="dk1"/>
+            </a:effectRef>
+            <a:fontRef idx="minor">
+              <a:schemeClr val="tx1"/>
+            </a:fontRef>
+          </p:style>
+        </p:cxnSp>
+        <p:sp>
+          <p:nvSpPr>
+            <p:cNvPr id="65" name="Rectangle 64">
+              <a:extLst>
+                <a:ext uri="{FF2B5EF4-FFF2-40B4-BE49-F238E27FC236}">
+                  <a16:creationId xmlns:a16="http://schemas.microsoft.com/office/drawing/2014/main" id="{7DFD7B75-BB54-40ED-A250-2912758BACFC}"/>
+                </a:ext>
+              </a:extLst>
+            </p:cNvPr>
+            <p:cNvSpPr/>
+            <p:nvPr/>
+          </p:nvSpPr>
+          <p:spPr>
+            <a:xfrm>
+              <a:off x="9596153" y="2355056"/>
+              <a:ext cx="1046921" cy="528110"/>
+            </a:xfrm>
+            <a:prstGeom prst="rect">
+              <a:avLst/>
+            </a:prstGeom>
+            <a:solidFill>
+              <a:schemeClr val="bg1"/>
+            </a:solidFill>
+            <a:ln>
+              <a:noFill/>
+            </a:ln>
+          </p:spPr>
+          <p:style>
+            <a:lnRef idx="2">
+              <a:schemeClr val="accent1">
+                <a:shade val="50000"/>
+              </a:schemeClr>
+            </a:lnRef>
+            <a:fillRef idx="1">
+              <a:schemeClr val="accent1"/>
+            </a:fillRef>
+            <a:effectRef idx="0">
+              <a:schemeClr val="accent1"/>
+            </a:effectRef>
+            <a:fontRef idx="minor">
+              <a:schemeClr val="lt1"/>
+            </a:fontRef>
+          </p:style>
+          <p:txBody>
+            <a:bodyPr lIns="0" rIns="0" rtlCol="0" anchor="ctr"/>
+            <a:lstStyle/>
+            <a:p>
+              <a:pPr algn="ctr"/>
+              <a:r>
+                <a:rPr lang="en-US" sz="1200" b="1" dirty="0">
+                  <a:solidFill>
+                    <a:srgbClr val="C00000"/>
+                  </a:solidFill>
+                  <a:latin typeface="CMU Sans Serif" panose="02000603000000000000" pitchFamily="2" charset="0"/>
+                  <a:ea typeface="CMU Sans Serif" panose="02000603000000000000" pitchFamily="2" charset="0"/>
+                  <a:cs typeface="CMU Sans Serif" panose="02000603000000000000" pitchFamily="2" charset="0"/>
+                </a:rPr>
+                <a:t>Future Work</a:t>
+              </a:r>
+            </a:p>
+          </p:txBody>
+        </p:sp>
+      </p:grpSp>
+      <p:pic>
+        <p:nvPicPr>
+          <p:cNvPr id="1026" name="Picture 2" descr="logo">
+            <a:extLst>
+              <a:ext uri="{FF2B5EF4-FFF2-40B4-BE49-F238E27FC236}">
+                <a16:creationId xmlns:a16="http://schemas.microsoft.com/office/drawing/2014/main" id="{3425B33E-9092-488F-A6E7-878EEFFAE58B}"/>
+              </a:ext>
+            </a:extLst>
+          </p:cNvPr>
+          <p:cNvPicPr>
+            <a:picLocks noChangeAspect="1" noChangeArrowheads="1"/>
+          </p:cNvPicPr>
+          <p:nvPr/>
+        </p:nvPicPr>
+        <p:blipFill>
+          <a:blip r:embed="rId17" cstate="print">
+            <a:extLst>
+              <a:ext uri="{28A0092B-C50C-407E-A947-70E740481C1C}">
+                <a14:useLocalDpi xmlns:a14="http://schemas.microsoft.com/office/drawing/2010/main" val="0"/>
+              </a:ext>
+            </a:extLst>
+          </a:blip>
+          <a:srcRect/>
+          <a:stretch>
+            <a:fillRect/>
+          </a:stretch>
+        </p:blipFill>
+        <p:spPr bwMode="auto">
+          <a:xfrm>
+            <a:off x="9274740" y="1133708"/>
+            <a:ext cx="758740" cy="440069"/>
+          </a:xfrm>
+          <a:prstGeom prst="rect">
+            <a:avLst/>
+          </a:prstGeom>
+          <a:noFill/>
+          <a:extLst>
+            <a:ext uri="{909E8E84-426E-40DD-AFC4-6F175D3DCCD1}">
+              <a14:hiddenFill xmlns:a14="http://schemas.microsoft.com/office/drawing/2010/main">
+                <a:solidFill>
+                  <a:srgbClr val="FFFFFF"/>
+                </a:solidFill>
+              </a14:hiddenFill>
+            </a:ext>
+          </a:extLst>
+        </p:spPr>
+      </p:pic>
+      <p:sp>
+        <p:nvSpPr>
+          <p:cNvPr id="3" name="L-Shape 2">
+            <a:extLst>
+              <a:ext uri="{FF2B5EF4-FFF2-40B4-BE49-F238E27FC236}">
+                <a16:creationId xmlns:a16="http://schemas.microsoft.com/office/drawing/2014/main" id="{23D7F0C8-D321-46CE-84E9-AB3830D75331}"/>
+              </a:ext>
+            </a:extLst>
+          </p:cNvPr>
+          <p:cNvSpPr/>
+          <p:nvPr/>
+        </p:nvSpPr>
+        <p:spPr>
+          <a:xfrm rot="10800000">
+            <a:off x="7144286" y="2769833"/>
+            <a:ext cx="3402385" cy="2270492"/>
+          </a:xfrm>
+          <a:prstGeom prst="corner">
+            <a:avLst>
+              <a:gd name="adj1" fmla="val 48119"/>
+              <a:gd name="adj2" fmla="val 50187"/>
+            </a:avLst>
+          </a:prstGeom>
+          <a:solidFill>
+            <a:schemeClr val="accent5">
+              <a:lumMod val="60000"/>
+              <a:lumOff val="40000"/>
+              <a:alpha val="34000"/>
+            </a:schemeClr>
+          </a:solidFill>
+          <a:ln>
+            <a:solidFill>
+              <a:srgbClr val="C00000"/>
+            </a:solidFill>
+            <a:prstDash val="dash"/>
+          </a:ln>
+        </p:spPr>
+        <p:style>
+          <a:lnRef idx="2">
+            <a:schemeClr val="accent1">
+              <a:shade val="50000"/>
+            </a:schemeClr>
+          </a:lnRef>
+          <a:fillRef idx="1">
+            <a:schemeClr val="accent1"/>
+          </a:fillRef>
+          <a:effectRef idx="0">
+            <a:schemeClr val="accent1"/>
+          </a:effectRef>
+          <a:fontRef idx="minor">
+            <a:schemeClr val="lt1"/>
+          </a:fontRef>
+        </p:style>
+        <p:txBody>
+          <a:bodyPr rtlCol="0" anchor="ctr"/>
+          <a:lstStyle/>
+          <a:p>
+            <a:pPr algn="ctr"/>
+            <a:endParaRPr lang="en-US"/>
+          </a:p>
+        </p:txBody>
+      </p:sp>
+    </p:spTree>
+    <p:extLst>
+      <p:ext uri="{BB962C8B-B14F-4D97-AF65-F5344CB8AC3E}">
+        <p14:creationId xmlns:p14="http://schemas.microsoft.com/office/powerpoint/2010/main" val="1210470978"/>
       </p:ext>
     </p:extLst>
   </p:cSld>
